--- a/PLC & 라즈베리파이 서버.pptx
+++ b/PLC & 라즈베리파이 서버.pptx
@@ -10,19 +10,23 @@
     <p:sldId id="258" r:id="rId4"/>
     <p:sldId id="260" r:id="rId5"/>
     <p:sldId id="261" r:id="rId6"/>
-    <p:sldId id="262" r:id="rId7"/>
-    <p:sldId id="264" r:id="rId8"/>
-    <p:sldId id="268" r:id="rId9"/>
-    <p:sldId id="270" r:id="rId10"/>
-    <p:sldId id="271" r:id="rId11"/>
-    <p:sldId id="272" r:id="rId12"/>
-    <p:sldId id="274" r:id="rId13"/>
-    <p:sldId id="275" r:id="rId14"/>
-    <p:sldId id="277" r:id="rId15"/>
-    <p:sldId id="278" r:id="rId16"/>
-    <p:sldId id="279" r:id="rId17"/>
-    <p:sldId id="281" r:id="rId18"/>
-    <p:sldId id="282" r:id="rId19"/>
+    <p:sldId id="286" r:id="rId7"/>
+    <p:sldId id="287" r:id="rId8"/>
+    <p:sldId id="283" r:id="rId9"/>
+    <p:sldId id="284" r:id="rId10"/>
+    <p:sldId id="285" r:id="rId11"/>
+    <p:sldId id="264" r:id="rId12"/>
+    <p:sldId id="268" r:id="rId13"/>
+    <p:sldId id="270" r:id="rId14"/>
+    <p:sldId id="271" r:id="rId15"/>
+    <p:sldId id="272" r:id="rId16"/>
+    <p:sldId id="274" r:id="rId17"/>
+    <p:sldId id="275" r:id="rId18"/>
+    <p:sldId id="277" r:id="rId19"/>
+    <p:sldId id="278" r:id="rId20"/>
+    <p:sldId id="279" r:id="rId21"/>
+    <p:sldId id="281" r:id="rId22"/>
+    <p:sldId id="262" r:id="rId23"/>
   </p:sldIdLst>
   <p:sldSz cx="12192000" cy="6858000"/>
   <p:notesSz cx="6858000" cy="9144000"/>
@@ -3111,384 +3115,388 @@
       </p:grpSpPr>
       <p:sp>
         <p:nvSpPr>
-          <p:cNvPr id="3" name="부제목 2"/>
-          <p:cNvSpPr>
-            <a:spLocks noGrp="1"/>
-          </p:cNvSpPr>
-          <p:nvPr>
-            <p:ph type="subTitle" idx="1"/>
+          <p:cNvPr id="2" name="제목 1"/>
+          <p:cNvSpPr>
+            <a:spLocks noGrp="1"/>
+          </p:cNvSpPr>
+          <p:nvPr>
+            <p:ph type="title"/>
           </p:nvPr>
         </p:nvSpPr>
         <p:spPr>
           <a:xfrm>
-            <a:off x="793630" y="690112"/>
-            <a:ext cx="10688128" cy="5624423"/>
+            <a:off x="838201" y="365125"/>
+            <a:ext cx="10515599" cy="6104686"/>
           </a:xfrm>
         </p:spPr>
         <p:txBody>
-          <a:bodyPr>
-            <a:noAutofit/>
+          <a:bodyPr anchor="t">
+            <a:normAutofit/>
           </a:bodyPr>
           <a:lstStyle/>
           <a:p>
-            <a:pPr algn="l"/>
-            <a:r>
-              <a:rPr lang="ko-KR" altLang="en-US" sz="2000" dirty="0" smtClean="0"/>
-              <a:t>로케일 설치 이후 나머지 설치</a:t>
-            </a:r>
-          </a:p>
-          <a:p>
-            <a:pPr algn="l"/>
-            <a:r>
-              <a:rPr lang="en-US" altLang="ko-KR" sz="2000" dirty="0" err="1" smtClean="0"/>
-              <a:t>sudo</a:t>
-            </a:r>
-            <a:r>
-              <a:rPr lang="en-US" altLang="ko-KR" sz="2000" dirty="0" smtClean="0"/>
-              <a:t> apt-get install -y fonts-</a:t>
-            </a:r>
-            <a:r>
-              <a:rPr lang="en-US" altLang="ko-KR" sz="2000" dirty="0" err="1" smtClean="0"/>
-              <a:t>nanum</a:t>
-            </a:r>
-            <a:r>
-              <a:rPr lang="en-US" altLang="ko-KR" sz="2000" dirty="0" smtClean="0"/>
-              <a:t>* (</a:t>
-            </a:r>
-            <a:r>
-              <a:rPr lang="ko-KR" altLang="en-US" sz="2000" dirty="0"/>
-              <a:t>글꼴 </a:t>
-            </a:r>
-            <a:r>
-              <a:rPr lang="ko-KR" altLang="en-US" sz="2000" dirty="0" smtClean="0"/>
-              <a:t>설치</a:t>
-            </a:r>
-            <a:r>
-              <a:rPr lang="en-US" altLang="ko-KR" sz="2000" dirty="0" smtClean="0"/>
-              <a:t>, </a:t>
-            </a:r>
-            <a:r>
-              <a:rPr lang="ko-KR" altLang="en-US" sz="2000" dirty="0" smtClean="0"/>
-              <a:t>폰트깨짐방지</a:t>
+            <a:r>
+              <a:rPr lang="ko-KR" altLang="en-US" sz="2800" b="1" dirty="0" smtClean="0"/>
+              <a:t>실행 확인하기</a:t>
+            </a:r>
+            <a:r>
+              <a:rPr lang="en-US" altLang="ko-KR" sz="2000" dirty="0" smtClean="0"/>
+              <a:t/>
+            </a:r>
+            <a:br>
+              <a:rPr lang="en-US" altLang="ko-KR" sz="2000" dirty="0" smtClean="0"/>
+            </a:br>
+            <a:r>
+              <a:rPr lang="en-US" altLang="ko-KR" sz="2000" dirty="0" smtClean="0"/>
+              <a:t>PLC</a:t>
+            </a:r>
+            <a:r>
+              <a:rPr lang="ko-KR" altLang="en-US" sz="2000" dirty="0" smtClean="0"/>
+              <a:t>로부터 열기 </a:t>
+            </a:r>
+            <a:r>
+              <a:rPr lang="en-US" altLang="ko-KR" sz="2000" dirty="0" smtClean="0"/>
+              <a:t>– </a:t>
+            </a:r>
+            <a:r>
+              <a:rPr lang="ko-KR" altLang="en-US" sz="2000" dirty="0" smtClean="0"/>
+              <a:t>접속이 된 </a:t>
+            </a:r>
+            <a:r>
+              <a:rPr lang="ko-KR" altLang="en-US" sz="2000" dirty="0" err="1" smtClean="0"/>
+              <a:t>상태일때</a:t>
+            </a:r>
+            <a:r>
+              <a:rPr lang="en-US" altLang="ko-KR" sz="2000" dirty="0" smtClean="0"/>
+              <a:t>(</a:t>
+            </a:r>
+            <a:r>
+              <a:rPr lang="ko-KR" altLang="en-US" sz="2000" dirty="0" smtClean="0"/>
+              <a:t>아니라면 상단메뉴 온라인</a:t>
+            </a:r>
+            <a:r>
+              <a:rPr lang="en-US" altLang="ko-KR" sz="2000" dirty="0" smtClean="0"/>
+              <a:t>-</a:t>
+            </a:r>
+            <a:r>
+              <a:rPr lang="ko-KR" altLang="en-US" sz="2000" dirty="0" smtClean="0"/>
+              <a:t>접속</a:t>
             </a:r>
             <a:r>
               <a:rPr lang="en-US" altLang="ko-KR" sz="2000" dirty="0" smtClean="0"/>
               <a:t>)</a:t>
             </a:r>
-          </a:p>
-          <a:p>
-            <a:pPr algn="l"/>
-            <a:r>
-              <a:rPr lang="en-US" altLang="ko-KR" sz="2000" dirty="0" err="1" smtClean="0"/>
-              <a:t>sudo</a:t>
-            </a:r>
-            <a:r>
-              <a:rPr lang="en-US" altLang="ko-KR" sz="2000" dirty="0" smtClean="0"/>
-              <a:t> </a:t>
-            </a:r>
-            <a:r>
-              <a:rPr lang="en-US" altLang="ko-KR" sz="2000" dirty="0"/>
-              <a:t>apt-get install -y </a:t>
-            </a:r>
-            <a:r>
-              <a:rPr lang="en-US" altLang="ko-KR" sz="2000" dirty="0" err="1"/>
-              <a:t>ibus</a:t>
-            </a:r>
-            <a:r>
-              <a:rPr lang="en-US" altLang="ko-KR" sz="2000" dirty="0"/>
-              <a:t> </a:t>
-            </a:r>
-            <a:r>
-              <a:rPr lang="en-US" altLang="ko-KR" sz="2000" dirty="0" err="1" smtClean="0"/>
-              <a:t>ibus-hangul</a:t>
-            </a:r>
-            <a:r>
-              <a:rPr lang="en-US" altLang="ko-KR" sz="2000" dirty="0" smtClean="0"/>
-              <a:t> (</a:t>
-            </a:r>
-            <a:r>
-              <a:rPr lang="ko-KR" altLang="en-US" sz="2000" dirty="0"/>
-              <a:t>한글 </a:t>
-            </a:r>
-            <a:r>
-              <a:rPr lang="ko-KR" altLang="en-US" sz="2000" dirty="0" err="1"/>
-              <a:t>입력기</a:t>
-            </a:r>
-            <a:r>
-              <a:rPr lang="ko-KR" altLang="en-US" sz="2000" dirty="0"/>
-              <a:t> </a:t>
-            </a:r>
-            <a:r>
-              <a:rPr lang="ko-KR" altLang="en-US" sz="2000" dirty="0" smtClean="0"/>
-              <a:t>설치</a:t>
-            </a:r>
-            <a:r>
-              <a:rPr lang="en-US" altLang="ko-KR" sz="2000" dirty="0" smtClean="0"/>
-              <a:t>)</a:t>
+            <a:br>
+              <a:rPr lang="en-US" altLang="ko-KR" sz="2000" dirty="0" smtClean="0"/>
+            </a:br>
+            <a:r>
+              <a:rPr lang="en-US" altLang="ko-KR" sz="2000" dirty="0"/>
+              <a:t/>
+            </a:r>
+            <a:br>
+              <a:rPr lang="en-US" altLang="ko-KR" sz="2000" dirty="0"/>
+            </a:br>
+            <a:r>
+              <a:rPr lang="en-US" altLang="ko-KR" sz="2000" dirty="0"/>
+              <a:t>	</a:t>
+            </a:r>
+            <a:r>
+              <a:rPr lang="en-US" altLang="ko-KR" sz="2000" dirty="0" smtClean="0"/>
+              <a:t>		=&gt; </a:t>
+            </a:r>
+            <a:r>
+              <a:rPr lang="ko-KR" altLang="en-US" sz="2000" dirty="0" smtClean="0"/>
+              <a:t>접속 후 모니터 </a:t>
+            </a:r>
+            <a:r>
+              <a:rPr lang="en-US" altLang="ko-KR" sz="2000" dirty="0" smtClean="0"/>
+              <a:t>– </a:t>
+            </a:r>
+            <a:r>
+              <a:rPr lang="ko-KR" altLang="en-US" sz="2000" dirty="0" smtClean="0"/>
+              <a:t>모니터 시작 클릭</a:t>
+            </a:r>
+            <a:r>
+              <a:rPr lang="en-US" altLang="ko-KR" sz="2000" dirty="0" smtClean="0"/>
+              <a:t/>
+            </a:r>
+            <a:br>
+              <a:rPr lang="en-US" altLang="ko-KR" sz="2000" dirty="0" smtClean="0"/>
+            </a:br>
+            <a:r>
+              <a:rPr lang="en-US" altLang="ko-KR" sz="2000" dirty="0"/>
+              <a:t/>
+            </a:r>
+            <a:br>
+              <a:rPr lang="en-US" altLang="ko-KR" sz="2000" dirty="0"/>
+            </a:br>
+            <a:r>
+              <a:rPr lang="en-US" altLang="ko-KR" sz="2000" b="1" dirty="0" smtClean="0"/>
+              <a:t>D00910 </a:t>
+            </a:r>
+            <a:r>
+              <a:rPr lang="ko-KR" altLang="en-US" sz="2000" b="1" dirty="0" err="1" smtClean="0"/>
+              <a:t>입력값</a:t>
+            </a:r>
+            <a:r>
+              <a:rPr lang="ko-KR" altLang="en-US" sz="2000" b="1" dirty="0" smtClean="0"/>
+              <a:t> 변경하기</a:t>
+            </a:r>
+            <a:r>
+              <a:rPr lang="en-US" altLang="ko-KR" sz="2000" dirty="0" smtClean="0"/>
+              <a:t/>
+            </a:r>
+            <a:br>
+              <a:rPr lang="en-US" altLang="ko-KR" sz="2000" dirty="0" smtClean="0"/>
+            </a:br>
+            <a:r>
+              <a:rPr lang="en-US" altLang="ko-KR" sz="2000" dirty="0"/>
+              <a:t/>
+            </a:r>
+            <a:br>
+              <a:rPr lang="en-US" altLang="ko-KR" sz="2000" dirty="0"/>
+            </a:br>
+            <a:r>
+              <a:rPr lang="en-US" altLang="ko-KR" sz="2000" dirty="0" smtClean="0"/>
+              <a:t/>
+            </a:r>
+            <a:br>
+              <a:rPr lang="en-US" altLang="ko-KR" sz="2000" dirty="0" smtClean="0"/>
+            </a:br>
+            <a:r>
+              <a:rPr lang="en-US" altLang="ko-KR" sz="2000" dirty="0"/>
+              <a:t/>
+            </a:r>
+            <a:br>
+              <a:rPr lang="en-US" altLang="ko-KR" sz="2000" dirty="0"/>
+            </a:br>
+            <a:r>
+              <a:rPr lang="en-US" altLang="ko-KR" sz="2000" dirty="0" smtClean="0"/>
+              <a:t/>
+            </a:r>
+            <a:br>
+              <a:rPr lang="en-US" altLang="ko-KR" sz="2000" dirty="0" smtClean="0"/>
+            </a:br>
+            <a:r>
+              <a:rPr lang="en-US" altLang="ko-KR" sz="2000" dirty="0" smtClean="0"/>
+              <a:t/>
+            </a:r>
+            <a:br>
+              <a:rPr lang="en-US" altLang="ko-KR" sz="2000" dirty="0" smtClean="0"/>
+            </a:br>
+            <a:r>
+              <a:rPr lang="en-US" altLang="ko-KR" sz="2000" dirty="0"/>
+              <a:t/>
+            </a:r>
+            <a:br>
+              <a:rPr lang="en-US" altLang="ko-KR" sz="2000" dirty="0"/>
+            </a:br>
+            <a:r>
+              <a:rPr lang="en-US" altLang="ko-KR" sz="2000" dirty="0" smtClean="0"/>
+              <a:t>D910</a:t>
+            </a:r>
+            <a:r>
+              <a:rPr lang="ko-KR" altLang="en-US" sz="2000" dirty="0" smtClean="0"/>
+              <a:t>의 값을 변경하면</a:t>
+            </a:r>
+            <a:r>
+              <a:rPr lang="en-US" altLang="ko-KR" sz="2000" dirty="0" smtClean="0"/>
+              <a:t/>
+            </a:r>
+            <a:br>
+              <a:rPr lang="en-US" altLang="ko-KR" sz="2000" dirty="0" smtClean="0"/>
+            </a:br>
+            <a:r>
+              <a:rPr lang="ko-KR" altLang="en-US" sz="2000" dirty="0" err="1" smtClean="0"/>
+              <a:t>라즈베리파이</a:t>
+            </a:r>
+            <a:r>
+              <a:rPr lang="ko-KR" altLang="en-US" sz="2000" dirty="0" smtClean="0"/>
+              <a:t> 서버가 해당 </a:t>
+            </a:r>
+            <a:r>
+              <a:rPr lang="en-US" altLang="ko-KR" sz="2000" dirty="0" smtClean="0"/>
+              <a:t>D00910</a:t>
+            </a:r>
+            <a:r>
+              <a:rPr lang="ko-KR" altLang="en-US" sz="2000" dirty="0" smtClean="0"/>
+              <a:t>값의 변경을 감지해서 </a:t>
+            </a:r>
+            <a:r>
+              <a:rPr lang="en-US" altLang="ko-KR" sz="2000" dirty="0" smtClean="0"/>
+              <a:t>D01000</a:t>
+            </a:r>
+            <a:r>
+              <a:rPr lang="ko-KR" altLang="en-US" sz="2000" dirty="0" smtClean="0"/>
+              <a:t>의 값과 </a:t>
+            </a:r>
+            <a:r>
+              <a:rPr lang="en-US" altLang="ko-KR" sz="2000" dirty="0" smtClean="0"/>
+              <a:t>D01500</a:t>
+            </a:r>
+            <a:r>
+              <a:rPr lang="ko-KR" altLang="en-US" sz="2000" dirty="0" smtClean="0"/>
+              <a:t>의 값을 변경합니다</a:t>
+            </a:r>
+            <a:r>
+              <a:rPr lang="en-US" altLang="ko-KR" sz="2000" dirty="0" smtClean="0"/>
+              <a:t>.</a:t>
+            </a:r>
+            <a:br>
+              <a:rPr lang="en-US" altLang="ko-KR" sz="2000" dirty="0" smtClean="0"/>
+            </a:br>
+            <a:r>
+              <a:rPr lang="en-US" altLang="ko-KR" sz="2000" dirty="0"/>
+              <a:t/>
+            </a:r>
+            <a:br>
+              <a:rPr lang="en-US" altLang="ko-KR" sz="2000" dirty="0"/>
+            </a:br>
+            <a:r>
+              <a:rPr lang="en-US" altLang="ko-KR" sz="2000" dirty="0" smtClean="0"/>
+              <a:t>※ D01000 </a:t>
+            </a:r>
+            <a:r>
+              <a:rPr lang="ko-KR" altLang="en-US" sz="2000" dirty="0" smtClean="0"/>
+              <a:t>기계에 전송되는 전압의 아날로그 값</a:t>
+            </a:r>
+            <a:r>
+              <a:rPr lang="en-US" altLang="ko-KR" sz="2000" dirty="0" smtClean="0"/>
+              <a:t/>
+            </a:r>
+            <a:br>
+              <a:rPr lang="en-US" altLang="ko-KR" sz="2000" dirty="0" smtClean="0"/>
+            </a:br>
+            <a:r>
+              <a:rPr lang="en-US" altLang="ko-KR" sz="2000" dirty="0" smtClean="0"/>
+              <a:t>※ D01500 </a:t>
+            </a:r>
+            <a:r>
+              <a:rPr lang="ko-KR" altLang="en-US" sz="2000" dirty="0" smtClean="0"/>
+              <a:t>기계에서 돌아오는 아날로그 수신 값을 </a:t>
+            </a:r>
+            <a:r>
+              <a:rPr lang="en-US" altLang="ko-KR" sz="2000" dirty="0" smtClean="0"/>
+              <a:t>V</a:t>
+            </a:r>
+            <a:r>
+              <a:rPr lang="ko-KR" altLang="en-US" sz="2000" dirty="0" smtClean="0"/>
+              <a:t>로 변경한 값</a:t>
+            </a:r>
+            <a:r>
+              <a:rPr lang="en-US" altLang="ko-KR" sz="2000" dirty="0"/>
+              <a:t/>
+            </a:r>
+            <a:br>
+              <a:rPr lang="en-US" altLang="ko-KR" sz="2000" dirty="0"/>
+            </a:br>
+            <a:r>
+              <a:rPr lang="en-US" altLang="ko-KR" sz="2000" dirty="0" smtClean="0"/>
+              <a:t>  PLC</a:t>
+            </a:r>
+            <a:r>
+              <a:rPr lang="ko-KR" altLang="en-US" sz="2000" dirty="0" smtClean="0"/>
+              <a:t>에서 소수점 표기가 불가능하기 때문에 </a:t>
+            </a:r>
+            <a:r>
+              <a:rPr lang="en-US" altLang="ko-KR" sz="2000" dirty="0" smtClean="0"/>
+              <a:t>*10</a:t>
+            </a:r>
+            <a:r>
+              <a:rPr lang="ko-KR" altLang="en-US" sz="2000" dirty="0" smtClean="0"/>
+              <a:t>으로 값을 보내기 때문에 받을 때 </a:t>
+            </a:r>
+            <a:r>
+              <a:rPr lang="en-US" altLang="ko-KR" sz="2000" dirty="0" smtClean="0"/>
+              <a:t>(D1500</a:t>
+            </a:r>
+            <a:r>
+              <a:rPr lang="ko-KR" altLang="en-US" sz="2000" dirty="0" smtClean="0"/>
+              <a:t>값</a:t>
+            </a:r>
+            <a:r>
+              <a:rPr lang="en-US" altLang="ko-KR" sz="2000" dirty="0" smtClean="0"/>
+              <a:t>)/10</a:t>
+            </a:r>
+            <a:r>
+              <a:rPr lang="ko-KR" altLang="en-US" sz="2000" dirty="0" smtClean="0"/>
+              <a:t>해야 합니다</a:t>
+            </a:r>
+            <a:r>
+              <a:rPr lang="en-US" altLang="ko-KR" sz="2000" dirty="0" smtClean="0"/>
+              <a:t>.</a:t>
+            </a:r>
+            <a:br>
+              <a:rPr lang="en-US" altLang="ko-KR" sz="2000" dirty="0" smtClean="0"/>
+            </a:br>
+            <a:r>
+              <a:rPr lang="en-US" altLang="ko-KR" sz="2000" dirty="0" smtClean="0"/>
+              <a:t>  Ex) D1500</a:t>
+            </a:r>
+            <a:r>
+              <a:rPr lang="ko-KR" altLang="en-US" sz="2000" dirty="0" smtClean="0"/>
+              <a:t>의 값</a:t>
+            </a:r>
+            <a:r>
+              <a:rPr lang="en-US" altLang="ko-KR" sz="2000" dirty="0" smtClean="0"/>
+              <a:t> = 658 =&gt; 65.8V</a:t>
             </a:r>
             <a:endParaRPr lang="ko-KR" altLang="en-US" sz="2000" dirty="0"/>
           </a:p>
-          <a:p>
-            <a:pPr algn="l"/>
-            <a:r>
-              <a:rPr lang="en-US" altLang="ko-KR" sz="2000" dirty="0" err="1" smtClean="0"/>
-              <a:t>im-config</a:t>
-            </a:r>
-            <a:r>
-              <a:rPr lang="en-US" altLang="ko-KR" sz="2000" dirty="0" smtClean="0"/>
-              <a:t> </a:t>
-            </a:r>
-            <a:r>
-              <a:rPr lang="en-US" altLang="ko-KR" sz="2000" dirty="0"/>
-              <a:t>-n </a:t>
-            </a:r>
-            <a:r>
-              <a:rPr lang="en-US" altLang="ko-KR" sz="2000" dirty="0" err="1" smtClean="0"/>
-              <a:t>ibus</a:t>
-            </a:r>
-            <a:r>
-              <a:rPr lang="en-US" altLang="ko-KR" sz="2000" dirty="0" smtClean="0"/>
-              <a:t> (</a:t>
-            </a:r>
-            <a:r>
-              <a:rPr lang="en-US" altLang="ko-KR" sz="2000" dirty="0" err="1"/>
-              <a:t>ibus</a:t>
-            </a:r>
-            <a:r>
-              <a:rPr lang="ko-KR" altLang="en-US" sz="2000" dirty="0"/>
-              <a:t>를 기본 입력방법으로 </a:t>
-            </a:r>
-            <a:r>
-              <a:rPr lang="ko-KR" altLang="en-US" sz="2000" dirty="0" smtClean="0"/>
-              <a:t>설정</a:t>
-            </a:r>
-            <a:r>
-              <a:rPr lang="en-US" altLang="ko-KR" sz="2000" dirty="0" smtClean="0"/>
-              <a:t>)</a:t>
-            </a:r>
-            <a:endParaRPr lang="en-US" altLang="ko-KR" sz="2000" dirty="0"/>
-          </a:p>
-          <a:p>
-            <a:pPr algn="l"/>
-            <a:r>
-              <a:rPr lang="ko-KR" altLang="en-US" sz="2000" dirty="0" err="1" smtClean="0"/>
-              <a:t>입력기에</a:t>
-            </a:r>
-            <a:r>
-              <a:rPr lang="ko-KR" altLang="en-US" sz="2000" dirty="0" smtClean="0"/>
-              <a:t> </a:t>
-            </a:r>
-            <a:r>
-              <a:rPr lang="ko-KR" altLang="en-US" sz="2000" dirty="0"/>
-              <a:t>한글 추가하기</a:t>
-            </a:r>
-          </a:p>
-          <a:p>
-            <a:pPr algn="l"/>
-            <a:r>
-              <a:rPr lang="en-US" altLang="ko-KR" sz="2000" dirty="0" err="1" smtClean="0"/>
-              <a:t>ibus</a:t>
-            </a:r>
-            <a:r>
-              <a:rPr lang="en-US" altLang="ko-KR" sz="2000" dirty="0" smtClean="0"/>
-              <a:t>-setup</a:t>
-            </a:r>
-            <a:endParaRPr lang="en-US" altLang="ko-KR" sz="2000" dirty="0"/>
-          </a:p>
-          <a:p>
-            <a:pPr marL="342900" indent="-342900" algn="l">
-              <a:buFont typeface="Symbol" panose="05050102010706020507" pitchFamily="18" charset="2"/>
-              <a:buChar char="Þ"/>
-            </a:pPr>
-            <a:r>
-              <a:rPr lang="en-US" altLang="ko-KR" sz="2000" dirty="0" smtClean="0"/>
-              <a:t>input </a:t>
-            </a:r>
-            <a:r>
-              <a:rPr lang="en-US" altLang="ko-KR" sz="2000" dirty="0"/>
-              <a:t>Method =&gt; Add =&gt; Korean =&gt; </a:t>
-            </a:r>
-            <a:r>
-              <a:rPr lang="en-US" altLang="ko-KR" sz="2000" dirty="0" err="1" smtClean="0"/>
-              <a:t>hangul</a:t>
-            </a:r>
-            <a:endParaRPr lang="en-US" altLang="ko-KR" sz="2000" dirty="0" smtClean="0"/>
-          </a:p>
-          <a:p>
-            <a:pPr marL="342900" indent="-342900" algn="l">
-              <a:buFont typeface="Symbol" panose="05050102010706020507" pitchFamily="18" charset="2"/>
-              <a:buChar char="Þ"/>
-            </a:pPr>
-            <a:r>
-              <a:rPr lang="en-US" altLang="ko-KR" sz="2000" dirty="0" err="1" smtClean="0"/>
-              <a:t>sudo</a:t>
-            </a:r>
-            <a:r>
-              <a:rPr lang="en-US" altLang="ko-KR" sz="2000" dirty="0" smtClean="0"/>
-              <a:t> reboot</a:t>
-            </a:r>
-            <a:endParaRPr lang="en-US" altLang="ko-KR" sz="2000" dirty="0"/>
-          </a:p>
-          <a:p>
-            <a:pPr algn="l"/>
-            <a:r>
-              <a:rPr lang="en-US" altLang="ko-KR" sz="2000" dirty="0" smtClean="0"/>
-              <a:t>※ </a:t>
-            </a:r>
-            <a:r>
-              <a:rPr lang="ko-KR" altLang="en-US" sz="2000" dirty="0"/>
-              <a:t>이때 </a:t>
-            </a:r>
-            <a:r>
-              <a:rPr lang="en-US" altLang="ko-KR" sz="2000" dirty="0" err="1"/>
-              <a:t>ibus</a:t>
-            </a:r>
-            <a:r>
-              <a:rPr lang="en-US" altLang="ko-KR" sz="2000" dirty="0"/>
-              <a:t>-setup</a:t>
-            </a:r>
-            <a:r>
-              <a:rPr lang="ko-KR" altLang="en-US" sz="2000" dirty="0" smtClean="0"/>
-              <a:t>일 때 </a:t>
-            </a:r>
-            <a:r>
-              <a:rPr lang="ko-KR" altLang="en-US" sz="2000" dirty="0"/>
-              <a:t>오류가 뜨면서 </a:t>
-            </a:r>
-            <a:r>
-              <a:rPr lang="ko-KR" altLang="en-US" sz="2000" dirty="0" smtClean="0"/>
-              <a:t>실행되지 않을</a:t>
-            </a:r>
-            <a:r>
-              <a:rPr lang="ko-KR" altLang="en-US" sz="2000" dirty="0" smtClean="0"/>
-              <a:t> </a:t>
-            </a:r>
-            <a:r>
-              <a:rPr lang="ko-KR" altLang="en-US" sz="2000" dirty="0"/>
-              <a:t>수 있는데</a:t>
-            </a:r>
-          </a:p>
-          <a:p>
-            <a:pPr algn="l"/>
-            <a:r>
-              <a:rPr lang="ko-KR" altLang="en-US" sz="2000" dirty="0"/>
-              <a:t>    </a:t>
-            </a:r>
-            <a:r>
-              <a:rPr lang="en-US" altLang="ko-KR" sz="2000" dirty="0"/>
-              <a:t>1. </a:t>
-            </a:r>
-            <a:r>
-              <a:rPr lang="ko-KR" altLang="en-US" sz="2000" dirty="0" smtClean="0"/>
-              <a:t>재부팅 후 </a:t>
-            </a:r>
-            <a:r>
-              <a:rPr lang="ko-KR" altLang="en-US" sz="2000" dirty="0"/>
-              <a:t>다시 실행</a:t>
-            </a:r>
-          </a:p>
-          <a:p>
-            <a:pPr algn="l"/>
-            <a:r>
-              <a:rPr lang="ko-KR" altLang="en-US" sz="2000" dirty="0"/>
-              <a:t>    </a:t>
-            </a:r>
-            <a:r>
-              <a:rPr lang="en-US" altLang="ko-KR" sz="2000" dirty="0"/>
-              <a:t>2. </a:t>
-            </a:r>
-            <a:r>
-              <a:rPr lang="ko-KR" altLang="en-US" sz="2000" dirty="0"/>
-              <a:t>그래도 안된다면 </a:t>
-            </a:r>
-            <a:r>
-              <a:rPr lang="en-US" altLang="ko-KR" sz="2000" dirty="0" err="1"/>
-              <a:t>sudo</a:t>
-            </a:r>
-            <a:r>
-              <a:rPr lang="en-US" altLang="ko-KR" sz="2000" dirty="0"/>
-              <a:t> </a:t>
-            </a:r>
-            <a:r>
-              <a:rPr lang="en-US" altLang="ko-KR" sz="2000" dirty="0" err="1"/>
-              <a:t>ibus</a:t>
-            </a:r>
-            <a:r>
-              <a:rPr lang="en-US" altLang="ko-KR" sz="2000" dirty="0"/>
-              <a:t>-setup </a:t>
-            </a:r>
-            <a:r>
-              <a:rPr lang="ko-KR" altLang="en-US" sz="2000" dirty="0"/>
-              <a:t>후 오류메세지가 </a:t>
-            </a:r>
-            <a:r>
-              <a:rPr lang="ko-KR" altLang="en-US" sz="2000" dirty="0" smtClean="0"/>
-              <a:t>출력될 수 있는데</a:t>
-            </a:r>
-            <a:r>
-              <a:rPr lang="en-US" altLang="ko-KR" sz="2000" dirty="0" smtClean="0"/>
-              <a:t>,</a:t>
-            </a:r>
-            <a:endParaRPr lang="ko-KR" altLang="en-US" sz="2000" dirty="0"/>
-          </a:p>
-          <a:p>
-            <a:pPr algn="l"/>
-            <a:r>
-              <a:rPr lang="ko-KR" altLang="en-US" sz="2000" dirty="0"/>
-              <a:t>       무시하고 </a:t>
-            </a:r>
-            <a:r>
-              <a:rPr lang="en-US" altLang="ko-KR" sz="2000" dirty="0"/>
-              <a:t>Hangul</a:t>
-            </a:r>
-            <a:r>
-              <a:rPr lang="ko-KR" altLang="en-US" sz="2000" dirty="0" smtClean="0"/>
-              <a:t>설정 후 재부팅 후 </a:t>
-            </a:r>
-            <a:r>
-              <a:rPr lang="ko-KR" altLang="en-US" sz="2000" dirty="0"/>
-              <a:t>다시 </a:t>
-            </a:r>
-            <a:r>
-              <a:rPr lang="en-US" altLang="ko-KR" sz="2000" dirty="0" err="1"/>
-              <a:t>ibus</a:t>
-            </a:r>
-            <a:r>
-              <a:rPr lang="en-US" altLang="ko-KR" sz="2000" dirty="0"/>
-              <a:t>-setup</a:t>
-            </a:r>
-            <a:r>
-              <a:rPr lang="ko-KR" altLang="en-US" sz="2000" dirty="0"/>
-              <a:t>으로 접속해서 </a:t>
-            </a:r>
-            <a:r>
-              <a:rPr lang="ko-KR" altLang="en-US" sz="2000" dirty="0" smtClean="0"/>
-              <a:t>한글</a:t>
-            </a:r>
-            <a:r>
-              <a:rPr lang="en-US" altLang="ko-KR" sz="2000" dirty="0" smtClean="0"/>
-              <a:t>	</a:t>
-            </a:r>
-            <a:r>
-              <a:rPr lang="ko-KR" altLang="en-US" sz="2000" dirty="0" smtClean="0"/>
-              <a:t>이 </a:t>
-            </a:r>
-            <a:r>
-              <a:rPr lang="ko-KR" altLang="en-US" sz="2000" dirty="0"/>
-              <a:t>추가되었는지 확인해보세요</a:t>
-            </a:r>
-            <a:r>
-              <a:rPr lang="en-US" altLang="ko-KR" sz="2000" dirty="0"/>
-              <a:t>.</a:t>
-            </a:r>
-            <a:endParaRPr lang="ko-KR" altLang="en-US" sz="2000" dirty="0"/>
-          </a:p>
-        </p:txBody>
-      </p:sp>
+        </p:txBody>
+      </p:sp>
+      <p:pic>
+        <p:nvPicPr>
+          <p:cNvPr id="8" name="그림 7"/>
+          <p:cNvPicPr>
+            <a:picLocks noChangeAspect="1"/>
+          </p:cNvPicPr>
+          <p:nvPr/>
+        </p:nvPicPr>
+        <p:blipFill>
+          <a:blip r:embed="rId2"/>
+          <a:stretch>
+            <a:fillRect/>
+          </a:stretch>
+        </p:blipFill>
+        <p:spPr>
+          <a:xfrm>
+            <a:off x="838201" y="1153513"/>
+            <a:ext cx="2724150" cy="600075"/>
+          </a:xfrm>
+          <a:prstGeom prst="rect">
+            <a:avLst/>
+          </a:prstGeom>
+        </p:spPr>
+      </p:pic>
+      <p:pic>
+        <p:nvPicPr>
+          <p:cNvPr id="10" name="그림 9"/>
+          <p:cNvPicPr>
+            <a:picLocks noChangeAspect="1"/>
+          </p:cNvPicPr>
+          <p:nvPr/>
+        </p:nvPicPr>
+        <p:blipFill>
+          <a:blip r:embed="rId3"/>
+          <a:stretch>
+            <a:fillRect/>
+          </a:stretch>
+        </p:blipFill>
+        <p:spPr>
+          <a:xfrm>
+            <a:off x="855095" y="2303223"/>
+            <a:ext cx="7143750" cy="1295400"/>
+          </a:xfrm>
+          <a:prstGeom prst="rect">
+            <a:avLst/>
+          </a:prstGeom>
+        </p:spPr>
+      </p:pic>
     </p:spTree>
     <p:extLst>
       <p:ext uri="{BB962C8B-B14F-4D97-AF65-F5344CB8AC3E}">
-        <p14:creationId xmlns:p14="http://schemas.microsoft.com/office/powerpoint/2010/main" val="2764984147"/>
+        <p14:creationId xmlns:p14="http://schemas.microsoft.com/office/powerpoint/2010/main" val="4185965662"/>
       </p:ext>
     </p:extLst>
   </p:cSld>
@@ -3522,6 +3530,969 @@
             <a:spLocks noGrp="1"/>
           </p:cNvSpPr>
           <p:nvPr>
+            <p:ph type="ctrTitle"/>
+          </p:nvPr>
+        </p:nvSpPr>
+        <p:spPr>
+          <a:xfrm>
+            <a:off x="1524000" y="1122362"/>
+            <a:ext cx="9144000" cy="4135437"/>
+          </a:xfrm>
+        </p:spPr>
+        <p:txBody>
+          <a:bodyPr anchor="ctr"/>
+          <a:lstStyle/>
+          <a:p>
+            <a:r>
+              <a:rPr lang="ko-KR" altLang="en-US" dirty="0" err="1" smtClean="0"/>
+              <a:t>라즈베리파이</a:t>
+            </a:r>
+            <a:r>
+              <a:rPr lang="en-US" altLang="ko-KR" dirty="0"/>
+              <a:t/>
+            </a:r>
+            <a:br>
+              <a:rPr lang="en-US" altLang="ko-KR" dirty="0"/>
+            </a:br>
+            <a:r>
+              <a:rPr lang="ko-KR" altLang="en-US" dirty="0" smtClean="0"/>
+              <a:t>처음부터 </a:t>
+            </a:r>
+            <a:r>
+              <a:rPr lang="ko-KR" altLang="en-US" dirty="0" smtClean="0"/>
+              <a:t>설치</a:t>
+            </a:r>
+            <a:endParaRPr lang="ko-KR" altLang="en-US" dirty="0"/>
+          </a:p>
+        </p:txBody>
+      </p:sp>
+    </p:spTree>
+    <p:extLst>
+      <p:ext uri="{BB962C8B-B14F-4D97-AF65-F5344CB8AC3E}">
+        <p14:creationId xmlns:p14="http://schemas.microsoft.com/office/powerpoint/2010/main" val="1106659232"/>
+      </p:ext>
+    </p:extLst>
+  </p:cSld>
+  <p:clrMapOvr>
+    <a:masterClrMapping/>
+  </p:clrMapOvr>
+  <p:timing>
+    <p:tnLst>
+      <p:par>
+        <p:cTn id="1" dur="indefinite" restart="never" nodeType="tmRoot"/>
+      </p:par>
+    </p:tnLst>
+  </p:timing>
+</p:sld>
+</file>
+
+<file path=ppt/slides/slide12.xml><?xml version="1.0" encoding="utf-8"?>
+<p:sld xmlns:a="http://schemas.openxmlformats.org/drawingml/2006/main" xmlns:r="http://schemas.openxmlformats.org/officeDocument/2006/relationships" xmlns:p="http://schemas.openxmlformats.org/presentationml/2006/main">
+  <p:cSld>
+    <p:spTree>
+      <p:nvGrpSpPr>
+        <p:cNvPr id="1" name=""/>
+        <p:cNvGrpSpPr/>
+        <p:nvPr/>
+      </p:nvGrpSpPr>
+      <p:grpSpPr>
+        <a:xfrm>
+          <a:off x="0" y="0"/>
+          <a:ext cx="0" cy="0"/>
+          <a:chOff x="0" y="0"/>
+          <a:chExt cx="0" cy="0"/>
+        </a:xfrm>
+      </p:grpSpPr>
+      <p:sp>
+        <p:nvSpPr>
+          <p:cNvPr id="2" name="제목 1"/>
+          <p:cNvSpPr>
+            <a:spLocks noGrp="1"/>
+          </p:cNvSpPr>
+          <p:nvPr>
+            <p:ph type="title"/>
+          </p:nvPr>
+        </p:nvSpPr>
+        <p:spPr/>
+        <p:txBody>
+          <a:bodyPr/>
+          <a:lstStyle/>
+          <a:p>
+            <a:r>
+              <a:rPr lang="en-US" altLang="ko-KR" b="1" dirty="0" smtClean="0"/>
+              <a:t>1. </a:t>
+            </a:r>
+            <a:r>
+              <a:rPr lang="ko-KR" altLang="en-US" b="1" dirty="0" err="1" smtClean="0"/>
+              <a:t>라즈베리파이에</a:t>
+            </a:r>
+            <a:r>
+              <a:rPr lang="ko-KR" altLang="en-US" b="1" dirty="0" smtClean="0"/>
+              <a:t> 운영체제 설치</a:t>
+            </a:r>
+            <a:endParaRPr lang="ko-KR" altLang="en-US" dirty="0"/>
+          </a:p>
+        </p:txBody>
+      </p:sp>
+      <p:sp>
+        <p:nvSpPr>
+          <p:cNvPr id="3" name="내용 개체 틀 2"/>
+          <p:cNvSpPr>
+            <a:spLocks noGrp="1"/>
+          </p:cNvSpPr>
+          <p:nvPr>
+            <p:ph sz="half" idx="1"/>
+          </p:nvPr>
+        </p:nvSpPr>
+        <p:spPr/>
+        <p:txBody>
+          <a:bodyPr>
+            <a:normAutofit/>
+          </a:bodyPr>
+          <a:lstStyle/>
+          <a:p>
+            <a:r>
+              <a:rPr lang="ko-KR" altLang="en-US" sz="2400" dirty="0" err="1"/>
+              <a:t>라즈베리파이와</a:t>
+            </a:r>
+            <a:r>
+              <a:rPr lang="ko-KR" altLang="en-US" sz="2400" dirty="0"/>
+              <a:t> </a:t>
+            </a:r>
+            <a:r>
+              <a:rPr lang="en-US" altLang="ko-KR" sz="2400" dirty="0"/>
+              <a:t>SD</a:t>
+            </a:r>
+            <a:r>
+              <a:rPr lang="ko-KR" altLang="en-US" sz="2400" dirty="0"/>
+              <a:t>카드</a:t>
+            </a:r>
+            <a:r>
+              <a:rPr lang="en-US" altLang="ko-KR" sz="2400" dirty="0"/>
+              <a:t>, SD</a:t>
+            </a:r>
+            <a:r>
+              <a:rPr lang="ko-KR" altLang="en-US" sz="2400" dirty="0"/>
+              <a:t>카드 리더기를 준비합니다</a:t>
+            </a:r>
+            <a:r>
+              <a:rPr lang="en-US" altLang="ko-KR" sz="2400" dirty="0"/>
+              <a:t>.</a:t>
+            </a:r>
+          </a:p>
+          <a:p>
+            <a:r>
+              <a:rPr lang="ko-KR" altLang="en-US" sz="2400" u="sng" dirty="0" err="1">
+                <a:hlinkClick r:id="rId2"/>
+              </a:rPr>
+              <a:t>라즈비안</a:t>
+            </a:r>
+            <a:r>
+              <a:rPr lang="ko-KR" altLang="en-US" sz="2400" u="sng" dirty="0">
+                <a:hlinkClick r:id="rId2"/>
+              </a:rPr>
+              <a:t> </a:t>
+            </a:r>
+            <a:r>
+              <a:rPr lang="ko-KR" altLang="en-US" sz="2400" u="sng" dirty="0" err="1">
+                <a:hlinkClick r:id="rId2"/>
+              </a:rPr>
+              <a:t>이미저</a:t>
+            </a:r>
+            <a:r>
+              <a:rPr lang="ko-KR" altLang="en-US" sz="2400" u="sng" dirty="0">
+                <a:hlinkClick r:id="rId2"/>
+              </a:rPr>
+              <a:t> 다운로드</a:t>
+            </a:r>
+            <a:endParaRPr lang="en-US" altLang="ko-KR" sz="2400" u="sng" dirty="0"/>
+          </a:p>
+          <a:p>
+            <a:r>
+              <a:rPr lang="ko-KR" altLang="en-US" sz="2400" dirty="0"/>
+              <a:t>이후 운영체제 설치과정 </a:t>
+            </a:r>
+            <a:r>
+              <a:rPr lang="ko-KR" altLang="en-US" sz="2400" dirty="0" smtClean="0"/>
+              <a:t>생략</a:t>
+            </a:r>
+            <a:endParaRPr lang="ko-KR" altLang="en-US" sz="2400" dirty="0"/>
+          </a:p>
+          <a:p>
+            <a:endParaRPr lang="ko-KR" altLang="en-US" sz="2400" dirty="0"/>
+          </a:p>
+        </p:txBody>
+      </p:sp>
+      <p:pic>
+        <p:nvPicPr>
+          <p:cNvPr id="5" name="내용 개체 틀 4"/>
+          <p:cNvPicPr>
+            <a:picLocks noGrp="1" noChangeAspect="1"/>
+          </p:cNvPicPr>
+          <p:nvPr>
+            <p:ph sz="half" idx="2"/>
+          </p:nvPr>
+        </p:nvPicPr>
+        <p:blipFill>
+          <a:blip r:embed="rId3"/>
+          <a:stretch>
+            <a:fillRect/>
+          </a:stretch>
+        </p:blipFill>
+        <p:spPr>
+          <a:xfrm>
+            <a:off x="6605769" y="1825625"/>
+            <a:ext cx="4314462" cy="4351338"/>
+          </a:xfrm>
+          <a:prstGeom prst="rect">
+            <a:avLst/>
+          </a:prstGeom>
+        </p:spPr>
+      </p:pic>
+    </p:spTree>
+    <p:extLst>
+      <p:ext uri="{BB962C8B-B14F-4D97-AF65-F5344CB8AC3E}">
+        <p14:creationId xmlns:p14="http://schemas.microsoft.com/office/powerpoint/2010/main" val="3775733463"/>
+      </p:ext>
+    </p:extLst>
+  </p:cSld>
+  <p:clrMapOvr>
+    <a:masterClrMapping/>
+  </p:clrMapOvr>
+  <p:timing>
+    <p:tnLst>
+      <p:par>
+        <p:cTn id="1" dur="indefinite" restart="never" nodeType="tmRoot"/>
+      </p:par>
+    </p:tnLst>
+  </p:timing>
+</p:sld>
+</file>
+
+<file path=ppt/slides/slide13.xml><?xml version="1.0" encoding="utf-8"?>
+<p:sld xmlns:a="http://schemas.openxmlformats.org/drawingml/2006/main" xmlns:r="http://schemas.openxmlformats.org/officeDocument/2006/relationships" xmlns:p="http://schemas.openxmlformats.org/presentationml/2006/main">
+  <p:cSld>
+    <p:spTree>
+      <p:nvGrpSpPr>
+        <p:cNvPr id="1" name=""/>
+        <p:cNvGrpSpPr/>
+        <p:nvPr/>
+      </p:nvGrpSpPr>
+      <p:grpSpPr>
+        <a:xfrm>
+          <a:off x="0" y="0"/>
+          <a:ext cx="0" cy="0"/>
+          <a:chOff x="0" y="0"/>
+          <a:chExt cx="0" cy="0"/>
+        </a:xfrm>
+      </p:grpSpPr>
+      <p:sp>
+        <p:nvSpPr>
+          <p:cNvPr id="2" name="제목 1"/>
+          <p:cNvSpPr>
+            <a:spLocks noGrp="1"/>
+          </p:cNvSpPr>
+          <p:nvPr>
+            <p:ph type="title"/>
+          </p:nvPr>
+        </p:nvSpPr>
+        <p:spPr/>
+        <p:txBody>
+          <a:bodyPr/>
+          <a:lstStyle/>
+          <a:p>
+            <a:r>
+              <a:rPr lang="en-US" altLang="ko-KR" b="1" dirty="0" smtClean="0"/>
+              <a:t>2. </a:t>
+            </a:r>
+            <a:r>
+              <a:rPr lang="ko-KR" altLang="en-US" b="1" dirty="0" err="1" smtClean="0"/>
+              <a:t>라즈베리파이에</a:t>
+            </a:r>
+            <a:r>
+              <a:rPr lang="ko-KR" altLang="en-US" b="1" dirty="0" smtClean="0"/>
+              <a:t> </a:t>
+            </a:r>
+            <a:r>
+              <a:rPr lang="ko-KR" altLang="en-US" b="1" dirty="0" err="1" smtClean="0"/>
+              <a:t>한글설정</a:t>
+            </a:r>
+            <a:endParaRPr lang="ko-KR" altLang="en-US" dirty="0"/>
+          </a:p>
+        </p:txBody>
+      </p:sp>
+      <p:sp>
+        <p:nvSpPr>
+          <p:cNvPr id="3" name="내용 개체 틀 2"/>
+          <p:cNvSpPr>
+            <a:spLocks noGrp="1"/>
+          </p:cNvSpPr>
+          <p:nvPr>
+            <p:ph idx="1"/>
+          </p:nvPr>
+        </p:nvSpPr>
+        <p:spPr>
+          <a:xfrm>
+            <a:off x="838200" y="1825625"/>
+            <a:ext cx="10515600" cy="4601054"/>
+          </a:xfrm>
+        </p:spPr>
+        <p:txBody>
+          <a:bodyPr>
+            <a:normAutofit/>
+          </a:bodyPr>
+          <a:lstStyle/>
+          <a:p>
+            <a:r>
+              <a:rPr lang="ko-KR" altLang="en-US" sz="2000" dirty="0"/>
+              <a:t>한글 설정을 해주지 않으면 영어는 사용할 수 있지만</a:t>
+            </a:r>
+          </a:p>
+          <a:p>
+            <a:r>
+              <a:rPr lang="ko-KR" altLang="en-US" sz="2000" dirty="0"/>
+              <a:t>특수문자 </a:t>
+            </a:r>
+            <a:r>
+              <a:rPr lang="ko-KR" altLang="en-US" sz="2000" dirty="0" smtClean="0"/>
+              <a:t>키 배열이 </a:t>
+            </a:r>
+            <a:r>
+              <a:rPr lang="ko-KR" altLang="en-US" sz="2000" dirty="0"/>
+              <a:t>달라서 각종 설치에 문제가 </a:t>
+            </a:r>
+            <a:r>
+              <a:rPr lang="ko-KR" altLang="en-US" sz="2000" dirty="0" smtClean="0"/>
+              <a:t>있으므로 먼저 </a:t>
+            </a:r>
+            <a:r>
+              <a:rPr lang="ko-KR" altLang="en-US" sz="2000" dirty="0"/>
+              <a:t>한글을 설치합니다</a:t>
+            </a:r>
+            <a:r>
+              <a:rPr lang="en-US" altLang="ko-KR" sz="2000" dirty="0"/>
+              <a:t>.</a:t>
+            </a:r>
+          </a:p>
+          <a:p>
+            <a:r>
+              <a:rPr lang="ko-KR" altLang="en-US" sz="2000" dirty="0" smtClean="0"/>
+              <a:t>기본 로케일 설정</a:t>
+            </a:r>
+            <a:endParaRPr lang="en-US" altLang="ko-KR" sz="2000" dirty="0" smtClean="0"/>
+          </a:p>
+          <a:p>
+            <a:r>
+              <a:rPr lang="ko-KR" altLang="en-US" sz="2000" dirty="0" smtClean="0"/>
+              <a:t>터미널을 실행</a:t>
+            </a:r>
+            <a:endParaRPr lang="en-US" altLang="ko-KR" sz="2000" dirty="0" smtClean="0"/>
+          </a:p>
+          <a:p>
+            <a:r>
+              <a:rPr lang="ko-KR" altLang="en-US" sz="2000" dirty="0"/>
+              <a:t> </a:t>
+            </a:r>
+            <a:r>
+              <a:rPr lang="en-US" altLang="ko-KR" sz="2000" dirty="0"/>
+              <a:t>locale -a</a:t>
+            </a:r>
+          </a:p>
+          <a:p>
+            <a:r>
+              <a:rPr lang="en-US" altLang="ko-KR" sz="2000" dirty="0"/>
+              <a:t> </a:t>
+            </a:r>
+            <a:r>
+              <a:rPr lang="en-US" altLang="ko-KR" sz="2000" dirty="0" smtClean="0"/>
+              <a:t>ko_KR.UTF-8</a:t>
+            </a:r>
+            <a:r>
+              <a:rPr lang="ko-KR" altLang="en-US" sz="2000" dirty="0"/>
+              <a:t>이 있는지 확인하고 만약 없다면</a:t>
+            </a:r>
+          </a:p>
+          <a:p>
+            <a:r>
+              <a:rPr lang="ko-KR" altLang="en-US" sz="2000" dirty="0"/>
+              <a:t> </a:t>
+            </a:r>
+            <a:r>
+              <a:rPr lang="en-US" altLang="ko-KR" sz="2000" dirty="0" err="1" smtClean="0"/>
+              <a:t>sudo</a:t>
+            </a:r>
+            <a:r>
+              <a:rPr lang="en-US" altLang="ko-KR" sz="2000" dirty="0" smtClean="0"/>
+              <a:t> </a:t>
+            </a:r>
+            <a:r>
+              <a:rPr lang="en-US" altLang="ko-KR" sz="2000" dirty="0" err="1"/>
+              <a:t>nano</a:t>
+            </a:r>
+            <a:r>
+              <a:rPr lang="en-US" altLang="ko-KR" sz="2000" dirty="0"/>
+              <a:t> /</a:t>
+            </a:r>
+            <a:r>
+              <a:rPr lang="en-US" altLang="ko-KR" sz="2000" dirty="0" err="1"/>
+              <a:t>etc</a:t>
+            </a:r>
+            <a:r>
+              <a:rPr lang="en-US" altLang="ko-KR" sz="2000" dirty="0"/>
+              <a:t>/</a:t>
+            </a:r>
+            <a:r>
+              <a:rPr lang="en-US" altLang="ko-KR" sz="2000" dirty="0" err="1"/>
+              <a:t>locale.gen</a:t>
+            </a:r>
+            <a:endParaRPr lang="en-US" altLang="ko-KR" sz="2000" dirty="0"/>
+          </a:p>
+          <a:p>
+            <a:r>
+              <a:rPr lang="en-US" altLang="ko-KR" sz="2000" dirty="0"/>
+              <a:t> </a:t>
+            </a:r>
+            <a:r>
+              <a:rPr lang="ko-KR" altLang="en-US" sz="2000" dirty="0" smtClean="0"/>
+              <a:t>입력하여 </a:t>
+            </a:r>
+            <a:r>
+              <a:rPr lang="ko-KR" altLang="en-US" sz="2000" dirty="0"/>
+              <a:t>편집기에서 </a:t>
+            </a:r>
+            <a:r>
+              <a:rPr lang="en-US" altLang="ko-KR" sz="2000" dirty="0"/>
+              <a:t>ko_KR.UTF-8</a:t>
+            </a:r>
+            <a:r>
+              <a:rPr lang="ko-KR" altLang="en-US" sz="2000" dirty="0"/>
+              <a:t>이 </a:t>
+            </a:r>
+            <a:r>
+              <a:rPr lang="ko-KR" altLang="en-US" sz="2000" dirty="0" smtClean="0"/>
+              <a:t>주석처리를 확인하고 </a:t>
+            </a:r>
+            <a:r>
+              <a:rPr lang="ko-KR" altLang="en-US" sz="2000" dirty="0"/>
+              <a:t>주석처리를 제거</a:t>
+            </a:r>
+            <a:r>
+              <a:rPr lang="en-US" altLang="ko-KR" sz="2000" dirty="0" smtClean="0"/>
+              <a:t>(#, ‘ ‘</a:t>
+            </a:r>
+            <a:r>
+              <a:rPr lang="ko-KR" altLang="en-US" sz="2000" dirty="0" smtClean="0"/>
+              <a:t>제거</a:t>
+            </a:r>
+            <a:r>
+              <a:rPr lang="en-US" altLang="ko-KR" sz="2000" dirty="0"/>
+              <a:t>)</a:t>
+            </a:r>
+          </a:p>
+          <a:p>
+            <a:r>
+              <a:rPr lang="en-US" altLang="ko-KR" sz="2000" dirty="0"/>
+              <a:t> </a:t>
+            </a:r>
+            <a:r>
+              <a:rPr lang="en-US" altLang="ko-KR" sz="2000" dirty="0" smtClean="0"/>
+              <a:t>(</a:t>
+            </a:r>
+            <a:r>
+              <a:rPr lang="en-US" altLang="ko-KR" sz="2000" dirty="0"/>
+              <a:t>Ctrl + S)</a:t>
+            </a:r>
+            <a:r>
+              <a:rPr lang="ko-KR" altLang="en-US" sz="2000" dirty="0"/>
+              <a:t>로 저장 후 </a:t>
+            </a:r>
+            <a:r>
+              <a:rPr lang="en-US" altLang="ko-KR" sz="2000" dirty="0"/>
+              <a:t>(Ctrl + X)</a:t>
+            </a:r>
+            <a:r>
+              <a:rPr lang="ko-KR" altLang="en-US" sz="2000" dirty="0"/>
+              <a:t>로 편집기 종료</a:t>
+            </a:r>
+          </a:p>
+          <a:p>
+            <a:r>
+              <a:rPr lang="ko-KR" altLang="en-US" sz="2000" dirty="0"/>
+              <a:t> </a:t>
+            </a:r>
+            <a:r>
+              <a:rPr lang="en-US" altLang="ko-KR" sz="2000" dirty="0" err="1" smtClean="0"/>
+              <a:t>sudo</a:t>
+            </a:r>
+            <a:r>
+              <a:rPr lang="en-US" altLang="ko-KR" sz="2000" dirty="0" smtClean="0"/>
+              <a:t> </a:t>
+            </a:r>
+            <a:r>
+              <a:rPr lang="en-US" altLang="ko-KR" sz="2000" dirty="0"/>
+              <a:t>locale-gen</a:t>
+            </a:r>
+          </a:p>
+          <a:p>
+            <a:r>
+              <a:rPr lang="en-US" altLang="ko-KR" sz="2000" dirty="0"/>
+              <a:t> </a:t>
+            </a:r>
+            <a:r>
+              <a:rPr lang="en-US" altLang="ko-KR" sz="2000" dirty="0" err="1" smtClean="0"/>
+              <a:t>sudo</a:t>
+            </a:r>
+            <a:r>
+              <a:rPr lang="en-US" altLang="ko-KR" sz="2000" dirty="0" smtClean="0"/>
+              <a:t> </a:t>
+            </a:r>
+            <a:r>
+              <a:rPr lang="en-US" altLang="ko-KR" sz="2000" dirty="0"/>
+              <a:t>update-locale LANG=ko_KR.UTF-8</a:t>
+            </a:r>
+            <a:endParaRPr lang="ko-KR" altLang="en-US" sz="2000" dirty="0"/>
+          </a:p>
+        </p:txBody>
+      </p:sp>
+    </p:spTree>
+    <p:extLst>
+      <p:ext uri="{BB962C8B-B14F-4D97-AF65-F5344CB8AC3E}">
+        <p14:creationId xmlns:p14="http://schemas.microsoft.com/office/powerpoint/2010/main" val="956915913"/>
+      </p:ext>
+    </p:extLst>
+  </p:cSld>
+  <p:clrMapOvr>
+    <a:masterClrMapping/>
+  </p:clrMapOvr>
+</p:sld>
+</file>
+
+<file path=ppt/slides/slide14.xml><?xml version="1.0" encoding="utf-8"?>
+<p:sld xmlns:a="http://schemas.openxmlformats.org/drawingml/2006/main" xmlns:r="http://schemas.openxmlformats.org/officeDocument/2006/relationships" xmlns:p="http://schemas.openxmlformats.org/presentationml/2006/main">
+  <p:cSld>
+    <p:spTree>
+      <p:nvGrpSpPr>
+        <p:cNvPr id="1" name=""/>
+        <p:cNvGrpSpPr/>
+        <p:nvPr/>
+      </p:nvGrpSpPr>
+      <p:grpSpPr>
+        <a:xfrm>
+          <a:off x="0" y="0"/>
+          <a:ext cx="0" cy="0"/>
+          <a:chOff x="0" y="0"/>
+          <a:chExt cx="0" cy="0"/>
+        </a:xfrm>
+      </p:grpSpPr>
+      <p:sp>
+        <p:nvSpPr>
+          <p:cNvPr id="3" name="부제목 2"/>
+          <p:cNvSpPr>
+            <a:spLocks noGrp="1"/>
+          </p:cNvSpPr>
+          <p:nvPr>
+            <p:ph type="subTitle" idx="1"/>
+          </p:nvPr>
+        </p:nvSpPr>
+        <p:spPr>
+          <a:xfrm>
+            <a:off x="793630" y="690112"/>
+            <a:ext cx="10688128" cy="5624423"/>
+          </a:xfrm>
+        </p:spPr>
+        <p:txBody>
+          <a:bodyPr>
+            <a:noAutofit/>
+          </a:bodyPr>
+          <a:lstStyle/>
+          <a:p>
+            <a:pPr algn="l"/>
+            <a:r>
+              <a:rPr lang="ko-KR" altLang="en-US" sz="2000" dirty="0" smtClean="0"/>
+              <a:t>로케일 설치 이후 나머지 설치</a:t>
+            </a:r>
+          </a:p>
+          <a:p>
+            <a:pPr algn="l"/>
+            <a:r>
+              <a:rPr lang="en-US" altLang="ko-KR" sz="2000" dirty="0" err="1" smtClean="0"/>
+              <a:t>sudo</a:t>
+            </a:r>
+            <a:r>
+              <a:rPr lang="en-US" altLang="ko-KR" sz="2000" dirty="0" smtClean="0"/>
+              <a:t> apt-get install -y fonts-</a:t>
+            </a:r>
+            <a:r>
+              <a:rPr lang="en-US" altLang="ko-KR" sz="2000" dirty="0" err="1" smtClean="0"/>
+              <a:t>nanum</a:t>
+            </a:r>
+            <a:r>
+              <a:rPr lang="en-US" altLang="ko-KR" sz="2000" dirty="0" smtClean="0"/>
+              <a:t>* (</a:t>
+            </a:r>
+            <a:r>
+              <a:rPr lang="ko-KR" altLang="en-US" sz="2000" dirty="0"/>
+              <a:t>글꼴 </a:t>
+            </a:r>
+            <a:r>
+              <a:rPr lang="ko-KR" altLang="en-US" sz="2000" dirty="0" smtClean="0"/>
+              <a:t>설치</a:t>
+            </a:r>
+            <a:r>
+              <a:rPr lang="en-US" altLang="ko-KR" sz="2000" dirty="0" smtClean="0"/>
+              <a:t>, </a:t>
+            </a:r>
+            <a:r>
+              <a:rPr lang="ko-KR" altLang="en-US" sz="2000" dirty="0" smtClean="0"/>
+              <a:t>폰트깨짐방지</a:t>
+            </a:r>
+            <a:r>
+              <a:rPr lang="en-US" altLang="ko-KR" sz="2000" dirty="0" smtClean="0"/>
+              <a:t>)</a:t>
+            </a:r>
+          </a:p>
+          <a:p>
+            <a:pPr algn="l"/>
+            <a:r>
+              <a:rPr lang="en-US" altLang="ko-KR" sz="2000" dirty="0" err="1" smtClean="0"/>
+              <a:t>sudo</a:t>
+            </a:r>
+            <a:r>
+              <a:rPr lang="en-US" altLang="ko-KR" sz="2000" dirty="0" smtClean="0"/>
+              <a:t> </a:t>
+            </a:r>
+            <a:r>
+              <a:rPr lang="en-US" altLang="ko-KR" sz="2000" dirty="0"/>
+              <a:t>apt-get install -y </a:t>
+            </a:r>
+            <a:r>
+              <a:rPr lang="en-US" altLang="ko-KR" sz="2000" dirty="0" err="1"/>
+              <a:t>ibus</a:t>
+            </a:r>
+            <a:r>
+              <a:rPr lang="en-US" altLang="ko-KR" sz="2000" dirty="0"/>
+              <a:t> </a:t>
+            </a:r>
+            <a:r>
+              <a:rPr lang="en-US" altLang="ko-KR" sz="2000" dirty="0" err="1" smtClean="0"/>
+              <a:t>ibus-hangul</a:t>
+            </a:r>
+            <a:r>
+              <a:rPr lang="en-US" altLang="ko-KR" sz="2000" dirty="0" smtClean="0"/>
+              <a:t> (</a:t>
+            </a:r>
+            <a:r>
+              <a:rPr lang="ko-KR" altLang="en-US" sz="2000" dirty="0"/>
+              <a:t>한글 </a:t>
+            </a:r>
+            <a:r>
+              <a:rPr lang="ko-KR" altLang="en-US" sz="2000" dirty="0" err="1"/>
+              <a:t>입력기</a:t>
+            </a:r>
+            <a:r>
+              <a:rPr lang="ko-KR" altLang="en-US" sz="2000" dirty="0"/>
+              <a:t> </a:t>
+            </a:r>
+            <a:r>
+              <a:rPr lang="ko-KR" altLang="en-US" sz="2000" dirty="0" smtClean="0"/>
+              <a:t>설치</a:t>
+            </a:r>
+            <a:r>
+              <a:rPr lang="en-US" altLang="ko-KR" sz="2000" dirty="0" smtClean="0"/>
+              <a:t>)</a:t>
+            </a:r>
+            <a:endParaRPr lang="ko-KR" altLang="en-US" sz="2000" dirty="0"/>
+          </a:p>
+          <a:p>
+            <a:pPr algn="l"/>
+            <a:r>
+              <a:rPr lang="en-US" altLang="ko-KR" sz="2000" dirty="0" err="1" smtClean="0"/>
+              <a:t>im-config</a:t>
+            </a:r>
+            <a:r>
+              <a:rPr lang="en-US" altLang="ko-KR" sz="2000" dirty="0" smtClean="0"/>
+              <a:t> </a:t>
+            </a:r>
+            <a:r>
+              <a:rPr lang="en-US" altLang="ko-KR" sz="2000" dirty="0"/>
+              <a:t>-n </a:t>
+            </a:r>
+            <a:r>
+              <a:rPr lang="en-US" altLang="ko-KR" sz="2000" dirty="0" err="1" smtClean="0"/>
+              <a:t>ibus</a:t>
+            </a:r>
+            <a:r>
+              <a:rPr lang="en-US" altLang="ko-KR" sz="2000" dirty="0" smtClean="0"/>
+              <a:t> (</a:t>
+            </a:r>
+            <a:r>
+              <a:rPr lang="en-US" altLang="ko-KR" sz="2000" dirty="0" err="1"/>
+              <a:t>ibus</a:t>
+            </a:r>
+            <a:r>
+              <a:rPr lang="ko-KR" altLang="en-US" sz="2000" dirty="0"/>
+              <a:t>를 기본 입력방법으로 </a:t>
+            </a:r>
+            <a:r>
+              <a:rPr lang="ko-KR" altLang="en-US" sz="2000" dirty="0" smtClean="0"/>
+              <a:t>설정</a:t>
+            </a:r>
+            <a:r>
+              <a:rPr lang="en-US" altLang="ko-KR" sz="2000" dirty="0" smtClean="0"/>
+              <a:t>)</a:t>
+            </a:r>
+            <a:endParaRPr lang="en-US" altLang="ko-KR" sz="2000" dirty="0"/>
+          </a:p>
+          <a:p>
+            <a:pPr algn="l"/>
+            <a:r>
+              <a:rPr lang="ko-KR" altLang="en-US" sz="2000" dirty="0" err="1" smtClean="0"/>
+              <a:t>입력기에</a:t>
+            </a:r>
+            <a:r>
+              <a:rPr lang="ko-KR" altLang="en-US" sz="2000" dirty="0" smtClean="0"/>
+              <a:t> </a:t>
+            </a:r>
+            <a:r>
+              <a:rPr lang="ko-KR" altLang="en-US" sz="2000" dirty="0"/>
+              <a:t>한글 추가하기</a:t>
+            </a:r>
+          </a:p>
+          <a:p>
+            <a:pPr algn="l"/>
+            <a:r>
+              <a:rPr lang="en-US" altLang="ko-KR" sz="2000" dirty="0" err="1" smtClean="0"/>
+              <a:t>ibus</a:t>
+            </a:r>
+            <a:r>
+              <a:rPr lang="en-US" altLang="ko-KR" sz="2000" dirty="0" smtClean="0"/>
+              <a:t>-setup</a:t>
+            </a:r>
+            <a:endParaRPr lang="en-US" altLang="ko-KR" sz="2000" dirty="0"/>
+          </a:p>
+          <a:p>
+            <a:pPr marL="342900" indent="-342900" algn="l">
+              <a:buFont typeface="Symbol" panose="05050102010706020507" pitchFamily="18" charset="2"/>
+              <a:buChar char="Þ"/>
+            </a:pPr>
+            <a:r>
+              <a:rPr lang="en-US" altLang="ko-KR" sz="2000" dirty="0" smtClean="0"/>
+              <a:t>input </a:t>
+            </a:r>
+            <a:r>
+              <a:rPr lang="en-US" altLang="ko-KR" sz="2000" dirty="0"/>
+              <a:t>Method =&gt; Add =&gt; Korean =&gt; </a:t>
+            </a:r>
+            <a:r>
+              <a:rPr lang="en-US" altLang="ko-KR" sz="2000" dirty="0" err="1" smtClean="0"/>
+              <a:t>hangul</a:t>
+            </a:r>
+            <a:endParaRPr lang="en-US" altLang="ko-KR" sz="2000" dirty="0" smtClean="0"/>
+          </a:p>
+          <a:p>
+            <a:pPr marL="342900" indent="-342900" algn="l">
+              <a:buFont typeface="Symbol" panose="05050102010706020507" pitchFamily="18" charset="2"/>
+              <a:buChar char="Þ"/>
+            </a:pPr>
+            <a:r>
+              <a:rPr lang="en-US" altLang="ko-KR" sz="2000" dirty="0" err="1" smtClean="0"/>
+              <a:t>sudo</a:t>
+            </a:r>
+            <a:r>
+              <a:rPr lang="en-US" altLang="ko-KR" sz="2000" dirty="0" smtClean="0"/>
+              <a:t> reboot</a:t>
+            </a:r>
+            <a:endParaRPr lang="en-US" altLang="ko-KR" sz="2000" dirty="0"/>
+          </a:p>
+          <a:p>
+            <a:pPr algn="l"/>
+            <a:r>
+              <a:rPr lang="en-US" altLang="ko-KR" sz="2000" dirty="0" smtClean="0"/>
+              <a:t>※ </a:t>
+            </a:r>
+            <a:r>
+              <a:rPr lang="ko-KR" altLang="en-US" sz="2000" dirty="0"/>
+              <a:t>이때 </a:t>
+            </a:r>
+            <a:r>
+              <a:rPr lang="en-US" altLang="ko-KR" sz="2000" dirty="0" err="1"/>
+              <a:t>ibus</a:t>
+            </a:r>
+            <a:r>
+              <a:rPr lang="en-US" altLang="ko-KR" sz="2000" dirty="0"/>
+              <a:t>-setup</a:t>
+            </a:r>
+            <a:r>
+              <a:rPr lang="ko-KR" altLang="en-US" sz="2000" dirty="0" smtClean="0"/>
+              <a:t>일 때 </a:t>
+            </a:r>
+            <a:r>
+              <a:rPr lang="ko-KR" altLang="en-US" sz="2000" dirty="0"/>
+              <a:t>오류가 뜨면서 </a:t>
+            </a:r>
+            <a:r>
+              <a:rPr lang="ko-KR" altLang="en-US" sz="2000" dirty="0" smtClean="0"/>
+              <a:t>실행되지 않을 </a:t>
+            </a:r>
+            <a:r>
+              <a:rPr lang="ko-KR" altLang="en-US" sz="2000" dirty="0"/>
+              <a:t>수 있는데</a:t>
+            </a:r>
+          </a:p>
+          <a:p>
+            <a:pPr algn="l"/>
+            <a:r>
+              <a:rPr lang="ko-KR" altLang="en-US" sz="2000" dirty="0"/>
+              <a:t>    </a:t>
+            </a:r>
+            <a:r>
+              <a:rPr lang="en-US" altLang="ko-KR" sz="2000" dirty="0"/>
+              <a:t>1. </a:t>
+            </a:r>
+            <a:r>
+              <a:rPr lang="ko-KR" altLang="en-US" sz="2000" dirty="0" smtClean="0"/>
+              <a:t>재부팅 후 </a:t>
+            </a:r>
+            <a:r>
+              <a:rPr lang="ko-KR" altLang="en-US" sz="2000" dirty="0"/>
+              <a:t>다시 실행</a:t>
+            </a:r>
+          </a:p>
+          <a:p>
+            <a:pPr algn="l"/>
+            <a:r>
+              <a:rPr lang="ko-KR" altLang="en-US" sz="2000" dirty="0"/>
+              <a:t>    </a:t>
+            </a:r>
+            <a:r>
+              <a:rPr lang="en-US" altLang="ko-KR" sz="2000" dirty="0"/>
+              <a:t>2. </a:t>
+            </a:r>
+            <a:r>
+              <a:rPr lang="ko-KR" altLang="en-US" sz="2000" dirty="0"/>
+              <a:t>그래도 안된다면 </a:t>
+            </a:r>
+            <a:r>
+              <a:rPr lang="en-US" altLang="ko-KR" sz="2000" dirty="0" err="1"/>
+              <a:t>sudo</a:t>
+            </a:r>
+            <a:r>
+              <a:rPr lang="en-US" altLang="ko-KR" sz="2000" dirty="0"/>
+              <a:t> </a:t>
+            </a:r>
+            <a:r>
+              <a:rPr lang="en-US" altLang="ko-KR" sz="2000" dirty="0" err="1"/>
+              <a:t>ibus</a:t>
+            </a:r>
+            <a:r>
+              <a:rPr lang="en-US" altLang="ko-KR" sz="2000" dirty="0"/>
+              <a:t>-setup </a:t>
+            </a:r>
+            <a:r>
+              <a:rPr lang="ko-KR" altLang="en-US" sz="2000" dirty="0"/>
+              <a:t>후 오류메세지가 </a:t>
+            </a:r>
+            <a:r>
+              <a:rPr lang="ko-KR" altLang="en-US" sz="2000" dirty="0" smtClean="0"/>
+              <a:t>출력될 수 있는데</a:t>
+            </a:r>
+            <a:r>
+              <a:rPr lang="en-US" altLang="ko-KR" sz="2000" dirty="0" smtClean="0"/>
+              <a:t>,</a:t>
+            </a:r>
+            <a:endParaRPr lang="ko-KR" altLang="en-US" sz="2000" dirty="0"/>
+          </a:p>
+          <a:p>
+            <a:pPr algn="l"/>
+            <a:r>
+              <a:rPr lang="ko-KR" altLang="en-US" sz="2000" dirty="0"/>
+              <a:t>       무시하고 </a:t>
+            </a:r>
+            <a:r>
+              <a:rPr lang="en-US" altLang="ko-KR" sz="2000" dirty="0"/>
+              <a:t>Hangul</a:t>
+            </a:r>
+            <a:r>
+              <a:rPr lang="ko-KR" altLang="en-US" sz="2000" dirty="0" smtClean="0"/>
+              <a:t>설정 후 재부팅 후 </a:t>
+            </a:r>
+            <a:r>
+              <a:rPr lang="ko-KR" altLang="en-US" sz="2000" dirty="0"/>
+              <a:t>다시 </a:t>
+            </a:r>
+            <a:r>
+              <a:rPr lang="en-US" altLang="ko-KR" sz="2000" dirty="0" err="1"/>
+              <a:t>ibus</a:t>
+            </a:r>
+            <a:r>
+              <a:rPr lang="en-US" altLang="ko-KR" sz="2000" dirty="0"/>
+              <a:t>-setup</a:t>
+            </a:r>
+            <a:r>
+              <a:rPr lang="ko-KR" altLang="en-US" sz="2000" dirty="0"/>
+              <a:t>으로 접속해서 </a:t>
+            </a:r>
+            <a:r>
+              <a:rPr lang="ko-KR" altLang="en-US" sz="2000" dirty="0" smtClean="0"/>
+              <a:t>한글</a:t>
+            </a:r>
+            <a:r>
+              <a:rPr lang="en-US" altLang="ko-KR" sz="2000" dirty="0" smtClean="0"/>
+              <a:t>	</a:t>
+            </a:r>
+            <a:r>
+              <a:rPr lang="ko-KR" altLang="en-US" sz="2000" dirty="0" smtClean="0"/>
+              <a:t>이 </a:t>
+            </a:r>
+            <a:r>
+              <a:rPr lang="ko-KR" altLang="en-US" sz="2000" dirty="0"/>
+              <a:t>추가되었는지 확인해보세요</a:t>
+            </a:r>
+            <a:r>
+              <a:rPr lang="en-US" altLang="ko-KR" sz="2000" dirty="0"/>
+              <a:t>.</a:t>
+            </a:r>
+            <a:endParaRPr lang="ko-KR" altLang="en-US" sz="2000" dirty="0"/>
+          </a:p>
+        </p:txBody>
+      </p:sp>
+    </p:spTree>
+    <p:extLst>
+      <p:ext uri="{BB962C8B-B14F-4D97-AF65-F5344CB8AC3E}">
+        <p14:creationId xmlns:p14="http://schemas.microsoft.com/office/powerpoint/2010/main" val="2764984147"/>
+      </p:ext>
+    </p:extLst>
+  </p:cSld>
+  <p:clrMapOvr>
+    <a:masterClrMapping/>
+  </p:clrMapOvr>
+</p:sld>
+</file>
+
+<file path=ppt/slides/slide15.xml><?xml version="1.0" encoding="utf-8"?>
+<p:sld xmlns:a="http://schemas.openxmlformats.org/drawingml/2006/main" xmlns:r="http://schemas.openxmlformats.org/officeDocument/2006/relationships" xmlns:p="http://schemas.openxmlformats.org/presentationml/2006/main">
+  <p:cSld>
+    <p:spTree>
+      <p:nvGrpSpPr>
+        <p:cNvPr id="1" name=""/>
+        <p:cNvGrpSpPr/>
+        <p:nvPr/>
+      </p:nvGrpSpPr>
+      <p:grpSpPr>
+        <a:xfrm>
+          <a:off x="0" y="0"/>
+          <a:ext cx="0" cy="0"/>
+          <a:chOff x="0" y="0"/>
+          <a:chExt cx="0" cy="0"/>
+        </a:xfrm>
+      </p:grpSpPr>
+      <p:sp>
+        <p:nvSpPr>
+          <p:cNvPr id="2" name="제목 1"/>
+          <p:cNvSpPr>
+            <a:spLocks noGrp="1"/>
+          </p:cNvSpPr>
+          <p:nvPr>
             <p:ph type="title"/>
           </p:nvPr>
         </p:nvSpPr>
@@ -3792,7 +4763,7 @@
 </p:sld>
 </file>
 
-<file path=ppt/slides/slide12.xml><?xml version="1.0" encoding="utf-8"?>
+<file path=ppt/slides/slide16.xml><?xml version="1.0" encoding="utf-8"?>
 <p:sld xmlns:a="http://schemas.openxmlformats.org/drawingml/2006/main" xmlns:r="http://schemas.openxmlformats.org/officeDocument/2006/relationships" xmlns:p="http://schemas.openxmlformats.org/presentationml/2006/main">
   <p:cSld>
     <p:spTree>
@@ -4009,7 +4980,7 @@
 </p:sld>
 </file>
 
-<file path=ppt/slides/slide13.xml><?xml version="1.0" encoding="utf-8"?>
+<file path=ppt/slides/slide17.xml><?xml version="1.0" encoding="utf-8"?>
 <p:sld xmlns:a="http://schemas.openxmlformats.org/drawingml/2006/main" xmlns:r="http://schemas.openxmlformats.org/officeDocument/2006/relationships" xmlns:p="http://schemas.openxmlformats.org/presentationml/2006/main">
   <p:cSld>
     <p:spTree>
@@ -4347,7 +5318,7 @@
 </p:sld>
 </file>
 
-<file path=ppt/slides/slide14.xml><?xml version="1.0" encoding="utf-8"?>
+<file path=ppt/slides/slide18.xml><?xml version="1.0" encoding="utf-8"?>
 <p:sld xmlns:a="http://schemas.openxmlformats.org/drawingml/2006/main" xmlns:r="http://schemas.openxmlformats.org/officeDocument/2006/relationships" xmlns:p="http://schemas.openxmlformats.org/presentationml/2006/main">
   <p:cSld>
     <p:spTree>
@@ -4498,7 +5469,7 @@
 </p:sld>
 </file>
 
-<file path=ppt/slides/slide15.xml><?xml version="1.0" encoding="utf-8"?>
+<file path=ppt/slides/slide19.xml><?xml version="1.0" encoding="utf-8"?>
 <p:sld xmlns:a="http://schemas.openxmlformats.org/drawingml/2006/main" xmlns:r="http://schemas.openxmlformats.org/officeDocument/2006/relationships" xmlns:p="http://schemas.openxmlformats.org/presentationml/2006/main">
   <p:cSld>
     <p:spTree>
@@ -4705,7 +5676,7 @@
 </p:sld>
 </file>
 
-<file path=ppt/slides/slide16.xml><?xml version="1.0" encoding="utf-8"?>
+<file path=ppt/slides/slide2.xml><?xml version="1.0" encoding="utf-8"?>
 <p:sld xmlns:a="http://schemas.openxmlformats.org/drawingml/2006/main" xmlns:r="http://schemas.openxmlformats.org/officeDocument/2006/relationships" xmlns:p="http://schemas.openxmlformats.org/presentationml/2006/main">
   <p:cSld>
     <p:spTree>
@@ -4732,6 +5703,378 @@
             <p:ph type="title"/>
           </p:nvPr>
         </p:nvSpPr>
+        <p:spPr/>
+        <p:txBody>
+          <a:bodyPr/>
+          <a:lstStyle/>
+          <a:p>
+            <a:r>
+              <a:rPr lang="ko-KR" altLang="en-US" dirty="0" smtClean="0"/>
+              <a:t>사용방법</a:t>
+            </a:r>
+            <a:endParaRPr lang="ko-KR" altLang="en-US" dirty="0"/>
+          </a:p>
+        </p:txBody>
+      </p:sp>
+      <p:sp>
+        <p:nvSpPr>
+          <p:cNvPr id="3" name="내용 개체 틀 2"/>
+          <p:cNvSpPr>
+            <a:spLocks noGrp="1"/>
+          </p:cNvSpPr>
+          <p:nvPr>
+            <p:ph idx="1"/>
+          </p:nvPr>
+        </p:nvSpPr>
+        <p:spPr>
+          <a:xfrm>
+            <a:off x="838200" y="1825625"/>
+            <a:ext cx="10515600" cy="4842594"/>
+          </a:xfrm>
+        </p:spPr>
+        <p:txBody>
+          <a:bodyPr>
+            <a:normAutofit/>
+          </a:bodyPr>
+          <a:lstStyle/>
+          <a:p>
+            <a:r>
+              <a:rPr lang="ko-KR" altLang="en-US" sz="2000" b="1" dirty="0"/>
+              <a:t>기본적인 </a:t>
+            </a:r>
+            <a:r>
+              <a:rPr lang="ko-KR" altLang="en-US" sz="2000" b="1" dirty="0" smtClean="0"/>
+              <a:t>사용방법</a:t>
+            </a:r>
+            <a:endParaRPr lang="ko-KR" altLang="en-US" sz="2000" b="1" dirty="0"/>
+          </a:p>
+          <a:p>
+            <a:r>
+              <a:rPr lang="ko-KR" altLang="en-US" sz="2000" dirty="0" smtClean="0"/>
+              <a:t>허브와 장치들을 </a:t>
+            </a:r>
+            <a:r>
+              <a:rPr lang="en-US" altLang="ko-KR" sz="2000" dirty="0"/>
+              <a:t>LAN</a:t>
+            </a:r>
+            <a:r>
+              <a:rPr lang="ko-KR" altLang="en-US" sz="2000" dirty="0"/>
+              <a:t>선으로 </a:t>
+            </a:r>
+            <a:r>
+              <a:rPr lang="ko-KR" altLang="en-US" sz="2000" dirty="0" smtClean="0"/>
+              <a:t>연결</a:t>
+            </a:r>
+            <a:endParaRPr lang="en-US" altLang="ko-KR" sz="2000" dirty="0" smtClean="0"/>
+          </a:p>
+          <a:p>
+            <a:r>
+              <a:rPr lang="ko-KR" altLang="en-US" sz="2000" dirty="0" err="1" smtClean="0"/>
+              <a:t>라즈베리파이에</a:t>
+            </a:r>
+            <a:r>
+              <a:rPr lang="ko-KR" altLang="en-US" sz="2000" dirty="0" smtClean="0"/>
+              <a:t> </a:t>
+            </a:r>
+            <a:r>
+              <a:rPr lang="ko-KR" altLang="en-US" sz="2000" dirty="0"/>
+              <a:t>전원을 넣으면 서버가 자동으로 실행됩니다</a:t>
+            </a:r>
+            <a:r>
+              <a:rPr lang="en-US" altLang="ko-KR" sz="2000" dirty="0" smtClean="0"/>
+              <a:t>.</a:t>
+            </a:r>
+          </a:p>
+          <a:p>
+            <a:r>
+              <a:rPr lang="ko-KR" altLang="en-US" sz="2000" dirty="0" smtClean="0"/>
+              <a:t>허브에 </a:t>
+            </a:r>
+            <a:r>
+              <a:rPr lang="en-US" altLang="ko-KR" sz="2000" dirty="0" smtClean="0"/>
+              <a:t>PLC / </a:t>
+            </a:r>
+            <a:r>
+              <a:rPr lang="ko-KR" altLang="en-US" sz="2000" dirty="0" err="1" smtClean="0"/>
+              <a:t>라즈베리파이</a:t>
+            </a:r>
+            <a:r>
+              <a:rPr lang="en-US" altLang="ko-KR" sz="2000" dirty="0"/>
+              <a:t> </a:t>
+            </a:r>
+            <a:r>
+              <a:rPr lang="en-US" altLang="ko-KR" sz="2000" dirty="0" smtClean="0"/>
+              <a:t>/ PC</a:t>
+            </a:r>
+            <a:r>
+              <a:rPr lang="ko-KR" altLang="en-US" sz="2000" dirty="0" smtClean="0"/>
+              <a:t>를 </a:t>
+            </a:r>
+            <a:r>
+              <a:rPr lang="en-US" altLang="ko-KR" sz="2000" dirty="0" smtClean="0"/>
+              <a:t>LAN</a:t>
+            </a:r>
+            <a:r>
+              <a:rPr lang="ko-KR" altLang="en-US" sz="2000" dirty="0" smtClean="0"/>
+              <a:t>선으로 연결해주세요</a:t>
+            </a:r>
+            <a:r>
+              <a:rPr lang="en-US" altLang="ko-KR" sz="2000" dirty="0" smtClean="0"/>
+              <a:t>.   </a:t>
+            </a:r>
+            <a:r>
+              <a:rPr lang="ko-KR" altLang="en-US" sz="2000" dirty="0" smtClean="0"/>
+              <a:t>▲허브에 </a:t>
+            </a:r>
+            <a:r>
+              <a:rPr lang="en-US" altLang="ko-KR" sz="2000" dirty="0" smtClean="0"/>
+              <a:t>LAN</a:t>
+            </a:r>
+            <a:r>
+              <a:rPr lang="ko-KR" altLang="en-US" sz="2000" dirty="0" smtClean="0"/>
+              <a:t> </a:t>
+            </a:r>
+            <a:r>
+              <a:rPr lang="en-US" altLang="ko-KR" sz="2000" dirty="0" smtClean="0"/>
+              <a:t>3</a:t>
+            </a:r>
+            <a:r>
+              <a:rPr lang="ko-KR" altLang="en-US" sz="2000" dirty="0" smtClean="0"/>
+              <a:t>개 연결</a:t>
+            </a:r>
+            <a:endParaRPr lang="en-US" altLang="ko-KR" sz="2000" dirty="0" smtClean="0"/>
+          </a:p>
+          <a:p>
+            <a:endParaRPr lang="en-US" altLang="ko-KR" sz="2000" dirty="0"/>
+          </a:p>
+          <a:p>
+            <a:endParaRPr lang="en-US" altLang="ko-KR" sz="2000" dirty="0" smtClean="0"/>
+          </a:p>
+          <a:p>
+            <a:endParaRPr lang="en-US" altLang="ko-KR" sz="2000" dirty="0"/>
+          </a:p>
+          <a:p>
+            <a:endParaRPr lang="en-US" altLang="ko-KR" sz="2000" dirty="0" smtClean="0"/>
+          </a:p>
+          <a:p>
+            <a:endParaRPr lang="en-US" altLang="ko-KR" sz="2000" dirty="0"/>
+          </a:p>
+          <a:p>
+            <a:endParaRPr lang="en-US" altLang="ko-KR" sz="2000" dirty="0" smtClean="0"/>
+          </a:p>
+          <a:p>
+            <a:r>
+              <a:rPr lang="en-US" altLang="ko-KR" sz="2000" dirty="0" smtClean="0"/>
+              <a:t>PLC</a:t>
+            </a:r>
+            <a:r>
+              <a:rPr lang="ko-KR" altLang="en-US" sz="2000" dirty="0" smtClean="0"/>
+              <a:t>에 </a:t>
+            </a:r>
+            <a:r>
+              <a:rPr lang="en-US" altLang="ko-KR" sz="2000" dirty="0" smtClean="0"/>
+              <a:t>LAN</a:t>
+            </a:r>
+            <a:r>
+              <a:rPr lang="ko-KR" altLang="en-US" sz="2000" dirty="0" smtClean="0"/>
+              <a:t> 연결</a:t>
+            </a:r>
+            <a:r>
+              <a:rPr lang="en-US" altLang="ko-KR" sz="2000" dirty="0" smtClean="0"/>
+              <a:t>		PC</a:t>
+            </a:r>
+            <a:r>
+              <a:rPr lang="ko-KR" altLang="en-US" sz="2000" dirty="0" smtClean="0"/>
+              <a:t>에 </a:t>
+            </a:r>
+            <a:r>
+              <a:rPr lang="en-US" altLang="ko-KR" sz="2000" dirty="0" smtClean="0"/>
+              <a:t>LAN</a:t>
+            </a:r>
+            <a:r>
+              <a:rPr lang="ko-KR" altLang="en-US" sz="2000" dirty="0" smtClean="0"/>
+              <a:t> 연결</a:t>
+            </a:r>
+            <a:r>
+              <a:rPr lang="en-US" altLang="ko-KR" sz="2000" dirty="0" smtClean="0"/>
+              <a:t>		 	</a:t>
+            </a:r>
+            <a:r>
+              <a:rPr lang="ko-KR" altLang="en-US" sz="2000" dirty="0" err="1" smtClean="0"/>
+              <a:t>라즈베리파이에</a:t>
+            </a:r>
+            <a:r>
+              <a:rPr lang="ko-KR" altLang="en-US" sz="2000" dirty="0" smtClean="0"/>
+              <a:t> </a:t>
+            </a:r>
+            <a:r>
+              <a:rPr lang="en-US" altLang="ko-KR" sz="2000" dirty="0" smtClean="0"/>
+              <a:t>LAN</a:t>
+            </a:r>
+            <a:r>
+              <a:rPr lang="ko-KR" altLang="en-US" sz="2000" dirty="0"/>
+              <a:t> </a:t>
+            </a:r>
+            <a:r>
+              <a:rPr lang="ko-KR" altLang="en-US" sz="2000" dirty="0" smtClean="0"/>
+              <a:t>연결</a:t>
+            </a:r>
+            <a:endParaRPr lang="en-US" altLang="ko-KR" sz="2000" dirty="0"/>
+          </a:p>
+          <a:p>
+            <a:endParaRPr lang="en-US" altLang="ko-KR" sz="2000" dirty="0" smtClean="0"/>
+          </a:p>
+          <a:p>
+            <a:endParaRPr lang="en-US" altLang="ko-KR" sz="2000" dirty="0"/>
+          </a:p>
+          <a:p>
+            <a:endParaRPr lang="ko-KR" altLang="en-US" sz="2000" dirty="0"/>
+          </a:p>
+        </p:txBody>
+      </p:sp>
+      <p:pic>
+        <p:nvPicPr>
+          <p:cNvPr id="8" name="그림 7"/>
+          <p:cNvPicPr>
+            <a:picLocks noChangeAspect="1"/>
+          </p:cNvPicPr>
+          <p:nvPr/>
+        </p:nvPicPr>
+        <p:blipFill>
+          <a:blip r:embed="rId2"/>
+          <a:stretch>
+            <a:fillRect/>
+          </a:stretch>
+        </p:blipFill>
+        <p:spPr>
+          <a:xfrm>
+            <a:off x="8269869" y="581819"/>
+            <a:ext cx="3028950" cy="2352675"/>
+          </a:xfrm>
+          <a:prstGeom prst="rect">
+            <a:avLst/>
+          </a:prstGeom>
+        </p:spPr>
+      </p:pic>
+      <p:pic>
+        <p:nvPicPr>
+          <p:cNvPr id="9" name="그림 8"/>
+          <p:cNvPicPr>
+            <a:picLocks noChangeAspect="1"/>
+          </p:cNvPicPr>
+          <p:nvPr/>
+        </p:nvPicPr>
+        <p:blipFill>
+          <a:blip r:embed="rId3"/>
+          <a:stretch>
+            <a:fillRect/>
+          </a:stretch>
+        </p:blipFill>
+        <p:spPr>
+          <a:xfrm>
+            <a:off x="3992037" y="3474353"/>
+            <a:ext cx="3575319" cy="2253592"/>
+          </a:xfrm>
+          <a:prstGeom prst="rect">
+            <a:avLst/>
+          </a:prstGeom>
+        </p:spPr>
+      </p:pic>
+      <p:pic>
+        <p:nvPicPr>
+          <p:cNvPr id="10" name="그림 9"/>
+          <p:cNvPicPr>
+            <a:picLocks noChangeAspect="1"/>
+          </p:cNvPicPr>
+          <p:nvPr/>
+        </p:nvPicPr>
+        <p:blipFill>
+          <a:blip r:embed="rId4"/>
+          <a:stretch>
+            <a:fillRect/>
+          </a:stretch>
+        </p:blipFill>
+        <p:spPr>
+          <a:xfrm>
+            <a:off x="1002731" y="3480045"/>
+            <a:ext cx="2324100" cy="2247900"/>
+          </a:xfrm>
+          <a:prstGeom prst="rect">
+            <a:avLst/>
+          </a:prstGeom>
+        </p:spPr>
+      </p:pic>
+      <p:pic>
+        <p:nvPicPr>
+          <p:cNvPr id="11" name="그림 10"/>
+          <p:cNvPicPr>
+            <a:picLocks noChangeAspect="1"/>
+          </p:cNvPicPr>
+          <p:nvPr/>
+        </p:nvPicPr>
+        <p:blipFill>
+          <a:blip r:embed="rId5"/>
+          <a:stretch>
+            <a:fillRect/>
+          </a:stretch>
+        </p:blipFill>
+        <p:spPr>
+          <a:xfrm>
+            <a:off x="8022218" y="3474353"/>
+            <a:ext cx="3298875" cy="2253592"/>
+          </a:xfrm>
+          <a:prstGeom prst="rect">
+            <a:avLst/>
+          </a:prstGeom>
+        </p:spPr>
+      </p:pic>
+    </p:spTree>
+    <p:extLst>
+      <p:ext uri="{BB962C8B-B14F-4D97-AF65-F5344CB8AC3E}">
+        <p14:creationId xmlns:p14="http://schemas.microsoft.com/office/powerpoint/2010/main" val="284637888"/>
+      </p:ext>
+    </p:extLst>
+  </p:cSld>
+  <p:clrMapOvr>
+    <a:masterClrMapping/>
+  </p:clrMapOvr>
+  <p:timing>
+    <p:tnLst>
+      <p:par>
+        <p:cTn id="1" dur="indefinite" restart="never" nodeType="tmRoot"/>
+      </p:par>
+    </p:tnLst>
+  </p:timing>
+</p:sld>
+</file>
+
+<file path=ppt/slides/slide20.xml><?xml version="1.0" encoding="utf-8"?>
+<p:sld xmlns:a="http://schemas.openxmlformats.org/drawingml/2006/main" xmlns:r="http://schemas.openxmlformats.org/officeDocument/2006/relationships" xmlns:p="http://schemas.openxmlformats.org/presentationml/2006/main">
+  <p:cSld>
+    <p:spTree>
+      <p:nvGrpSpPr>
+        <p:cNvPr id="1" name=""/>
+        <p:cNvGrpSpPr/>
+        <p:nvPr/>
+      </p:nvGrpSpPr>
+      <p:grpSpPr>
+        <a:xfrm>
+          <a:off x="0" y="0"/>
+          <a:ext cx="0" cy="0"/>
+          <a:chOff x="0" y="0"/>
+          <a:chExt cx="0" cy="0"/>
+        </a:xfrm>
+      </p:grpSpPr>
+      <p:sp>
+        <p:nvSpPr>
+          <p:cNvPr id="2" name="제목 1"/>
+          <p:cNvSpPr>
+            <a:spLocks noGrp="1"/>
+          </p:cNvSpPr>
+          <p:nvPr>
+            <p:ph type="title"/>
+          </p:nvPr>
+        </p:nvSpPr>
         <p:spPr>
           <a:xfrm>
             <a:off x="838200" y="365125"/>
@@ -4846,11 +6189,7 @@
             </a:r>
             <a:r>
               <a:rPr lang="en-US" altLang="ko-KR" sz="1600" dirty="0" smtClean="0"/>
-              <a:t> /</a:t>
-            </a:r>
-            <a:r>
-              <a:rPr lang="en-US" altLang="ko-KR" sz="1600" dirty="0" smtClean="0"/>
-              <a:t>home/nanonix</a:t>
+              <a:t> /home/nanonix</a:t>
             </a:r>
             <a:br>
               <a:rPr lang="en-US" altLang="ko-KR" sz="1600" dirty="0" smtClean="0"/>
@@ -4936,11 +6275,7 @@
             </a:r>
             <a:r>
               <a:rPr lang="ko-KR" altLang="en-US" sz="2400" b="1" dirty="0" smtClean="0"/>
-              <a:t> </a:t>
-            </a:r>
-            <a:r>
-              <a:rPr lang="ko-KR" altLang="en-US" sz="2400" b="1" dirty="0" smtClean="0"/>
-              <a:t>확인</a:t>
+              <a:t> 확인</a:t>
             </a:r>
             <a:r>
               <a:rPr lang="en-US" altLang="ko-KR" sz="2400" dirty="0" smtClean="0"/>
@@ -4951,15 +6286,7 @@
             </a:br>
             <a:r>
               <a:rPr lang="en-US" altLang="ko-KR" sz="2400" dirty="0" smtClean="0"/>
-              <a:t>  </a:t>
-            </a:r>
-            <a:r>
-              <a:rPr lang="en-US" altLang="ko-KR" sz="2400" dirty="0" smtClean="0"/>
-              <a:t>pm2 </a:t>
-            </a:r>
-            <a:r>
-              <a:rPr lang="en-US" altLang="ko-KR" sz="2400" dirty="0" smtClean="0"/>
-              <a:t>list</a:t>
+              <a:t>  pm2 list</a:t>
             </a:r>
             <a:br>
               <a:rPr lang="en-US" altLang="ko-KR" sz="2400" dirty="0" smtClean="0"/>
@@ -5087,7 +6414,7 @@
 </p:sld>
 </file>
 
-<file path=ppt/slides/slide17.xml><?xml version="1.0" encoding="utf-8"?>
+<file path=ppt/slides/slide21.xml><?xml version="1.0" encoding="utf-8"?>
 <p:sld xmlns:a="http://schemas.openxmlformats.org/drawingml/2006/main" xmlns:r="http://schemas.openxmlformats.org/officeDocument/2006/relationships" xmlns:p="http://schemas.openxmlformats.org/presentationml/2006/main">
   <p:cSld>
     <p:spTree>
@@ -5346,7 +6673,7 @@
 </p:sld>
 </file>
 
-<file path=ppt/slides/slide18.xml><?xml version="1.0" encoding="utf-8"?>
+<file path=ppt/slides/slide22.xml><?xml version="1.0" encoding="utf-8"?>
 <p:sld xmlns:a="http://schemas.openxmlformats.org/drawingml/2006/main" xmlns:r="http://schemas.openxmlformats.org/officeDocument/2006/relationships" xmlns:p="http://schemas.openxmlformats.org/presentationml/2006/main">
   <p:cSld>
     <p:spTree>
@@ -5379,1326 +6706,6 @@
           <a:lstStyle/>
           <a:p>
             <a:r>
-              <a:rPr lang="en-US" altLang="ko-KR" b="1" dirty="0" smtClean="0"/>
-              <a:t>7. </a:t>
-            </a:r>
-            <a:r>
-              <a:rPr lang="ko-KR" altLang="en-US" b="1" dirty="0" err="1" smtClean="0"/>
-              <a:t>라즈베리파이</a:t>
-            </a:r>
-            <a:r>
-              <a:rPr lang="ko-KR" altLang="en-US" b="1" dirty="0" smtClean="0"/>
-              <a:t> </a:t>
-            </a:r>
-            <a:r>
-              <a:rPr lang="ko-KR" altLang="en-US" b="1" dirty="0" err="1"/>
-              <a:t>이더넷</a:t>
-            </a:r>
-            <a:r>
-              <a:rPr lang="ko-KR" altLang="en-US" b="1" dirty="0"/>
-              <a:t> 설정</a:t>
-            </a:r>
-            <a:endParaRPr lang="ko-KR" altLang="en-US" dirty="0"/>
-          </a:p>
-        </p:txBody>
-      </p:sp>
-      <p:sp>
-        <p:nvSpPr>
-          <p:cNvPr id="3" name="내용 개체 틀 2"/>
-          <p:cNvSpPr>
-            <a:spLocks noGrp="1"/>
-          </p:cNvSpPr>
-          <p:nvPr>
-            <p:ph idx="1"/>
-          </p:nvPr>
-        </p:nvSpPr>
-        <p:spPr>
-          <a:xfrm>
-            <a:off x="838200" y="1825624"/>
-            <a:ext cx="10515600" cy="4790836"/>
-          </a:xfrm>
-        </p:spPr>
-        <p:txBody>
-          <a:bodyPr>
-            <a:noAutofit/>
-          </a:bodyPr>
-          <a:lstStyle/>
-          <a:p>
-            <a:r>
-              <a:rPr lang="en-US" altLang="ko-KR" sz="2000" dirty="0" err="1"/>
-              <a:t>sudo</a:t>
-            </a:r>
-            <a:r>
-              <a:rPr lang="en-US" altLang="ko-KR" sz="2000" dirty="0"/>
-              <a:t> </a:t>
-            </a:r>
-            <a:r>
-              <a:rPr lang="en-US" altLang="ko-KR" sz="2000" dirty="0" err="1"/>
-              <a:t>nano</a:t>
-            </a:r>
-            <a:r>
-              <a:rPr lang="en-US" altLang="ko-KR" sz="2000" dirty="0"/>
-              <a:t> /</a:t>
-            </a:r>
-            <a:r>
-              <a:rPr lang="en-US" altLang="ko-KR" sz="2000" dirty="0" err="1" smtClean="0"/>
-              <a:t>etc</a:t>
-            </a:r>
-            <a:r>
-              <a:rPr lang="en-US" altLang="ko-KR" sz="2000" dirty="0" smtClean="0"/>
-              <a:t>/</a:t>
-            </a:r>
-            <a:r>
-              <a:rPr lang="en-US" altLang="ko-KR" sz="2000" dirty="0" err="1" smtClean="0"/>
-              <a:t>dhcpcd.conf</a:t>
-            </a:r>
-            <a:endParaRPr lang="en-US" altLang="ko-KR" sz="2000" dirty="0"/>
-          </a:p>
-          <a:p>
-            <a:r>
-              <a:rPr lang="ko-KR" altLang="en-US" sz="2000" dirty="0" smtClean="0"/>
-              <a:t>제일 </a:t>
-            </a:r>
-            <a:r>
-              <a:rPr lang="ko-KR" altLang="en-US" sz="2000" dirty="0"/>
-              <a:t>하단으로 </a:t>
-            </a:r>
-            <a:r>
-              <a:rPr lang="ko-KR" altLang="en-US" sz="2000" dirty="0" smtClean="0"/>
-              <a:t>이동 후 </a:t>
-            </a:r>
-            <a:endParaRPr lang="ko-KR" altLang="en-US" sz="2000" dirty="0"/>
-          </a:p>
-          <a:p>
-            <a:r>
-              <a:rPr lang="en-US" altLang="ko-KR" sz="2000" dirty="0" smtClean="0"/>
-              <a:t>interface </a:t>
-            </a:r>
-            <a:r>
-              <a:rPr lang="en-US" altLang="ko-KR" sz="2000" dirty="0"/>
-              <a:t>eth0</a:t>
-            </a:r>
-          </a:p>
-          <a:p>
-            <a:r>
-              <a:rPr lang="en-US" altLang="ko-KR" sz="2000" dirty="0" smtClean="0"/>
-              <a:t>static </a:t>
-            </a:r>
-            <a:r>
-              <a:rPr lang="en-US" altLang="ko-KR" sz="2000" dirty="0" err="1"/>
-              <a:t>ip_address</a:t>
-            </a:r>
-            <a:r>
-              <a:rPr lang="en-US" altLang="ko-KR" sz="2000" dirty="0"/>
-              <a:t>=192.168.1.20/24 </a:t>
-            </a:r>
-            <a:r>
-              <a:rPr lang="en-US" altLang="ko-KR" sz="2000" dirty="0" smtClean="0"/>
-              <a:t>=&gt; </a:t>
-            </a:r>
-            <a:r>
-              <a:rPr lang="ko-KR" altLang="en-US" sz="2000" dirty="0"/>
-              <a:t>비어있는 </a:t>
-            </a:r>
-            <a:r>
-              <a:rPr lang="en-US" altLang="ko-KR" sz="2000" dirty="0"/>
-              <a:t>IP </a:t>
-            </a:r>
-            <a:r>
-              <a:rPr lang="ko-KR" altLang="en-US" sz="2000" dirty="0"/>
-              <a:t>아무거나 사용하시면 됩니다</a:t>
-            </a:r>
-            <a:r>
-              <a:rPr lang="en-US" altLang="ko-KR" sz="2000" dirty="0"/>
-              <a:t>.</a:t>
-            </a:r>
-          </a:p>
-          <a:p>
-            <a:r>
-              <a:rPr lang="en-US" altLang="ko-KR" sz="2000" dirty="0" smtClean="0"/>
-              <a:t>static </a:t>
-            </a:r>
-            <a:r>
-              <a:rPr lang="en-US" altLang="ko-KR" sz="2000" dirty="0"/>
-              <a:t>routers=192.168.1.1</a:t>
-            </a:r>
-          </a:p>
-          <a:p>
-            <a:r>
-              <a:rPr lang="en-US" altLang="ko-KR" sz="2000" dirty="0" smtClean="0"/>
-              <a:t>static </a:t>
-            </a:r>
-            <a:r>
-              <a:rPr lang="en-US" altLang="ko-KR" sz="2000" dirty="0" err="1"/>
-              <a:t>domain_name_servers</a:t>
-            </a:r>
-            <a:r>
-              <a:rPr lang="en-US" altLang="ko-KR" sz="2000" dirty="0"/>
-              <a:t>=192.168.1.1</a:t>
-            </a:r>
-          </a:p>
-          <a:p>
-            <a:r>
-              <a:rPr lang="ko-KR" altLang="en-US" sz="2000" dirty="0" smtClean="0"/>
-              <a:t>해당 </a:t>
-            </a:r>
-            <a:r>
-              <a:rPr lang="ko-KR" altLang="en-US" sz="2000" dirty="0"/>
-              <a:t>코드 </a:t>
-            </a:r>
-            <a:r>
-              <a:rPr lang="ko-KR" altLang="en-US" sz="2000" dirty="0" smtClean="0"/>
-              <a:t>추가</a:t>
-            </a:r>
-            <a:endParaRPr lang="ko-KR" altLang="en-US" sz="2000" dirty="0"/>
-          </a:p>
-          <a:p>
-            <a:r>
-              <a:rPr lang="en-US" altLang="ko-KR" sz="2000" dirty="0" smtClean="0"/>
-              <a:t>Ctrl </a:t>
-            </a:r>
-            <a:r>
-              <a:rPr lang="en-US" altLang="ko-KR" sz="2000" dirty="0"/>
-              <a:t>+ S =&gt; Ctrl + </a:t>
-            </a:r>
-            <a:r>
-              <a:rPr lang="en-US" altLang="ko-KR" sz="2000" dirty="0" smtClean="0"/>
-              <a:t>X</a:t>
-            </a:r>
-            <a:endParaRPr lang="en-US" altLang="ko-KR" sz="2000" dirty="0"/>
-          </a:p>
-          <a:p>
-            <a:r>
-              <a:rPr lang="en-US" altLang="ko-KR" sz="2000" dirty="0" err="1" smtClean="0"/>
-              <a:t>sudo</a:t>
-            </a:r>
-            <a:r>
-              <a:rPr lang="en-US" altLang="ko-KR" sz="2000" dirty="0" smtClean="0"/>
-              <a:t> </a:t>
-            </a:r>
-            <a:r>
-              <a:rPr lang="en-US" altLang="ko-KR" sz="2000" dirty="0"/>
-              <a:t>service </a:t>
-            </a:r>
-            <a:r>
-              <a:rPr lang="en-US" altLang="ko-KR" sz="2000" dirty="0" err="1"/>
-              <a:t>dhcpcd</a:t>
-            </a:r>
-            <a:r>
-              <a:rPr lang="en-US" altLang="ko-KR" sz="2000" dirty="0"/>
-              <a:t> </a:t>
-            </a:r>
-            <a:r>
-              <a:rPr lang="en-US" altLang="ko-KR" sz="2000" dirty="0" smtClean="0"/>
-              <a:t>restart</a:t>
-            </a:r>
-            <a:endParaRPr lang="en-US" altLang="ko-KR" sz="2000" dirty="0"/>
-          </a:p>
-          <a:p>
-            <a:r>
-              <a:rPr lang="en-US" altLang="ko-KR" sz="2000" dirty="0" err="1" smtClean="0"/>
-              <a:t>sudo</a:t>
-            </a:r>
-            <a:r>
-              <a:rPr lang="en-US" altLang="ko-KR" sz="2000" dirty="0" smtClean="0"/>
-              <a:t> reboot</a:t>
-            </a:r>
-            <a:endParaRPr lang="en-US" altLang="ko-KR" sz="2000" dirty="0"/>
-          </a:p>
-          <a:p>
-            <a:r>
-              <a:rPr lang="en-US" altLang="ko-KR" sz="2000" dirty="0" err="1" smtClean="0"/>
-              <a:t>ip</a:t>
-            </a:r>
-            <a:r>
-              <a:rPr lang="en-US" altLang="ko-KR" sz="2000" dirty="0" smtClean="0"/>
-              <a:t> a</a:t>
-            </a:r>
-          </a:p>
-          <a:p>
-            <a:r>
-              <a:rPr lang="en-US" altLang="ko-KR" sz="2000" dirty="0" smtClean="0"/>
-              <a:t>Eth0</a:t>
-            </a:r>
-            <a:r>
-              <a:rPr lang="ko-KR" altLang="en-US" sz="2000" dirty="0" smtClean="0"/>
-              <a:t>에 설정한 </a:t>
-            </a:r>
-            <a:r>
-              <a:rPr lang="en-US" altLang="ko-KR" sz="2000" smtClean="0"/>
-              <a:t>IP address</a:t>
-            </a:r>
-            <a:r>
-              <a:rPr lang="ko-KR" altLang="en-US" sz="2000" smtClean="0"/>
-              <a:t>가 </a:t>
-            </a:r>
-            <a:r>
-              <a:rPr lang="ko-KR" altLang="en-US" sz="2000" dirty="0" smtClean="0"/>
-              <a:t>보이면 성공</a:t>
-            </a:r>
-            <a:endParaRPr lang="ko-KR" altLang="en-US" sz="2000" dirty="0"/>
-          </a:p>
-        </p:txBody>
-      </p:sp>
-    </p:spTree>
-    <p:extLst>
-      <p:ext uri="{BB962C8B-B14F-4D97-AF65-F5344CB8AC3E}">
-        <p14:creationId xmlns:p14="http://schemas.microsoft.com/office/powerpoint/2010/main" val="3336231022"/>
-      </p:ext>
-    </p:extLst>
-  </p:cSld>
-  <p:clrMapOvr>
-    <a:masterClrMapping/>
-  </p:clrMapOvr>
-</p:sld>
-</file>
-
-<file path=ppt/slides/slide2.xml><?xml version="1.0" encoding="utf-8"?>
-<p:sld xmlns:a="http://schemas.openxmlformats.org/drawingml/2006/main" xmlns:r="http://schemas.openxmlformats.org/officeDocument/2006/relationships" xmlns:p="http://schemas.openxmlformats.org/presentationml/2006/main">
-  <p:cSld>
-    <p:spTree>
-      <p:nvGrpSpPr>
-        <p:cNvPr id="1" name=""/>
-        <p:cNvGrpSpPr/>
-        <p:nvPr/>
-      </p:nvGrpSpPr>
-      <p:grpSpPr>
-        <a:xfrm>
-          <a:off x="0" y="0"/>
-          <a:ext cx="0" cy="0"/>
-          <a:chOff x="0" y="0"/>
-          <a:chExt cx="0" cy="0"/>
-        </a:xfrm>
-      </p:grpSpPr>
-      <p:sp>
-        <p:nvSpPr>
-          <p:cNvPr id="2" name="제목 1"/>
-          <p:cNvSpPr>
-            <a:spLocks noGrp="1"/>
-          </p:cNvSpPr>
-          <p:nvPr>
-            <p:ph type="title"/>
-          </p:nvPr>
-        </p:nvSpPr>
-        <p:spPr/>
-        <p:txBody>
-          <a:bodyPr/>
-          <a:lstStyle/>
-          <a:p>
-            <a:r>
-              <a:rPr lang="ko-KR" altLang="en-US" dirty="0" smtClean="0"/>
-              <a:t>사용방법</a:t>
-            </a:r>
-            <a:endParaRPr lang="ko-KR" altLang="en-US" dirty="0"/>
-          </a:p>
-        </p:txBody>
-      </p:sp>
-      <p:sp>
-        <p:nvSpPr>
-          <p:cNvPr id="3" name="내용 개체 틀 2"/>
-          <p:cNvSpPr>
-            <a:spLocks noGrp="1"/>
-          </p:cNvSpPr>
-          <p:nvPr>
-            <p:ph idx="1"/>
-          </p:nvPr>
-        </p:nvSpPr>
-        <p:spPr/>
-        <p:txBody>
-          <a:bodyPr>
-            <a:normAutofit/>
-          </a:bodyPr>
-          <a:lstStyle/>
-          <a:p>
-            <a:r>
-              <a:rPr lang="ko-KR" altLang="en-US" sz="2400" b="1" dirty="0"/>
-              <a:t>기본적인 </a:t>
-            </a:r>
-            <a:r>
-              <a:rPr lang="ko-KR" altLang="en-US" sz="2400" b="1" dirty="0" smtClean="0"/>
-              <a:t>사용방법</a:t>
-            </a:r>
-            <a:endParaRPr lang="ko-KR" altLang="en-US" sz="2400" b="1" dirty="0"/>
-          </a:p>
-          <a:p>
-            <a:r>
-              <a:rPr lang="ko-KR" altLang="en-US" sz="2400" dirty="0" err="1"/>
-              <a:t>라즈베리파이와</a:t>
-            </a:r>
-            <a:r>
-              <a:rPr lang="ko-KR" altLang="en-US" sz="2400" dirty="0"/>
-              <a:t> </a:t>
-            </a:r>
-            <a:r>
-              <a:rPr lang="en-US" altLang="ko-KR" sz="2400" dirty="0"/>
-              <a:t>PLC</a:t>
-            </a:r>
-            <a:r>
-              <a:rPr lang="ko-KR" altLang="en-US" sz="2400" dirty="0"/>
-              <a:t>장치를 </a:t>
-            </a:r>
-            <a:r>
-              <a:rPr lang="en-US" altLang="ko-KR" sz="2400" dirty="0"/>
-              <a:t>LAN</a:t>
-            </a:r>
-            <a:r>
-              <a:rPr lang="ko-KR" altLang="en-US" sz="2400" dirty="0"/>
-              <a:t>선으로 </a:t>
-            </a:r>
-            <a:r>
-              <a:rPr lang="ko-KR" altLang="en-US" sz="2400" dirty="0" smtClean="0"/>
-              <a:t>연결</a:t>
-            </a:r>
-            <a:endParaRPr lang="en-US" altLang="ko-KR" sz="2400" dirty="0" smtClean="0"/>
-          </a:p>
-          <a:p>
-            <a:r>
-              <a:rPr lang="ko-KR" altLang="en-US" sz="2400" dirty="0" err="1" smtClean="0"/>
-              <a:t>라즈베리파이에</a:t>
-            </a:r>
-            <a:r>
-              <a:rPr lang="ko-KR" altLang="en-US" sz="2400" dirty="0" smtClean="0"/>
-              <a:t> </a:t>
-            </a:r>
-            <a:r>
-              <a:rPr lang="ko-KR" altLang="en-US" sz="2400" dirty="0"/>
-              <a:t>전원을 넣으면 서버가 자동으로 실행됩니다</a:t>
-            </a:r>
-            <a:r>
-              <a:rPr lang="en-US" altLang="ko-KR" sz="2400" dirty="0"/>
-              <a:t>.</a:t>
-            </a:r>
-          </a:p>
-          <a:p>
-            <a:r>
-              <a:rPr lang="en-US" altLang="ko-KR" sz="2400" dirty="0"/>
-              <a:t>D910</a:t>
-            </a:r>
-            <a:r>
-              <a:rPr lang="ko-KR" altLang="en-US" sz="2400" dirty="0"/>
-              <a:t>에 입력된 </a:t>
-            </a:r>
-            <a:r>
-              <a:rPr lang="ko-KR" altLang="en-US" sz="2400" dirty="0" smtClean="0"/>
-              <a:t>전압 값을 </a:t>
-            </a:r>
-            <a:r>
-              <a:rPr lang="ko-KR" altLang="en-US" sz="2400" dirty="0"/>
-              <a:t>읽어서</a:t>
-            </a:r>
-          </a:p>
-          <a:p>
-            <a:r>
-              <a:rPr lang="en-US" altLang="ko-KR" sz="2400" dirty="0"/>
-              <a:t>D1000</a:t>
-            </a:r>
-            <a:r>
-              <a:rPr lang="ko-KR" altLang="en-US" sz="2400" dirty="0"/>
-              <a:t>으로 전압이 아날로그로 변환된 </a:t>
-            </a:r>
-            <a:r>
-              <a:rPr lang="ko-KR" altLang="en-US" sz="2400" dirty="0" smtClean="0"/>
-              <a:t>입력 값을 </a:t>
-            </a:r>
-            <a:r>
-              <a:rPr lang="ko-KR" altLang="en-US" sz="2400" dirty="0"/>
-              <a:t>넣습니다</a:t>
-            </a:r>
-            <a:r>
-              <a:rPr lang="en-US" altLang="ko-KR" sz="2400" dirty="0" smtClean="0"/>
-              <a:t>.</a:t>
-            </a:r>
-          </a:p>
-          <a:p>
-            <a:pPr marL="0" indent="0">
-              <a:buNone/>
-            </a:pPr>
-            <a:r>
-              <a:rPr lang="en-US" altLang="ko-KR" sz="2400" dirty="0"/>
-              <a:t> </a:t>
-            </a:r>
-            <a:r>
-              <a:rPr lang="en-US" altLang="ko-KR" sz="2400" dirty="0" smtClean="0"/>
-              <a:t> (</a:t>
-            </a:r>
-            <a:r>
-              <a:rPr lang="ko-KR" altLang="en-US" sz="2400" dirty="0"/>
-              <a:t>들어가는 출력</a:t>
-            </a:r>
-            <a:r>
-              <a:rPr lang="en-US" altLang="ko-KR" sz="2400" dirty="0"/>
-              <a:t>)</a:t>
-            </a:r>
-          </a:p>
-          <a:p>
-            <a:r>
-              <a:rPr lang="en-US" altLang="ko-KR" sz="2400" dirty="0"/>
-              <a:t>D1500</a:t>
-            </a:r>
-            <a:r>
-              <a:rPr lang="ko-KR" altLang="en-US" sz="2400" dirty="0"/>
-              <a:t>에 돌아오는 아날로그값을 전압으로 변환하여 값을 넣습니다</a:t>
-            </a:r>
-            <a:r>
-              <a:rPr lang="en-US" altLang="ko-KR" sz="2400" dirty="0"/>
-              <a:t>.</a:t>
-            </a:r>
-          </a:p>
-          <a:p>
-            <a:r>
-              <a:rPr lang="en-US" altLang="ko-KR" sz="2400" dirty="0" smtClean="0"/>
-              <a:t>D1500</a:t>
-            </a:r>
-            <a:r>
-              <a:rPr lang="ko-KR" altLang="en-US" sz="2400" dirty="0"/>
-              <a:t>의 값을 </a:t>
-            </a:r>
-            <a:r>
-              <a:rPr lang="ko-KR" altLang="en-US" sz="2400" dirty="0" smtClean="0"/>
-              <a:t>받을 때는 </a:t>
-            </a:r>
-            <a:r>
-              <a:rPr lang="en-US" altLang="ko-KR" sz="2400" dirty="0"/>
-              <a:t>((D1500</a:t>
-            </a:r>
-            <a:r>
-              <a:rPr lang="ko-KR" altLang="en-US" sz="2400" dirty="0" smtClean="0"/>
-              <a:t>의 값</a:t>
-            </a:r>
-            <a:r>
-              <a:rPr lang="en-US" altLang="ko-KR" sz="2400" dirty="0"/>
-              <a:t>)/10)V </a:t>
-            </a:r>
-            <a:r>
-              <a:rPr lang="ko-KR" altLang="en-US" sz="2400" dirty="0"/>
-              <a:t>로 받아야 합니다</a:t>
-            </a:r>
-            <a:r>
-              <a:rPr lang="en-US" altLang="ko-KR" sz="2400" dirty="0"/>
-              <a:t>. (</a:t>
-            </a:r>
-            <a:r>
-              <a:rPr lang="ko-KR" altLang="en-US" sz="2400" dirty="0" smtClean="0"/>
-              <a:t>해당 값은 </a:t>
-            </a:r>
-            <a:r>
-              <a:rPr lang="ko-KR" altLang="en-US" sz="2400" dirty="0"/>
-              <a:t>소수점 표기가 </a:t>
-            </a:r>
-            <a:r>
-              <a:rPr lang="ko-KR" altLang="en-US" sz="2400" dirty="0" smtClean="0"/>
-              <a:t>안되기 때문에 *</a:t>
-            </a:r>
-            <a:r>
-              <a:rPr lang="en-US" altLang="ko-KR" sz="2400" dirty="0"/>
-              <a:t>10</a:t>
-            </a:r>
-            <a:r>
-              <a:rPr lang="ko-KR" altLang="en-US" sz="2400" dirty="0"/>
-              <a:t>시킨 값입니다</a:t>
-            </a:r>
-            <a:r>
-              <a:rPr lang="en-US" altLang="ko-KR" sz="2400" dirty="0"/>
-              <a:t>.)</a:t>
-            </a:r>
-          </a:p>
-          <a:p>
-            <a:endParaRPr lang="ko-KR" altLang="en-US" dirty="0"/>
-          </a:p>
-        </p:txBody>
-      </p:sp>
-    </p:spTree>
-    <p:extLst>
-      <p:ext uri="{BB962C8B-B14F-4D97-AF65-F5344CB8AC3E}">
-        <p14:creationId xmlns:p14="http://schemas.microsoft.com/office/powerpoint/2010/main" val="284637888"/>
-      </p:ext>
-    </p:extLst>
-  </p:cSld>
-  <p:clrMapOvr>
-    <a:masterClrMapping/>
-  </p:clrMapOvr>
-  <p:timing>
-    <p:tnLst>
-      <p:par>
-        <p:cTn id="1" dur="indefinite" restart="never" nodeType="tmRoot"/>
-      </p:par>
-    </p:tnLst>
-  </p:timing>
-</p:sld>
-</file>
-
-<file path=ppt/slides/slide3.xml><?xml version="1.0" encoding="utf-8"?>
-<p:sld xmlns:a="http://schemas.openxmlformats.org/drawingml/2006/main" xmlns:r="http://schemas.openxmlformats.org/officeDocument/2006/relationships" xmlns:p="http://schemas.openxmlformats.org/presentationml/2006/main">
-  <p:cSld>
-    <p:spTree>
-      <p:nvGrpSpPr>
-        <p:cNvPr id="1" name=""/>
-        <p:cNvGrpSpPr/>
-        <p:nvPr/>
-      </p:nvGrpSpPr>
-      <p:grpSpPr>
-        <a:xfrm>
-          <a:off x="0" y="0"/>
-          <a:ext cx="0" cy="0"/>
-          <a:chOff x="0" y="0"/>
-          <a:chExt cx="0" cy="0"/>
-        </a:xfrm>
-      </p:grpSpPr>
-      <p:sp>
-        <p:nvSpPr>
-          <p:cNvPr id="2" name="제목 1"/>
-          <p:cNvSpPr>
-            <a:spLocks noGrp="1"/>
-          </p:cNvSpPr>
-          <p:nvPr>
-            <p:ph type="title"/>
-          </p:nvPr>
-        </p:nvSpPr>
-        <p:spPr/>
-        <p:txBody>
-          <a:bodyPr/>
-          <a:lstStyle/>
-          <a:p>
-            <a:r>
-              <a:rPr lang="en-US" altLang="ko-KR" b="1" dirty="0" smtClean="0"/>
-              <a:t>PLC</a:t>
-            </a:r>
-            <a:r>
-              <a:rPr lang="ko-KR" altLang="en-US" b="1" dirty="0" smtClean="0"/>
-              <a:t>에 설정된 측정값 변경 방</a:t>
-            </a:r>
-            <a:r>
-              <a:rPr lang="ko-KR" altLang="en-US" b="1" dirty="0" smtClean="0">
-                <a:latin typeface="Adobe Caslon Pro" panose="0205050205050A020403" pitchFamily="18" charset="0"/>
-              </a:rPr>
-              <a:t>법</a:t>
-            </a:r>
-            <a:endParaRPr lang="ko-KR" altLang="en-US" dirty="0"/>
-          </a:p>
-        </p:txBody>
-      </p:sp>
-      <p:sp>
-        <p:nvSpPr>
-          <p:cNvPr id="3" name="내용 개체 틀 2"/>
-          <p:cNvSpPr>
-            <a:spLocks noGrp="1"/>
-          </p:cNvSpPr>
-          <p:nvPr>
-            <p:ph idx="1"/>
-          </p:nvPr>
-        </p:nvSpPr>
-        <p:spPr/>
-        <p:txBody>
-          <a:bodyPr>
-            <a:normAutofit/>
-          </a:bodyPr>
-          <a:lstStyle/>
-          <a:p>
-            <a:r>
-              <a:rPr lang="ko-KR" altLang="en-US" dirty="0" smtClean="0"/>
-              <a:t>원격 접속을 위한 </a:t>
-            </a:r>
-            <a:r>
-              <a:rPr lang="en-US" altLang="ko-KR" dirty="0" smtClean="0"/>
-              <a:t>REAL </a:t>
-            </a:r>
-            <a:r>
-              <a:rPr lang="en-US" altLang="ko-KR" dirty="0"/>
-              <a:t>VNC </a:t>
-            </a:r>
-            <a:r>
-              <a:rPr lang="ko-KR" altLang="en-US" dirty="0" smtClean="0"/>
-              <a:t>설치</a:t>
-            </a:r>
-            <a:r>
-              <a:rPr lang="en-US" altLang="ko-KR" dirty="0" smtClean="0"/>
-              <a:t>(</a:t>
-            </a:r>
-            <a:r>
-              <a:rPr lang="en-US" altLang="ko-KR" dirty="0" smtClean="0">
-                <a:hlinkClick r:id="rId2"/>
-              </a:rPr>
-              <a:t>https://www.realvnc.com/en/connect/download/viewer/</a:t>
-            </a:r>
-            <a:r>
-              <a:rPr lang="en-US" altLang="ko-KR" dirty="0" smtClean="0"/>
-              <a:t>)</a:t>
-            </a:r>
-            <a:endParaRPr lang="ko-KR" altLang="en-US" dirty="0"/>
-          </a:p>
-          <a:p>
-            <a:r>
-              <a:rPr lang="en-US" altLang="ko-KR" dirty="0">
-                <a:hlinkClick r:id="rId2"/>
-              </a:rPr>
-              <a:t>REAL VNC </a:t>
-            </a:r>
-            <a:r>
-              <a:rPr lang="ko-KR" altLang="en-US" dirty="0">
-                <a:hlinkClick r:id="rId2"/>
-              </a:rPr>
-              <a:t>다운로드 </a:t>
-            </a:r>
-            <a:r>
-              <a:rPr lang="ko-KR" altLang="en-US" dirty="0" smtClean="0">
-                <a:hlinkClick r:id="rId2"/>
-              </a:rPr>
-              <a:t>페이지</a:t>
-            </a:r>
-            <a:endParaRPr lang="en-US" altLang="ko-KR" dirty="0" smtClean="0"/>
-          </a:p>
-          <a:p>
-            <a:endParaRPr lang="ko-KR" altLang="en-US" dirty="0"/>
-          </a:p>
-        </p:txBody>
-      </p:sp>
-      <p:pic>
-        <p:nvPicPr>
-          <p:cNvPr id="5" name="그림 4"/>
-          <p:cNvPicPr>
-            <a:picLocks noChangeAspect="1"/>
-          </p:cNvPicPr>
-          <p:nvPr/>
-        </p:nvPicPr>
-        <p:blipFill>
-          <a:blip r:embed="rId3"/>
-          <a:stretch>
-            <a:fillRect/>
-          </a:stretch>
-        </p:blipFill>
-        <p:spPr>
-          <a:xfrm>
-            <a:off x="1176968" y="3208738"/>
-            <a:ext cx="8363847" cy="3351746"/>
-          </a:xfrm>
-          <a:prstGeom prst="rect">
-            <a:avLst/>
-          </a:prstGeom>
-        </p:spPr>
-      </p:pic>
-    </p:spTree>
-    <p:extLst>
-      <p:ext uri="{BB962C8B-B14F-4D97-AF65-F5344CB8AC3E}">
-        <p14:creationId xmlns:p14="http://schemas.microsoft.com/office/powerpoint/2010/main" val="771576693"/>
-      </p:ext>
-    </p:extLst>
-  </p:cSld>
-  <p:clrMapOvr>
-    <a:masterClrMapping/>
-  </p:clrMapOvr>
-  <p:timing>
-    <p:tnLst>
-      <p:par>
-        <p:cTn id="1" dur="indefinite" restart="never" nodeType="tmRoot"/>
-      </p:par>
-    </p:tnLst>
-  </p:timing>
-</p:sld>
-</file>
-
-<file path=ppt/slides/slide4.xml><?xml version="1.0" encoding="utf-8"?>
-<p:sld xmlns:a="http://schemas.openxmlformats.org/drawingml/2006/main" xmlns:r="http://schemas.openxmlformats.org/officeDocument/2006/relationships" xmlns:p="http://schemas.openxmlformats.org/presentationml/2006/main">
-  <p:cSld>
-    <p:spTree>
-      <p:nvGrpSpPr>
-        <p:cNvPr id="1" name=""/>
-        <p:cNvGrpSpPr/>
-        <p:nvPr/>
-      </p:nvGrpSpPr>
-      <p:grpSpPr>
-        <a:xfrm>
-          <a:off x="0" y="0"/>
-          <a:ext cx="0" cy="0"/>
-          <a:chOff x="0" y="0"/>
-          <a:chExt cx="0" cy="0"/>
-        </a:xfrm>
-      </p:grpSpPr>
-      <p:sp>
-        <p:nvSpPr>
-          <p:cNvPr id="2" name="제목 1"/>
-          <p:cNvSpPr>
-            <a:spLocks noGrp="1"/>
-          </p:cNvSpPr>
-          <p:nvPr>
-            <p:ph type="title"/>
-          </p:nvPr>
-        </p:nvSpPr>
-        <p:spPr/>
-        <p:txBody>
-          <a:bodyPr/>
-          <a:lstStyle/>
-          <a:p>
-            <a:r>
-              <a:rPr lang="en-US" altLang="ko-KR" dirty="0" smtClean="0"/>
-              <a:t>REAL </a:t>
-            </a:r>
-            <a:r>
-              <a:rPr lang="en-US" altLang="ko-KR" dirty="0"/>
-              <a:t>VNC </a:t>
-            </a:r>
-            <a:r>
-              <a:rPr lang="ko-KR" altLang="en-US" dirty="0" smtClean="0"/>
-              <a:t>설치 후 설정된 </a:t>
-            </a:r>
-            <a:r>
-              <a:rPr lang="en-US" altLang="ko-KR" dirty="0" smtClean="0"/>
-              <a:t>IP</a:t>
-            </a:r>
-            <a:r>
-              <a:rPr lang="ko-KR" altLang="en-US" dirty="0" smtClean="0"/>
-              <a:t>로 접속</a:t>
-            </a:r>
-            <a:endParaRPr lang="ko-KR" altLang="en-US" dirty="0"/>
-          </a:p>
-        </p:txBody>
-      </p:sp>
-      <p:pic>
-        <p:nvPicPr>
-          <p:cNvPr id="5" name="내용 개체 틀 4"/>
-          <p:cNvPicPr>
-            <a:picLocks noGrp="1" noChangeAspect="1"/>
-          </p:cNvPicPr>
-          <p:nvPr>
-            <p:ph sz="half" idx="1"/>
-          </p:nvPr>
-        </p:nvPicPr>
-        <p:blipFill>
-          <a:blip r:embed="rId2"/>
-          <a:stretch>
-            <a:fillRect/>
-          </a:stretch>
-        </p:blipFill>
-        <p:spPr>
-          <a:xfrm>
-            <a:off x="838200" y="1825625"/>
-            <a:ext cx="4684917" cy="2917173"/>
-          </a:xfrm>
-          <a:prstGeom prst="rect">
-            <a:avLst/>
-          </a:prstGeom>
-        </p:spPr>
-      </p:pic>
-      <p:pic>
-        <p:nvPicPr>
-          <p:cNvPr id="6" name="내용 개체 틀 5"/>
-          <p:cNvPicPr>
-            <a:picLocks noGrp="1" noChangeAspect="1"/>
-          </p:cNvPicPr>
-          <p:nvPr>
-            <p:ph sz="half" idx="2"/>
-          </p:nvPr>
-        </p:nvPicPr>
-        <p:blipFill>
-          <a:blip r:embed="rId3"/>
-          <a:stretch>
-            <a:fillRect/>
-          </a:stretch>
-        </p:blipFill>
-        <p:spPr>
-          <a:xfrm>
-            <a:off x="6172200" y="2406767"/>
-            <a:ext cx="5181600" cy="2336031"/>
-          </a:xfrm>
-          <a:prstGeom prst="rect">
-            <a:avLst/>
-          </a:prstGeom>
-        </p:spPr>
-      </p:pic>
-      <p:sp>
-        <p:nvSpPr>
-          <p:cNvPr id="7" name="직사각형 6"/>
-          <p:cNvSpPr/>
-          <p:nvPr/>
-        </p:nvSpPr>
-        <p:spPr>
-          <a:xfrm>
-            <a:off x="6172200" y="4976448"/>
-            <a:ext cx="5181600" cy="830997"/>
-          </a:xfrm>
-          <a:prstGeom prst="rect">
-            <a:avLst/>
-          </a:prstGeom>
-        </p:spPr>
-        <p:txBody>
-          <a:bodyPr wrap="square">
-            <a:spAutoFit/>
-          </a:bodyPr>
-          <a:lstStyle/>
-          <a:p>
-            <a:r>
-              <a:rPr lang="en-US" altLang="ko-KR" sz="2400" b="0" i="0" dirty="0" err="1" smtClean="0">
-                <a:effectLst/>
-                <a:latin typeface="-apple-system"/>
-              </a:rPr>
-              <a:t>useername</a:t>
-            </a:r>
-            <a:r>
-              <a:rPr lang="en-US" altLang="ko-KR" sz="2400" b="0" i="0" dirty="0" smtClean="0">
-                <a:effectLst/>
-                <a:latin typeface="-apple-system"/>
-              </a:rPr>
-              <a:t> : nanonix</a:t>
-            </a:r>
-          </a:p>
-          <a:p>
-            <a:r>
-              <a:rPr lang="en-US" altLang="ko-KR" sz="2400" b="0" i="0" dirty="0" smtClean="0">
-                <a:effectLst/>
-                <a:latin typeface="-apple-system"/>
-              </a:rPr>
-              <a:t>password : nanonix</a:t>
-            </a:r>
-            <a:endParaRPr lang="en-US" altLang="ko-KR" sz="2400" b="0" i="0" dirty="0">
-              <a:effectLst/>
-              <a:latin typeface="-apple-system"/>
-            </a:endParaRPr>
-          </a:p>
-        </p:txBody>
-      </p:sp>
-      <p:sp>
-        <p:nvSpPr>
-          <p:cNvPr id="9" name="직사각형 8"/>
-          <p:cNvSpPr/>
-          <p:nvPr/>
-        </p:nvSpPr>
-        <p:spPr>
-          <a:xfrm>
-            <a:off x="838200" y="4976447"/>
-            <a:ext cx="4684917" cy="1200329"/>
-          </a:xfrm>
-          <a:prstGeom prst="rect">
-            <a:avLst/>
-          </a:prstGeom>
-        </p:spPr>
-        <p:txBody>
-          <a:bodyPr wrap="square">
-            <a:spAutoFit/>
-          </a:bodyPr>
-          <a:lstStyle/>
-          <a:p>
-            <a:r>
-              <a:rPr lang="ko-KR" altLang="en-US" sz="2400" dirty="0" smtClean="0">
-                <a:latin typeface="-apple-system"/>
-              </a:rPr>
-              <a:t>사전 설정된 </a:t>
-            </a:r>
-            <a:r>
-              <a:rPr lang="en-US" altLang="ko-KR" sz="2400" dirty="0" smtClean="0">
-                <a:latin typeface="-apple-system"/>
-              </a:rPr>
-              <a:t>Ethernet</a:t>
-            </a:r>
-            <a:r>
-              <a:rPr lang="ko-KR" altLang="en-US" sz="2400" dirty="0" smtClean="0">
-                <a:latin typeface="-apple-system"/>
-              </a:rPr>
-              <a:t> </a:t>
-            </a:r>
-            <a:r>
-              <a:rPr lang="en-US" altLang="ko-KR" sz="2400" dirty="0" smtClean="0">
-                <a:latin typeface="-apple-system"/>
-              </a:rPr>
-              <a:t>IP</a:t>
-            </a:r>
-            <a:r>
-              <a:rPr lang="ko-KR" altLang="en-US" sz="2400" dirty="0" smtClean="0">
-                <a:latin typeface="-apple-system"/>
-              </a:rPr>
-              <a:t>로 접속</a:t>
-            </a:r>
-            <a:endParaRPr lang="en-US" altLang="ko-KR" sz="2400" dirty="0" smtClean="0">
-              <a:latin typeface="-apple-system"/>
-            </a:endParaRPr>
-          </a:p>
-          <a:p>
-            <a:r>
-              <a:rPr lang="ko-KR" altLang="en-US" sz="2400" dirty="0" smtClean="0">
-                <a:latin typeface="-apple-system"/>
-              </a:rPr>
-              <a:t>기본적으로 설정된 </a:t>
-            </a:r>
-            <a:r>
-              <a:rPr lang="en-US" altLang="ko-KR" sz="2400" dirty="0" smtClean="0">
-                <a:latin typeface="-apple-system"/>
-              </a:rPr>
-              <a:t>IP</a:t>
-            </a:r>
-            <a:r>
-              <a:rPr lang="ko-KR" altLang="en-US" sz="2400" dirty="0" smtClean="0">
-                <a:latin typeface="-apple-system"/>
-              </a:rPr>
-              <a:t>는 </a:t>
-            </a:r>
-            <a:r>
-              <a:rPr lang="en-US" altLang="ko-KR" sz="2400" dirty="0" smtClean="0">
-                <a:latin typeface="-apple-system"/>
-              </a:rPr>
-              <a:t>192.168.1.20</a:t>
-            </a:r>
-            <a:r>
-              <a:rPr lang="ko-KR" altLang="en-US" sz="2400" dirty="0" smtClean="0">
-                <a:latin typeface="-apple-system"/>
-              </a:rPr>
-              <a:t>입니다</a:t>
-            </a:r>
-            <a:r>
-              <a:rPr lang="en-US" altLang="ko-KR" sz="2400" dirty="0" smtClean="0">
-                <a:latin typeface="-apple-system"/>
-              </a:rPr>
-              <a:t>.</a:t>
-            </a:r>
-            <a:endParaRPr lang="en-US" altLang="ko-KR" sz="2400" dirty="0">
-              <a:latin typeface="-apple-system"/>
-            </a:endParaRPr>
-          </a:p>
-        </p:txBody>
-      </p:sp>
-    </p:spTree>
-    <p:extLst>
-      <p:ext uri="{BB962C8B-B14F-4D97-AF65-F5344CB8AC3E}">
-        <p14:creationId xmlns:p14="http://schemas.microsoft.com/office/powerpoint/2010/main" val="1937573895"/>
-      </p:ext>
-    </p:extLst>
-  </p:cSld>
-  <p:clrMapOvr>
-    <a:masterClrMapping/>
-  </p:clrMapOvr>
-  <p:timing>
-    <p:tnLst>
-      <p:par>
-        <p:cTn id="1" dur="indefinite" restart="never" nodeType="tmRoot"/>
-      </p:par>
-    </p:tnLst>
-  </p:timing>
-</p:sld>
-</file>
-
-<file path=ppt/slides/slide5.xml><?xml version="1.0" encoding="utf-8"?>
-<p:sld xmlns:a="http://schemas.openxmlformats.org/drawingml/2006/main" xmlns:r="http://schemas.openxmlformats.org/officeDocument/2006/relationships" xmlns:p="http://schemas.openxmlformats.org/presentationml/2006/main">
-  <p:cSld>
-    <p:spTree>
-      <p:nvGrpSpPr>
-        <p:cNvPr id="1" name=""/>
-        <p:cNvGrpSpPr/>
-        <p:nvPr/>
-      </p:nvGrpSpPr>
-      <p:grpSpPr>
-        <a:xfrm>
-          <a:off x="0" y="0"/>
-          <a:ext cx="0" cy="0"/>
-          <a:chOff x="0" y="0"/>
-          <a:chExt cx="0" cy="0"/>
-        </a:xfrm>
-      </p:grpSpPr>
-      <p:sp>
-        <p:nvSpPr>
-          <p:cNvPr id="2" name="제목 1"/>
-          <p:cNvSpPr>
-            <a:spLocks noGrp="1"/>
-          </p:cNvSpPr>
-          <p:nvPr>
-            <p:ph type="title"/>
-          </p:nvPr>
-        </p:nvSpPr>
-        <p:spPr/>
-        <p:txBody>
-          <a:bodyPr/>
-          <a:lstStyle/>
-          <a:p>
-            <a:r>
-              <a:rPr lang="ko-KR" altLang="en-US" dirty="0" smtClean="0"/>
-              <a:t>접속 확인 후 브라우저 </a:t>
-            </a:r>
-            <a:r>
-              <a:rPr lang="ko-KR" altLang="en-US" dirty="0" err="1" smtClean="0"/>
-              <a:t>설정페이지</a:t>
-            </a:r>
-            <a:r>
-              <a:rPr lang="ko-KR" altLang="en-US" dirty="0" smtClean="0"/>
-              <a:t> 접속</a:t>
-            </a:r>
-            <a:endParaRPr lang="ko-KR" altLang="en-US" dirty="0"/>
-          </a:p>
-        </p:txBody>
-      </p:sp>
-      <p:pic>
-        <p:nvPicPr>
-          <p:cNvPr id="5" name="내용 개체 틀 4"/>
-          <p:cNvPicPr>
-            <a:picLocks noGrp="1" noChangeAspect="1"/>
-          </p:cNvPicPr>
-          <p:nvPr>
-            <p:ph sz="half" idx="1"/>
-          </p:nvPr>
-        </p:nvPicPr>
-        <p:blipFill>
-          <a:blip r:embed="rId2"/>
-          <a:stretch>
-            <a:fillRect/>
-          </a:stretch>
-        </p:blipFill>
-        <p:spPr>
-          <a:xfrm>
-            <a:off x="838200" y="1825625"/>
-            <a:ext cx="5181600" cy="2577514"/>
-          </a:xfrm>
-          <a:prstGeom prst="rect">
-            <a:avLst/>
-          </a:prstGeom>
-        </p:spPr>
-      </p:pic>
-      <p:sp>
-        <p:nvSpPr>
-          <p:cNvPr id="6" name="직사각형 5"/>
-          <p:cNvSpPr/>
-          <p:nvPr/>
-        </p:nvSpPr>
-        <p:spPr>
-          <a:xfrm>
-            <a:off x="838200" y="4538076"/>
-            <a:ext cx="5181600" cy="1938992"/>
-          </a:xfrm>
-          <a:prstGeom prst="rect">
-            <a:avLst/>
-          </a:prstGeom>
-        </p:spPr>
-        <p:txBody>
-          <a:bodyPr wrap="square">
-            <a:spAutoFit/>
-          </a:bodyPr>
-          <a:lstStyle/>
-          <a:p>
-            <a:r>
-              <a:rPr lang="ko-KR" altLang="en-US" sz="2400" dirty="0" smtClean="0">
-                <a:latin typeface="-apple-system"/>
-              </a:rPr>
-              <a:t>원격 접속이 된 것을 확인하면 브라우저를 실행합니다</a:t>
-            </a:r>
-            <a:r>
-              <a:rPr lang="en-US" altLang="ko-KR" sz="2400" dirty="0" smtClean="0">
-                <a:latin typeface="-apple-system"/>
-              </a:rPr>
-              <a:t>. (</a:t>
-            </a:r>
-            <a:r>
-              <a:rPr lang="ko-KR" altLang="en-US" sz="2400" dirty="0" smtClean="0">
-                <a:latin typeface="-apple-system"/>
-              </a:rPr>
-              <a:t>좌측 상단 두번째 아이콘</a:t>
-            </a:r>
-            <a:r>
-              <a:rPr lang="en-US" altLang="ko-KR" sz="2400" dirty="0" smtClean="0">
-                <a:latin typeface="-apple-system"/>
-              </a:rPr>
-              <a:t>)</a:t>
-            </a:r>
-          </a:p>
-          <a:p>
-            <a:r>
-              <a:rPr lang="ko-KR" altLang="en-US" sz="2400" dirty="0" smtClean="0">
-                <a:latin typeface="-apple-system"/>
-              </a:rPr>
-              <a:t>실행한 브라우저에서 </a:t>
-            </a:r>
-            <a:r>
-              <a:rPr lang="en-US" altLang="ko-KR" sz="2400" dirty="0" smtClean="0">
-                <a:latin typeface="-apple-system"/>
-              </a:rPr>
-              <a:t>localhost:8888</a:t>
-            </a:r>
-            <a:r>
-              <a:rPr lang="ko-KR" altLang="en-US" sz="2400" dirty="0" smtClean="0">
-                <a:latin typeface="-apple-system"/>
-              </a:rPr>
-              <a:t>으로 접속합니다</a:t>
-            </a:r>
-            <a:r>
-              <a:rPr lang="en-US" altLang="ko-KR" sz="2400" dirty="0" smtClean="0">
-                <a:latin typeface="-apple-system"/>
-              </a:rPr>
-              <a:t>.</a:t>
-            </a:r>
-            <a:endParaRPr lang="en-US" altLang="ko-KR" sz="2400" dirty="0">
-              <a:latin typeface="-apple-system"/>
-            </a:endParaRPr>
-          </a:p>
-        </p:txBody>
-      </p:sp>
-      <p:pic>
-        <p:nvPicPr>
-          <p:cNvPr id="2050" name="Picture 2" descr="https://user-images.githubusercontent.com/121269266/268551942-4743b159-3f7b-44fd-957a-684aa2d325fb.png"/>
-          <p:cNvPicPr>
-            <a:picLocks noGrp="1" noChangeAspect="1" noChangeArrowheads="1"/>
-          </p:cNvPicPr>
-          <p:nvPr>
-            <p:ph sz="half" idx="2"/>
-          </p:nvPr>
-        </p:nvPicPr>
-        <p:blipFill>
-          <a:blip r:embed="rId3" cstate="print">
-            <a:extLst>
-              <a:ext uri="{28A0092B-C50C-407E-A947-70E740481C1C}">
-                <a14:useLocalDpi xmlns:a14="http://schemas.microsoft.com/office/drawing/2010/main" val="0"/>
-              </a:ext>
-            </a:extLst>
-          </a:blip>
-          <a:srcRect/>
-          <a:stretch>
-            <a:fillRect/>
-          </a:stretch>
-        </p:blipFill>
-        <p:spPr bwMode="auto">
-          <a:xfrm>
-            <a:off x="6172200" y="1825626"/>
-            <a:ext cx="5181600" cy="2577514"/>
-          </a:xfrm>
-          <a:prstGeom prst="rect">
-            <a:avLst/>
-          </a:prstGeom>
-          <a:noFill/>
-          <a:extLst>
-            <a:ext uri="{909E8E84-426E-40DD-AFC4-6F175D3DCCD1}">
-              <a14:hiddenFill xmlns:a14="http://schemas.microsoft.com/office/drawing/2010/main">
-                <a:solidFill>
-                  <a:srgbClr val="FFFFFF"/>
-                </a:solidFill>
-              </a14:hiddenFill>
-            </a:ext>
-          </a:extLst>
-        </p:spPr>
-      </p:pic>
-      <p:sp>
-        <p:nvSpPr>
-          <p:cNvPr id="9" name="직사각형 8"/>
-          <p:cNvSpPr/>
-          <p:nvPr/>
-        </p:nvSpPr>
-        <p:spPr>
-          <a:xfrm>
-            <a:off x="6172200" y="4538075"/>
-            <a:ext cx="5181600" cy="2308324"/>
-          </a:xfrm>
-          <a:prstGeom prst="rect">
-            <a:avLst/>
-          </a:prstGeom>
-        </p:spPr>
-        <p:txBody>
-          <a:bodyPr wrap="square">
-            <a:spAutoFit/>
-          </a:bodyPr>
-          <a:lstStyle/>
-          <a:p>
-            <a:r>
-              <a:rPr lang="ko-KR" altLang="en-US" sz="2400" dirty="0" smtClean="0">
-                <a:latin typeface="-apple-system"/>
-              </a:rPr>
-              <a:t>접속한 페이지에서 설정을 변경합니다</a:t>
-            </a:r>
-            <a:r>
-              <a:rPr lang="en-US" altLang="ko-KR" sz="2400" dirty="0" smtClean="0">
-                <a:latin typeface="-apple-system"/>
-              </a:rPr>
-              <a:t>.</a:t>
-            </a:r>
-          </a:p>
-          <a:p>
-            <a:r>
-              <a:rPr lang="ko-KR" altLang="en-US" sz="2400" dirty="0" smtClean="0">
-                <a:latin typeface="-apple-system"/>
-              </a:rPr>
-              <a:t>변경이 완료되면 </a:t>
-            </a:r>
-            <a:r>
-              <a:rPr lang="ko-KR" altLang="en-US" sz="2400" dirty="0" err="1" smtClean="0">
-                <a:latin typeface="-apple-system"/>
-              </a:rPr>
-              <a:t>라즈베리파이를</a:t>
-            </a:r>
-            <a:r>
-              <a:rPr lang="ko-KR" altLang="en-US" sz="2400" dirty="0" smtClean="0">
-                <a:latin typeface="-apple-system"/>
-              </a:rPr>
-              <a:t> 재부팅해주세요</a:t>
-            </a:r>
-            <a:r>
-              <a:rPr lang="en-US" altLang="ko-KR" sz="2400" dirty="0" smtClean="0">
-                <a:latin typeface="-apple-system"/>
-              </a:rPr>
-              <a:t>.</a:t>
-            </a:r>
-          </a:p>
-          <a:p>
-            <a:r>
-              <a:rPr lang="ko-KR" altLang="en-US" sz="2400" dirty="0" smtClean="0">
-                <a:latin typeface="-apple-system"/>
-              </a:rPr>
-              <a:t>별도의 추가 설정 없이 변경된 설정으로 서버가 시작됩니다</a:t>
-            </a:r>
-            <a:r>
-              <a:rPr lang="en-US" altLang="ko-KR" sz="2400" dirty="0" smtClean="0">
-                <a:latin typeface="-apple-system"/>
-              </a:rPr>
-              <a:t>.</a:t>
-            </a:r>
-            <a:endParaRPr lang="en-US" altLang="ko-KR" sz="2400" dirty="0">
-              <a:latin typeface="-apple-system"/>
-            </a:endParaRPr>
-          </a:p>
-        </p:txBody>
-      </p:sp>
-    </p:spTree>
-    <p:extLst>
-      <p:ext uri="{BB962C8B-B14F-4D97-AF65-F5344CB8AC3E}">
-        <p14:creationId xmlns:p14="http://schemas.microsoft.com/office/powerpoint/2010/main" val="2285977503"/>
-      </p:ext>
-    </p:extLst>
-  </p:cSld>
-  <p:clrMapOvr>
-    <a:masterClrMapping/>
-  </p:clrMapOvr>
-  <p:timing>
-    <p:tnLst>
-      <p:par>
-        <p:cTn id="1" dur="indefinite" restart="never" nodeType="tmRoot"/>
-      </p:par>
-    </p:tnLst>
-  </p:timing>
-</p:sld>
-</file>
-
-<file path=ppt/slides/slide6.xml><?xml version="1.0" encoding="utf-8"?>
-<p:sld xmlns:a="http://schemas.openxmlformats.org/drawingml/2006/main" xmlns:r="http://schemas.openxmlformats.org/officeDocument/2006/relationships" xmlns:p="http://schemas.openxmlformats.org/presentationml/2006/main">
-  <p:cSld>
-    <p:spTree>
-      <p:nvGrpSpPr>
-        <p:cNvPr id="1" name=""/>
-        <p:cNvGrpSpPr/>
-        <p:nvPr/>
-      </p:nvGrpSpPr>
-      <p:grpSpPr>
-        <a:xfrm>
-          <a:off x="0" y="0"/>
-          <a:ext cx="0" cy="0"/>
-          <a:chOff x="0" y="0"/>
-          <a:chExt cx="0" cy="0"/>
-        </a:xfrm>
-      </p:grpSpPr>
-      <p:sp>
-        <p:nvSpPr>
-          <p:cNvPr id="2" name="제목 1"/>
-          <p:cNvSpPr>
-            <a:spLocks noGrp="1"/>
-          </p:cNvSpPr>
-          <p:nvPr>
-            <p:ph type="title"/>
-          </p:nvPr>
-        </p:nvSpPr>
-        <p:spPr/>
-        <p:txBody>
-          <a:bodyPr/>
-          <a:lstStyle/>
-          <a:p>
-            <a:r>
               <a:rPr lang="en-US" altLang="ko-KR" dirty="0" smtClean="0"/>
               <a:t> </a:t>
             </a:r>
@@ -6861,8 +6868,8 @@
         </p:nvSpPr>
         <p:spPr>
           <a:xfrm>
-            <a:off x="6172200" y="1690688"/>
-            <a:ext cx="5181600" cy="4351338"/>
+            <a:off x="6172200" y="1690687"/>
+            <a:ext cx="5181600" cy="4641101"/>
           </a:xfrm>
         </p:spPr>
         <p:txBody>
@@ -6993,6 +7000,14 @@
             <a:r>
               <a:rPr lang="ko-KR" altLang="en-US" sz="2000" dirty="0" smtClean="0"/>
               <a:t>후 접속하면 기존의 </a:t>
+            </a:r>
+            <a:r>
+              <a:rPr lang="ko-KR" altLang="en-US" sz="2000" dirty="0" err="1" smtClean="0"/>
+              <a:t>이더넷</a:t>
+            </a:r>
+            <a:r>
+              <a:rPr lang="ko-KR" altLang="en-US" sz="2000" dirty="0" smtClean="0"/>
+              <a:t> </a:t>
             </a:r>
             <a:r>
               <a:rPr lang="en-US" altLang="ko-KR" sz="2000" dirty="0" smtClean="0"/>
@@ -7084,6 +7099,1167 @@
 </p:sld>
 </file>
 
+<file path=ppt/slides/slide3.xml><?xml version="1.0" encoding="utf-8"?>
+<p:sld xmlns:a="http://schemas.openxmlformats.org/drawingml/2006/main" xmlns:r="http://schemas.openxmlformats.org/officeDocument/2006/relationships" xmlns:p="http://schemas.openxmlformats.org/presentationml/2006/main">
+  <p:cSld>
+    <p:spTree>
+      <p:nvGrpSpPr>
+        <p:cNvPr id="1" name=""/>
+        <p:cNvGrpSpPr/>
+        <p:nvPr/>
+      </p:nvGrpSpPr>
+      <p:grpSpPr>
+        <a:xfrm>
+          <a:off x="0" y="0"/>
+          <a:ext cx="0" cy="0"/>
+          <a:chOff x="0" y="0"/>
+          <a:chExt cx="0" cy="0"/>
+        </a:xfrm>
+      </p:grpSpPr>
+      <p:sp>
+        <p:nvSpPr>
+          <p:cNvPr id="2" name="제목 1"/>
+          <p:cNvSpPr>
+            <a:spLocks noGrp="1"/>
+          </p:cNvSpPr>
+          <p:nvPr>
+            <p:ph type="title"/>
+          </p:nvPr>
+        </p:nvSpPr>
+        <p:spPr/>
+        <p:txBody>
+          <a:bodyPr/>
+          <a:lstStyle/>
+          <a:p>
+            <a:r>
+              <a:rPr lang="en-US" altLang="ko-KR" b="1" dirty="0" smtClean="0"/>
+              <a:t>PLC</a:t>
+            </a:r>
+            <a:r>
+              <a:rPr lang="ko-KR" altLang="en-US" b="1" dirty="0" smtClean="0"/>
+              <a:t>에 설정된 측정값 변경 방</a:t>
+            </a:r>
+            <a:r>
+              <a:rPr lang="ko-KR" altLang="en-US" b="1" dirty="0" smtClean="0">
+                <a:latin typeface="Adobe Caslon Pro" panose="0205050205050A020403" pitchFamily="18" charset="0"/>
+              </a:rPr>
+              <a:t>법</a:t>
+            </a:r>
+            <a:endParaRPr lang="ko-KR" altLang="en-US" dirty="0"/>
+          </a:p>
+        </p:txBody>
+      </p:sp>
+      <p:sp>
+        <p:nvSpPr>
+          <p:cNvPr id="3" name="내용 개체 틀 2"/>
+          <p:cNvSpPr>
+            <a:spLocks noGrp="1"/>
+          </p:cNvSpPr>
+          <p:nvPr>
+            <p:ph idx="1"/>
+          </p:nvPr>
+        </p:nvSpPr>
+        <p:spPr/>
+        <p:txBody>
+          <a:bodyPr>
+            <a:normAutofit/>
+          </a:bodyPr>
+          <a:lstStyle/>
+          <a:p>
+            <a:r>
+              <a:rPr lang="ko-KR" altLang="en-US" dirty="0" smtClean="0"/>
+              <a:t>원격 접속을 위한 </a:t>
+            </a:r>
+            <a:r>
+              <a:rPr lang="en-US" altLang="ko-KR" dirty="0" smtClean="0"/>
+              <a:t>REAL </a:t>
+            </a:r>
+            <a:r>
+              <a:rPr lang="en-US" altLang="ko-KR" dirty="0"/>
+              <a:t>VNC </a:t>
+            </a:r>
+            <a:r>
+              <a:rPr lang="ko-KR" altLang="en-US" dirty="0" smtClean="0"/>
+              <a:t>설치</a:t>
+            </a:r>
+            <a:endParaRPr lang="en-US" altLang="ko-KR" dirty="0" smtClean="0"/>
+          </a:p>
+          <a:p>
+            <a:r>
+              <a:rPr lang="en-US" altLang="ko-KR" dirty="0" smtClean="0">
+                <a:hlinkClick r:id="rId2"/>
+              </a:rPr>
+              <a:t>REAL </a:t>
+            </a:r>
+            <a:r>
+              <a:rPr lang="en-US" altLang="ko-KR" dirty="0">
+                <a:hlinkClick r:id="rId2"/>
+              </a:rPr>
+              <a:t>VNC </a:t>
+            </a:r>
+            <a:r>
+              <a:rPr lang="ko-KR" altLang="en-US" dirty="0">
+                <a:hlinkClick r:id="rId2"/>
+              </a:rPr>
+              <a:t>다운로드 </a:t>
+            </a:r>
+            <a:r>
+              <a:rPr lang="ko-KR" altLang="en-US" dirty="0" smtClean="0">
+                <a:hlinkClick r:id="rId2"/>
+              </a:rPr>
+              <a:t>페이지</a:t>
+            </a:r>
+            <a:endParaRPr lang="en-US" altLang="ko-KR" dirty="0" smtClean="0"/>
+          </a:p>
+          <a:p>
+            <a:r>
+              <a:rPr lang="en-US" altLang="ko-KR" dirty="0"/>
+              <a:t>(</a:t>
+            </a:r>
+            <a:r>
+              <a:rPr lang="en-US" altLang="ko-KR" dirty="0">
+                <a:hlinkClick r:id="rId2"/>
+              </a:rPr>
+              <a:t>https://www.realvnc.com/en/connect/download/viewer</a:t>
+            </a:r>
+            <a:r>
+              <a:rPr lang="en-US" altLang="ko-KR" dirty="0" smtClean="0">
+                <a:hlinkClick r:id="rId2"/>
+              </a:rPr>
+              <a:t>/</a:t>
+            </a:r>
+            <a:r>
+              <a:rPr lang="en-US" altLang="ko-KR" dirty="0" smtClean="0"/>
+              <a:t>)</a:t>
+            </a:r>
+            <a:endParaRPr lang="en-US" altLang="ko-KR" dirty="0" smtClean="0"/>
+          </a:p>
+          <a:p>
+            <a:endParaRPr lang="ko-KR" altLang="en-US" dirty="0"/>
+          </a:p>
+        </p:txBody>
+      </p:sp>
+      <p:pic>
+        <p:nvPicPr>
+          <p:cNvPr id="5" name="그림 4"/>
+          <p:cNvPicPr>
+            <a:picLocks noChangeAspect="1"/>
+          </p:cNvPicPr>
+          <p:nvPr/>
+        </p:nvPicPr>
+        <p:blipFill>
+          <a:blip r:embed="rId3"/>
+          <a:stretch>
+            <a:fillRect/>
+          </a:stretch>
+        </p:blipFill>
+        <p:spPr>
+          <a:xfrm>
+            <a:off x="838200" y="3355387"/>
+            <a:ext cx="5991584" cy="2401080"/>
+          </a:xfrm>
+          <a:prstGeom prst="rect">
+            <a:avLst/>
+          </a:prstGeom>
+        </p:spPr>
+      </p:pic>
+    </p:spTree>
+    <p:extLst>
+      <p:ext uri="{BB962C8B-B14F-4D97-AF65-F5344CB8AC3E}">
+        <p14:creationId xmlns:p14="http://schemas.microsoft.com/office/powerpoint/2010/main" val="771576693"/>
+      </p:ext>
+    </p:extLst>
+  </p:cSld>
+  <p:clrMapOvr>
+    <a:masterClrMapping/>
+  </p:clrMapOvr>
+  <p:timing>
+    <p:tnLst>
+      <p:par>
+        <p:cTn id="1" dur="indefinite" restart="never" nodeType="tmRoot"/>
+      </p:par>
+    </p:tnLst>
+  </p:timing>
+</p:sld>
+</file>
+
+<file path=ppt/slides/slide4.xml><?xml version="1.0" encoding="utf-8"?>
+<p:sld xmlns:a="http://schemas.openxmlformats.org/drawingml/2006/main" xmlns:r="http://schemas.openxmlformats.org/officeDocument/2006/relationships" xmlns:p="http://schemas.openxmlformats.org/presentationml/2006/main">
+  <p:cSld>
+    <p:spTree>
+      <p:nvGrpSpPr>
+        <p:cNvPr id="1" name=""/>
+        <p:cNvGrpSpPr/>
+        <p:nvPr/>
+      </p:nvGrpSpPr>
+      <p:grpSpPr>
+        <a:xfrm>
+          <a:off x="0" y="0"/>
+          <a:ext cx="0" cy="0"/>
+          <a:chOff x="0" y="0"/>
+          <a:chExt cx="0" cy="0"/>
+        </a:xfrm>
+      </p:grpSpPr>
+      <p:sp>
+        <p:nvSpPr>
+          <p:cNvPr id="2" name="제목 1"/>
+          <p:cNvSpPr>
+            <a:spLocks noGrp="1"/>
+          </p:cNvSpPr>
+          <p:nvPr>
+            <p:ph type="title"/>
+          </p:nvPr>
+        </p:nvSpPr>
+        <p:spPr/>
+        <p:txBody>
+          <a:bodyPr/>
+          <a:lstStyle/>
+          <a:p>
+            <a:r>
+              <a:rPr lang="en-US" altLang="ko-KR" dirty="0" smtClean="0"/>
+              <a:t>REAL </a:t>
+            </a:r>
+            <a:r>
+              <a:rPr lang="en-US" altLang="ko-KR" dirty="0"/>
+              <a:t>VNC </a:t>
+            </a:r>
+            <a:r>
+              <a:rPr lang="ko-KR" altLang="en-US" dirty="0" smtClean="0"/>
+              <a:t>설치 후 </a:t>
+            </a:r>
+            <a:r>
+              <a:rPr lang="ko-KR" altLang="en-US" dirty="0" smtClean="0"/>
+              <a:t>설정된 </a:t>
+            </a:r>
+            <a:r>
+              <a:rPr lang="en-US" altLang="ko-KR" dirty="0" smtClean="0"/>
+              <a:t>IP</a:t>
+            </a:r>
+            <a:r>
+              <a:rPr lang="ko-KR" altLang="en-US" dirty="0" smtClean="0"/>
+              <a:t>로 접속</a:t>
+            </a:r>
+            <a:endParaRPr lang="ko-KR" altLang="en-US" dirty="0"/>
+          </a:p>
+        </p:txBody>
+      </p:sp>
+      <p:pic>
+        <p:nvPicPr>
+          <p:cNvPr id="6" name="내용 개체 틀 5"/>
+          <p:cNvPicPr>
+            <a:picLocks noGrp="1" noChangeAspect="1"/>
+          </p:cNvPicPr>
+          <p:nvPr>
+            <p:ph sz="half" idx="2"/>
+          </p:nvPr>
+        </p:nvPicPr>
+        <p:blipFill>
+          <a:blip r:embed="rId2"/>
+          <a:stretch>
+            <a:fillRect/>
+          </a:stretch>
+        </p:blipFill>
+        <p:spPr>
+          <a:xfrm>
+            <a:off x="6172200" y="2406767"/>
+            <a:ext cx="5181600" cy="2336031"/>
+          </a:xfrm>
+          <a:prstGeom prst="rect">
+            <a:avLst/>
+          </a:prstGeom>
+        </p:spPr>
+      </p:pic>
+      <p:sp>
+        <p:nvSpPr>
+          <p:cNvPr id="7" name="직사각형 6"/>
+          <p:cNvSpPr/>
+          <p:nvPr/>
+        </p:nvSpPr>
+        <p:spPr>
+          <a:xfrm>
+            <a:off x="6172200" y="4976448"/>
+            <a:ext cx="5181600" cy="707886"/>
+          </a:xfrm>
+          <a:prstGeom prst="rect">
+            <a:avLst/>
+          </a:prstGeom>
+        </p:spPr>
+        <p:txBody>
+          <a:bodyPr wrap="square">
+            <a:spAutoFit/>
+          </a:bodyPr>
+          <a:lstStyle/>
+          <a:p>
+            <a:r>
+              <a:rPr lang="en-US" altLang="ko-KR" sz="2000" b="0" i="0" dirty="0" smtClean="0">
+                <a:effectLst/>
+                <a:latin typeface="-apple-system"/>
+              </a:rPr>
+              <a:t>username </a:t>
+            </a:r>
+            <a:r>
+              <a:rPr lang="en-US" altLang="ko-KR" sz="2000" b="0" i="0" dirty="0" smtClean="0">
+                <a:effectLst/>
+                <a:latin typeface="-apple-system"/>
+              </a:rPr>
+              <a:t>: nanonix</a:t>
+            </a:r>
+          </a:p>
+          <a:p>
+            <a:r>
+              <a:rPr lang="en-US" altLang="ko-KR" sz="2000" b="0" i="0" dirty="0" smtClean="0">
+                <a:effectLst/>
+                <a:latin typeface="-apple-system"/>
+              </a:rPr>
+              <a:t>password : nanonix</a:t>
+            </a:r>
+            <a:endParaRPr lang="en-US" altLang="ko-KR" sz="2000" b="0" i="0" dirty="0">
+              <a:effectLst/>
+              <a:latin typeface="-apple-system"/>
+            </a:endParaRPr>
+          </a:p>
+        </p:txBody>
+      </p:sp>
+      <p:sp>
+        <p:nvSpPr>
+          <p:cNvPr id="9" name="직사각형 8"/>
+          <p:cNvSpPr/>
+          <p:nvPr/>
+        </p:nvSpPr>
+        <p:spPr>
+          <a:xfrm>
+            <a:off x="838200" y="4976447"/>
+            <a:ext cx="4684917" cy="1015663"/>
+          </a:xfrm>
+          <a:prstGeom prst="rect">
+            <a:avLst/>
+          </a:prstGeom>
+        </p:spPr>
+        <p:txBody>
+          <a:bodyPr wrap="square">
+            <a:spAutoFit/>
+          </a:bodyPr>
+          <a:lstStyle/>
+          <a:p>
+            <a:r>
+              <a:rPr lang="ko-KR" altLang="en-US" sz="2000" dirty="0" smtClean="0">
+                <a:latin typeface="-apple-system"/>
+              </a:rPr>
+              <a:t>설치된 </a:t>
+            </a:r>
+            <a:r>
+              <a:rPr lang="en-US" altLang="ko-KR" sz="2000" dirty="0" smtClean="0">
+                <a:latin typeface="-apple-system"/>
+              </a:rPr>
+              <a:t>REAL VNC </a:t>
+            </a:r>
+            <a:r>
+              <a:rPr lang="ko-KR" altLang="en-US" sz="2000" dirty="0" smtClean="0">
+                <a:latin typeface="-apple-system"/>
+              </a:rPr>
+              <a:t>실행 후</a:t>
+            </a:r>
+            <a:endParaRPr lang="en-US" altLang="ko-KR" sz="2000" dirty="0" smtClean="0">
+              <a:latin typeface="-apple-system"/>
+            </a:endParaRPr>
+          </a:p>
+          <a:p>
+            <a:r>
+              <a:rPr lang="ko-KR" altLang="en-US" sz="2000" dirty="0" smtClean="0">
+                <a:latin typeface="-apple-system"/>
+              </a:rPr>
+              <a:t>사전 </a:t>
+            </a:r>
+            <a:r>
+              <a:rPr lang="ko-KR" altLang="en-US" sz="2000" dirty="0" smtClean="0">
+                <a:latin typeface="-apple-system"/>
+              </a:rPr>
+              <a:t>설정된 </a:t>
+            </a:r>
+            <a:r>
+              <a:rPr lang="en-US" altLang="ko-KR" sz="2000" dirty="0" smtClean="0">
+                <a:latin typeface="-apple-system"/>
+              </a:rPr>
+              <a:t>Ethernet</a:t>
+            </a:r>
+            <a:r>
+              <a:rPr lang="ko-KR" altLang="en-US" sz="2000" dirty="0" smtClean="0">
+                <a:latin typeface="-apple-system"/>
+              </a:rPr>
+              <a:t> </a:t>
+            </a:r>
+            <a:r>
+              <a:rPr lang="en-US" altLang="ko-KR" sz="2000" dirty="0" smtClean="0">
+                <a:latin typeface="-apple-system"/>
+              </a:rPr>
+              <a:t>IP</a:t>
+            </a:r>
+            <a:r>
+              <a:rPr lang="ko-KR" altLang="en-US" sz="2000" dirty="0" smtClean="0">
+                <a:latin typeface="-apple-system"/>
+              </a:rPr>
+              <a:t>로 접속</a:t>
+            </a:r>
+            <a:endParaRPr lang="en-US" altLang="ko-KR" sz="2000" dirty="0" smtClean="0">
+              <a:latin typeface="-apple-system"/>
+            </a:endParaRPr>
+          </a:p>
+          <a:p>
+            <a:r>
+              <a:rPr lang="ko-KR" altLang="en-US" sz="2000" dirty="0" smtClean="0">
+                <a:latin typeface="-apple-system"/>
+              </a:rPr>
+              <a:t>기본 </a:t>
+            </a:r>
+            <a:r>
+              <a:rPr lang="ko-KR" altLang="en-US" sz="2000" dirty="0" smtClean="0">
+                <a:latin typeface="-apple-system"/>
+              </a:rPr>
+              <a:t>설정된 </a:t>
+            </a:r>
+            <a:r>
+              <a:rPr lang="en-US" altLang="ko-KR" sz="2000" dirty="0" smtClean="0">
+                <a:latin typeface="-apple-system"/>
+              </a:rPr>
+              <a:t>IP</a:t>
+            </a:r>
+            <a:r>
+              <a:rPr lang="ko-KR" altLang="en-US" sz="2000" dirty="0" smtClean="0">
+                <a:latin typeface="-apple-system"/>
+              </a:rPr>
+              <a:t>는 </a:t>
+            </a:r>
+            <a:r>
+              <a:rPr lang="en-US" altLang="ko-KR" sz="2000" dirty="0" smtClean="0">
+                <a:latin typeface="-apple-system"/>
+              </a:rPr>
+              <a:t>192.168.1.20</a:t>
+            </a:r>
+            <a:r>
+              <a:rPr lang="ko-KR" altLang="en-US" sz="2000" dirty="0" smtClean="0">
+                <a:latin typeface="-apple-system"/>
+              </a:rPr>
+              <a:t>입니다</a:t>
+            </a:r>
+            <a:r>
+              <a:rPr lang="en-US" altLang="ko-KR" sz="2000" dirty="0" smtClean="0">
+                <a:latin typeface="-apple-system"/>
+              </a:rPr>
+              <a:t>.</a:t>
+            </a:r>
+            <a:endParaRPr lang="en-US" altLang="ko-KR" sz="2000" dirty="0">
+              <a:latin typeface="-apple-system"/>
+            </a:endParaRPr>
+          </a:p>
+        </p:txBody>
+      </p:sp>
+      <p:pic>
+        <p:nvPicPr>
+          <p:cNvPr id="10" name="내용 개체 틀 9"/>
+          <p:cNvPicPr>
+            <a:picLocks noGrp="1" noChangeAspect="1"/>
+          </p:cNvPicPr>
+          <p:nvPr>
+            <p:ph sz="half" idx="1"/>
+          </p:nvPr>
+        </p:nvPicPr>
+        <p:blipFill>
+          <a:blip r:embed="rId3"/>
+          <a:stretch>
+            <a:fillRect/>
+          </a:stretch>
+        </p:blipFill>
+        <p:spPr>
+          <a:xfrm>
+            <a:off x="836817" y="1690688"/>
+            <a:ext cx="4686300" cy="2914650"/>
+          </a:xfrm>
+          <a:prstGeom prst="rect">
+            <a:avLst/>
+          </a:prstGeom>
+        </p:spPr>
+      </p:pic>
+    </p:spTree>
+    <p:extLst>
+      <p:ext uri="{BB962C8B-B14F-4D97-AF65-F5344CB8AC3E}">
+        <p14:creationId xmlns:p14="http://schemas.microsoft.com/office/powerpoint/2010/main" val="1937573895"/>
+      </p:ext>
+    </p:extLst>
+  </p:cSld>
+  <p:clrMapOvr>
+    <a:masterClrMapping/>
+  </p:clrMapOvr>
+  <p:timing>
+    <p:tnLst>
+      <p:par>
+        <p:cTn id="1" dur="indefinite" restart="never" nodeType="tmRoot"/>
+      </p:par>
+    </p:tnLst>
+  </p:timing>
+</p:sld>
+</file>
+
+<file path=ppt/slides/slide5.xml><?xml version="1.0" encoding="utf-8"?>
+<p:sld xmlns:a="http://schemas.openxmlformats.org/drawingml/2006/main" xmlns:r="http://schemas.openxmlformats.org/officeDocument/2006/relationships" xmlns:p="http://schemas.openxmlformats.org/presentationml/2006/main">
+  <p:cSld>
+    <p:spTree>
+      <p:nvGrpSpPr>
+        <p:cNvPr id="1" name=""/>
+        <p:cNvGrpSpPr/>
+        <p:nvPr/>
+      </p:nvGrpSpPr>
+      <p:grpSpPr>
+        <a:xfrm>
+          <a:off x="0" y="0"/>
+          <a:ext cx="0" cy="0"/>
+          <a:chOff x="0" y="0"/>
+          <a:chExt cx="0" cy="0"/>
+        </a:xfrm>
+      </p:grpSpPr>
+      <p:sp>
+        <p:nvSpPr>
+          <p:cNvPr id="2" name="제목 1"/>
+          <p:cNvSpPr>
+            <a:spLocks noGrp="1"/>
+          </p:cNvSpPr>
+          <p:nvPr>
+            <p:ph type="title"/>
+          </p:nvPr>
+        </p:nvSpPr>
+        <p:spPr/>
+        <p:txBody>
+          <a:bodyPr/>
+          <a:lstStyle/>
+          <a:p>
+            <a:r>
+              <a:rPr lang="ko-KR" altLang="en-US" dirty="0" smtClean="0"/>
+              <a:t>접속 확인 후 브라우저 </a:t>
+            </a:r>
+            <a:r>
+              <a:rPr lang="ko-KR" altLang="en-US" dirty="0" smtClean="0"/>
+              <a:t>설정 변경</a:t>
+            </a:r>
+            <a:endParaRPr lang="ko-KR" altLang="en-US" dirty="0"/>
+          </a:p>
+        </p:txBody>
+      </p:sp>
+      <p:pic>
+        <p:nvPicPr>
+          <p:cNvPr id="5" name="내용 개체 틀 4"/>
+          <p:cNvPicPr>
+            <a:picLocks noGrp="1" noChangeAspect="1"/>
+          </p:cNvPicPr>
+          <p:nvPr>
+            <p:ph sz="half" idx="1"/>
+          </p:nvPr>
+        </p:nvPicPr>
+        <p:blipFill>
+          <a:blip r:embed="rId2"/>
+          <a:stretch>
+            <a:fillRect/>
+          </a:stretch>
+        </p:blipFill>
+        <p:spPr>
+          <a:xfrm>
+            <a:off x="838200" y="1825625"/>
+            <a:ext cx="5181600" cy="2577514"/>
+          </a:xfrm>
+          <a:prstGeom prst="rect">
+            <a:avLst/>
+          </a:prstGeom>
+        </p:spPr>
+      </p:pic>
+      <p:sp>
+        <p:nvSpPr>
+          <p:cNvPr id="6" name="직사각형 5"/>
+          <p:cNvSpPr/>
+          <p:nvPr/>
+        </p:nvSpPr>
+        <p:spPr>
+          <a:xfrm>
+            <a:off x="838200" y="4538076"/>
+            <a:ext cx="5181600" cy="1631216"/>
+          </a:xfrm>
+          <a:prstGeom prst="rect">
+            <a:avLst/>
+          </a:prstGeom>
+        </p:spPr>
+        <p:txBody>
+          <a:bodyPr wrap="square">
+            <a:spAutoFit/>
+          </a:bodyPr>
+          <a:lstStyle/>
+          <a:p>
+            <a:r>
+              <a:rPr lang="ko-KR" altLang="en-US" sz="2000" dirty="0" smtClean="0">
+                <a:latin typeface="-apple-system"/>
+              </a:rPr>
+              <a:t>원격 접속이 된 것을 확인하면 브라우저를 실행합니다</a:t>
+            </a:r>
+            <a:r>
+              <a:rPr lang="en-US" altLang="ko-KR" sz="2000" dirty="0" smtClean="0">
+                <a:latin typeface="-apple-system"/>
+              </a:rPr>
+              <a:t>.</a:t>
+            </a:r>
+          </a:p>
+          <a:p>
+            <a:r>
+              <a:rPr lang="en-US" altLang="ko-KR" sz="2000" dirty="0" smtClean="0">
+                <a:latin typeface="-apple-system"/>
+              </a:rPr>
+              <a:t>(</a:t>
+            </a:r>
+            <a:r>
+              <a:rPr lang="ko-KR" altLang="en-US" sz="2000" dirty="0" smtClean="0">
+                <a:latin typeface="-apple-system"/>
+              </a:rPr>
+              <a:t>좌측 상단 두번째 아이콘</a:t>
+            </a:r>
+            <a:r>
+              <a:rPr lang="en-US" altLang="ko-KR" sz="2000" dirty="0" smtClean="0">
+                <a:latin typeface="-apple-system"/>
+              </a:rPr>
+              <a:t>)</a:t>
+            </a:r>
+          </a:p>
+          <a:p>
+            <a:r>
+              <a:rPr lang="ko-KR" altLang="en-US" sz="2000" dirty="0" smtClean="0">
+                <a:latin typeface="-apple-system"/>
+              </a:rPr>
+              <a:t>실행한 브라우저에서 </a:t>
+            </a:r>
+            <a:r>
+              <a:rPr lang="en-US" altLang="ko-KR" sz="2000" dirty="0" smtClean="0">
+                <a:latin typeface="-apple-system"/>
+              </a:rPr>
+              <a:t>localhost:8888</a:t>
+            </a:r>
+            <a:r>
+              <a:rPr lang="ko-KR" altLang="en-US" sz="2000" dirty="0" smtClean="0">
+                <a:latin typeface="-apple-system"/>
+              </a:rPr>
+              <a:t>으로 접속합니다</a:t>
+            </a:r>
+            <a:r>
+              <a:rPr lang="en-US" altLang="ko-KR" sz="2000" dirty="0" smtClean="0">
+                <a:latin typeface="-apple-system"/>
+              </a:rPr>
+              <a:t>.</a:t>
+            </a:r>
+            <a:endParaRPr lang="en-US" altLang="ko-KR" sz="2000" dirty="0">
+              <a:latin typeface="-apple-system"/>
+            </a:endParaRPr>
+          </a:p>
+        </p:txBody>
+      </p:sp>
+      <p:pic>
+        <p:nvPicPr>
+          <p:cNvPr id="2050" name="Picture 2" descr="https://user-images.githubusercontent.com/121269266/268551942-4743b159-3f7b-44fd-957a-684aa2d325fb.png"/>
+          <p:cNvPicPr>
+            <a:picLocks noGrp="1" noChangeAspect="1" noChangeArrowheads="1"/>
+          </p:cNvPicPr>
+          <p:nvPr>
+            <p:ph sz="half" idx="2"/>
+          </p:nvPr>
+        </p:nvPicPr>
+        <p:blipFill>
+          <a:blip r:embed="rId3" cstate="print">
+            <a:extLst>
+              <a:ext uri="{28A0092B-C50C-407E-A947-70E740481C1C}">
+                <a14:useLocalDpi xmlns:a14="http://schemas.microsoft.com/office/drawing/2010/main" val="0"/>
+              </a:ext>
+            </a:extLst>
+          </a:blip>
+          <a:srcRect/>
+          <a:stretch>
+            <a:fillRect/>
+          </a:stretch>
+        </p:blipFill>
+        <p:spPr bwMode="auto">
+          <a:xfrm>
+            <a:off x="6172200" y="1825626"/>
+            <a:ext cx="5181600" cy="2577514"/>
+          </a:xfrm>
+          <a:prstGeom prst="rect">
+            <a:avLst/>
+          </a:prstGeom>
+          <a:noFill/>
+          <a:extLst>
+            <a:ext uri="{909E8E84-426E-40DD-AFC4-6F175D3DCCD1}">
+              <a14:hiddenFill xmlns:a14="http://schemas.microsoft.com/office/drawing/2010/main">
+                <a:solidFill>
+                  <a:srgbClr val="FFFFFF"/>
+                </a:solidFill>
+              </a14:hiddenFill>
+            </a:ext>
+          </a:extLst>
+        </p:spPr>
+      </p:pic>
+      <p:sp>
+        <p:nvSpPr>
+          <p:cNvPr id="9" name="직사각형 8"/>
+          <p:cNvSpPr/>
+          <p:nvPr/>
+        </p:nvSpPr>
+        <p:spPr>
+          <a:xfrm>
+            <a:off x="6172200" y="4538075"/>
+            <a:ext cx="5181600" cy="1631216"/>
+          </a:xfrm>
+          <a:prstGeom prst="rect">
+            <a:avLst/>
+          </a:prstGeom>
+        </p:spPr>
+        <p:txBody>
+          <a:bodyPr wrap="square">
+            <a:spAutoFit/>
+          </a:bodyPr>
+          <a:lstStyle/>
+          <a:p>
+            <a:r>
+              <a:rPr lang="ko-KR" altLang="en-US" sz="2000" dirty="0" smtClean="0">
+                <a:latin typeface="-apple-system"/>
+              </a:rPr>
+              <a:t>접속한 페이지에서 </a:t>
+            </a:r>
+            <a:r>
+              <a:rPr lang="ko-KR" altLang="en-US" sz="2000" dirty="0" smtClean="0">
+                <a:latin typeface="-apple-system"/>
+              </a:rPr>
+              <a:t>설정 변경</a:t>
+            </a:r>
+            <a:r>
+              <a:rPr lang="en-US" altLang="ko-KR" sz="2000" dirty="0" smtClean="0">
+                <a:latin typeface="-apple-system"/>
+              </a:rPr>
+              <a:t>/</a:t>
+            </a:r>
+            <a:r>
+              <a:rPr lang="ko-KR" altLang="en-US" sz="2000" dirty="0" smtClean="0">
+                <a:latin typeface="-apple-system"/>
+              </a:rPr>
+              <a:t>확인합니다</a:t>
+            </a:r>
+            <a:r>
+              <a:rPr lang="en-US" altLang="ko-KR" sz="2000" dirty="0" smtClean="0">
+                <a:latin typeface="-apple-system"/>
+              </a:rPr>
+              <a:t>.</a:t>
+            </a:r>
+          </a:p>
+          <a:p>
+            <a:r>
+              <a:rPr lang="ko-KR" altLang="en-US" sz="2000" dirty="0" smtClean="0">
+                <a:latin typeface="-apple-system"/>
+              </a:rPr>
+              <a:t>확인</a:t>
+            </a:r>
+            <a:r>
+              <a:rPr lang="ko-KR" altLang="en-US" sz="2000" dirty="0" smtClean="0">
+                <a:latin typeface="-apple-system"/>
+              </a:rPr>
+              <a:t>이 </a:t>
+            </a:r>
+            <a:r>
+              <a:rPr lang="ko-KR" altLang="en-US" sz="2000" dirty="0" smtClean="0">
+                <a:latin typeface="-apple-system"/>
+              </a:rPr>
+              <a:t>완료되면 </a:t>
+            </a:r>
+            <a:r>
+              <a:rPr lang="ko-KR" altLang="en-US" sz="2000" dirty="0" err="1" smtClean="0">
+                <a:latin typeface="-apple-system"/>
+              </a:rPr>
+              <a:t>라즈베리파이를</a:t>
+            </a:r>
+            <a:r>
+              <a:rPr lang="ko-KR" altLang="en-US" sz="2000" dirty="0" smtClean="0">
+                <a:latin typeface="-apple-system"/>
+              </a:rPr>
+              <a:t> 재부팅해주세요</a:t>
+            </a:r>
+            <a:r>
+              <a:rPr lang="en-US" altLang="ko-KR" sz="2000" dirty="0" smtClean="0">
+                <a:latin typeface="-apple-system"/>
+              </a:rPr>
+              <a:t>.</a:t>
+            </a:r>
+          </a:p>
+          <a:p>
+            <a:r>
+              <a:rPr lang="ko-KR" altLang="en-US" sz="2000" dirty="0" smtClean="0">
+                <a:latin typeface="-apple-system"/>
+              </a:rPr>
+              <a:t>별도의 추가 설정 없이 변경된 설정으로 서버가 시작됩니다</a:t>
+            </a:r>
+            <a:r>
+              <a:rPr lang="en-US" altLang="ko-KR" sz="2000" dirty="0" smtClean="0">
+                <a:latin typeface="-apple-system"/>
+              </a:rPr>
+              <a:t>.</a:t>
+            </a:r>
+            <a:endParaRPr lang="en-US" altLang="ko-KR" sz="2000" dirty="0">
+              <a:latin typeface="-apple-system"/>
+            </a:endParaRPr>
+          </a:p>
+        </p:txBody>
+      </p:sp>
+    </p:spTree>
+    <p:extLst>
+      <p:ext uri="{BB962C8B-B14F-4D97-AF65-F5344CB8AC3E}">
+        <p14:creationId xmlns:p14="http://schemas.microsoft.com/office/powerpoint/2010/main" val="2285977503"/>
+      </p:ext>
+    </p:extLst>
+  </p:cSld>
+  <p:clrMapOvr>
+    <a:masterClrMapping/>
+  </p:clrMapOvr>
+  <p:timing>
+    <p:tnLst>
+      <p:par>
+        <p:cTn id="1" dur="indefinite" restart="never" nodeType="tmRoot"/>
+      </p:par>
+    </p:tnLst>
+  </p:timing>
+</p:sld>
+</file>
+
+<file path=ppt/slides/slide6.xml><?xml version="1.0" encoding="utf-8"?>
+<p:sld xmlns:a="http://schemas.openxmlformats.org/drawingml/2006/main" xmlns:r="http://schemas.openxmlformats.org/officeDocument/2006/relationships" xmlns:p="http://schemas.openxmlformats.org/presentationml/2006/main">
+  <p:cSld>
+    <p:spTree>
+      <p:nvGrpSpPr>
+        <p:cNvPr id="1" name=""/>
+        <p:cNvGrpSpPr/>
+        <p:nvPr/>
+      </p:nvGrpSpPr>
+      <p:grpSpPr>
+        <a:xfrm>
+          <a:off x="0" y="0"/>
+          <a:ext cx="0" cy="0"/>
+          <a:chOff x="0" y="0"/>
+          <a:chExt cx="0" cy="0"/>
+        </a:xfrm>
+      </p:grpSpPr>
+      <p:sp>
+        <p:nvSpPr>
+          <p:cNvPr id="2" name="제목 1"/>
+          <p:cNvSpPr>
+            <a:spLocks noGrp="1"/>
+          </p:cNvSpPr>
+          <p:nvPr>
+            <p:ph type="title"/>
+          </p:nvPr>
+        </p:nvSpPr>
+        <p:spPr>
+          <a:xfrm>
+            <a:off x="838200" y="365126"/>
+            <a:ext cx="10515600" cy="851200"/>
+          </a:xfrm>
+        </p:spPr>
+        <p:txBody>
+          <a:bodyPr/>
+          <a:lstStyle/>
+          <a:p>
+            <a:r>
+              <a:rPr lang="ko-KR" altLang="en-US" b="1" dirty="0" smtClean="0"/>
+              <a:t>브라우저 설정 값 알아보기</a:t>
+            </a:r>
+            <a:endParaRPr lang="ko-KR" altLang="en-US" dirty="0"/>
+          </a:p>
+        </p:txBody>
+      </p:sp>
+      <p:sp>
+        <p:nvSpPr>
+          <p:cNvPr id="3" name="내용 개체 틀 2"/>
+          <p:cNvSpPr>
+            <a:spLocks noGrp="1"/>
+          </p:cNvSpPr>
+          <p:nvPr>
+            <p:ph idx="1"/>
+          </p:nvPr>
+        </p:nvSpPr>
+        <p:spPr>
+          <a:xfrm>
+            <a:off x="838200" y="1216326"/>
+            <a:ext cx="10515600" cy="4960637"/>
+          </a:xfrm>
+        </p:spPr>
+        <p:txBody>
+          <a:bodyPr>
+            <a:normAutofit fontScale="92500" lnSpcReduction="10000"/>
+          </a:bodyPr>
+          <a:lstStyle/>
+          <a:p>
+            <a:pPr marL="0" indent="0">
+              <a:buNone/>
+            </a:pPr>
+            <a:endParaRPr lang="en-US" altLang="ko-KR" sz="2000" dirty="0" smtClean="0"/>
+          </a:p>
+          <a:p>
+            <a:pPr marL="0" indent="0">
+              <a:buNone/>
+            </a:pPr>
+            <a:endParaRPr lang="en-US" altLang="ko-KR" sz="2000" dirty="0" smtClean="0"/>
+          </a:p>
+          <a:p>
+            <a:pPr marL="0" indent="0">
+              <a:buNone/>
+            </a:pPr>
+            <a:endParaRPr lang="en-US" altLang="ko-KR" sz="2000" dirty="0"/>
+          </a:p>
+          <a:p>
+            <a:pPr marL="0" indent="0">
+              <a:buNone/>
+            </a:pPr>
+            <a:endParaRPr lang="en-US" altLang="ko-KR" sz="2000" dirty="0" smtClean="0"/>
+          </a:p>
+          <a:p>
+            <a:r>
+              <a:rPr lang="ko-KR" altLang="en-US" sz="2000" dirty="0" smtClean="0"/>
+              <a:t>사전에 </a:t>
+            </a:r>
+            <a:r>
+              <a:rPr lang="ko-KR" altLang="en-US" sz="2000" dirty="0"/>
+              <a:t>설정된 </a:t>
+            </a:r>
+            <a:r>
+              <a:rPr lang="en-US" altLang="ko-KR" sz="2000" dirty="0"/>
+              <a:t>PLC</a:t>
+            </a:r>
+            <a:r>
+              <a:rPr lang="ko-KR" altLang="en-US" sz="2000" dirty="0"/>
+              <a:t>의 </a:t>
+            </a:r>
+            <a:r>
+              <a:rPr lang="en-US" altLang="ko-KR" sz="2000" dirty="0"/>
+              <a:t>IP</a:t>
+            </a:r>
+            <a:r>
+              <a:rPr lang="ko-KR" altLang="en-US" sz="2000" dirty="0"/>
+              <a:t>주소입니다</a:t>
+            </a:r>
+            <a:r>
+              <a:rPr lang="en-US" altLang="ko-KR" sz="2000" dirty="0" smtClean="0"/>
+              <a:t>.</a:t>
+            </a:r>
+          </a:p>
+          <a:p>
+            <a:pPr marL="0" indent="0">
+              <a:buNone/>
+            </a:pPr>
+            <a:r>
+              <a:rPr lang="en-US" altLang="ko-KR" sz="2000" dirty="0" smtClean="0"/>
+              <a:t>	</a:t>
+            </a:r>
+          </a:p>
+          <a:p>
+            <a:pPr marL="0" indent="0">
+              <a:buNone/>
+            </a:pPr>
+            <a:endParaRPr lang="en-US" altLang="ko-KR" sz="2000" dirty="0"/>
+          </a:p>
+          <a:p>
+            <a:pPr marL="0" indent="0">
+              <a:buNone/>
+            </a:pPr>
+            <a:endParaRPr lang="en-US" altLang="ko-KR" sz="2000" dirty="0" smtClean="0"/>
+          </a:p>
+          <a:p>
+            <a:pPr marL="0" indent="0">
+              <a:buNone/>
+            </a:pPr>
+            <a:endParaRPr lang="en-US" altLang="ko-KR" sz="2000" dirty="0"/>
+          </a:p>
+          <a:p>
+            <a:pPr marL="0" indent="0">
+              <a:buNone/>
+            </a:pPr>
+            <a:endParaRPr lang="en-US" altLang="ko-KR" sz="2000" dirty="0"/>
+          </a:p>
+          <a:p>
+            <a:pPr marL="0" indent="0">
+              <a:buNone/>
+            </a:pPr>
+            <a:endParaRPr lang="en-US" altLang="ko-KR" sz="2000" dirty="0" smtClean="0"/>
+          </a:p>
+          <a:p>
+            <a:r>
+              <a:rPr lang="ko-KR" altLang="en-US" sz="2000" dirty="0" smtClean="0"/>
+              <a:t>들어가는 </a:t>
+            </a:r>
+            <a:r>
+              <a:rPr lang="ko-KR" altLang="en-US" sz="2000" dirty="0"/>
+              <a:t>전압</a:t>
+            </a:r>
+            <a:r>
+              <a:rPr lang="en-US" altLang="ko-KR" sz="2000" dirty="0"/>
+              <a:t>/ </a:t>
+            </a:r>
+            <a:r>
+              <a:rPr lang="ko-KR" altLang="en-US" sz="2000" dirty="0"/>
+              <a:t>나오는 전압의 </a:t>
+            </a:r>
+            <a:r>
+              <a:rPr lang="en-US" altLang="ko-KR" sz="2000" dirty="0"/>
+              <a:t>scale</a:t>
+            </a:r>
+            <a:r>
+              <a:rPr lang="ko-KR" altLang="en-US" sz="2000" dirty="0"/>
+              <a:t>을 설정</a:t>
+            </a:r>
+            <a:r>
+              <a:rPr lang="en-US" altLang="ko-KR" sz="2000" dirty="0"/>
+              <a:t>					                </a:t>
+            </a:r>
+            <a:r>
+              <a:rPr lang="ko-KR" altLang="en-US" sz="2000" dirty="0"/>
+              <a:t>하기 위한 설정 값 입니다</a:t>
+            </a:r>
+            <a:r>
+              <a:rPr lang="en-US" altLang="ko-KR" sz="2000" dirty="0"/>
+              <a:t>.</a:t>
+            </a:r>
+          </a:p>
+          <a:p>
+            <a:r>
+              <a:rPr lang="ko-KR" altLang="en-US" sz="2000" dirty="0"/>
+              <a:t>현재는 둘을 동일하게 </a:t>
+            </a:r>
+            <a:r>
+              <a:rPr lang="en-US" altLang="ko-KR" sz="2000" dirty="0" smtClean="0"/>
+              <a:t>3960/330</a:t>
+            </a:r>
+            <a:r>
+              <a:rPr lang="ko-KR" altLang="en-US" sz="2000" dirty="0" smtClean="0"/>
+              <a:t>으로 </a:t>
+            </a:r>
+            <a:r>
+              <a:rPr lang="ko-KR" altLang="en-US" sz="2000" dirty="0"/>
+              <a:t>설정해주세요</a:t>
+            </a:r>
+            <a:r>
+              <a:rPr lang="en-US" altLang="ko-KR" sz="2000" dirty="0"/>
+              <a:t>.</a:t>
+            </a:r>
+          </a:p>
+          <a:p>
+            <a:pPr marL="0" indent="0">
+              <a:buNone/>
+            </a:pPr>
+            <a:endParaRPr lang="en-US" altLang="ko-KR" sz="2000" dirty="0" smtClean="0"/>
+          </a:p>
+          <a:p>
+            <a:pPr marL="0" indent="0">
+              <a:buNone/>
+            </a:pPr>
+            <a:endParaRPr lang="en-US" altLang="ko-KR" sz="2000" dirty="0" smtClean="0"/>
+          </a:p>
+          <a:p>
+            <a:pPr marL="0" indent="0">
+              <a:buNone/>
+            </a:pPr>
+            <a:endParaRPr lang="ko-KR" altLang="en-US" sz="2000" dirty="0"/>
+          </a:p>
+        </p:txBody>
+      </p:sp>
+      <p:pic>
+        <p:nvPicPr>
+          <p:cNvPr id="1028" name="Picture 4" descr="image"/>
+          <p:cNvPicPr>
+            <a:picLocks noChangeAspect="1" noChangeArrowheads="1"/>
+          </p:cNvPicPr>
+          <p:nvPr/>
+        </p:nvPicPr>
+        <p:blipFill>
+          <a:blip r:embed="rId2">
+            <a:extLst>
+              <a:ext uri="{28A0092B-C50C-407E-A947-70E740481C1C}">
+                <a14:useLocalDpi xmlns:a14="http://schemas.microsoft.com/office/drawing/2010/main" val="0"/>
+              </a:ext>
+            </a:extLst>
+          </a:blip>
+          <a:srcRect/>
+          <a:stretch>
+            <a:fillRect/>
+          </a:stretch>
+        </p:blipFill>
+        <p:spPr bwMode="auto">
+          <a:xfrm>
+            <a:off x="838201" y="1046717"/>
+            <a:ext cx="4428601" cy="1515328"/>
+          </a:xfrm>
+          <a:prstGeom prst="rect">
+            <a:avLst/>
+          </a:prstGeom>
+          <a:noFill/>
+          <a:extLst>
+            <a:ext uri="{909E8E84-426E-40DD-AFC4-6F175D3DCCD1}">
+              <a14:hiddenFill xmlns:a14="http://schemas.microsoft.com/office/drawing/2010/main">
+                <a:solidFill>
+                  <a:srgbClr val="FFFFFF"/>
+                </a:solidFill>
+              </a14:hiddenFill>
+            </a:ext>
+          </a:extLst>
+        </p:spPr>
+      </p:pic>
+      <p:pic>
+        <p:nvPicPr>
+          <p:cNvPr id="1032" name="Picture 8" descr="image"/>
+          <p:cNvPicPr>
+            <a:picLocks noChangeAspect="1" noChangeArrowheads="1"/>
+          </p:cNvPicPr>
+          <p:nvPr/>
+        </p:nvPicPr>
+        <p:blipFill>
+          <a:blip r:embed="rId3">
+            <a:extLst>
+              <a:ext uri="{28A0092B-C50C-407E-A947-70E740481C1C}">
+                <a14:useLocalDpi xmlns:a14="http://schemas.microsoft.com/office/drawing/2010/main" val="0"/>
+              </a:ext>
+            </a:extLst>
+          </a:blip>
+          <a:srcRect/>
+          <a:stretch>
+            <a:fillRect/>
+          </a:stretch>
+        </p:blipFill>
+        <p:spPr bwMode="auto">
+          <a:xfrm>
+            <a:off x="838199" y="3183251"/>
+            <a:ext cx="7317604" cy="1880455"/>
+          </a:xfrm>
+          <a:prstGeom prst="rect">
+            <a:avLst/>
+          </a:prstGeom>
+          <a:noFill/>
+          <a:extLst>
+            <a:ext uri="{909E8E84-426E-40DD-AFC4-6F175D3DCCD1}">
+              <a14:hiddenFill xmlns:a14="http://schemas.microsoft.com/office/drawing/2010/main">
+                <a:solidFill>
+                  <a:srgbClr val="FFFFFF"/>
+                </a:solidFill>
+              </a14:hiddenFill>
+            </a:ext>
+          </a:extLst>
+        </p:spPr>
+      </p:pic>
+    </p:spTree>
+    <p:extLst>
+      <p:ext uri="{BB962C8B-B14F-4D97-AF65-F5344CB8AC3E}">
+        <p14:creationId xmlns:p14="http://schemas.microsoft.com/office/powerpoint/2010/main" val="2568871418"/>
+      </p:ext>
+    </p:extLst>
+  </p:cSld>
+  <p:clrMapOvr>
+    <a:masterClrMapping/>
+  </p:clrMapOvr>
+</p:sld>
+</file>
+
 <file path=ppt/slides/slide7.xml><?xml version="1.0" encoding="utf-8"?>
 <p:sld xmlns:a="http://schemas.openxmlformats.org/drawingml/2006/main" xmlns:r="http://schemas.openxmlformats.org/officeDocument/2006/relationships" xmlns:p="http://schemas.openxmlformats.org/presentationml/2006/main">
   <p:cSld>
@@ -7108,59 +8284,308 @@
             <a:spLocks noGrp="1"/>
           </p:cNvSpPr>
           <p:nvPr>
-            <p:ph type="ctrTitle"/>
+            <p:ph type="title"/>
           </p:nvPr>
         </p:nvSpPr>
         <p:spPr>
           <a:xfrm>
-            <a:off x="1524000" y="1122362"/>
-            <a:ext cx="9144000" cy="4135437"/>
+            <a:off x="838200" y="365125"/>
+            <a:ext cx="10515600" cy="6096060"/>
           </a:xfrm>
         </p:spPr>
         <p:txBody>
-          <a:bodyPr anchor="ctr"/>
+          <a:bodyPr anchor="t">
+            <a:normAutofit/>
+          </a:bodyPr>
           <a:lstStyle/>
           <a:p>
             <a:r>
-              <a:rPr lang="ko-KR" altLang="en-US" dirty="0" err="1" smtClean="0"/>
-              <a:t>라즈베리파이</a:t>
-            </a:r>
-            <a:r>
-              <a:rPr lang="en-US" altLang="ko-KR"/>
+              <a:rPr lang="en-US" altLang="ko-KR" sz="2000" dirty="0" smtClean="0"/>
               <a:t/>
             </a:r>
             <a:br>
-              <a:rPr lang="en-US" altLang="ko-KR"/>
+              <a:rPr lang="en-US" altLang="ko-KR" sz="2000" dirty="0" smtClean="0"/>
             </a:br>
             <a:r>
-              <a:rPr lang="ko-KR" altLang="en-US" smtClean="0"/>
-              <a:t>처음부터 </a:t>
-            </a:r>
-            <a:r>
-              <a:rPr lang="ko-KR" altLang="en-US" dirty="0" smtClean="0"/>
-              <a:t>설치하기</a:t>
-            </a:r>
-            <a:endParaRPr lang="ko-KR" altLang="en-US" dirty="0"/>
-          </a:p>
-        </p:txBody>
-      </p:sp>
+              <a:rPr lang="en-US" altLang="ko-KR" sz="2000" dirty="0"/>
+              <a:t/>
+            </a:r>
+            <a:br>
+              <a:rPr lang="en-US" altLang="ko-KR" sz="2000" dirty="0"/>
+            </a:br>
+            <a:r>
+              <a:rPr lang="en-US" altLang="ko-KR" sz="2000" dirty="0" smtClean="0"/>
+              <a:t/>
+            </a:r>
+            <a:br>
+              <a:rPr lang="en-US" altLang="ko-KR" sz="2000" dirty="0" smtClean="0"/>
+            </a:br>
+            <a:r>
+              <a:rPr lang="en-US" altLang="ko-KR" sz="2000" dirty="0"/>
+              <a:t/>
+            </a:r>
+            <a:br>
+              <a:rPr lang="en-US" altLang="ko-KR" sz="2000" dirty="0"/>
+            </a:br>
+            <a:r>
+              <a:rPr lang="en-US" altLang="ko-KR" sz="2000" dirty="0" smtClean="0"/>
+              <a:t/>
+            </a:r>
+            <a:br>
+              <a:rPr lang="en-US" altLang="ko-KR" sz="2000" dirty="0" smtClean="0"/>
+            </a:br>
+            <a:r>
+              <a:rPr lang="en-US" altLang="ko-KR" sz="2000" dirty="0"/>
+              <a:t/>
+            </a:r>
+            <a:br>
+              <a:rPr lang="en-US" altLang="ko-KR" sz="2000" dirty="0"/>
+            </a:br>
+            <a:r>
+              <a:rPr lang="en-US" altLang="ko-KR" sz="2000" dirty="0" smtClean="0"/>
+              <a:t/>
+            </a:r>
+            <a:br>
+              <a:rPr lang="en-US" altLang="ko-KR" sz="2000" dirty="0" smtClean="0"/>
+            </a:br>
+            <a:r>
+              <a:rPr lang="en-US" altLang="ko-KR" sz="2000" dirty="0"/>
+              <a:t/>
+            </a:r>
+            <a:br>
+              <a:rPr lang="en-US" altLang="ko-KR" sz="2000" dirty="0"/>
+            </a:br>
+            <a:r>
+              <a:rPr lang="en-US" altLang="ko-KR" sz="2000" dirty="0" smtClean="0"/>
+              <a:t/>
+            </a:r>
+            <a:br>
+              <a:rPr lang="en-US" altLang="ko-KR" sz="2000" dirty="0" smtClean="0"/>
+            </a:br>
+            <a:r>
+              <a:rPr lang="en-US" altLang="ko-KR" sz="2000" dirty="0" smtClean="0"/>
+              <a:t/>
+            </a:r>
+            <a:br>
+              <a:rPr lang="en-US" altLang="ko-KR" sz="2000" dirty="0" smtClean="0"/>
+            </a:br>
+            <a:r>
+              <a:rPr lang="en-US" altLang="ko-KR" sz="2000" dirty="0"/>
+              <a:t/>
+            </a:r>
+            <a:br>
+              <a:rPr lang="en-US" altLang="ko-KR" sz="2000" dirty="0"/>
+            </a:br>
+            <a:r>
+              <a:rPr lang="ko-KR" altLang="en-US" sz="2400" dirty="0" smtClean="0"/>
+              <a:t>기준이 </a:t>
+            </a:r>
+            <a:r>
+              <a:rPr lang="ko-KR" altLang="en-US" sz="2400" dirty="0"/>
+              <a:t>될 측정값을 입력해주세요</a:t>
+            </a:r>
+            <a:r>
+              <a:rPr lang="en-US" altLang="ko-KR" sz="2400" dirty="0" smtClean="0"/>
+              <a:t>.</a:t>
+            </a:r>
+            <a:br>
+              <a:rPr lang="en-US" altLang="ko-KR" sz="2400" dirty="0" smtClean="0"/>
+            </a:br>
+            <a:r>
+              <a:rPr lang="en-US" altLang="ko-KR" sz="2400" dirty="0" smtClean="0"/>
+              <a:t>(</a:t>
+            </a:r>
+            <a:r>
+              <a:rPr lang="ko-KR" altLang="en-US" sz="2400" dirty="0" smtClean="0"/>
+              <a:t>기본값에 수정이 필요할 시에만 수정해주세요</a:t>
+            </a:r>
+            <a:r>
+              <a:rPr lang="en-US" altLang="ko-KR" sz="2400" dirty="0" smtClean="0"/>
+              <a:t>)</a:t>
+            </a:r>
+            <a:br>
+              <a:rPr lang="en-US" altLang="ko-KR" sz="2400" dirty="0" smtClean="0"/>
+            </a:br>
+            <a:r>
+              <a:rPr lang="en-US" altLang="ko-KR" sz="2400" dirty="0" smtClean="0"/>
+              <a:t/>
+            </a:r>
+            <a:br>
+              <a:rPr lang="en-US" altLang="ko-KR" sz="2400" dirty="0" smtClean="0"/>
+            </a:br>
+            <a:r>
+              <a:rPr lang="ko-KR" altLang="en-US" sz="2400" dirty="0" smtClean="0"/>
+              <a:t>수신 값은 </a:t>
+            </a:r>
+            <a:r>
+              <a:rPr lang="en-US" altLang="ko-KR" sz="2400" dirty="0"/>
+              <a:t>PLC</a:t>
+            </a:r>
+            <a:r>
+              <a:rPr lang="ko-KR" altLang="en-US" sz="2400" dirty="0"/>
+              <a:t>에서 보이는 아날로그 값입니다</a:t>
+            </a:r>
+            <a:r>
+              <a:rPr lang="en-US" altLang="ko-KR" sz="2400" dirty="0"/>
+              <a:t>.</a:t>
+            </a:r>
+            <a:br>
+              <a:rPr lang="en-US" altLang="ko-KR" sz="2400" dirty="0"/>
+            </a:br>
+            <a:r>
+              <a:rPr lang="en-US" altLang="ko-KR" sz="2400" dirty="0"/>
+              <a:t>ex) </a:t>
+            </a:r>
+            <a:r>
+              <a:rPr lang="en-US" altLang="ko-KR" sz="2400" dirty="0" err="1"/>
+              <a:t>inputScale</a:t>
+            </a:r>
+            <a:r>
+              <a:rPr lang="ko-KR" altLang="en-US" sz="2400" dirty="0"/>
+              <a:t>이 </a:t>
+            </a:r>
+            <a:r>
+              <a:rPr lang="en-US" altLang="ko-KR" sz="2400" dirty="0"/>
+              <a:t>12</a:t>
+            </a:r>
+            <a:r>
+              <a:rPr lang="ko-KR" altLang="en-US" sz="2400" dirty="0" err="1"/>
+              <a:t>일때</a:t>
+            </a:r>
+            <a:r>
+              <a:rPr lang="ko-KR" altLang="en-US" sz="2400" dirty="0"/>
+              <a:t> 입력 전압 </a:t>
+            </a:r>
+            <a:r>
+              <a:rPr lang="en-US" altLang="ko-KR" sz="2400" dirty="0" smtClean="0"/>
+              <a:t>60V</a:t>
+            </a:r>
+            <a:br>
+              <a:rPr lang="en-US" altLang="ko-KR" sz="2400" dirty="0" smtClean="0"/>
+            </a:br>
+            <a:r>
+              <a:rPr lang="en-US" altLang="ko-KR" sz="2400" dirty="0" smtClean="0"/>
+              <a:t>=&gt; </a:t>
+            </a:r>
+            <a:r>
+              <a:rPr lang="en-US" altLang="ko-KR" sz="2400" dirty="0"/>
+              <a:t>720(60*12)</a:t>
+            </a:r>
+            <a:r>
+              <a:rPr lang="ko-KR" altLang="en-US" sz="2400" dirty="0" err="1"/>
+              <a:t>일때</a:t>
+            </a:r>
+            <a:r>
+              <a:rPr lang="ko-KR" altLang="en-US" sz="2400" dirty="0"/>
+              <a:t> </a:t>
+            </a:r>
+            <a:r>
+              <a:rPr lang="en-US" altLang="ko-KR" sz="2400" dirty="0"/>
+              <a:t>PLC</a:t>
+            </a:r>
+            <a:r>
+              <a:rPr lang="ko-KR" altLang="en-US" sz="2400" dirty="0"/>
+              <a:t>에 출력되는 </a:t>
+            </a:r>
+            <a:r>
+              <a:rPr lang="ko-KR" altLang="en-US" sz="2400" dirty="0" err="1"/>
+              <a:t>아날로그값</a:t>
+            </a:r>
+            <a:r>
+              <a:rPr lang="ko-KR" altLang="en-US" sz="2400" dirty="0"/>
+              <a:t> </a:t>
+            </a:r>
+            <a:r>
+              <a:rPr lang="en-US" altLang="ko-KR" sz="2400" dirty="0"/>
+              <a:t>: </a:t>
+            </a:r>
+            <a:r>
+              <a:rPr lang="en-US" altLang="ko-KR" sz="2400" dirty="0" smtClean="0"/>
+              <a:t>809(</a:t>
+            </a:r>
+            <a:r>
+              <a:rPr lang="ko-KR" altLang="en-US" sz="2400" dirty="0" err="1" smtClean="0"/>
+              <a:t>수신값</a:t>
+            </a:r>
+            <a:r>
+              <a:rPr lang="en-US" altLang="ko-KR" sz="2400" dirty="0" smtClean="0"/>
+              <a:t>)</a:t>
+            </a:r>
+            <a:br>
+              <a:rPr lang="en-US" altLang="ko-KR" sz="2400" dirty="0" smtClean="0"/>
+            </a:br>
+            <a:r>
+              <a:rPr lang="en-US" altLang="ko-KR" sz="2400" dirty="0" smtClean="0"/>
+              <a:t>=&gt; 809</a:t>
+            </a:r>
+            <a:r>
+              <a:rPr lang="ko-KR" altLang="en-US" sz="2400" dirty="0" smtClean="0"/>
+              <a:t>값을 읽어서 </a:t>
+            </a:r>
+            <a:r>
+              <a:rPr lang="en-US" altLang="ko-KR" sz="2400" dirty="0" smtClean="0"/>
+              <a:t>V.V.C.F</a:t>
+            </a:r>
+            <a:r>
+              <a:rPr lang="ko-KR" altLang="en-US" sz="2400" dirty="0"/>
+              <a:t>에서 출력된 값 </a:t>
+            </a:r>
+            <a:r>
+              <a:rPr lang="en-US" altLang="ko-KR" sz="2400" dirty="0"/>
+              <a:t>: 65.8V</a:t>
+            </a:r>
+            <a:r>
+              <a:rPr lang="en-US" altLang="ko-KR" sz="2000" dirty="0"/>
+              <a:t/>
+            </a:r>
+            <a:br>
+              <a:rPr lang="en-US" altLang="ko-KR" sz="2000" dirty="0"/>
+            </a:br>
+            <a:r>
+              <a:rPr lang="ko-KR" altLang="en-US" sz="2000" dirty="0"/>
+              <a:t/>
+            </a:r>
+            <a:br>
+              <a:rPr lang="ko-KR" altLang="en-US" sz="2000" dirty="0"/>
+            </a:br>
+            <a:endParaRPr lang="ko-KR" altLang="en-US" sz="2000" dirty="0"/>
+          </a:p>
+        </p:txBody>
+      </p:sp>
+      <p:pic>
+        <p:nvPicPr>
+          <p:cNvPr id="4" name="그림 3"/>
+          <p:cNvPicPr>
+            <a:picLocks noChangeAspect="1"/>
+          </p:cNvPicPr>
+          <p:nvPr/>
+        </p:nvPicPr>
+        <p:blipFill>
+          <a:blip r:embed="rId2"/>
+          <a:stretch>
+            <a:fillRect/>
+          </a:stretch>
+        </p:blipFill>
+        <p:spPr>
+          <a:xfrm>
+            <a:off x="1126914" y="671573"/>
+            <a:ext cx="8769109" cy="2416684"/>
+          </a:xfrm>
+          <a:prstGeom prst="rect">
+            <a:avLst/>
+          </a:prstGeom>
+        </p:spPr>
+      </p:pic>
     </p:spTree>
     <p:extLst>
       <p:ext uri="{BB962C8B-B14F-4D97-AF65-F5344CB8AC3E}">
-        <p14:creationId xmlns:p14="http://schemas.microsoft.com/office/powerpoint/2010/main" val="1106659232"/>
+        <p14:creationId xmlns:p14="http://schemas.microsoft.com/office/powerpoint/2010/main" val="3881033455"/>
       </p:ext>
     </p:extLst>
   </p:cSld>
   <p:clrMapOvr>
     <a:masterClrMapping/>
   </p:clrMapOvr>
-  <p:timing>
-    <p:tnLst>
-      <p:par>
-        <p:cTn id="1" dur="indefinite" restart="never" nodeType="tmRoot"/>
-      </p:par>
-    </p:tnLst>
-  </p:timing>
 </p:sld>
 </file>
 
@@ -7191,22 +8616,31 @@
             <p:ph type="title"/>
           </p:nvPr>
         </p:nvSpPr>
-        <p:spPr/>
+        <p:spPr>
+          <a:xfrm>
+            <a:off x="838200" y="365126"/>
+            <a:ext cx="10515600" cy="825320"/>
+          </a:xfrm>
+        </p:spPr>
         <p:txBody>
           <a:bodyPr/>
           <a:lstStyle/>
           <a:p>
             <a:r>
-              <a:rPr lang="en-US" altLang="ko-KR" b="1" dirty="0" smtClean="0"/>
-              <a:t>1. </a:t>
-            </a:r>
-            <a:r>
-              <a:rPr lang="ko-KR" altLang="en-US" b="1" dirty="0" err="1" smtClean="0"/>
-              <a:t>라즈베리파이에</a:t>
-            </a:r>
-            <a:r>
-              <a:rPr lang="ko-KR" altLang="en-US" b="1" dirty="0" smtClean="0"/>
-              <a:t> 운영체제 설치</a:t>
+              <a:rPr lang="en-US" altLang="ko-KR" dirty="0" smtClean="0"/>
+              <a:t>XG5000</a:t>
+            </a:r>
+            <a:r>
+              <a:rPr lang="ko-KR" altLang="en-US" dirty="0" smtClean="0"/>
+              <a:t>으로 </a:t>
+            </a:r>
+            <a:r>
+              <a:rPr lang="en-US" altLang="ko-KR" dirty="0" smtClean="0"/>
+              <a:t>PLC</a:t>
+            </a:r>
+            <a:r>
+              <a:rPr lang="ko-KR" altLang="en-US" dirty="0" smtClean="0"/>
+              <a:t>설정 변경 확인</a:t>
             </a:r>
             <a:endParaRPr lang="ko-KR" altLang="en-US" dirty="0"/>
           </a:p>
@@ -7219,97 +8653,208 @@
             <a:spLocks noGrp="1"/>
           </p:cNvSpPr>
           <p:nvPr>
-            <p:ph sz="half" idx="1"/>
-          </p:nvPr>
-        </p:nvSpPr>
-        <p:spPr/>
+            <p:ph idx="1"/>
+          </p:nvPr>
+        </p:nvSpPr>
+        <p:spPr>
+          <a:xfrm>
+            <a:off x="838200" y="1345720"/>
+            <a:ext cx="10515600" cy="5141343"/>
+          </a:xfrm>
+        </p:spPr>
         <p:txBody>
           <a:bodyPr>
-            <a:normAutofit/>
+            <a:noAutofit/>
           </a:bodyPr>
           <a:lstStyle/>
           <a:p>
             <a:r>
-              <a:rPr lang="ko-KR" altLang="en-US" sz="2400" dirty="0" err="1"/>
-              <a:t>라즈베리파이와</a:t>
-            </a:r>
-            <a:r>
-              <a:rPr lang="ko-KR" altLang="en-US" sz="2400" dirty="0"/>
-              <a:t> </a:t>
-            </a:r>
-            <a:r>
-              <a:rPr lang="en-US" altLang="ko-KR" sz="2400" dirty="0"/>
-              <a:t>SD</a:t>
-            </a:r>
-            <a:r>
-              <a:rPr lang="ko-KR" altLang="en-US" sz="2400" dirty="0"/>
-              <a:t>카드</a:t>
-            </a:r>
-            <a:r>
-              <a:rPr lang="en-US" altLang="ko-KR" sz="2400" dirty="0"/>
-              <a:t>, SD</a:t>
-            </a:r>
-            <a:r>
-              <a:rPr lang="ko-KR" altLang="en-US" sz="2400" dirty="0"/>
-              <a:t>카드 리더기를 준비합니다</a:t>
-            </a:r>
-            <a:r>
-              <a:rPr lang="en-US" altLang="ko-KR" sz="2400" dirty="0"/>
+              <a:rPr lang="en-US" altLang="ko-KR" sz="2000" dirty="0" smtClean="0"/>
+              <a:t>LS</a:t>
+            </a:r>
+            <a:r>
+              <a:rPr lang="ko-KR" altLang="en-US" sz="2000" dirty="0" smtClean="0"/>
+              <a:t>산전 홈페이지에서 </a:t>
+            </a:r>
+            <a:r>
+              <a:rPr lang="en-US" altLang="ko-KR" sz="2000" dirty="0" smtClean="0"/>
+              <a:t>XG5000</a:t>
+            </a:r>
+            <a:r>
+              <a:rPr lang="ko-KR" altLang="en-US" sz="2000" dirty="0" smtClean="0"/>
+              <a:t>을 설치하여 주세요</a:t>
+            </a:r>
+            <a:r>
+              <a:rPr lang="en-US" altLang="ko-KR" sz="2000" dirty="0" smtClean="0"/>
               <a:t>.</a:t>
             </a:r>
           </a:p>
           <a:p>
             <a:r>
-              <a:rPr lang="ko-KR" altLang="en-US" sz="2400" u="sng" dirty="0" err="1">
+              <a:rPr lang="en-US" altLang="ko-KR" sz="2000" dirty="0"/>
+              <a:t>(</a:t>
+            </a:r>
+            <a:r>
+              <a:rPr lang="en-US" altLang="ko-KR" sz="2000" dirty="0">
                 <a:hlinkClick r:id="rId2"/>
               </a:rPr>
-              <a:t>라즈비안</a:t>
-            </a:r>
-            <a:r>
-              <a:rPr lang="ko-KR" altLang="en-US" sz="2400" u="sng" dirty="0">
-                <a:hlinkClick r:id="rId2"/>
-              </a:rPr>
-              <a:t> </a:t>
-            </a:r>
-            <a:r>
-              <a:rPr lang="ko-KR" altLang="en-US" sz="2400" u="sng" dirty="0" err="1">
-                <a:hlinkClick r:id="rId2"/>
-              </a:rPr>
-              <a:t>이미저</a:t>
-            </a:r>
-            <a:r>
-              <a:rPr lang="ko-KR" altLang="en-US" sz="2400" u="sng" dirty="0">
-                <a:hlinkClick r:id="rId2"/>
-              </a:rPr>
-              <a:t> 다운로드</a:t>
-            </a:r>
-            <a:endParaRPr lang="en-US" altLang="ko-KR" sz="2400" u="sng" dirty="0"/>
-          </a:p>
-          <a:p>
-            <a:r>
-              <a:rPr lang="ko-KR" altLang="en-US" sz="2400" dirty="0"/>
-              <a:t>이후 운영체제 설치과정 </a:t>
-            </a:r>
-            <a:r>
-              <a:rPr lang="ko-KR" altLang="en-US" sz="2400" dirty="0" smtClean="0"/>
-              <a:t>생략</a:t>
-            </a:r>
-            <a:endParaRPr lang="ko-KR" altLang="en-US" sz="2400" dirty="0"/>
-          </a:p>
-          <a:p>
-            <a:endParaRPr lang="ko-KR" altLang="en-US" sz="2400" dirty="0"/>
+              <a:t>https://sol.ls-electric.com/kr/ko/newSearch?searchInput=XG5000</a:t>
+            </a:r>
+            <a:r>
+              <a:rPr lang="en-US" altLang="ko-KR" sz="2000" dirty="0" smtClean="0"/>
+              <a:t>)</a:t>
+            </a:r>
+          </a:p>
+          <a:p>
+            <a:r>
+              <a:rPr lang="ko-KR" altLang="en-US" sz="2000" dirty="0" smtClean="0"/>
+              <a:t>해당 프로그램은 </a:t>
+            </a:r>
+            <a:r>
+              <a:rPr lang="ko-KR" altLang="en-US" sz="2000" b="1" dirty="0" smtClean="0"/>
+              <a:t>윈도우에서만 작동</a:t>
+            </a:r>
+            <a:r>
+              <a:rPr lang="ko-KR" altLang="en-US" sz="2000" dirty="0" smtClean="0"/>
+              <a:t>하기때문에 </a:t>
+            </a:r>
+            <a:r>
+              <a:rPr lang="en-US" altLang="ko-KR" sz="2000" dirty="0" smtClean="0"/>
+              <a:t>PC</a:t>
+            </a:r>
+            <a:r>
+              <a:rPr lang="ko-KR" altLang="en-US" sz="2000" dirty="0" smtClean="0"/>
+              <a:t>로 설치가 필요합니다</a:t>
+            </a:r>
+            <a:r>
+              <a:rPr lang="en-US" altLang="ko-KR" sz="2000" dirty="0" smtClean="0"/>
+              <a:t>.</a:t>
+            </a:r>
+          </a:p>
+          <a:p>
+            <a:r>
+              <a:rPr lang="ko-KR" altLang="en-US" sz="2000" dirty="0" smtClean="0"/>
+              <a:t>설치 후 좌측 상단 </a:t>
+            </a:r>
+            <a:r>
+              <a:rPr lang="en-US" altLang="ko-KR" sz="2000" dirty="0" smtClean="0"/>
+              <a:t>– </a:t>
+            </a:r>
+            <a:r>
+              <a:rPr lang="ko-KR" altLang="en-US" sz="2000" dirty="0" smtClean="0"/>
+              <a:t>프로젝트 </a:t>
+            </a:r>
+            <a:r>
+              <a:rPr lang="en-US" altLang="ko-KR" sz="2000" dirty="0" smtClean="0"/>
+              <a:t>– PLC</a:t>
+            </a:r>
+            <a:r>
+              <a:rPr lang="ko-KR" altLang="en-US" sz="2000" dirty="0" smtClean="0"/>
+              <a:t>로부터 열기 </a:t>
+            </a:r>
+            <a:r>
+              <a:rPr lang="en-US" altLang="ko-KR" sz="2000" dirty="0" smtClean="0"/>
+              <a:t>– </a:t>
+            </a:r>
+            <a:r>
+              <a:rPr lang="ko-KR" altLang="en-US" sz="2000" dirty="0" err="1" smtClean="0"/>
+              <a:t>이더넷</a:t>
+            </a:r>
+            <a:r>
+              <a:rPr lang="ko-KR" altLang="en-US" sz="2000" dirty="0" smtClean="0"/>
+              <a:t> 모듈</a:t>
+            </a:r>
+            <a:endParaRPr lang="en-US" altLang="ko-KR" sz="2000" dirty="0" smtClean="0"/>
+          </a:p>
+          <a:p>
+            <a:endParaRPr lang="en-US" altLang="ko-KR" sz="2000" dirty="0"/>
+          </a:p>
+          <a:p>
+            <a:endParaRPr lang="en-US" altLang="ko-KR" sz="2000" dirty="0" smtClean="0"/>
+          </a:p>
+          <a:p>
+            <a:endParaRPr lang="en-US" altLang="ko-KR" sz="2000" dirty="0"/>
+          </a:p>
+          <a:p>
+            <a:endParaRPr lang="en-US" altLang="ko-KR" sz="2000" dirty="0" smtClean="0"/>
+          </a:p>
+          <a:p>
+            <a:endParaRPr lang="en-US" altLang="ko-KR" sz="2000" dirty="0"/>
+          </a:p>
+          <a:p>
+            <a:endParaRPr lang="en-US" altLang="ko-KR" sz="2000" dirty="0" smtClean="0"/>
+          </a:p>
+          <a:p>
+            <a:pPr marL="0" indent="0">
+              <a:buNone/>
+            </a:pPr>
+            <a:endParaRPr lang="en-US" altLang="ko-KR" sz="2000" dirty="0" smtClean="0"/>
+          </a:p>
+          <a:p>
+            <a:pPr marL="0" indent="0">
+              <a:buNone/>
+            </a:pPr>
+            <a:r>
+              <a:rPr lang="en-US" altLang="ko-KR" sz="2000" dirty="0" smtClean="0"/>
+              <a:t>IP </a:t>
+            </a:r>
+            <a:r>
+              <a:rPr lang="ko-KR" altLang="en-US" sz="2000" dirty="0" smtClean="0"/>
+              <a:t>찾기를 눌러 </a:t>
+            </a:r>
+            <a:r>
+              <a:rPr lang="en-US" altLang="ko-KR" sz="2000" dirty="0" smtClean="0"/>
+              <a:t>IP</a:t>
+            </a:r>
+            <a:r>
+              <a:rPr lang="ko-KR" altLang="en-US" sz="2000" dirty="0" smtClean="0"/>
+              <a:t>를 찾은 뒤 확인 버튼을 누르고 접속 버튼을 눌러주세요</a:t>
+            </a:r>
+            <a:r>
+              <a:rPr lang="en-US" altLang="ko-KR" sz="2000" dirty="0" smtClean="0"/>
+              <a:t>.</a:t>
+            </a:r>
+          </a:p>
+          <a:p>
+            <a:endParaRPr lang="en-US" altLang="ko-KR" sz="2000" dirty="0"/>
+          </a:p>
+          <a:p>
+            <a:endParaRPr lang="en-US" altLang="ko-KR" sz="2000" dirty="0" smtClean="0"/>
+          </a:p>
+          <a:p>
+            <a:endParaRPr lang="en-US" altLang="ko-KR" sz="2000" dirty="0"/>
+          </a:p>
+          <a:p>
+            <a:endParaRPr lang="en-US" altLang="ko-KR" sz="2000" dirty="0" smtClean="0"/>
+          </a:p>
+          <a:p>
+            <a:endParaRPr lang="en-US" altLang="ko-KR" sz="2000" dirty="0"/>
+          </a:p>
+          <a:p>
+            <a:endParaRPr lang="en-US" altLang="ko-KR" sz="2000" dirty="0" smtClean="0"/>
+          </a:p>
+          <a:p>
+            <a:endParaRPr lang="en-US" altLang="ko-KR" sz="2000" dirty="0"/>
+          </a:p>
+          <a:p>
+            <a:r>
+              <a:rPr lang="en-US" altLang="ko-KR" sz="2000" dirty="0"/>
+              <a:t/>
+            </a:r>
+            <a:br>
+              <a:rPr lang="en-US" altLang="ko-KR" sz="2000" dirty="0"/>
+            </a:br>
+            <a:endParaRPr lang="ko-KR" altLang="en-US" sz="2000" dirty="0"/>
           </a:p>
         </p:txBody>
       </p:sp>
       <p:pic>
         <p:nvPicPr>
-          <p:cNvPr id="5" name="내용 개체 틀 4"/>
+          <p:cNvPr id="5" name="그림 4"/>
           <p:cNvPicPr>
-            <a:picLocks noGrp="1" noChangeAspect="1"/>
+            <a:picLocks noChangeAspect="1"/>
           </p:cNvPicPr>
-          <p:nvPr>
-            <p:ph sz="half" idx="2"/>
-          </p:nvPr>
+          <p:nvPr/>
         </p:nvPicPr>
         <p:blipFill>
           <a:blip r:embed="rId3"/>
@@ -7319,8 +8864,56 @@
         </p:blipFill>
         <p:spPr>
           <a:xfrm>
-            <a:off x="6605769" y="1825625"/>
-            <a:ext cx="4314462" cy="4351338"/>
+            <a:off x="838201" y="2908853"/>
+            <a:ext cx="2180152" cy="2577547"/>
+          </a:xfrm>
+          <a:prstGeom prst="rect">
+            <a:avLst/>
+          </a:prstGeom>
+        </p:spPr>
+      </p:pic>
+      <p:pic>
+        <p:nvPicPr>
+          <p:cNvPr id="7" name="그림 6"/>
+          <p:cNvPicPr>
+            <a:picLocks noChangeAspect="1"/>
+          </p:cNvPicPr>
+          <p:nvPr/>
+        </p:nvPicPr>
+        <p:blipFill>
+          <a:blip r:embed="rId4"/>
+          <a:stretch>
+            <a:fillRect/>
+          </a:stretch>
+        </p:blipFill>
+        <p:spPr>
+          <a:xfrm>
+            <a:off x="3469347" y="2908853"/>
+            <a:ext cx="2141755" cy="2577547"/>
+          </a:xfrm>
+          <a:prstGeom prst="rect">
+            <a:avLst/>
+          </a:prstGeom>
+        </p:spPr>
+      </p:pic>
+      <p:pic>
+        <p:nvPicPr>
+          <p:cNvPr id="8" name="그림 7"/>
+          <p:cNvPicPr>
+            <a:picLocks noChangeAspect="1"/>
+          </p:cNvPicPr>
+          <p:nvPr/>
+        </p:nvPicPr>
+        <p:blipFill>
+          <a:blip r:embed="rId5"/>
+          <a:stretch>
+            <a:fillRect/>
+          </a:stretch>
+        </p:blipFill>
+        <p:spPr>
+          <a:xfrm>
+            <a:off x="6062097" y="2908853"/>
+            <a:ext cx="2210098" cy="2577547"/>
           </a:xfrm>
           <a:prstGeom prst="rect">
             <a:avLst/>
@@ -7330,20 +8923,13 @@
     </p:spTree>
     <p:extLst>
       <p:ext uri="{BB962C8B-B14F-4D97-AF65-F5344CB8AC3E}">
-        <p14:creationId xmlns:p14="http://schemas.microsoft.com/office/powerpoint/2010/main" val="3775733463"/>
+        <p14:creationId xmlns:p14="http://schemas.microsoft.com/office/powerpoint/2010/main" val="2971860384"/>
       </p:ext>
     </p:extLst>
   </p:cSld>
   <p:clrMapOvr>
     <a:masterClrMapping/>
   </p:clrMapOvr>
-  <p:timing>
-    <p:tnLst>
-      <p:par>
-        <p:cTn id="1" dur="indefinite" restart="never" nodeType="tmRoot"/>
-      </p:par>
-    </p:tnLst>
-  </p:timing>
 </p:sld>
 </file>
 
@@ -7374,268 +8960,255 @@
             <p:ph type="title"/>
           </p:nvPr>
         </p:nvSpPr>
-        <p:spPr/>
-        <p:txBody>
-          <a:bodyPr/>
-          <a:lstStyle/>
-          <a:p>
-            <a:r>
-              <a:rPr lang="en-US" altLang="ko-KR" b="1" dirty="0" smtClean="0"/>
-              <a:t>2. </a:t>
-            </a:r>
-            <a:r>
-              <a:rPr lang="ko-KR" altLang="en-US" b="1" dirty="0" err="1" smtClean="0"/>
-              <a:t>라즈베리파이에</a:t>
-            </a:r>
-            <a:r>
-              <a:rPr lang="ko-KR" altLang="en-US" b="1" dirty="0" smtClean="0"/>
-              <a:t> </a:t>
-            </a:r>
-            <a:r>
-              <a:rPr lang="ko-KR" altLang="en-US" b="1" dirty="0" err="1" smtClean="0"/>
-              <a:t>한글설정</a:t>
-            </a:r>
-            <a:endParaRPr lang="ko-KR" altLang="en-US" dirty="0"/>
-          </a:p>
-        </p:txBody>
-      </p:sp>
-      <p:sp>
-        <p:nvSpPr>
-          <p:cNvPr id="3" name="내용 개체 틀 2"/>
-          <p:cNvSpPr>
-            <a:spLocks noGrp="1"/>
-          </p:cNvSpPr>
-          <p:nvPr>
-            <p:ph idx="1"/>
-          </p:nvPr>
-        </p:nvSpPr>
         <p:spPr>
           <a:xfrm>
-            <a:off x="838200" y="1825625"/>
-            <a:ext cx="10515600" cy="4601054"/>
+            <a:off x="838201" y="365125"/>
+            <a:ext cx="10515599" cy="6104686"/>
           </a:xfrm>
         </p:spPr>
         <p:txBody>
-          <a:bodyPr>
+          <a:bodyPr anchor="t">
             <a:normAutofit/>
           </a:bodyPr>
           <a:lstStyle/>
           <a:p>
             <a:r>
-              <a:rPr lang="ko-KR" altLang="en-US" sz="2000" dirty="0"/>
-              <a:t>한글 설정을 해주지 않으면 영어는 사용할 수 있지만</a:t>
-            </a:r>
-          </a:p>
-          <a:p>
-            <a:r>
-              <a:rPr lang="ko-KR" altLang="en-US" sz="2000" dirty="0"/>
-              <a:t>특수문자 </a:t>
-            </a:r>
-            <a:r>
-              <a:rPr lang="ko-KR" altLang="en-US" sz="2000" dirty="0" smtClean="0"/>
-              <a:t>키 배열이 </a:t>
-            </a:r>
-            <a:r>
-              <a:rPr lang="ko-KR" altLang="en-US" sz="2000" dirty="0"/>
-              <a:t>달라서 각종 설치에 문제가 </a:t>
-            </a:r>
-            <a:r>
-              <a:rPr lang="ko-KR" altLang="en-US" sz="2000" dirty="0" smtClean="0"/>
-              <a:t>있으므로 먼저 </a:t>
-            </a:r>
-            <a:r>
-              <a:rPr lang="ko-KR" altLang="en-US" sz="2000" dirty="0"/>
-              <a:t>한글을 설치합니다</a:t>
-            </a:r>
-            <a:r>
-              <a:rPr lang="en-US" altLang="ko-KR" sz="2000" dirty="0"/>
+              <a:rPr lang="en-US" altLang="ko-KR" sz="2000" dirty="0" smtClean="0"/>
+              <a:t/>
+            </a:r>
+            <a:br>
+              <a:rPr lang="en-US" altLang="ko-KR" sz="2000" dirty="0" smtClean="0"/>
+            </a:br>
+            <a:r>
+              <a:rPr lang="en-US" altLang="ko-KR" sz="2000" dirty="0"/>
+              <a:t/>
+            </a:r>
+            <a:br>
+              <a:rPr lang="en-US" altLang="ko-KR" sz="2000" dirty="0"/>
+            </a:br>
+            <a:r>
+              <a:rPr lang="en-US" altLang="ko-KR" sz="2000" dirty="0" smtClean="0"/>
+              <a:t/>
+            </a:r>
+            <a:br>
+              <a:rPr lang="en-US" altLang="ko-KR" sz="2000" dirty="0" smtClean="0"/>
+            </a:br>
+            <a:r>
+              <a:rPr lang="en-US" altLang="ko-KR" sz="2000" dirty="0"/>
+              <a:t/>
+            </a:r>
+            <a:br>
+              <a:rPr lang="en-US" altLang="ko-KR" sz="2000" dirty="0"/>
+            </a:br>
+            <a:r>
+              <a:rPr lang="en-US" altLang="ko-KR" sz="2000" dirty="0" smtClean="0"/>
+              <a:t/>
+            </a:r>
+            <a:br>
+              <a:rPr lang="en-US" altLang="ko-KR" sz="2000" dirty="0" smtClean="0"/>
+            </a:br>
+            <a:r>
+              <a:rPr lang="en-US" altLang="ko-KR" sz="2000" dirty="0"/>
+              <a:t/>
+            </a:r>
+            <a:br>
+              <a:rPr lang="en-US" altLang="ko-KR" sz="2000" dirty="0"/>
+            </a:br>
+            <a:r>
+              <a:rPr lang="ko-KR" altLang="en-US" sz="2000" dirty="0" smtClean="0"/>
+              <a:t>접속이 완료되면 좌측 탭에서 </a:t>
+            </a:r>
+            <a:r>
+              <a:rPr lang="en-US" altLang="ko-KR" sz="2000" dirty="0" err="1" smtClean="0"/>
+              <a:t>FEnet</a:t>
+            </a:r>
+            <a:r>
+              <a:rPr lang="ko-KR" altLang="en-US" sz="2000" dirty="0" smtClean="0"/>
+              <a:t>설정을 확인해주세요</a:t>
+            </a:r>
+            <a:r>
+              <a:rPr lang="en-US" altLang="ko-KR" sz="2000" dirty="0" smtClean="0"/>
               <a:t>.</a:t>
             </a:r>
-          </a:p>
-          <a:p>
-            <a:r>
-              <a:rPr lang="ko-KR" altLang="en-US" sz="2000" dirty="0" smtClean="0"/>
-              <a:t>기본 로케일 설정</a:t>
-            </a:r>
-            <a:endParaRPr lang="en-US" altLang="ko-KR" sz="2000" dirty="0" smtClean="0"/>
-          </a:p>
-          <a:p>
-            <a:r>
-              <a:rPr lang="ko-KR" altLang="en-US" sz="2000" dirty="0" smtClean="0"/>
-              <a:t>터미널을 실행</a:t>
-            </a:r>
-            <a:endParaRPr lang="en-US" altLang="ko-KR" sz="2000" dirty="0" smtClean="0"/>
-          </a:p>
-          <a:p>
-            <a:r>
-              <a:rPr lang="ko-KR" altLang="en-US" sz="2000" dirty="0"/>
+            <a:br>
+              <a:rPr lang="en-US" altLang="ko-KR" sz="2000" dirty="0" smtClean="0"/>
+            </a:br>
+            <a:r>
+              <a:rPr lang="en-US" altLang="ko-KR" sz="2000" dirty="0"/>
+              <a:t/>
+            </a:r>
+            <a:br>
+              <a:rPr lang="en-US" altLang="ko-KR" sz="2000" dirty="0"/>
+            </a:br>
+            <a:r>
+              <a:rPr lang="en-US" altLang="ko-KR" sz="2000" dirty="0" smtClean="0"/>
+              <a:t/>
+            </a:r>
+            <a:br>
+              <a:rPr lang="en-US" altLang="ko-KR" sz="2000" dirty="0" smtClean="0"/>
+            </a:br>
+            <a:r>
+              <a:rPr lang="en-US" altLang="ko-KR" sz="2000" dirty="0"/>
+              <a:t/>
+            </a:r>
+            <a:br>
+              <a:rPr lang="en-US" altLang="ko-KR" sz="2000" dirty="0"/>
+            </a:br>
+            <a:r>
+              <a:rPr lang="ko-KR" altLang="en-US" sz="2000" dirty="0" smtClean="0"/>
+              <a:t>우측에 보이는</a:t>
+            </a:r>
+            <a:r>
+              <a:rPr lang="en-US" altLang="ko-KR" sz="2000" dirty="0" smtClean="0"/>
+              <a:t/>
+            </a:r>
+            <a:br>
+              <a:rPr lang="en-US" altLang="ko-KR" sz="2000" dirty="0" smtClean="0"/>
+            </a:br>
+            <a:r>
+              <a:rPr lang="ko-KR" altLang="en-US" sz="2000" dirty="0" smtClean="0"/>
+              <a:t>기본 설정 </a:t>
+            </a:r>
+            <a:r>
+              <a:rPr lang="en-US" altLang="ko-KR" sz="2000" dirty="0" smtClean="0"/>
+              <a:t>– IP </a:t>
+            </a:r>
+            <a:r>
+              <a:rPr lang="ko-KR" altLang="en-US" sz="2000" dirty="0" smtClean="0"/>
+              <a:t>주소 </a:t>
+            </a:r>
+            <a:r>
+              <a:rPr lang="en-US" altLang="ko-KR" sz="2000" dirty="0" smtClean="0"/>
+              <a:t>:</a:t>
+            </a:r>
+            <a:r>
+              <a:rPr lang="ko-KR" altLang="en-US" sz="2000" dirty="0" smtClean="0"/>
               <a:t> </a:t>
             </a:r>
             <a:r>
-              <a:rPr lang="en-US" altLang="ko-KR" sz="2000" dirty="0"/>
-              <a:t>locale -a</a:t>
-            </a:r>
-          </a:p>
-          <a:p>
-            <a:r>
-              <a:rPr lang="en-US" altLang="ko-KR" sz="2000" dirty="0"/>
-              <a:t> </a:t>
-            </a:r>
-            <a:r>
-              <a:rPr lang="en-US" altLang="ko-KR" sz="2000" dirty="0" smtClean="0"/>
-              <a:t>ko_KR.UTF-8</a:t>
-            </a:r>
-            <a:r>
-              <a:rPr lang="ko-KR" altLang="en-US" sz="2000" dirty="0"/>
-              <a:t>이 있는지 확인하고 만약 없다면</a:t>
-            </a:r>
-          </a:p>
-          <a:p>
-            <a:r>
-              <a:rPr lang="ko-KR" altLang="en-US" sz="2000" dirty="0"/>
-              <a:t> </a:t>
-            </a:r>
-            <a:r>
-              <a:rPr lang="en-US" altLang="ko-KR" sz="2000" dirty="0" err="1" smtClean="0"/>
-              <a:t>sudo</a:t>
-            </a:r>
-            <a:r>
-              <a:rPr lang="en-US" altLang="ko-KR" sz="2000" dirty="0" smtClean="0"/>
-              <a:t> </a:t>
-            </a:r>
-            <a:r>
-              <a:rPr lang="en-US" altLang="ko-KR" sz="2000" dirty="0" err="1"/>
-              <a:t>nano</a:t>
-            </a:r>
-            <a:r>
-              <a:rPr lang="en-US" altLang="ko-KR" sz="2000" dirty="0"/>
-              <a:t> /</a:t>
-            </a:r>
-            <a:r>
-              <a:rPr lang="en-US" altLang="ko-KR" sz="2000" dirty="0" err="1"/>
-              <a:t>etc</a:t>
-            </a:r>
-            <a:r>
-              <a:rPr lang="en-US" altLang="ko-KR" sz="2000" dirty="0"/>
-              <a:t>/</a:t>
-            </a:r>
-            <a:r>
-              <a:rPr lang="en-US" altLang="ko-KR" sz="2000" dirty="0" err="1"/>
-              <a:t>locale.gen</a:t>
-            </a:r>
-            <a:endParaRPr lang="en-US" altLang="ko-KR" sz="2000" dirty="0"/>
-          </a:p>
-          <a:p>
-            <a:r>
-              <a:rPr lang="en-US" altLang="ko-KR" sz="2000" dirty="0"/>
-              <a:t> </a:t>
-            </a:r>
-            <a:r>
-              <a:rPr lang="ko-KR" altLang="en-US" sz="2000" dirty="0" smtClean="0"/>
-              <a:t>입력하여 </a:t>
-            </a:r>
-            <a:r>
-              <a:rPr lang="ko-KR" altLang="en-US" sz="2000" dirty="0"/>
-              <a:t>편집기에서 </a:t>
-            </a:r>
-            <a:r>
-              <a:rPr lang="en-US" altLang="ko-KR" sz="2000" dirty="0"/>
-              <a:t>ko_KR.UTF-8</a:t>
-            </a:r>
-            <a:r>
-              <a:rPr lang="ko-KR" altLang="en-US" sz="2000" dirty="0"/>
-              <a:t>이 </a:t>
-            </a:r>
-            <a:r>
-              <a:rPr lang="ko-KR" altLang="en-US" sz="2000" dirty="0" smtClean="0"/>
-              <a:t>주석처리를 확인하고 </a:t>
-            </a:r>
-            <a:r>
-              <a:rPr lang="ko-KR" altLang="en-US" sz="2000" dirty="0"/>
-              <a:t>주석처리를 제거</a:t>
-            </a:r>
-            <a:r>
-              <a:rPr lang="en-US" altLang="ko-KR" sz="2000" dirty="0" smtClean="0"/>
-              <a:t>(#, ‘ ‘</a:t>
-            </a:r>
-            <a:r>
-              <a:rPr lang="ko-KR" altLang="en-US" sz="2000" dirty="0" smtClean="0"/>
-              <a:t>제거</a:t>
-            </a:r>
-            <a:r>
-              <a:rPr lang="en-US" altLang="ko-KR" sz="2000" dirty="0"/>
-              <a:t>)</a:t>
-            </a:r>
-          </a:p>
-          <a:p>
-            <a:r>
-              <a:rPr lang="en-US" altLang="ko-KR" sz="2000" dirty="0"/>
-              <a:t> </a:t>
-            </a:r>
-            <a:r>
-              <a:rPr lang="en-US" altLang="ko-KR" sz="2000" dirty="0" smtClean="0"/>
-              <a:t>(</a:t>
-            </a:r>
-            <a:r>
-              <a:rPr lang="en-US" altLang="ko-KR" sz="2000" dirty="0"/>
-              <a:t>Ctrl + S)</a:t>
-            </a:r>
-            <a:r>
-              <a:rPr lang="ko-KR" altLang="en-US" sz="2000" dirty="0"/>
-              <a:t>로 저장 후 </a:t>
-            </a:r>
-            <a:r>
-              <a:rPr lang="en-US" altLang="ko-KR" sz="2000" dirty="0"/>
-              <a:t>(Ctrl + X)</a:t>
-            </a:r>
-            <a:r>
-              <a:rPr lang="ko-KR" altLang="en-US" sz="2000" dirty="0"/>
-              <a:t>로 편집기 종료</a:t>
-            </a:r>
-          </a:p>
-          <a:p>
-            <a:r>
-              <a:rPr lang="ko-KR" altLang="en-US" sz="2000" dirty="0"/>
-              <a:t> </a:t>
-            </a:r>
-            <a:r>
-              <a:rPr lang="en-US" altLang="ko-KR" sz="2000" dirty="0" err="1" smtClean="0"/>
-              <a:t>sudo</a:t>
-            </a:r>
-            <a:r>
-              <a:rPr lang="en-US" altLang="ko-KR" sz="2000" dirty="0" smtClean="0"/>
-              <a:t> </a:t>
-            </a:r>
-            <a:r>
-              <a:rPr lang="en-US" altLang="ko-KR" sz="2000" dirty="0"/>
-              <a:t>locale-gen</a:t>
-            </a:r>
-          </a:p>
-          <a:p>
-            <a:r>
-              <a:rPr lang="en-US" altLang="ko-KR" sz="2000" dirty="0"/>
-              <a:t> </a:t>
-            </a:r>
-            <a:r>
-              <a:rPr lang="en-US" altLang="ko-KR" sz="2000" dirty="0" err="1" smtClean="0"/>
-              <a:t>sudo</a:t>
-            </a:r>
-            <a:r>
-              <a:rPr lang="en-US" altLang="ko-KR" sz="2000" dirty="0" smtClean="0"/>
-              <a:t> </a:t>
-            </a:r>
-            <a:r>
-              <a:rPr lang="en-US" altLang="ko-KR" sz="2000" dirty="0"/>
-              <a:t>update-locale LANG=ko_KR.UTF-8</a:t>
+              <a:rPr lang="en-US" altLang="ko-KR" sz="2000" dirty="0" smtClean="0"/>
+              <a:t>‘192.168.1.2’</a:t>
+            </a:r>
+            <a:r>
+              <a:rPr lang="ko-KR" altLang="en-US" sz="2000" dirty="0" smtClean="0"/>
+              <a:t>는</a:t>
+            </a:r>
+            <a:r>
+              <a:rPr lang="en-US" altLang="ko-KR" sz="2000" dirty="0" smtClean="0"/>
+              <a:t/>
+            </a:r>
+            <a:br>
+              <a:rPr lang="en-US" altLang="ko-KR" sz="2000" dirty="0" smtClean="0"/>
+            </a:br>
+            <a:r>
+              <a:rPr lang="en-US" altLang="ko-KR" sz="2000" dirty="0" smtClean="0"/>
+              <a:t/>
+            </a:r>
+            <a:br>
+              <a:rPr lang="en-US" altLang="ko-KR" sz="2000" dirty="0" smtClean="0"/>
+            </a:br>
+            <a:r>
+              <a:rPr lang="en-US" altLang="ko-KR" sz="2000" dirty="0" smtClean="0"/>
+              <a:t>localhost:8888</a:t>
+            </a:r>
+            <a:r>
+              <a:rPr lang="ko-KR" altLang="en-US" sz="2000" dirty="0" smtClean="0"/>
+              <a:t>에서 설정할 접속 </a:t>
+            </a:r>
+            <a:r>
+              <a:rPr lang="en-US" altLang="ko-KR" sz="2000" dirty="0" smtClean="0"/>
+              <a:t>IP</a:t>
+            </a:r>
+            <a:r>
+              <a:rPr lang="ko-KR" altLang="en-US" sz="2000" dirty="0" smtClean="0"/>
+              <a:t>입니다</a:t>
+            </a:r>
+            <a:r>
+              <a:rPr lang="en-US" altLang="ko-KR" sz="2000" dirty="0" smtClean="0"/>
+              <a:t>.</a:t>
+            </a:r>
+            <a:br>
+              <a:rPr lang="en-US" altLang="ko-KR" sz="2000" dirty="0" smtClean="0"/>
+            </a:br>
+            <a:r>
+              <a:rPr lang="en-US" altLang="ko-KR" sz="2000" dirty="0" smtClean="0"/>
+              <a:t/>
+            </a:r>
+            <a:br>
+              <a:rPr lang="en-US" altLang="ko-KR" sz="2000" dirty="0" smtClean="0"/>
+            </a:br>
+            <a:r>
+              <a:rPr lang="ko-KR" altLang="en-US" sz="2000" dirty="0" smtClean="0"/>
+              <a:t>워드 영역을 </a:t>
+            </a:r>
+            <a:r>
+              <a:rPr lang="en-US" altLang="ko-KR" sz="2000" dirty="0" smtClean="0"/>
+              <a:t>D00000</a:t>
+            </a:r>
+            <a:r>
+              <a:rPr lang="ko-KR" altLang="en-US" sz="2000" dirty="0" smtClean="0"/>
+              <a:t>로 설정하여 주세요</a:t>
+            </a:r>
+            <a:r>
+              <a:rPr lang="en-US" altLang="ko-KR" sz="2000" dirty="0" smtClean="0"/>
+              <a:t>.</a:t>
             </a:r>
             <a:endParaRPr lang="ko-KR" altLang="en-US" sz="2000" dirty="0"/>
           </a:p>
         </p:txBody>
       </p:sp>
+      <p:pic>
+        <p:nvPicPr>
+          <p:cNvPr id="4" name="그림 3"/>
+          <p:cNvPicPr>
+            <a:picLocks noChangeAspect="1"/>
+          </p:cNvPicPr>
+          <p:nvPr/>
+        </p:nvPicPr>
+        <p:blipFill>
+          <a:blip r:embed="rId2"/>
+          <a:stretch>
+            <a:fillRect/>
+          </a:stretch>
+        </p:blipFill>
+        <p:spPr>
+          <a:xfrm>
+            <a:off x="960174" y="365125"/>
+            <a:ext cx="3397370" cy="1476829"/>
+          </a:xfrm>
+          <a:prstGeom prst="rect">
+            <a:avLst/>
+          </a:prstGeom>
+        </p:spPr>
+      </p:pic>
+      <p:pic>
+        <p:nvPicPr>
+          <p:cNvPr id="8" name="그림 7"/>
+          <p:cNvPicPr>
+            <a:picLocks noChangeAspect="1"/>
+          </p:cNvPicPr>
+          <p:nvPr/>
+        </p:nvPicPr>
+        <p:blipFill>
+          <a:blip r:embed="rId3"/>
+          <a:stretch>
+            <a:fillRect/>
+          </a:stretch>
+        </p:blipFill>
+        <p:spPr>
+          <a:xfrm>
+            <a:off x="5779698" y="2423947"/>
+            <a:ext cx="6150998" cy="4140755"/>
+          </a:xfrm>
+          <a:prstGeom prst="rect">
+            <a:avLst/>
+          </a:prstGeom>
+        </p:spPr>
+      </p:pic>
     </p:spTree>
     <p:extLst>
       <p:ext uri="{BB962C8B-B14F-4D97-AF65-F5344CB8AC3E}">
-        <p14:creationId xmlns:p14="http://schemas.microsoft.com/office/powerpoint/2010/main" val="956915913"/>
+        <p14:creationId xmlns:p14="http://schemas.microsoft.com/office/powerpoint/2010/main" val="1680327238"/>
       </p:ext>
     </p:extLst>
   </p:cSld>

--- a/PLC & 라즈베리파이 서버.pptx
+++ b/PLC & 라즈베리파이 서버.pptx
@@ -12,21 +12,23 @@
     <p:sldId id="261" r:id="rId6"/>
     <p:sldId id="286" r:id="rId7"/>
     <p:sldId id="287" r:id="rId8"/>
-    <p:sldId id="283" r:id="rId9"/>
-    <p:sldId id="284" r:id="rId10"/>
-    <p:sldId id="285" r:id="rId11"/>
-    <p:sldId id="264" r:id="rId12"/>
-    <p:sldId id="268" r:id="rId13"/>
-    <p:sldId id="270" r:id="rId14"/>
-    <p:sldId id="271" r:id="rId15"/>
-    <p:sldId id="272" r:id="rId16"/>
-    <p:sldId id="274" r:id="rId17"/>
-    <p:sldId id="275" r:id="rId18"/>
-    <p:sldId id="277" r:id="rId19"/>
-    <p:sldId id="278" r:id="rId20"/>
-    <p:sldId id="279" r:id="rId21"/>
-    <p:sldId id="281" r:id="rId22"/>
-    <p:sldId id="262" r:id="rId23"/>
+    <p:sldId id="288" r:id="rId9"/>
+    <p:sldId id="289" r:id="rId10"/>
+    <p:sldId id="283" r:id="rId11"/>
+    <p:sldId id="284" r:id="rId12"/>
+    <p:sldId id="285" r:id="rId13"/>
+    <p:sldId id="264" r:id="rId14"/>
+    <p:sldId id="268" r:id="rId15"/>
+    <p:sldId id="270" r:id="rId16"/>
+    <p:sldId id="271" r:id="rId17"/>
+    <p:sldId id="272" r:id="rId18"/>
+    <p:sldId id="274" r:id="rId19"/>
+    <p:sldId id="275" r:id="rId20"/>
+    <p:sldId id="277" r:id="rId21"/>
+    <p:sldId id="278" r:id="rId22"/>
+    <p:sldId id="279" r:id="rId23"/>
+    <p:sldId id="281" r:id="rId24"/>
+    <p:sldId id="262" r:id="rId25"/>
   </p:sldIdLst>
   <p:sldSz cx="12192000" cy="6858000"/>
   <p:notesSz cx="6858000" cy="9144000"/>
@@ -3125,6 +3127,635 @@
         </p:nvSpPr>
         <p:spPr>
           <a:xfrm>
+            <a:off x="838200" y="365126"/>
+            <a:ext cx="10515600" cy="825320"/>
+          </a:xfrm>
+        </p:spPr>
+        <p:txBody>
+          <a:bodyPr/>
+          <a:lstStyle/>
+          <a:p>
+            <a:r>
+              <a:rPr lang="en-US" altLang="ko-KR" dirty="0" smtClean="0"/>
+              <a:t>XG5000</a:t>
+            </a:r>
+            <a:r>
+              <a:rPr lang="ko-KR" altLang="en-US" dirty="0" smtClean="0"/>
+              <a:t>으로 </a:t>
+            </a:r>
+            <a:r>
+              <a:rPr lang="en-US" altLang="ko-KR" dirty="0" smtClean="0"/>
+              <a:t>PLC</a:t>
+            </a:r>
+            <a:r>
+              <a:rPr lang="ko-KR" altLang="en-US" dirty="0" smtClean="0"/>
+              <a:t>설정 변경 확인</a:t>
+            </a:r>
+            <a:endParaRPr lang="ko-KR" altLang="en-US" dirty="0"/>
+          </a:p>
+        </p:txBody>
+      </p:sp>
+      <p:sp>
+        <p:nvSpPr>
+          <p:cNvPr id="3" name="내용 개체 틀 2"/>
+          <p:cNvSpPr>
+            <a:spLocks noGrp="1"/>
+          </p:cNvSpPr>
+          <p:nvPr>
+            <p:ph idx="1"/>
+          </p:nvPr>
+        </p:nvSpPr>
+        <p:spPr>
+          <a:xfrm>
+            <a:off x="838200" y="1345720"/>
+            <a:ext cx="10515600" cy="5141343"/>
+          </a:xfrm>
+        </p:spPr>
+        <p:txBody>
+          <a:bodyPr>
+            <a:noAutofit/>
+          </a:bodyPr>
+          <a:lstStyle/>
+          <a:p>
+            <a:r>
+              <a:rPr lang="en-US" altLang="ko-KR" sz="2000" dirty="0" smtClean="0"/>
+              <a:t>LS</a:t>
+            </a:r>
+            <a:r>
+              <a:rPr lang="ko-KR" altLang="en-US" sz="2000" dirty="0" smtClean="0"/>
+              <a:t>산전 홈페이지에서 </a:t>
+            </a:r>
+            <a:r>
+              <a:rPr lang="en-US" altLang="ko-KR" sz="2000" dirty="0" smtClean="0"/>
+              <a:t>XG5000</a:t>
+            </a:r>
+            <a:r>
+              <a:rPr lang="ko-KR" altLang="en-US" sz="2000" dirty="0" smtClean="0"/>
+              <a:t>을 설치하여 주세요</a:t>
+            </a:r>
+            <a:r>
+              <a:rPr lang="en-US" altLang="ko-KR" sz="2000" dirty="0" smtClean="0"/>
+              <a:t>.</a:t>
+            </a:r>
+          </a:p>
+          <a:p>
+            <a:r>
+              <a:rPr lang="en-US" altLang="ko-KR" sz="2000" dirty="0"/>
+              <a:t>(</a:t>
+            </a:r>
+            <a:r>
+              <a:rPr lang="en-US" altLang="ko-KR" sz="2000" dirty="0">
+                <a:hlinkClick r:id="rId2"/>
+              </a:rPr>
+              <a:t>https://sol.ls-electric.com/kr/ko/newSearch?searchInput=XG5000</a:t>
+            </a:r>
+            <a:r>
+              <a:rPr lang="en-US" altLang="ko-KR" sz="2000" dirty="0" smtClean="0"/>
+              <a:t>)</a:t>
+            </a:r>
+          </a:p>
+          <a:p>
+            <a:r>
+              <a:rPr lang="ko-KR" altLang="en-US" sz="2000" dirty="0" smtClean="0"/>
+              <a:t>해당 프로그램은 </a:t>
+            </a:r>
+            <a:r>
+              <a:rPr lang="ko-KR" altLang="en-US" sz="2000" b="1" dirty="0" smtClean="0"/>
+              <a:t>윈도우에서만 작동</a:t>
+            </a:r>
+            <a:r>
+              <a:rPr lang="ko-KR" altLang="en-US" sz="2000" dirty="0" smtClean="0"/>
+              <a:t>하기때문에 </a:t>
+            </a:r>
+            <a:r>
+              <a:rPr lang="en-US" altLang="ko-KR" sz="2000" dirty="0" smtClean="0"/>
+              <a:t>PC</a:t>
+            </a:r>
+            <a:r>
+              <a:rPr lang="ko-KR" altLang="en-US" sz="2000" dirty="0" smtClean="0"/>
+              <a:t>로 설치가 필요합니다</a:t>
+            </a:r>
+            <a:r>
+              <a:rPr lang="en-US" altLang="ko-KR" sz="2000" dirty="0" smtClean="0"/>
+              <a:t>.</a:t>
+            </a:r>
+          </a:p>
+          <a:p>
+            <a:r>
+              <a:rPr lang="ko-KR" altLang="en-US" sz="2000" dirty="0" smtClean="0"/>
+              <a:t>설치 후 좌측 상단 </a:t>
+            </a:r>
+            <a:r>
+              <a:rPr lang="en-US" altLang="ko-KR" sz="2000" dirty="0" smtClean="0"/>
+              <a:t>– </a:t>
+            </a:r>
+            <a:r>
+              <a:rPr lang="ko-KR" altLang="en-US" sz="2000" dirty="0" smtClean="0"/>
+              <a:t>프로젝트 </a:t>
+            </a:r>
+            <a:r>
+              <a:rPr lang="en-US" altLang="ko-KR" sz="2000" dirty="0" smtClean="0"/>
+              <a:t>– PLC</a:t>
+            </a:r>
+            <a:r>
+              <a:rPr lang="ko-KR" altLang="en-US" sz="2000" dirty="0" smtClean="0"/>
+              <a:t>로부터 열기 </a:t>
+            </a:r>
+            <a:r>
+              <a:rPr lang="en-US" altLang="ko-KR" sz="2000" dirty="0" smtClean="0"/>
+              <a:t>– </a:t>
+            </a:r>
+            <a:r>
+              <a:rPr lang="ko-KR" altLang="en-US" sz="2000" dirty="0" err="1" smtClean="0"/>
+              <a:t>이더넷</a:t>
+            </a:r>
+            <a:r>
+              <a:rPr lang="ko-KR" altLang="en-US" sz="2000" dirty="0" smtClean="0"/>
+              <a:t> 모듈</a:t>
+            </a:r>
+            <a:endParaRPr lang="en-US" altLang="ko-KR" sz="2000" dirty="0" smtClean="0"/>
+          </a:p>
+          <a:p>
+            <a:endParaRPr lang="en-US" altLang="ko-KR" sz="2000" dirty="0"/>
+          </a:p>
+          <a:p>
+            <a:endParaRPr lang="en-US" altLang="ko-KR" sz="2000" dirty="0" smtClean="0"/>
+          </a:p>
+          <a:p>
+            <a:endParaRPr lang="en-US" altLang="ko-KR" sz="2000" dirty="0"/>
+          </a:p>
+          <a:p>
+            <a:endParaRPr lang="en-US" altLang="ko-KR" sz="2000" dirty="0" smtClean="0"/>
+          </a:p>
+          <a:p>
+            <a:endParaRPr lang="en-US" altLang="ko-KR" sz="2000" dirty="0"/>
+          </a:p>
+          <a:p>
+            <a:endParaRPr lang="en-US" altLang="ko-KR" sz="2000" dirty="0" smtClean="0"/>
+          </a:p>
+          <a:p>
+            <a:pPr marL="0" indent="0">
+              <a:buNone/>
+            </a:pPr>
+            <a:endParaRPr lang="en-US" altLang="ko-KR" sz="2000" dirty="0" smtClean="0"/>
+          </a:p>
+          <a:p>
+            <a:pPr marL="0" indent="0">
+              <a:buNone/>
+            </a:pPr>
+            <a:r>
+              <a:rPr lang="en-US" altLang="ko-KR" sz="2000" dirty="0" smtClean="0"/>
+              <a:t>IP </a:t>
+            </a:r>
+            <a:r>
+              <a:rPr lang="ko-KR" altLang="en-US" sz="2000" dirty="0" smtClean="0"/>
+              <a:t>찾기를 눌러 </a:t>
+            </a:r>
+            <a:r>
+              <a:rPr lang="en-US" altLang="ko-KR" sz="2000" dirty="0" smtClean="0"/>
+              <a:t>IP</a:t>
+            </a:r>
+            <a:r>
+              <a:rPr lang="ko-KR" altLang="en-US" sz="2000" dirty="0" smtClean="0"/>
+              <a:t>를 찾은 뒤 확인 버튼을 누르고 접속 버튼을 눌러주세요</a:t>
+            </a:r>
+            <a:r>
+              <a:rPr lang="en-US" altLang="ko-KR" sz="2000" dirty="0" smtClean="0"/>
+              <a:t>.</a:t>
+            </a:r>
+          </a:p>
+          <a:p>
+            <a:endParaRPr lang="en-US" altLang="ko-KR" sz="2000" dirty="0"/>
+          </a:p>
+          <a:p>
+            <a:endParaRPr lang="en-US" altLang="ko-KR" sz="2000" dirty="0" smtClean="0"/>
+          </a:p>
+          <a:p>
+            <a:endParaRPr lang="en-US" altLang="ko-KR" sz="2000" dirty="0"/>
+          </a:p>
+          <a:p>
+            <a:endParaRPr lang="en-US" altLang="ko-KR" sz="2000" dirty="0" smtClean="0"/>
+          </a:p>
+          <a:p>
+            <a:endParaRPr lang="en-US" altLang="ko-KR" sz="2000" dirty="0"/>
+          </a:p>
+          <a:p>
+            <a:endParaRPr lang="en-US" altLang="ko-KR" sz="2000" dirty="0" smtClean="0"/>
+          </a:p>
+          <a:p>
+            <a:endParaRPr lang="en-US" altLang="ko-KR" sz="2000" dirty="0"/>
+          </a:p>
+          <a:p>
+            <a:r>
+              <a:rPr lang="en-US" altLang="ko-KR" sz="2000" dirty="0"/>
+              <a:t/>
+            </a:r>
+            <a:br>
+              <a:rPr lang="en-US" altLang="ko-KR" sz="2000" dirty="0"/>
+            </a:br>
+            <a:endParaRPr lang="ko-KR" altLang="en-US" sz="2000" dirty="0"/>
+          </a:p>
+        </p:txBody>
+      </p:sp>
+      <p:pic>
+        <p:nvPicPr>
+          <p:cNvPr id="5" name="그림 4"/>
+          <p:cNvPicPr>
+            <a:picLocks noChangeAspect="1"/>
+          </p:cNvPicPr>
+          <p:nvPr/>
+        </p:nvPicPr>
+        <p:blipFill>
+          <a:blip r:embed="rId3"/>
+          <a:stretch>
+            <a:fillRect/>
+          </a:stretch>
+        </p:blipFill>
+        <p:spPr>
+          <a:xfrm>
+            <a:off x="838201" y="2908853"/>
+            <a:ext cx="2180152" cy="2577547"/>
+          </a:xfrm>
+          <a:prstGeom prst="rect">
+            <a:avLst/>
+          </a:prstGeom>
+        </p:spPr>
+      </p:pic>
+      <p:pic>
+        <p:nvPicPr>
+          <p:cNvPr id="7" name="그림 6"/>
+          <p:cNvPicPr>
+            <a:picLocks noChangeAspect="1"/>
+          </p:cNvPicPr>
+          <p:nvPr/>
+        </p:nvPicPr>
+        <p:blipFill>
+          <a:blip r:embed="rId4"/>
+          <a:stretch>
+            <a:fillRect/>
+          </a:stretch>
+        </p:blipFill>
+        <p:spPr>
+          <a:xfrm>
+            <a:off x="3469347" y="2908853"/>
+            <a:ext cx="2141755" cy="2577547"/>
+          </a:xfrm>
+          <a:prstGeom prst="rect">
+            <a:avLst/>
+          </a:prstGeom>
+        </p:spPr>
+      </p:pic>
+      <p:pic>
+        <p:nvPicPr>
+          <p:cNvPr id="8" name="그림 7"/>
+          <p:cNvPicPr>
+            <a:picLocks noChangeAspect="1"/>
+          </p:cNvPicPr>
+          <p:nvPr/>
+        </p:nvPicPr>
+        <p:blipFill>
+          <a:blip r:embed="rId5"/>
+          <a:stretch>
+            <a:fillRect/>
+          </a:stretch>
+        </p:blipFill>
+        <p:spPr>
+          <a:xfrm>
+            <a:off x="6062097" y="2908853"/>
+            <a:ext cx="2210098" cy="2577547"/>
+          </a:xfrm>
+          <a:prstGeom prst="rect">
+            <a:avLst/>
+          </a:prstGeom>
+        </p:spPr>
+      </p:pic>
+    </p:spTree>
+    <p:extLst>
+      <p:ext uri="{BB962C8B-B14F-4D97-AF65-F5344CB8AC3E}">
+        <p14:creationId xmlns:p14="http://schemas.microsoft.com/office/powerpoint/2010/main" val="2971860384"/>
+      </p:ext>
+    </p:extLst>
+  </p:cSld>
+  <p:clrMapOvr>
+    <a:masterClrMapping/>
+  </p:clrMapOvr>
+</p:sld>
+</file>
+
+<file path=ppt/slides/slide11.xml><?xml version="1.0" encoding="utf-8"?>
+<p:sld xmlns:a="http://schemas.openxmlformats.org/drawingml/2006/main" xmlns:r="http://schemas.openxmlformats.org/officeDocument/2006/relationships" xmlns:p="http://schemas.openxmlformats.org/presentationml/2006/main">
+  <p:cSld>
+    <p:spTree>
+      <p:nvGrpSpPr>
+        <p:cNvPr id="1" name=""/>
+        <p:cNvGrpSpPr/>
+        <p:nvPr/>
+      </p:nvGrpSpPr>
+      <p:grpSpPr>
+        <a:xfrm>
+          <a:off x="0" y="0"/>
+          <a:ext cx="0" cy="0"/>
+          <a:chOff x="0" y="0"/>
+          <a:chExt cx="0" cy="0"/>
+        </a:xfrm>
+      </p:grpSpPr>
+      <p:sp>
+        <p:nvSpPr>
+          <p:cNvPr id="2" name="제목 1"/>
+          <p:cNvSpPr>
+            <a:spLocks noGrp="1"/>
+          </p:cNvSpPr>
+          <p:nvPr>
+            <p:ph type="title"/>
+          </p:nvPr>
+        </p:nvSpPr>
+        <p:spPr>
+          <a:xfrm>
+            <a:off x="838201" y="365125"/>
+            <a:ext cx="10515599" cy="6104686"/>
+          </a:xfrm>
+        </p:spPr>
+        <p:txBody>
+          <a:bodyPr anchor="t">
+            <a:normAutofit/>
+          </a:bodyPr>
+          <a:lstStyle/>
+          <a:p>
+            <a:r>
+              <a:rPr lang="en-US" altLang="ko-KR" sz="2000" dirty="0" smtClean="0"/>
+              <a:t/>
+            </a:r>
+            <a:br>
+              <a:rPr lang="en-US" altLang="ko-KR" sz="2000" dirty="0" smtClean="0"/>
+            </a:br>
+            <a:r>
+              <a:rPr lang="en-US" altLang="ko-KR" sz="2000" dirty="0"/>
+              <a:t/>
+            </a:r>
+            <a:br>
+              <a:rPr lang="en-US" altLang="ko-KR" sz="2000" dirty="0"/>
+            </a:br>
+            <a:r>
+              <a:rPr lang="en-US" altLang="ko-KR" sz="2000" dirty="0" smtClean="0"/>
+              <a:t/>
+            </a:r>
+            <a:br>
+              <a:rPr lang="en-US" altLang="ko-KR" sz="2000" dirty="0" smtClean="0"/>
+            </a:br>
+            <a:r>
+              <a:rPr lang="en-US" altLang="ko-KR" sz="2000" dirty="0"/>
+              <a:t/>
+            </a:r>
+            <a:br>
+              <a:rPr lang="en-US" altLang="ko-KR" sz="2000" dirty="0"/>
+            </a:br>
+            <a:r>
+              <a:rPr lang="en-US" altLang="ko-KR" sz="2000" dirty="0" smtClean="0"/>
+              <a:t/>
+            </a:r>
+            <a:br>
+              <a:rPr lang="en-US" altLang="ko-KR" sz="2000" dirty="0" smtClean="0"/>
+            </a:br>
+            <a:r>
+              <a:rPr lang="en-US" altLang="ko-KR" sz="2000" dirty="0"/>
+              <a:t/>
+            </a:r>
+            <a:br>
+              <a:rPr lang="en-US" altLang="ko-KR" sz="2000" dirty="0"/>
+            </a:br>
+            <a:r>
+              <a:rPr lang="ko-KR" altLang="en-US" sz="2000" dirty="0" smtClean="0"/>
+              <a:t>접속이 완료되면 좌측 탭에서 </a:t>
+            </a:r>
+            <a:r>
+              <a:rPr lang="en-US" altLang="ko-KR" sz="2000" dirty="0" err="1" smtClean="0"/>
+              <a:t>FEnet</a:t>
+            </a:r>
+            <a:r>
+              <a:rPr lang="ko-KR" altLang="en-US" sz="2000" dirty="0" smtClean="0"/>
+              <a:t>설정을 확인해주세요</a:t>
+            </a:r>
+            <a:r>
+              <a:rPr lang="en-US" altLang="ko-KR" sz="2000" dirty="0" smtClean="0"/>
+              <a:t>.</a:t>
+            </a:r>
+            <a:br>
+              <a:rPr lang="en-US" altLang="ko-KR" sz="2000" dirty="0" smtClean="0"/>
+            </a:br>
+            <a:r>
+              <a:rPr lang="en-US" altLang="ko-KR" sz="2000" dirty="0"/>
+              <a:t/>
+            </a:r>
+            <a:br>
+              <a:rPr lang="en-US" altLang="ko-KR" sz="2000" dirty="0"/>
+            </a:br>
+            <a:r>
+              <a:rPr lang="en-US" altLang="ko-KR" sz="2000" dirty="0" smtClean="0"/>
+              <a:t/>
+            </a:r>
+            <a:br>
+              <a:rPr lang="en-US" altLang="ko-KR" sz="2000" dirty="0" smtClean="0"/>
+            </a:br>
+            <a:r>
+              <a:rPr lang="en-US" altLang="ko-KR" sz="2000" dirty="0"/>
+              <a:t/>
+            </a:r>
+            <a:br>
+              <a:rPr lang="en-US" altLang="ko-KR" sz="2000" dirty="0"/>
+            </a:br>
+            <a:r>
+              <a:rPr lang="ko-KR" altLang="en-US" sz="2000" dirty="0" smtClean="0"/>
+              <a:t>우측에 보이는</a:t>
+            </a:r>
+            <a:r>
+              <a:rPr lang="en-US" altLang="ko-KR" sz="2000" dirty="0" smtClean="0"/>
+              <a:t/>
+            </a:r>
+            <a:br>
+              <a:rPr lang="en-US" altLang="ko-KR" sz="2000" dirty="0" smtClean="0"/>
+            </a:br>
+            <a:r>
+              <a:rPr lang="ko-KR" altLang="en-US" sz="2000" dirty="0" smtClean="0"/>
+              <a:t>기본 설정 </a:t>
+            </a:r>
+            <a:r>
+              <a:rPr lang="en-US" altLang="ko-KR" sz="2000" dirty="0" smtClean="0"/>
+              <a:t>– IP </a:t>
+            </a:r>
+            <a:r>
+              <a:rPr lang="ko-KR" altLang="en-US" sz="2000" dirty="0" smtClean="0"/>
+              <a:t>주소 </a:t>
+            </a:r>
+            <a:r>
+              <a:rPr lang="en-US" altLang="ko-KR" sz="2000" dirty="0" smtClean="0"/>
+              <a:t>:</a:t>
+            </a:r>
+            <a:r>
+              <a:rPr lang="ko-KR" altLang="en-US" sz="2000" dirty="0" smtClean="0"/>
+              <a:t> </a:t>
+            </a:r>
+            <a:r>
+              <a:rPr lang="en-US" altLang="ko-KR" sz="2000" dirty="0" smtClean="0"/>
+              <a:t>‘192.168.1.2’</a:t>
+            </a:r>
+            <a:r>
+              <a:rPr lang="ko-KR" altLang="en-US" sz="2000" dirty="0" smtClean="0"/>
+              <a:t>는</a:t>
+            </a:r>
+            <a:r>
+              <a:rPr lang="en-US" altLang="ko-KR" sz="2000" dirty="0" smtClean="0"/>
+              <a:t/>
+            </a:r>
+            <a:br>
+              <a:rPr lang="en-US" altLang="ko-KR" sz="2000" dirty="0" smtClean="0"/>
+            </a:br>
+            <a:r>
+              <a:rPr lang="en-US" altLang="ko-KR" sz="2000" dirty="0" smtClean="0"/>
+              <a:t/>
+            </a:r>
+            <a:br>
+              <a:rPr lang="en-US" altLang="ko-KR" sz="2000" dirty="0" smtClean="0"/>
+            </a:br>
+            <a:r>
+              <a:rPr lang="en-US" altLang="ko-KR" sz="2000" dirty="0" smtClean="0"/>
+              <a:t>localhost:8888</a:t>
+            </a:r>
+            <a:r>
+              <a:rPr lang="ko-KR" altLang="en-US" sz="2000" dirty="0" smtClean="0"/>
+              <a:t>에서 설정할 접속 </a:t>
+            </a:r>
+            <a:r>
+              <a:rPr lang="en-US" altLang="ko-KR" sz="2000" dirty="0" smtClean="0"/>
+              <a:t>IP</a:t>
+            </a:r>
+            <a:r>
+              <a:rPr lang="ko-KR" altLang="en-US" sz="2000" dirty="0" smtClean="0"/>
+              <a:t>입니다</a:t>
+            </a:r>
+            <a:r>
+              <a:rPr lang="en-US" altLang="ko-KR" sz="2000" dirty="0" smtClean="0"/>
+              <a:t>.</a:t>
+            </a:r>
+            <a:br>
+              <a:rPr lang="en-US" altLang="ko-KR" sz="2000" dirty="0" smtClean="0"/>
+            </a:br>
+            <a:r>
+              <a:rPr lang="en-US" altLang="ko-KR" sz="2000" dirty="0" smtClean="0"/>
+              <a:t/>
+            </a:r>
+            <a:br>
+              <a:rPr lang="en-US" altLang="ko-KR" sz="2000" dirty="0" smtClean="0"/>
+            </a:br>
+            <a:r>
+              <a:rPr lang="ko-KR" altLang="en-US" sz="2000" dirty="0" smtClean="0"/>
+              <a:t>워드 영역을 </a:t>
+            </a:r>
+            <a:r>
+              <a:rPr lang="en-US" altLang="ko-KR" sz="2000" dirty="0" smtClean="0"/>
+              <a:t>D00000</a:t>
+            </a:r>
+            <a:r>
+              <a:rPr lang="ko-KR" altLang="en-US" sz="2000" dirty="0" smtClean="0"/>
+              <a:t>로 설정하여 주세요</a:t>
+            </a:r>
+            <a:r>
+              <a:rPr lang="en-US" altLang="ko-KR" sz="2000" dirty="0" smtClean="0"/>
+              <a:t>.</a:t>
+            </a:r>
+            <a:endParaRPr lang="ko-KR" altLang="en-US" sz="2000" dirty="0"/>
+          </a:p>
+        </p:txBody>
+      </p:sp>
+      <p:pic>
+        <p:nvPicPr>
+          <p:cNvPr id="4" name="그림 3"/>
+          <p:cNvPicPr>
+            <a:picLocks noChangeAspect="1"/>
+          </p:cNvPicPr>
+          <p:nvPr/>
+        </p:nvPicPr>
+        <p:blipFill>
+          <a:blip r:embed="rId2"/>
+          <a:stretch>
+            <a:fillRect/>
+          </a:stretch>
+        </p:blipFill>
+        <p:spPr>
+          <a:xfrm>
+            <a:off x="960174" y="365125"/>
+            <a:ext cx="3397370" cy="1476829"/>
+          </a:xfrm>
+          <a:prstGeom prst="rect">
+            <a:avLst/>
+          </a:prstGeom>
+        </p:spPr>
+      </p:pic>
+      <p:pic>
+        <p:nvPicPr>
+          <p:cNvPr id="8" name="그림 7"/>
+          <p:cNvPicPr>
+            <a:picLocks noChangeAspect="1"/>
+          </p:cNvPicPr>
+          <p:nvPr/>
+        </p:nvPicPr>
+        <p:blipFill>
+          <a:blip r:embed="rId3"/>
+          <a:stretch>
+            <a:fillRect/>
+          </a:stretch>
+        </p:blipFill>
+        <p:spPr>
+          <a:xfrm>
+            <a:off x="5779698" y="2423947"/>
+            <a:ext cx="6150998" cy="4140755"/>
+          </a:xfrm>
+          <a:prstGeom prst="rect">
+            <a:avLst/>
+          </a:prstGeom>
+        </p:spPr>
+      </p:pic>
+    </p:spTree>
+    <p:extLst>
+      <p:ext uri="{BB962C8B-B14F-4D97-AF65-F5344CB8AC3E}">
+        <p14:creationId xmlns:p14="http://schemas.microsoft.com/office/powerpoint/2010/main" val="1680327238"/>
+      </p:ext>
+    </p:extLst>
+  </p:cSld>
+  <p:clrMapOvr>
+    <a:masterClrMapping/>
+  </p:clrMapOvr>
+</p:sld>
+</file>
+
+<file path=ppt/slides/slide12.xml><?xml version="1.0" encoding="utf-8"?>
+<p:sld xmlns:a="http://schemas.openxmlformats.org/drawingml/2006/main" xmlns:r="http://schemas.openxmlformats.org/officeDocument/2006/relationships" xmlns:p="http://schemas.openxmlformats.org/presentationml/2006/main">
+  <p:cSld>
+    <p:spTree>
+      <p:nvGrpSpPr>
+        <p:cNvPr id="1" name=""/>
+        <p:cNvGrpSpPr/>
+        <p:nvPr/>
+      </p:nvGrpSpPr>
+      <p:grpSpPr>
+        <a:xfrm>
+          <a:off x="0" y="0"/>
+          <a:ext cx="0" cy="0"/>
+          <a:chOff x="0" y="0"/>
+          <a:chExt cx="0" cy="0"/>
+        </a:xfrm>
+      </p:grpSpPr>
+      <p:sp>
+        <p:nvSpPr>
+          <p:cNvPr id="2" name="제목 1"/>
+          <p:cNvSpPr>
+            <a:spLocks noGrp="1"/>
+          </p:cNvSpPr>
+          <p:nvPr>
+            <p:ph type="title"/>
+          </p:nvPr>
+        </p:nvSpPr>
+        <p:spPr>
+          <a:xfrm>
             <a:off x="838201" y="365125"/>
             <a:ext cx="10515599" cy="6104686"/>
           </a:xfrm>
@@ -3506,7 +4137,7 @@
 </p:sld>
 </file>
 
-<file path=ppt/slides/slide11.xml><?xml version="1.0" encoding="utf-8"?>
+<file path=ppt/slides/slide13.xml><?xml version="1.0" encoding="utf-8"?>
 <p:sld xmlns:a="http://schemas.openxmlformats.org/drawingml/2006/main" xmlns:r="http://schemas.openxmlformats.org/officeDocument/2006/relationships" xmlns:p="http://schemas.openxmlformats.org/presentationml/2006/main">
   <p:cSld>
     <p:spTree>
@@ -3556,11 +4187,7 @@
             </a:br>
             <a:r>
               <a:rPr lang="ko-KR" altLang="en-US" dirty="0" smtClean="0"/>
-              <a:t>처음부터 </a:t>
-            </a:r>
-            <a:r>
-              <a:rPr lang="ko-KR" altLang="en-US" dirty="0" smtClean="0"/>
-              <a:t>설치</a:t>
+              <a:t>처음부터 설치</a:t>
             </a:r>
             <a:endParaRPr lang="ko-KR" altLang="en-US" dirty="0"/>
           </a:p>
@@ -3586,7 +4213,7 @@
 </p:sld>
 </file>
 
-<file path=ppt/slides/slide12.xml><?xml version="1.0" encoding="utf-8"?>
+<file path=ppt/slides/slide14.xml><?xml version="1.0" encoding="utf-8"?>
 <p:sld xmlns:a="http://schemas.openxmlformats.org/drawingml/2006/main" xmlns:r="http://schemas.openxmlformats.org/officeDocument/2006/relationships" xmlns:p="http://schemas.openxmlformats.org/presentationml/2006/main">
   <p:cSld>
     <p:spTree>
@@ -3769,706 +4396,6 @@
 </p:sld>
 </file>
 
-<file path=ppt/slides/slide13.xml><?xml version="1.0" encoding="utf-8"?>
-<p:sld xmlns:a="http://schemas.openxmlformats.org/drawingml/2006/main" xmlns:r="http://schemas.openxmlformats.org/officeDocument/2006/relationships" xmlns:p="http://schemas.openxmlformats.org/presentationml/2006/main">
-  <p:cSld>
-    <p:spTree>
-      <p:nvGrpSpPr>
-        <p:cNvPr id="1" name=""/>
-        <p:cNvGrpSpPr/>
-        <p:nvPr/>
-      </p:nvGrpSpPr>
-      <p:grpSpPr>
-        <a:xfrm>
-          <a:off x="0" y="0"/>
-          <a:ext cx="0" cy="0"/>
-          <a:chOff x="0" y="0"/>
-          <a:chExt cx="0" cy="0"/>
-        </a:xfrm>
-      </p:grpSpPr>
-      <p:sp>
-        <p:nvSpPr>
-          <p:cNvPr id="2" name="제목 1"/>
-          <p:cNvSpPr>
-            <a:spLocks noGrp="1"/>
-          </p:cNvSpPr>
-          <p:nvPr>
-            <p:ph type="title"/>
-          </p:nvPr>
-        </p:nvSpPr>
-        <p:spPr/>
-        <p:txBody>
-          <a:bodyPr/>
-          <a:lstStyle/>
-          <a:p>
-            <a:r>
-              <a:rPr lang="en-US" altLang="ko-KR" b="1" dirty="0" smtClean="0"/>
-              <a:t>2. </a:t>
-            </a:r>
-            <a:r>
-              <a:rPr lang="ko-KR" altLang="en-US" b="1" dirty="0" err="1" smtClean="0"/>
-              <a:t>라즈베리파이에</a:t>
-            </a:r>
-            <a:r>
-              <a:rPr lang="ko-KR" altLang="en-US" b="1" dirty="0" smtClean="0"/>
-              <a:t> </a:t>
-            </a:r>
-            <a:r>
-              <a:rPr lang="ko-KR" altLang="en-US" b="1" dirty="0" err="1" smtClean="0"/>
-              <a:t>한글설정</a:t>
-            </a:r>
-            <a:endParaRPr lang="ko-KR" altLang="en-US" dirty="0"/>
-          </a:p>
-        </p:txBody>
-      </p:sp>
-      <p:sp>
-        <p:nvSpPr>
-          <p:cNvPr id="3" name="내용 개체 틀 2"/>
-          <p:cNvSpPr>
-            <a:spLocks noGrp="1"/>
-          </p:cNvSpPr>
-          <p:nvPr>
-            <p:ph idx="1"/>
-          </p:nvPr>
-        </p:nvSpPr>
-        <p:spPr>
-          <a:xfrm>
-            <a:off x="838200" y="1825625"/>
-            <a:ext cx="10515600" cy="4601054"/>
-          </a:xfrm>
-        </p:spPr>
-        <p:txBody>
-          <a:bodyPr>
-            <a:normAutofit/>
-          </a:bodyPr>
-          <a:lstStyle/>
-          <a:p>
-            <a:r>
-              <a:rPr lang="ko-KR" altLang="en-US" sz="2000" dirty="0"/>
-              <a:t>한글 설정을 해주지 않으면 영어는 사용할 수 있지만</a:t>
-            </a:r>
-          </a:p>
-          <a:p>
-            <a:r>
-              <a:rPr lang="ko-KR" altLang="en-US" sz="2000" dirty="0"/>
-              <a:t>특수문자 </a:t>
-            </a:r>
-            <a:r>
-              <a:rPr lang="ko-KR" altLang="en-US" sz="2000" dirty="0" smtClean="0"/>
-              <a:t>키 배열이 </a:t>
-            </a:r>
-            <a:r>
-              <a:rPr lang="ko-KR" altLang="en-US" sz="2000" dirty="0"/>
-              <a:t>달라서 각종 설치에 문제가 </a:t>
-            </a:r>
-            <a:r>
-              <a:rPr lang="ko-KR" altLang="en-US" sz="2000" dirty="0" smtClean="0"/>
-              <a:t>있으므로 먼저 </a:t>
-            </a:r>
-            <a:r>
-              <a:rPr lang="ko-KR" altLang="en-US" sz="2000" dirty="0"/>
-              <a:t>한글을 설치합니다</a:t>
-            </a:r>
-            <a:r>
-              <a:rPr lang="en-US" altLang="ko-KR" sz="2000" dirty="0"/>
-              <a:t>.</a:t>
-            </a:r>
-          </a:p>
-          <a:p>
-            <a:r>
-              <a:rPr lang="ko-KR" altLang="en-US" sz="2000" dirty="0" smtClean="0"/>
-              <a:t>기본 로케일 설정</a:t>
-            </a:r>
-            <a:endParaRPr lang="en-US" altLang="ko-KR" sz="2000" dirty="0" smtClean="0"/>
-          </a:p>
-          <a:p>
-            <a:r>
-              <a:rPr lang="ko-KR" altLang="en-US" sz="2000" dirty="0" smtClean="0"/>
-              <a:t>터미널을 실행</a:t>
-            </a:r>
-            <a:endParaRPr lang="en-US" altLang="ko-KR" sz="2000" dirty="0" smtClean="0"/>
-          </a:p>
-          <a:p>
-            <a:r>
-              <a:rPr lang="ko-KR" altLang="en-US" sz="2000" dirty="0"/>
-              <a:t> </a:t>
-            </a:r>
-            <a:r>
-              <a:rPr lang="en-US" altLang="ko-KR" sz="2000" dirty="0"/>
-              <a:t>locale -a</a:t>
-            </a:r>
-          </a:p>
-          <a:p>
-            <a:r>
-              <a:rPr lang="en-US" altLang="ko-KR" sz="2000" dirty="0"/>
-              <a:t> </a:t>
-            </a:r>
-            <a:r>
-              <a:rPr lang="en-US" altLang="ko-KR" sz="2000" dirty="0" smtClean="0"/>
-              <a:t>ko_KR.UTF-8</a:t>
-            </a:r>
-            <a:r>
-              <a:rPr lang="ko-KR" altLang="en-US" sz="2000" dirty="0"/>
-              <a:t>이 있는지 확인하고 만약 없다면</a:t>
-            </a:r>
-          </a:p>
-          <a:p>
-            <a:r>
-              <a:rPr lang="ko-KR" altLang="en-US" sz="2000" dirty="0"/>
-              <a:t> </a:t>
-            </a:r>
-            <a:r>
-              <a:rPr lang="en-US" altLang="ko-KR" sz="2000" dirty="0" err="1" smtClean="0"/>
-              <a:t>sudo</a:t>
-            </a:r>
-            <a:r>
-              <a:rPr lang="en-US" altLang="ko-KR" sz="2000" dirty="0" smtClean="0"/>
-              <a:t> </a:t>
-            </a:r>
-            <a:r>
-              <a:rPr lang="en-US" altLang="ko-KR" sz="2000" dirty="0" err="1"/>
-              <a:t>nano</a:t>
-            </a:r>
-            <a:r>
-              <a:rPr lang="en-US" altLang="ko-KR" sz="2000" dirty="0"/>
-              <a:t> /</a:t>
-            </a:r>
-            <a:r>
-              <a:rPr lang="en-US" altLang="ko-KR" sz="2000" dirty="0" err="1"/>
-              <a:t>etc</a:t>
-            </a:r>
-            <a:r>
-              <a:rPr lang="en-US" altLang="ko-KR" sz="2000" dirty="0"/>
-              <a:t>/</a:t>
-            </a:r>
-            <a:r>
-              <a:rPr lang="en-US" altLang="ko-KR" sz="2000" dirty="0" err="1"/>
-              <a:t>locale.gen</a:t>
-            </a:r>
-            <a:endParaRPr lang="en-US" altLang="ko-KR" sz="2000" dirty="0"/>
-          </a:p>
-          <a:p>
-            <a:r>
-              <a:rPr lang="en-US" altLang="ko-KR" sz="2000" dirty="0"/>
-              <a:t> </a:t>
-            </a:r>
-            <a:r>
-              <a:rPr lang="ko-KR" altLang="en-US" sz="2000" dirty="0" smtClean="0"/>
-              <a:t>입력하여 </a:t>
-            </a:r>
-            <a:r>
-              <a:rPr lang="ko-KR" altLang="en-US" sz="2000" dirty="0"/>
-              <a:t>편집기에서 </a:t>
-            </a:r>
-            <a:r>
-              <a:rPr lang="en-US" altLang="ko-KR" sz="2000" dirty="0"/>
-              <a:t>ko_KR.UTF-8</a:t>
-            </a:r>
-            <a:r>
-              <a:rPr lang="ko-KR" altLang="en-US" sz="2000" dirty="0"/>
-              <a:t>이 </a:t>
-            </a:r>
-            <a:r>
-              <a:rPr lang="ko-KR" altLang="en-US" sz="2000" dirty="0" smtClean="0"/>
-              <a:t>주석처리를 확인하고 </a:t>
-            </a:r>
-            <a:r>
-              <a:rPr lang="ko-KR" altLang="en-US" sz="2000" dirty="0"/>
-              <a:t>주석처리를 제거</a:t>
-            </a:r>
-            <a:r>
-              <a:rPr lang="en-US" altLang="ko-KR" sz="2000" dirty="0" smtClean="0"/>
-              <a:t>(#, ‘ ‘</a:t>
-            </a:r>
-            <a:r>
-              <a:rPr lang="ko-KR" altLang="en-US" sz="2000" dirty="0" smtClean="0"/>
-              <a:t>제거</a:t>
-            </a:r>
-            <a:r>
-              <a:rPr lang="en-US" altLang="ko-KR" sz="2000" dirty="0"/>
-              <a:t>)</a:t>
-            </a:r>
-          </a:p>
-          <a:p>
-            <a:r>
-              <a:rPr lang="en-US" altLang="ko-KR" sz="2000" dirty="0"/>
-              <a:t> </a:t>
-            </a:r>
-            <a:r>
-              <a:rPr lang="en-US" altLang="ko-KR" sz="2000" dirty="0" smtClean="0"/>
-              <a:t>(</a:t>
-            </a:r>
-            <a:r>
-              <a:rPr lang="en-US" altLang="ko-KR" sz="2000" dirty="0"/>
-              <a:t>Ctrl + S)</a:t>
-            </a:r>
-            <a:r>
-              <a:rPr lang="ko-KR" altLang="en-US" sz="2000" dirty="0"/>
-              <a:t>로 저장 후 </a:t>
-            </a:r>
-            <a:r>
-              <a:rPr lang="en-US" altLang="ko-KR" sz="2000" dirty="0"/>
-              <a:t>(Ctrl + X)</a:t>
-            </a:r>
-            <a:r>
-              <a:rPr lang="ko-KR" altLang="en-US" sz="2000" dirty="0"/>
-              <a:t>로 편집기 종료</a:t>
-            </a:r>
-          </a:p>
-          <a:p>
-            <a:r>
-              <a:rPr lang="ko-KR" altLang="en-US" sz="2000" dirty="0"/>
-              <a:t> </a:t>
-            </a:r>
-            <a:r>
-              <a:rPr lang="en-US" altLang="ko-KR" sz="2000" dirty="0" err="1" smtClean="0"/>
-              <a:t>sudo</a:t>
-            </a:r>
-            <a:r>
-              <a:rPr lang="en-US" altLang="ko-KR" sz="2000" dirty="0" smtClean="0"/>
-              <a:t> </a:t>
-            </a:r>
-            <a:r>
-              <a:rPr lang="en-US" altLang="ko-KR" sz="2000" dirty="0"/>
-              <a:t>locale-gen</a:t>
-            </a:r>
-          </a:p>
-          <a:p>
-            <a:r>
-              <a:rPr lang="en-US" altLang="ko-KR" sz="2000" dirty="0"/>
-              <a:t> </a:t>
-            </a:r>
-            <a:r>
-              <a:rPr lang="en-US" altLang="ko-KR" sz="2000" dirty="0" err="1" smtClean="0"/>
-              <a:t>sudo</a:t>
-            </a:r>
-            <a:r>
-              <a:rPr lang="en-US" altLang="ko-KR" sz="2000" dirty="0" smtClean="0"/>
-              <a:t> </a:t>
-            </a:r>
-            <a:r>
-              <a:rPr lang="en-US" altLang="ko-KR" sz="2000" dirty="0"/>
-              <a:t>update-locale LANG=ko_KR.UTF-8</a:t>
-            </a:r>
-            <a:endParaRPr lang="ko-KR" altLang="en-US" sz="2000" dirty="0"/>
-          </a:p>
-        </p:txBody>
-      </p:sp>
-    </p:spTree>
-    <p:extLst>
-      <p:ext uri="{BB962C8B-B14F-4D97-AF65-F5344CB8AC3E}">
-        <p14:creationId xmlns:p14="http://schemas.microsoft.com/office/powerpoint/2010/main" val="956915913"/>
-      </p:ext>
-    </p:extLst>
-  </p:cSld>
-  <p:clrMapOvr>
-    <a:masterClrMapping/>
-  </p:clrMapOvr>
-</p:sld>
-</file>
-
-<file path=ppt/slides/slide14.xml><?xml version="1.0" encoding="utf-8"?>
-<p:sld xmlns:a="http://schemas.openxmlformats.org/drawingml/2006/main" xmlns:r="http://schemas.openxmlformats.org/officeDocument/2006/relationships" xmlns:p="http://schemas.openxmlformats.org/presentationml/2006/main">
-  <p:cSld>
-    <p:spTree>
-      <p:nvGrpSpPr>
-        <p:cNvPr id="1" name=""/>
-        <p:cNvGrpSpPr/>
-        <p:nvPr/>
-      </p:nvGrpSpPr>
-      <p:grpSpPr>
-        <a:xfrm>
-          <a:off x="0" y="0"/>
-          <a:ext cx="0" cy="0"/>
-          <a:chOff x="0" y="0"/>
-          <a:chExt cx="0" cy="0"/>
-        </a:xfrm>
-      </p:grpSpPr>
-      <p:sp>
-        <p:nvSpPr>
-          <p:cNvPr id="3" name="부제목 2"/>
-          <p:cNvSpPr>
-            <a:spLocks noGrp="1"/>
-          </p:cNvSpPr>
-          <p:nvPr>
-            <p:ph type="subTitle" idx="1"/>
-          </p:nvPr>
-        </p:nvSpPr>
-        <p:spPr>
-          <a:xfrm>
-            <a:off x="793630" y="690112"/>
-            <a:ext cx="10688128" cy="5624423"/>
-          </a:xfrm>
-        </p:spPr>
-        <p:txBody>
-          <a:bodyPr>
-            <a:noAutofit/>
-          </a:bodyPr>
-          <a:lstStyle/>
-          <a:p>
-            <a:pPr algn="l"/>
-            <a:r>
-              <a:rPr lang="ko-KR" altLang="en-US" sz="2000" dirty="0" smtClean="0"/>
-              <a:t>로케일 설치 이후 나머지 설치</a:t>
-            </a:r>
-          </a:p>
-          <a:p>
-            <a:pPr algn="l"/>
-            <a:r>
-              <a:rPr lang="en-US" altLang="ko-KR" sz="2000" dirty="0" err="1" smtClean="0"/>
-              <a:t>sudo</a:t>
-            </a:r>
-            <a:r>
-              <a:rPr lang="en-US" altLang="ko-KR" sz="2000" dirty="0" smtClean="0"/>
-              <a:t> apt-get install -y fonts-</a:t>
-            </a:r>
-            <a:r>
-              <a:rPr lang="en-US" altLang="ko-KR" sz="2000" dirty="0" err="1" smtClean="0"/>
-              <a:t>nanum</a:t>
-            </a:r>
-            <a:r>
-              <a:rPr lang="en-US" altLang="ko-KR" sz="2000" dirty="0" smtClean="0"/>
-              <a:t>* (</a:t>
-            </a:r>
-            <a:r>
-              <a:rPr lang="ko-KR" altLang="en-US" sz="2000" dirty="0"/>
-              <a:t>글꼴 </a:t>
-            </a:r>
-            <a:r>
-              <a:rPr lang="ko-KR" altLang="en-US" sz="2000" dirty="0" smtClean="0"/>
-              <a:t>설치</a:t>
-            </a:r>
-            <a:r>
-              <a:rPr lang="en-US" altLang="ko-KR" sz="2000" dirty="0" smtClean="0"/>
-              <a:t>, </a:t>
-            </a:r>
-            <a:r>
-              <a:rPr lang="ko-KR" altLang="en-US" sz="2000" dirty="0" smtClean="0"/>
-              <a:t>폰트깨짐방지</a:t>
-            </a:r>
-            <a:r>
-              <a:rPr lang="en-US" altLang="ko-KR" sz="2000" dirty="0" smtClean="0"/>
-              <a:t>)</a:t>
-            </a:r>
-          </a:p>
-          <a:p>
-            <a:pPr algn="l"/>
-            <a:r>
-              <a:rPr lang="en-US" altLang="ko-KR" sz="2000" dirty="0" err="1" smtClean="0"/>
-              <a:t>sudo</a:t>
-            </a:r>
-            <a:r>
-              <a:rPr lang="en-US" altLang="ko-KR" sz="2000" dirty="0" smtClean="0"/>
-              <a:t> </a:t>
-            </a:r>
-            <a:r>
-              <a:rPr lang="en-US" altLang="ko-KR" sz="2000" dirty="0"/>
-              <a:t>apt-get install -y </a:t>
-            </a:r>
-            <a:r>
-              <a:rPr lang="en-US" altLang="ko-KR" sz="2000" dirty="0" err="1"/>
-              <a:t>ibus</a:t>
-            </a:r>
-            <a:r>
-              <a:rPr lang="en-US" altLang="ko-KR" sz="2000" dirty="0"/>
-              <a:t> </a:t>
-            </a:r>
-            <a:r>
-              <a:rPr lang="en-US" altLang="ko-KR" sz="2000" dirty="0" err="1" smtClean="0"/>
-              <a:t>ibus-hangul</a:t>
-            </a:r>
-            <a:r>
-              <a:rPr lang="en-US" altLang="ko-KR" sz="2000" dirty="0" smtClean="0"/>
-              <a:t> (</a:t>
-            </a:r>
-            <a:r>
-              <a:rPr lang="ko-KR" altLang="en-US" sz="2000" dirty="0"/>
-              <a:t>한글 </a:t>
-            </a:r>
-            <a:r>
-              <a:rPr lang="ko-KR" altLang="en-US" sz="2000" dirty="0" err="1"/>
-              <a:t>입력기</a:t>
-            </a:r>
-            <a:r>
-              <a:rPr lang="ko-KR" altLang="en-US" sz="2000" dirty="0"/>
-              <a:t> </a:t>
-            </a:r>
-            <a:r>
-              <a:rPr lang="ko-KR" altLang="en-US" sz="2000" dirty="0" smtClean="0"/>
-              <a:t>설치</a:t>
-            </a:r>
-            <a:r>
-              <a:rPr lang="en-US" altLang="ko-KR" sz="2000" dirty="0" smtClean="0"/>
-              <a:t>)</a:t>
-            </a:r>
-            <a:endParaRPr lang="ko-KR" altLang="en-US" sz="2000" dirty="0"/>
-          </a:p>
-          <a:p>
-            <a:pPr algn="l"/>
-            <a:r>
-              <a:rPr lang="en-US" altLang="ko-KR" sz="2000" dirty="0" err="1" smtClean="0"/>
-              <a:t>im-config</a:t>
-            </a:r>
-            <a:r>
-              <a:rPr lang="en-US" altLang="ko-KR" sz="2000" dirty="0" smtClean="0"/>
-              <a:t> </a:t>
-            </a:r>
-            <a:r>
-              <a:rPr lang="en-US" altLang="ko-KR" sz="2000" dirty="0"/>
-              <a:t>-n </a:t>
-            </a:r>
-            <a:r>
-              <a:rPr lang="en-US" altLang="ko-KR" sz="2000" dirty="0" err="1" smtClean="0"/>
-              <a:t>ibus</a:t>
-            </a:r>
-            <a:r>
-              <a:rPr lang="en-US" altLang="ko-KR" sz="2000" dirty="0" smtClean="0"/>
-              <a:t> (</a:t>
-            </a:r>
-            <a:r>
-              <a:rPr lang="en-US" altLang="ko-KR" sz="2000" dirty="0" err="1"/>
-              <a:t>ibus</a:t>
-            </a:r>
-            <a:r>
-              <a:rPr lang="ko-KR" altLang="en-US" sz="2000" dirty="0"/>
-              <a:t>를 기본 입력방법으로 </a:t>
-            </a:r>
-            <a:r>
-              <a:rPr lang="ko-KR" altLang="en-US" sz="2000" dirty="0" smtClean="0"/>
-              <a:t>설정</a:t>
-            </a:r>
-            <a:r>
-              <a:rPr lang="en-US" altLang="ko-KR" sz="2000" dirty="0" smtClean="0"/>
-              <a:t>)</a:t>
-            </a:r>
-            <a:endParaRPr lang="en-US" altLang="ko-KR" sz="2000" dirty="0"/>
-          </a:p>
-          <a:p>
-            <a:pPr algn="l"/>
-            <a:r>
-              <a:rPr lang="ko-KR" altLang="en-US" sz="2000" dirty="0" err="1" smtClean="0"/>
-              <a:t>입력기에</a:t>
-            </a:r>
-            <a:r>
-              <a:rPr lang="ko-KR" altLang="en-US" sz="2000" dirty="0" smtClean="0"/>
-              <a:t> </a:t>
-            </a:r>
-            <a:r>
-              <a:rPr lang="ko-KR" altLang="en-US" sz="2000" dirty="0"/>
-              <a:t>한글 추가하기</a:t>
-            </a:r>
-          </a:p>
-          <a:p>
-            <a:pPr algn="l"/>
-            <a:r>
-              <a:rPr lang="en-US" altLang="ko-KR" sz="2000" dirty="0" err="1" smtClean="0"/>
-              <a:t>ibus</a:t>
-            </a:r>
-            <a:r>
-              <a:rPr lang="en-US" altLang="ko-KR" sz="2000" dirty="0" smtClean="0"/>
-              <a:t>-setup</a:t>
-            </a:r>
-            <a:endParaRPr lang="en-US" altLang="ko-KR" sz="2000" dirty="0"/>
-          </a:p>
-          <a:p>
-            <a:pPr marL="342900" indent="-342900" algn="l">
-              <a:buFont typeface="Symbol" panose="05050102010706020507" pitchFamily="18" charset="2"/>
-              <a:buChar char="Þ"/>
-            </a:pPr>
-            <a:r>
-              <a:rPr lang="en-US" altLang="ko-KR" sz="2000" dirty="0" smtClean="0"/>
-              <a:t>input </a:t>
-            </a:r>
-            <a:r>
-              <a:rPr lang="en-US" altLang="ko-KR" sz="2000" dirty="0"/>
-              <a:t>Method =&gt; Add =&gt; Korean =&gt; </a:t>
-            </a:r>
-            <a:r>
-              <a:rPr lang="en-US" altLang="ko-KR" sz="2000" dirty="0" err="1" smtClean="0"/>
-              <a:t>hangul</a:t>
-            </a:r>
-            <a:endParaRPr lang="en-US" altLang="ko-KR" sz="2000" dirty="0" smtClean="0"/>
-          </a:p>
-          <a:p>
-            <a:pPr marL="342900" indent="-342900" algn="l">
-              <a:buFont typeface="Symbol" panose="05050102010706020507" pitchFamily="18" charset="2"/>
-              <a:buChar char="Þ"/>
-            </a:pPr>
-            <a:r>
-              <a:rPr lang="en-US" altLang="ko-KR" sz="2000" dirty="0" err="1" smtClean="0"/>
-              <a:t>sudo</a:t>
-            </a:r>
-            <a:r>
-              <a:rPr lang="en-US" altLang="ko-KR" sz="2000" dirty="0" smtClean="0"/>
-              <a:t> reboot</a:t>
-            </a:r>
-            <a:endParaRPr lang="en-US" altLang="ko-KR" sz="2000" dirty="0"/>
-          </a:p>
-          <a:p>
-            <a:pPr algn="l"/>
-            <a:r>
-              <a:rPr lang="en-US" altLang="ko-KR" sz="2000" dirty="0" smtClean="0"/>
-              <a:t>※ </a:t>
-            </a:r>
-            <a:r>
-              <a:rPr lang="ko-KR" altLang="en-US" sz="2000" dirty="0"/>
-              <a:t>이때 </a:t>
-            </a:r>
-            <a:r>
-              <a:rPr lang="en-US" altLang="ko-KR" sz="2000" dirty="0" err="1"/>
-              <a:t>ibus</a:t>
-            </a:r>
-            <a:r>
-              <a:rPr lang="en-US" altLang="ko-KR" sz="2000" dirty="0"/>
-              <a:t>-setup</a:t>
-            </a:r>
-            <a:r>
-              <a:rPr lang="ko-KR" altLang="en-US" sz="2000" dirty="0" smtClean="0"/>
-              <a:t>일 때 </a:t>
-            </a:r>
-            <a:r>
-              <a:rPr lang="ko-KR" altLang="en-US" sz="2000" dirty="0"/>
-              <a:t>오류가 뜨면서 </a:t>
-            </a:r>
-            <a:r>
-              <a:rPr lang="ko-KR" altLang="en-US" sz="2000" dirty="0" smtClean="0"/>
-              <a:t>실행되지 않을 </a:t>
-            </a:r>
-            <a:r>
-              <a:rPr lang="ko-KR" altLang="en-US" sz="2000" dirty="0"/>
-              <a:t>수 있는데</a:t>
-            </a:r>
-          </a:p>
-          <a:p>
-            <a:pPr algn="l"/>
-            <a:r>
-              <a:rPr lang="ko-KR" altLang="en-US" sz="2000" dirty="0"/>
-              <a:t>    </a:t>
-            </a:r>
-            <a:r>
-              <a:rPr lang="en-US" altLang="ko-KR" sz="2000" dirty="0"/>
-              <a:t>1. </a:t>
-            </a:r>
-            <a:r>
-              <a:rPr lang="ko-KR" altLang="en-US" sz="2000" dirty="0" smtClean="0"/>
-              <a:t>재부팅 후 </a:t>
-            </a:r>
-            <a:r>
-              <a:rPr lang="ko-KR" altLang="en-US" sz="2000" dirty="0"/>
-              <a:t>다시 실행</a:t>
-            </a:r>
-          </a:p>
-          <a:p>
-            <a:pPr algn="l"/>
-            <a:r>
-              <a:rPr lang="ko-KR" altLang="en-US" sz="2000" dirty="0"/>
-              <a:t>    </a:t>
-            </a:r>
-            <a:r>
-              <a:rPr lang="en-US" altLang="ko-KR" sz="2000" dirty="0"/>
-              <a:t>2. </a:t>
-            </a:r>
-            <a:r>
-              <a:rPr lang="ko-KR" altLang="en-US" sz="2000" dirty="0"/>
-              <a:t>그래도 안된다면 </a:t>
-            </a:r>
-            <a:r>
-              <a:rPr lang="en-US" altLang="ko-KR" sz="2000" dirty="0" err="1"/>
-              <a:t>sudo</a:t>
-            </a:r>
-            <a:r>
-              <a:rPr lang="en-US" altLang="ko-KR" sz="2000" dirty="0"/>
-              <a:t> </a:t>
-            </a:r>
-            <a:r>
-              <a:rPr lang="en-US" altLang="ko-KR" sz="2000" dirty="0" err="1"/>
-              <a:t>ibus</a:t>
-            </a:r>
-            <a:r>
-              <a:rPr lang="en-US" altLang="ko-KR" sz="2000" dirty="0"/>
-              <a:t>-setup </a:t>
-            </a:r>
-            <a:r>
-              <a:rPr lang="ko-KR" altLang="en-US" sz="2000" dirty="0"/>
-              <a:t>후 오류메세지가 </a:t>
-            </a:r>
-            <a:r>
-              <a:rPr lang="ko-KR" altLang="en-US" sz="2000" dirty="0" smtClean="0"/>
-              <a:t>출력될 수 있는데</a:t>
-            </a:r>
-            <a:r>
-              <a:rPr lang="en-US" altLang="ko-KR" sz="2000" dirty="0" smtClean="0"/>
-              <a:t>,</a:t>
-            </a:r>
-            <a:endParaRPr lang="ko-KR" altLang="en-US" sz="2000" dirty="0"/>
-          </a:p>
-          <a:p>
-            <a:pPr algn="l"/>
-            <a:r>
-              <a:rPr lang="ko-KR" altLang="en-US" sz="2000" dirty="0"/>
-              <a:t>       무시하고 </a:t>
-            </a:r>
-            <a:r>
-              <a:rPr lang="en-US" altLang="ko-KR" sz="2000" dirty="0"/>
-              <a:t>Hangul</a:t>
-            </a:r>
-            <a:r>
-              <a:rPr lang="ko-KR" altLang="en-US" sz="2000" dirty="0" smtClean="0"/>
-              <a:t>설정 후 재부팅 후 </a:t>
-            </a:r>
-            <a:r>
-              <a:rPr lang="ko-KR" altLang="en-US" sz="2000" dirty="0"/>
-              <a:t>다시 </a:t>
-            </a:r>
-            <a:r>
-              <a:rPr lang="en-US" altLang="ko-KR" sz="2000" dirty="0" err="1"/>
-              <a:t>ibus</a:t>
-            </a:r>
-            <a:r>
-              <a:rPr lang="en-US" altLang="ko-KR" sz="2000" dirty="0"/>
-              <a:t>-setup</a:t>
-            </a:r>
-            <a:r>
-              <a:rPr lang="ko-KR" altLang="en-US" sz="2000" dirty="0"/>
-              <a:t>으로 접속해서 </a:t>
-            </a:r>
-            <a:r>
-              <a:rPr lang="ko-KR" altLang="en-US" sz="2000" dirty="0" smtClean="0"/>
-              <a:t>한글</a:t>
-            </a:r>
-            <a:r>
-              <a:rPr lang="en-US" altLang="ko-KR" sz="2000" dirty="0" smtClean="0"/>
-              <a:t>	</a:t>
-            </a:r>
-            <a:r>
-              <a:rPr lang="ko-KR" altLang="en-US" sz="2000" dirty="0" smtClean="0"/>
-              <a:t>이 </a:t>
-            </a:r>
-            <a:r>
-              <a:rPr lang="ko-KR" altLang="en-US" sz="2000" dirty="0"/>
-              <a:t>추가되었는지 확인해보세요</a:t>
-            </a:r>
-            <a:r>
-              <a:rPr lang="en-US" altLang="ko-KR" sz="2000" dirty="0"/>
-              <a:t>.</a:t>
-            </a:r>
-            <a:endParaRPr lang="ko-KR" altLang="en-US" sz="2000" dirty="0"/>
-          </a:p>
-        </p:txBody>
-      </p:sp>
-    </p:spTree>
-    <p:extLst>
-      <p:ext uri="{BB962C8B-B14F-4D97-AF65-F5344CB8AC3E}">
-        <p14:creationId xmlns:p14="http://schemas.microsoft.com/office/powerpoint/2010/main" val="2764984147"/>
-      </p:ext>
-    </p:extLst>
-  </p:cSld>
-  <p:clrMapOvr>
-    <a:masterClrMapping/>
-  </p:clrMapOvr>
-</p:sld>
-</file>
-
 <file path=ppt/slides/slide15.xml><?xml version="1.0" encoding="utf-8"?>
 <p:sld xmlns:a="http://schemas.openxmlformats.org/drawingml/2006/main" xmlns:r="http://schemas.openxmlformats.org/officeDocument/2006/relationships" xmlns:p="http://schemas.openxmlformats.org/presentationml/2006/main">
   <p:cSld>
@@ -4503,6 +4430,706 @@
           <a:p>
             <a:r>
               <a:rPr lang="en-US" altLang="ko-KR" b="1" dirty="0" smtClean="0"/>
+              <a:t>2. </a:t>
+            </a:r>
+            <a:r>
+              <a:rPr lang="ko-KR" altLang="en-US" b="1" dirty="0" err="1" smtClean="0"/>
+              <a:t>라즈베리파이에</a:t>
+            </a:r>
+            <a:r>
+              <a:rPr lang="ko-KR" altLang="en-US" b="1" dirty="0" smtClean="0"/>
+              <a:t> </a:t>
+            </a:r>
+            <a:r>
+              <a:rPr lang="ko-KR" altLang="en-US" b="1" dirty="0" err="1" smtClean="0"/>
+              <a:t>한글설정</a:t>
+            </a:r>
+            <a:endParaRPr lang="ko-KR" altLang="en-US" dirty="0"/>
+          </a:p>
+        </p:txBody>
+      </p:sp>
+      <p:sp>
+        <p:nvSpPr>
+          <p:cNvPr id="3" name="내용 개체 틀 2"/>
+          <p:cNvSpPr>
+            <a:spLocks noGrp="1"/>
+          </p:cNvSpPr>
+          <p:nvPr>
+            <p:ph idx="1"/>
+          </p:nvPr>
+        </p:nvSpPr>
+        <p:spPr>
+          <a:xfrm>
+            <a:off x="838200" y="1825625"/>
+            <a:ext cx="10515600" cy="4601054"/>
+          </a:xfrm>
+        </p:spPr>
+        <p:txBody>
+          <a:bodyPr>
+            <a:normAutofit/>
+          </a:bodyPr>
+          <a:lstStyle/>
+          <a:p>
+            <a:r>
+              <a:rPr lang="ko-KR" altLang="en-US" sz="2000" dirty="0"/>
+              <a:t>한글 설정을 해주지 않으면 영어는 사용할 수 있지만</a:t>
+            </a:r>
+          </a:p>
+          <a:p>
+            <a:r>
+              <a:rPr lang="ko-KR" altLang="en-US" sz="2000" dirty="0"/>
+              <a:t>특수문자 </a:t>
+            </a:r>
+            <a:r>
+              <a:rPr lang="ko-KR" altLang="en-US" sz="2000" dirty="0" smtClean="0"/>
+              <a:t>키 배열이 </a:t>
+            </a:r>
+            <a:r>
+              <a:rPr lang="ko-KR" altLang="en-US" sz="2000" dirty="0"/>
+              <a:t>달라서 각종 설치에 문제가 </a:t>
+            </a:r>
+            <a:r>
+              <a:rPr lang="ko-KR" altLang="en-US" sz="2000" dirty="0" smtClean="0"/>
+              <a:t>있으므로 먼저 </a:t>
+            </a:r>
+            <a:r>
+              <a:rPr lang="ko-KR" altLang="en-US" sz="2000" dirty="0"/>
+              <a:t>한글을 설치합니다</a:t>
+            </a:r>
+            <a:r>
+              <a:rPr lang="en-US" altLang="ko-KR" sz="2000" dirty="0"/>
+              <a:t>.</a:t>
+            </a:r>
+          </a:p>
+          <a:p>
+            <a:r>
+              <a:rPr lang="ko-KR" altLang="en-US" sz="2000" dirty="0" smtClean="0"/>
+              <a:t>기본 로케일 설정</a:t>
+            </a:r>
+            <a:endParaRPr lang="en-US" altLang="ko-KR" sz="2000" dirty="0" smtClean="0"/>
+          </a:p>
+          <a:p>
+            <a:r>
+              <a:rPr lang="ko-KR" altLang="en-US" sz="2000" dirty="0" smtClean="0"/>
+              <a:t>터미널을 실행</a:t>
+            </a:r>
+            <a:endParaRPr lang="en-US" altLang="ko-KR" sz="2000" dirty="0" smtClean="0"/>
+          </a:p>
+          <a:p>
+            <a:r>
+              <a:rPr lang="ko-KR" altLang="en-US" sz="2000" dirty="0"/>
+              <a:t> </a:t>
+            </a:r>
+            <a:r>
+              <a:rPr lang="en-US" altLang="ko-KR" sz="2000" dirty="0"/>
+              <a:t>locale -a</a:t>
+            </a:r>
+          </a:p>
+          <a:p>
+            <a:r>
+              <a:rPr lang="en-US" altLang="ko-KR" sz="2000" dirty="0"/>
+              <a:t> </a:t>
+            </a:r>
+            <a:r>
+              <a:rPr lang="en-US" altLang="ko-KR" sz="2000" dirty="0" smtClean="0"/>
+              <a:t>ko_KR.UTF-8</a:t>
+            </a:r>
+            <a:r>
+              <a:rPr lang="ko-KR" altLang="en-US" sz="2000" dirty="0"/>
+              <a:t>이 있는지 확인하고 만약 없다면</a:t>
+            </a:r>
+          </a:p>
+          <a:p>
+            <a:r>
+              <a:rPr lang="ko-KR" altLang="en-US" sz="2000" dirty="0"/>
+              <a:t> </a:t>
+            </a:r>
+            <a:r>
+              <a:rPr lang="en-US" altLang="ko-KR" sz="2000" dirty="0" err="1" smtClean="0"/>
+              <a:t>sudo</a:t>
+            </a:r>
+            <a:r>
+              <a:rPr lang="en-US" altLang="ko-KR" sz="2000" dirty="0" smtClean="0"/>
+              <a:t> </a:t>
+            </a:r>
+            <a:r>
+              <a:rPr lang="en-US" altLang="ko-KR" sz="2000" dirty="0" err="1"/>
+              <a:t>nano</a:t>
+            </a:r>
+            <a:r>
+              <a:rPr lang="en-US" altLang="ko-KR" sz="2000" dirty="0"/>
+              <a:t> /</a:t>
+            </a:r>
+            <a:r>
+              <a:rPr lang="en-US" altLang="ko-KR" sz="2000" dirty="0" err="1"/>
+              <a:t>etc</a:t>
+            </a:r>
+            <a:r>
+              <a:rPr lang="en-US" altLang="ko-KR" sz="2000" dirty="0"/>
+              <a:t>/</a:t>
+            </a:r>
+            <a:r>
+              <a:rPr lang="en-US" altLang="ko-KR" sz="2000" dirty="0" err="1"/>
+              <a:t>locale.gen</a:t>
+            </a:r>
+            <a:endParaRPr lang="en-US" altLang="ko-KR" sz="2000" dirty="0"/>
+          </a:p>
+          <a:p>
+            <a:r>
+              <a:rPr lang="en-US" altLang="ko-KR" sz="2000" dirty="0"/>
+              <a:t> </a:t>
+            </a:r>
+            <a:r>
+              <a:rPr lang="ko-KR" altLang="en-US" sz="2000" dirty="0" smtClean="0"/>
+              <a:t>입력하여 </a:t>
+            </a:r>
+            <a:r>
+              <a:rPr lang="ko-KR" altLang="en-US" sz="2000" dirty="0"/>
+              <a:t>편집기에서 </a:t>
+            </a:r>
+            <a:r>
+              <a:rPr lang="en-US" altLang="ko-KR" sz="2000" dirty="0"/>
+              <a:t>ko_KR.UTF-8</a:t>
+            </a:r>
+            <a:r>
+              <a:rPr lang="ko-KR" altLang="en-US" sz="2000" dirty="0"/>
+              <a:t>이 </a:t>
+            </a:r>
+            <a:r>
+              <a:rPr lang="ko-KR" altLang="en-US" sz="2000" dirty="0" smtClean="0"/>
+              <a:t>주석처리를 확인하고 </a:t>
+            </a:r>
+            <a:r>
+              <a:rPr lang="ko-KR" altLang="en-US" sz="2000" dirty="0"/>
+              <a:t>주석처리를 제거</a:t>
+            </a:r>
+            <a:r>
+              <a:rPr lang="en-US" altLang="ko-KR" sz="2000" dirty="0" smtClean="0"/>
+              <a:t>(#, ‘ ‘</a:t>
+            </a:r>
+            <a:r>
+              <a:rPr lang="ko-KR" altLang="en-US" sz="2000" dirty="0" smtClean="0"/>
+              <a:t>제거</a:t>
+            </a:r>
+            <a:r>
+              <a:rPr lang="en-US" altLang="ko-KR" sz="2000" dirty="0"/>
+              <a:t>)</a:t>
+            </a:r>
+          </a:p>
+          <a:p>
+            <a:r>
+              <a:rPr lang="en-US" altLang="ko-KR" sz="2000" dirty="0"/>
+              <a:t> </a:t>
+            </a:r>
+            <a:r>
+              <a:rPr lang="en-US" altLang="ko-KR" sz="2000" dirty="0" smtClean="0"/>
+              <a:t>(</a:t>
+            </a:r>
+            <a:r>
+              <a:rPr lang="en-US" altLang="ko-KR" sz="2000" dirty="0"/>
+              <a:t>Ctrl + S)</a:t>
+            </a:r>
+            <a:r>
+              <a:rPr lang="ko-KR" altLang="en-US" sz="2000" dirty="0"/>
+              <a:t>로 저장 후 </a:t>
+            </a:r>
+            <a:r>
+              <a:rPr lang="en-US" altLang="ko-KR" sz="2000" dirty="0"/>
+              <a:t>(Ctrl + X)</a:t>
+            </a:r>
+            <a:r>
+              <a:rPr lang="ko-KR" altLang="en-US" sz="2000" dirty="0"/>
+              <a:t>로 편집기 종료</a:t>
+            </a:r>
+          </a:p>
+          <a:p>
+            <a:r>
+              <a:rPr lang="ko-KR" altLang="en-US" sz="2000" dirty="0"/>
+              <a:t> </a:t>
+            </a:r>
+            <a:r>
+              <a:rPr lang="en-US" altLang="ko-KR" sz="2000" dirty="0" err="1" smtClean="0"/>
+              <a:t>sudo</a:t>
+            </a:r>
+            <a:r>
+              <a:rPr lang="en-US" altLang="ko-KR" sz="2000" dirty="0" smtClean="0"/>
+              <a:t> </a:t>
+            </a:r>
+            <a:r>
+              <a:rPr lang="en-US" altLang="ko-KR" sz="2000" dirty="0"/>
+              <a:t>locale-gen</a:t>
+            </a:r>
+          </a:p>
+          <a:p>
+            <a:r>
+              <a:rPr lang="en-US" altLang="ko-KR" sz="2000" dirty="0"/>
+              <a:t> </a:t>
+            </a:r>
+            <a:r>
+              <a:rPr lang="en-US" altLang="ko-KR" sz="2000" dirty="0" err="1" smtClean="0"/>
+              <a:t>sudo</a:t>
+            </a:r>
+            <a:r>
+              <a:rPr lang="en-US" altLang="ko-KR" sz="2000" dirty="0" smtClean="0"/>
+              <a:t> </a:t>
+            </a:r>
+            <a:r>
+              <a:rPr lang="en-US" altLang="ko-KR" sz="2000" dirty="0"/>
+              <a:t>update-locale LANG=ko_KR.UTF-8</a:t>
+            </a:r>
+            <a:endParaRPr lang="ko-KR" altLang="en-US" sz="2000" dirty="0"/>
+          </a:p>
+        </p:txBody>
+      </p:sp>
+    </p:spTree>
+    <p:extLst>
+      <p:ext uri="{BB962C8B-B14F-4D97-AF65-F5344CB8AC3E}">
+        <p14:creationId xmlns:p14="http://schemas.microsoft.com/office/powerpoint/2010/main" val="956915913"/>
+      </p:ext>
+    </p:extLst>
+  </p:cSld>
+  <p:clrMapOvr>
+    <a:masterClrMapping/>
+  </p:clrMapOvr>
+</p:sld>
+</file>
+
+<file path=ppt/slides/slide16.xml><?xml version="1.0" encoding="utf-8"?>
+<p:sld xmlns:a="http://schemas.openxmlformats.org/drawingml/2006/main" xmlns:r="http://schemas.openxmlformats.org/officeDocument/2006/relationships" xmlns:p="http://schemas.openxmlformats.org/presentationml/2006/main">
+  <p:cSld>
+    <p:spTree>
+      <p:nvGrpSpPr>
+        <p:cNvPr id="1" name=""/>
+        <p:cNvGrpSpPr/>
+        <p:nvPr/>
+      </p:nvGrpSpPr>
+      <p:grpSpPr>
+        <a:xfrm>
+          <a:off x="0" y="0"/>
+          <a:ext cx="0" cy="0"/>
+          <a:chOff x="0" y="0"/>
+          <a:chExt cx="0" cy="0"/>
+        </a:xfrm>
+      </p:grpSpPr>
+      <p:sp>
+        <p:nvSpPr>
+          <p:cNvPr id="3" name="부제목 2"/>
+          <p:cNvSpPr>
+            <a:spLocks noGrp="1"/>
+          </p:cNvSpPr>
+          <p:nvPr>
+            <p:ph type="subTitle" idx="1"/>
+          </p:nvPr>
+        </p:nvSpPr>
+        <p:spPr>
+          <a:xfrm>
+            <a:off x="793630" y="690112"/>
+            <a:ext cx="10688128" cy="5624423"/>
+          </a:xfrm>
+        </p:spPr>
+        <p:txBody>
+          <a:bodyPr>
+            <a:noAutofit/>
+          </a:bodyPr>
+          <a:lstStyle/>
+          <a:p>
+            <a:pPr algn="l"/>
+            <a:r>
+              <a:rPr lang="ko-KR" altLang="en-US" sz="2000" dirty="0" smtClean="0"/>
+              <a:t>로케일 설치 이후 나머지 설치</a:t>
+            </a:r>
+          </a:p>
+          <a:p>
+            <a:pPr algn="l"/>
+            <a:r>
+              <a:rPr lang="en-US" altLang="ko-KR" sz="2000" dirty="0" err="1" smtClean="0"/>
+              <a:t>sudo</a:t>
+            </a:r>
+            <a:r>
+              <a:rPr lang="en-US" altLang="ko-KR" sz="2000" dirty="0" smtClean="0"/>
+              <a:t> apt-get install -y fonts-</a:t>
+            </a:r>
+            <a:r>
+              <a:rPr lang="en-US" altLang="ko-KR" sz="2000" dirty="0" err="1" smtClean="0"/>
+              <a:t>nanum</a:t>
+            </a:r>
+            <a:r>
+              <a:rPr lang="en-US" altLang="ko-KR" sz="2000" dirty="0" smtClean="0"/>
+              <a:t>* (</a:t>
+            </a:r>
+            <a:r>
+              <a:rPr lang="ko-KR" altLang="en-US" sz="2000" dirty="0"/>
+              <a:t>글꼴 </a:t>
+            </a:r>
+            <a:r>
+              <a:rPr lang="ko-KR" altLang="en-US" sz="2000" dirty="0" smtClean="0"/>
+              <a:t>설치</a:t>
+            </a:r>
+            <a:r>
+              <a:rPr lang="en-US" altLang="ko-KR" sz="2000" dirty="0" smtClean="0"/>
+              <a:t>, </a:t>
+            </a:r>
+            <a:r>
+              <a:rPr lang="ko-KR" altLang="en-US" sz="2000" dirty="0" smtClean="0"/>
+              <a:t>폰트깨짐방지</a:t>
+            </a:r>
+            <a:r>
+              <a:rPr lang="en-US" altLang="ko-KR" sz="2000" dirty="0" smtClean="0"/>
+              <a:t>)</a:t>
+            </a:r>
+          </a:p>
+          <a:p>
+            <a:pPr algn="l"/>
+            <a:r>
+              <a:rPr lang="en-US" altLang="ko-KR" sz="2000" dirty="0" err="1" smtClean="0"/>
+              <a:t>sudo</a:t>
+            </a:r>
+            <a:r>
+              <a:rPr lang="en-US" altLang="ko-KR" sz="2000" dirty="0" smtClean="0"/>
+              <a:t> </a:t>
+            </a:r>
+            <a:r>
+              <a:rPr lang="en-US" altLang="ko-KR" sz="2000" dirty="0"/>
+              <a:t>apt-get install -y </a:t>
+            </a:r>
+            <a:r>
+              <a:rPr lang="en-US" altLang="ko-KR" sz="2000" dirty="0" err="1"/>
+              <a:t>ibus</a:t>
+            </a:r>
+            <a:r>
+              <a:rPr lang="en-US" altLang="ko-KR" sz="2000" dirty="0"/>
+              <a:t> </a:t>
+            </a:r>
+            <a:r>
+              <a:rPr lang="en-US" altLang="ko-KR" sz="2000" dirty="0" err="1" smtClean="0"/>
+              <a:t>ibus-hangul</a:t>
+            </a:r>
+            <a:r>
+              <a:rPr lang="en-US" altLang="ko-KR" sz="2000" dirty="0" smtClean="0"/>
+              <a:t> (</a:t>
+            </a:r>
+            <a:r>
+              <a:rPr lang="ko-KR" altLang="en-US" sz="2000" dirty="0"/>
+              <a:t>한글 </a:t>
+            </a:r>
+            <a:r>
+              <a:rPr lang="ko-KR" altLang="en-US" sz="2000" dirty="0" err="1"/>
+              <a:t>입력기</a:t>
+            </a:r>
+            <a:r>
+              <a:rPr lang="ko-KR" altLang="en-US" sz="2000" dirty="0"/>
+              <a:t> </a:t>
+            </a:r>
+            <a:r>
+              <a:rPr lang="ko-KR" altLang="en-US" sz="2000" dirty="0" smtClean="0"/>
+              <a:t>설치</a:t>
+            </a:r>
+            <a:r>
+              <a:rPr lang="en-US" altLang="ko-KR" sz="2000" dirty="0" smtClean="0"/>
+              <a:t>)</a:t>
+            </a:r>
+            <a:endParaRPr lang="ko-KR" altLang="en-US" sz="2000" dirty="0"/>
+          </a:p>
+          <a:p>
+            <a:pPr algn="l"/>
+            <a:r>
+              <a:rPr lang="en-US" altLang="ko-KR" sz="2000" dirty="0" err="1" smtClean="0"/>
+              <a:t>im-config</a:t>
+            </a:r>
+            <a:r>
+              <a:rPr lang="en-US" altLang="ko-KR" sz="2000" dirty="0" smtClean="0"/>
+              <a:t> </a:t>
+            </a:r>
+            <a:r>
+              <a:rPr lang="en-US" altLang="ko-KR" sz="2000" dirty="0"/>
+              <a:t>-n </a:t>
+            </a:r>
+            <a:r>
+              <a:rPr lang="en-US" altLang="ko-KR" sz="2000" dirty="0" err="1" smtClean="0"/>
+              <a:t>ibus</a:t>
+            </a:r>
+            <a:r>
+              <a:rPr lang="en-US" altLang="ko-KR" sz="2000" dirty="0" smtClean="0"/>
+              <a:t> (</a:t>
+            </a:r>
+            <a:r>
+              <a:rPr lang="en-US" altLang="ko-KR" sz="2000" dirty="0" err="1"/>
+              <a:t>ibus</a:t>
+            </a:r>
+            <a:r>
+              <a:rPr lang="ko-KR" altLang="en-US" sz="2000" dirty="0"/>
+              <a:t>를 기본 입력방법으로 </a:t>
+            </a:r>
+            <a:r>
+              <a:rPr lang="ko-KR" altLang="en-US" sz="2000" dirty="0" smtClean="0"/>
+              <a:t>설정</a:t>
+            </a:r>
+            <a:r>
+              <a:rPr lang="en-US" altLang="ko-KR" sz="2000" dirty="0" smtClean="0"/>
+              <a:t>)</a:t>
+            </a:r>
+            <a:endParaRPr lang="en-US" altLang="ko-KR" sz="2000" dirty="0"/>
+          </a:p>
+          <a:p>
+            <a:pPr algn="l"/>
+            <a:r>
+              <a:rPr lang="ko-KR" altLang="en-US" sz="2000" dirty="0" err="1" smtClean="0"/>
+              <a:t>입력기에</a:t>
+            </a:r>
+            <a:r>
+              <a:rPr lang="ko-KR" altLang="en-US" sz="2000" dirty="0" smtClean="0"/>
+              <a:t> </a:t>
+            </a:r>
+            <a:r>
+              <a:rPr lang="ko-KR" altLang="en-US" sz="2000" dirty="0"/>
+              <a:t>한글 추가하기</a:t>
+            </a:r>
+          </a:p>
+          <a:p>
+            <a:pPr algn="l"/>
+            <a:r>
+              <a:rPr lang="en-US" altLang="ko-KR" sz="2000" dirty="0" err="1" smtClean="0"/>
+              <a:t>ibus</a:t>
+            </a:r>
+            <a:r>
+              <a:rPr lang="en-US" altLang="ko-KR" sz="2000" dirty="0" smtClean="0"/>
+              <a:t>-setup</a:t>
+            </a:r>
+            <a:endParaRPr lang="en-US" altLang="ko-KR" sz="2000" dirty="0"/>
+          </a:p>
+          <a:p>
+            <a:pPr marL="342900" indent="-342900" algn="l">
+              <a:buFont typeface="Symbol" panose="05050102010706020507" pitchFamily="18" charset="2"/>
+              <a:buChar char="Þ"/>
+            </a:pPr>
+            <a:r>
+              <a:rPr lang="en-US" altLang="ko-KR" sz="2000" dirty="0" smtClean="0"/>
+              <a:t>input </a:t>
+            </a:r>
+            <a:r>
+              <a:rPr lang="en-US" altLang="ko-KR" sz="2000" dirty="0"/>
+              <a:t>Method =&gt; Add =&gt; Korean =&gt; </a:t>
+            </a:r>
+            <a:r>
+              <a:rPr lang="en-US" altLang="ko-KR" sz="2000" dirty="0" err="1" smtClean="0"/>
+              <a:t>hangul</a:t>
+            </a:r>
+            <a:endParaRPr lang="en-US" altLang="ko-KR" sz="2000" dirty="0" smtClean="0"/>
+          </a:p>
+          <a:p>
+            <a:pPr marL="342900" indent="-342900" algn="l">
+              <a:buFont typeface="Symbol" panose="05050102010706020507" pitchFamily="18" charset="2"/>
+              <a:buChar char="Þ"/>
+            </a:pPr>
+            <a:r>
+              <a:rPr lang="en-US" altLang="ko-KR" sz="2000" dirty="0" err="1" smtClean="0"/>
+              <a:t>sudo</a:t>
+            </a:r>
+            <a:r>
+              <a:rPr lang="en-US" altLang="ko-KR" sz="2000" dirty="0" smtClean="0"/>
+              <a:t> reboot</a:t>
+            </a:r>
+            <a:endParaRPr lang="en-US" altLang="ko-KR" sz="2000" dirty="0"/>
+          </a:p>
+          <a:p>
+            <a:pPr algn="l"/>
+            <a:r>
+              <a:rPr lang="en-US" altLang="ko-KR" sz="2000" dirty="0" smtClean="0"/>
+              <a:t>※ </a:t>
+            </a:r>
+            <a:r>
+              <a:rPr lang="ko-KR" altLang="en-US" sz="2000" dirty="0"/>
+              <a:t>이때 </a:t>
+            </a:r>
+            <a:r>
+              <a:rPr lang="en-US" altLang="ko-KR" sz="2000" dirty="0" err="1"/>
+              <a:t>ibus</a:t>
+            </a:r>
+            <a:r>
+              <a:rPr lang="en-US" altLang="ko-KR" sz="2000" dirty="0"/>
+              <a:t>-setup</a:t>
+            </a:r>
+            <a:r>
+              <a:rPr lang="ko-KR" altLang="en-US" sz="2000" dirty="0" smtClean="0"/>
+              <a:t>일 때 </a:t>
+            </a:r>
+            <a:r>
+              <a:rPr lang="ko-KR" altLang="en-US" sz="2000" dirty="0"/>
+              <a:t>오류가 뜨면서 </a:t>
+            </a:r>
+            <a:r>
+              <a:rPr lang="ko-KR" altLang="en-US" sz="2000" dirty="0" smtClean="0"/>
+              <a:t>실행되지 않을 </a:t>
+            </a:r>
+            <a:r>
+              <a:rPr lang="ko-KR" altLang="en-US" sz="2000" dirty="0"/>
+              <a:t>수 있는데</a:t>
+            </a:r>
+          </a:p>
+          <a:p>
+            <a:pPr algn="l"/>
+            <a:r>
+              <a:rPr lang="ko-KR" altLang="en-US" sz="2000" dirty="0"/>
+              <a:t>    </a:t>
+            </a:r>
+            <a:r>
+              <a:rPr lang="en-US" altLang="ko-KR" sz="2000" dirty="0"/>
+              <a:t>1. </a:t>
+            </a:r>
+            <a:r>
+              <a:rPr lang="ko-KR" altLang="en-US" sz="2000" dirty="0" smtClean="0"/>
+              <a:t>재부팅 후 </a:t>
+            </a:r>
+            <a:r>
+              <a:rPr lang="ko-KR" altLang="en-US" sz="2000" dirty="0"/>
+              <a:t>다시 실행</a:t>
+            </a:r>
+          </a:p>
+          <a:p>
+            <a:pPr algn="l"/>
+            <a:r>
+              <a:rPr lang="ko-KR" altLang="en-US" sz="2000" dirty="0"/>
+              <a:t>    </a:t>
+            </a:r>
+            <a:r>
+              <a:rPr lang="en-US" altLang="ko-KR" sz="2000" dirty="0"/>
+              <a:t>2. </a:t>
+            </a:r>
+            <a:r>
+              <a:rPr lang="ko-KR" altLang="en-US" sz="2000" dirty="0"/>
+              <a:t>그래도 안된다면 </a:t>
+            </a:r>
+            <a:r>
+              <a:rPr lang="en-US" altLang="ko-KR" sz="2000" dirty="0" err="1"/>
+              <a:t>sudo</a:t>
+            </a:r>
+            <a:r>
+              <a:rPr lang="en-US" altLang="ko-KR" sz="2000" dirty="0"/>
+              <a:t> </a:t>
+            </a:r>
+            <a:r>
+              <a:rPr lang="en-US" altLang="ko-KR" sz="2000" dirty="0" err="1"/>
+              <a:t>ibus</a:t>
+            </a:r>
+            <a:r>
+              <a:rPr lang="en-US" altLang="ko-KR" sz="2000" dirty="0"/>
+              <a:t>-setup </a:t>
+            </a:r>
+            <a:r>
+              <a:rPr lang="ko-KR" altLang="en-US" sz="2000" dirty="0"/>
+              <a:t>후 오류메세지가 </a:t>
+            </a:r>
+            <a:r>
+              <a:rPr lang="ko-KR" altLang="en-US" sz="2000" dirty="0" smtClean="0"/>
+              <a:t>출력될 수 있는데</a:t>
+            </a:r>
+            <a:r>
+              <a:rPr lang="en-US" altLang="ko-KR" sz="2000" dirty="0" smtClean="0"/>
+              <a:t>,</a:t>
+            </a:r>
+            <a:endParaRPr lang="ko-KR" altLang="en-US" sz="2000" dirty="0"/>
+          </a:p>
+          <a:p>
+            <a:pPr algn="l"/>
+            <a:r>
+              <a:rPr lang="ko-KR" altLang="en-US" sz="2000" dirty="0"/>
+              <a:t>       무시하고 </a:t>
+            </a:r>
+            <a:r>
+              <a:rPr lang="en-US" altLang="ko-KR" sz="2000" dirty="0"/>
+              <a:t>Hangul</a:t>
+            </a:r>
+            <a:r>
+              <a:rPr lang="ko-KR" altLang="en-US" sz="2000" dirty="0" smtClean="0"/>
+              <a:t>설정 후 재부팅 후 </a:t>
+            </a:r>
+            <a:r>
+              <a:rPr lang="ko-KR" altLang="en-US" sz="2000" dirty="0"/>
+              <a:t>다시 </a:t>
+            </a:r>
+            <a:r>
+              <a:rPr lang="en-US" altLang="ko-KR" sz="2000" dirty="0" err="1"/>
+              <a:t>ibus</a:t>
+            </a:r>
+            <a:r>
+              <a:rPr lang="en-US" altLang="ko-KR" sz="2000" dirty="0"/>
+              <a:t>-setup</a:t>
+            </a:r>
+            <a:r>
+              <a:rPr lang="ko-KR" altLang="en-US" sz="2000" dirty="0"/>
+              <a:t>으로 접속해서 </a:t>
+            </a:r>
+            <a:r>
+              <a:rPr lang="ko-KR" altLang="en-US" sz="2000" dirty="0" smtClean="0"/>
+              <a:t>한글</a:t>
+            </a:r>
+            <a:r>
+              <a:rPr lang="en-US" altLang="ko-KR" sz="2000" dirty="0" smtClean="0"/>
+              <a:t>	</a:t>
+            </a:r>
+            <a:r>
+              <a:rPr lang="ko-KR" altLang="en-US" sz="2000" dirty="0" smtClean="0"/>
+              <a:t>이 </a:t>
+            </a:r>
+            <a:r>
+              <a:rPr lang="ko-KR" altLang="en-US" sz="2000" dirty="0"/>
+              <a:t>추가되었는지 확인해보세요</a:t>
+            </a:r>
+            <a:r>
+              <a:rPr lang="en-US" altLang="ko-KR" sz="2000" dirty="0"/>
+              <a:t>.</a:t>
+            </a:r>
+            <a:endParaRPr lang="ko-KR" altLang="en-US" sz="2000" dirty="0"/>
+          </a:p>
+        </p:txBody>
+      </p:sp>
+    </p:spTree>
+    <p:extLst>
+      <p:ext uri="{BB962C8B-B14F-4D97-AF65-F5344CB8AC3E}">
+        <p14:creationId xmlns:p14="http://schemas.microsoft.com/office/powerpoint/2010/main" val="2764984147"/>
+      </p:ext>
+    </p:extLst>
+  </p:cSld>
+  <p:clrMapOvr>
+    <a:masterClrMapping/>
+  </p:clrMapOvr>
+</p:sld>
+</file>
+
+<file path=ppt/slides/slide17.xml><?xml version="1.0" encoding="utf-8"?>
+<p:sld xmlns:a="http://schemas.openxmlformats.org/drawingml/2006/main" xmlns:r="http://schemas.openxmlformats.org/officeDocument/2006/relationships" xmlns:p="http://schemas.openxmlformats.org/presentationml/2006/main">
+  <p:cSld>
+    <p:spTree>
+      <p:nvGrpSpPr>
+        <p:cNvPr id="1" name=""/>
+        <p:cNvGrpSpPr/>
+        <p:nvPr/>
+      </p:nvGrpSpPr>
+      <p:grpSpPr>
+        <a:xfrm>
+          <a:off x="0" y="0"/>
+          <a:ext cx="0" cy="0"/>
+          <a:chOff x="0" y="0"/>
+          <a:chExt cx="0" cy="0"/>
+        </a:xfrm>
+      </p:grpSpPr>
+      <p:sp>
+        <p:nvSpPr>
+          <p:cNvPr id="2" name="제목 1"/>
+          <p:cNvSpPr>
+            <a:spLocks noGrp="1"/>
+          </p:cNvSpPr>
+          <p:nvPr>
+            <p:ph type="title"/>
+          </p:nvPr>
+        </p:nvSpPr>
+        <p:spPr/>
+        <p:txBody>
+          <a:bodyPr/>
+          <a:lstStyle/>
+          <a:p>
+            <a:r>
+              <a:rPr lang="en-US" altLang="ko-KR" b="1" dirty="0" smtClean="0"/>
               <a:t>3. </a:t>
             </a:r>
             <a:r>
@@ -4763,7 +5390,7 @@
 </p:sld>
 </file>
 
-<file path=ppt/slides/slide16.xml><?xml version="1.0" encoding="utf-8"?>
+<file path=ppt/slides/slide18.xml><?xml version="1.0" encoding="utf-8"?>
 <p:sld xmlns:a="http://schemas.openxmlformats.org/drawingml/2006/main" xmlns:r="http://schemas.openxmlformats.org/officeDocument/2006/relationships" xmlns:p="http://schemas.openxmlformats.org/presentationml/2006/main">
   <p:cSld>
     <p:spTree>
@@ -4980,7 +5607,7 @@
 </p:sld>
 </file>
 
-<file path=ppt/slides/slide17.xml><?xml version="1.0" encoding="utf-8"?>
+<file path=ppt/slides/slide19.xml><?xml version="1.0" encoding="utf-8"?>
 <p:sld xmlns:a="http://schemas.openxmlformats.org/drawingml/2006/main" xmlns:r="http://schemas.openxmlformats.org/officeDocument/2006/relationships" xmlns:p="http://schemas.openxmlformats.org/presentationml/2006/main">
   <p:cSld>
     <p:spTree>
@@ -5309,364 +5936,6 @@
     <p:extLst>
       <p:ext uri="{BB962C8B-B14F-4D97-AF65-F5344CB8AC3E}">
         <p14:creationId xmlns:p14="http://schemas.microsoft.com/office/powerpoint/2010/main" val="542450523"/>
-      </p:ext>
-    </p:extLst>
-  </p:cSld>
-  <p:clrMapOvr>
-    <a:masterClrMapping/>
-  </p:clrMapOvr>
-</p:sld>
-</file>
-
-<file path=ppt/slides/slide18.xml><?xml version="1.0" encoding="utf-8"?>
-<p:sld xmlns:a="http://schemas.openxmlformats.org/drawingml/2006/main" xmlns:r="http://schemas.openxmlformats.org/officeDocument/2006/relationships" xmlns:p="http://schemas.openxmlformats.org/presentationml/2006/main">
-  <p:cSld>
-    <p:spTree>
-      <p:nvGrpSpPr>
-        <p:cNvPr id="1" name=""/>
-        <p:cNvGrpSpPr/>
-        <p:nvPr/>
-      </p:nvGrpSpPr>
-      <p:grpSpPr>
-        <a:xfrm>
-          <a:off x="0" y="0"/>
-          <a:ext cx="0" cy="0"/>
-          <a:chOff x="0" y="0"/>
-          <a:chExt cx="0" cy="0"/>
-        </a:xfrm>
-      </p:grpSpPr>
-      <p:sp>
-        <p:nvSpPr>
-          <p:cNvPr id="2" name="제목 1"/>
-          <p:cNvSpPr>
-            <a:spLocks noGrp="1"/>
-          </p:cNvSpPr>
-          <p:nvPr>
-            <p:ph type="title"/>
-          </p:nvPr>
-        </p:nvSpPr>
-        <p:spPr/>
-        <p:txBody>
-          <a:bodyPr anchor="t">
-            <a:noAutofit/>
-          </a:bodyPr>
-          <a:lstStyle/>
-          <a:p>
-            <a:r>
-              <a:rPr lang="ko-KR" altLang="en-US" sz="2400" dirty="0" smtClean="0"/>
-              <a:t>브라우저를 실행하여 </a:t>
-            </a:r>
-            <a:r>
-              <a:rPr lang="en-US" altLang="ko-KR" sz="2400" dirty="0" smtClean="0"/>
-              <a:t>localhost:8888</a:t>
-            </a:r>
-            <a:r>
-              <a:rPr lang="ko-KR" altLang="en-US" sz="2400" dirty="0" smtClean="0"/>
-              <a:t>으로 접속</a:t>
-            </a:r>
-            <a:endParaRPr lang="ko-KR" altLang="en-US" sz="2400" dirty="0"/>
-          </a:p>
-        </p:txBody>
-      </p:sp>
-      <p:sp>
-        <p:nvSpPr>
-          <p:cNvPr id="4" name="텍스트 개체 틀 3"/>
-          <p:cNvSpPr>
-            <a:spLocks noGrp="1"/>
-          </p:cNvSpPr>
-          <p:nvPr>
-            <p:ph type="body" sz="half" idx="2"/>
-          </p:nvPr>
-        </p:nvSpPr>
-        <p:spPr/>
-        <p:txBody>
-          <a:bodyPr>
-            <a:normAutofit/>
-          </a:bodyPr>
-          <a:lstStyle/>
-          <a:p>
-            <a:r>
-              <a:rPr lang="ko-KR" altLang="en-US" sz="2400" dirty="0" smtClean="0"/>
-              <a:t>해당 페이지의 접속이 확인되면 </a:t>
-            </a:r>
-            <a:r>
-              <a:rPr lang="ko-KR" altLang="en-US" sz="2400" dirty="0"/>
-              <a:t>이제 </a:t>
-            </a:r>
-            <a:r>
-              <a:rPr lang="en-US" altLang="ko-KR" sz="2400" dirty="0"/>
-              <a:t>PM2</a:t>
-            </a:r>
-            <a:r>
-              <a:rPr lang="ko-KR" altLang="en-US" sz="2400" dirty="0" smtClean="0"/>
-              <a:t>를 설치하여 </a:t>
-            </a:r>
-            <a:r>
-              <a:rPr lang="ko-KR" altLang="en-US" sz="2400" dirty="0"/>
-              <a:t>자동으로 서버를 </a:t>
-            </a:r>
-            <a:r>
-              <a:rPr lang="ko-KR" altLang="en-US" sz="2400" dirty="0" smtClean="0"/>
-              <a:t>실행합니다</a:t>
-            </a:r>
-            <a:r>
-              <a:rPr lang="en-US" altLang="ko-KR" sz="2400" dirty="0"/>
-              <a:t>.</a:t>
-            </a:r>
-            <a:endParaRPr lang="ko-KR" altLang="en-US" sz="2400" dirty="0"/>
-          </a:p>
-        </p:txBody>
-      </p:sp>
-      <p:pic>
-        <p:nvPicPr>
-          <p:cNvPr id="5" name="Picture 4" descr="image"/>
-          <p:cNvPicPr>
-            <a:picLocks noGrp="1" noChangeAspect="1" noChangeArrowheads="1"/>
-          </p:cNvPicPr>
-          <p:nvPr>
-            <p:ph type="pic" idx="1"/>
-          </p:nvPr>
-        </p:nvPicPr>
-        <p:blipFill>
-          <a:blip r:embed="rId2">
-            <a:extLst>
-              <a:ext uri="{28A0092B-C50C-407E-A947-70E740481C1C}">
-                <a14:useLocalDpi xmlns:a14="http://schemas.microsoft.com/office/drawing/2010/main" val="0"/>
-              </a:ext>
-            </a:extLst>
-          </a:blip>
-          <a:srcRect l="1482" r="1482"/>
-          <a:stretch>
-            <a:fillRect/>
-          </a:stretch>
-        </p:blipFill>
-        <p:spPr bwMode="auto">
-          <a:prstGeom prst="rect">
-            <a:avLst/>
-          </a:prstGeom>
-          <a:noFill/>
-          <a:extLst>
-            <a:ext uri="{909E8E84-426E-40DD-AFC4-6F175D3DCCD1}">
-              <a14:hiddenFill xmlns:a14="http://schemas.microsoft.com/office/drawing/2010/main">
-                <a:solidFill>
-                  <a:srgbClr val="FFFFFF"/>
-                </a:solidFill>
-              </a14:hiddenFill>
-            </a:ext>
-          </a:extLst>
-        </p:spPr>
-      </p:pic>
-    </p:spTree>
-    <p:extLst>
-      <p:ext uri="{BB962C8B-B14F-4D97-AF65-F5344CB8AC3E}">
-        <p14:creationId xmlns:p14="http://schemas.microsoft.com/office/powerpoint/2010/main" val="2245858954"/>
-      </p:ext>
-    </p:extLst>
-  </p:cSld>
-  <p:clrMapOvr>
-    <a:masterClrMapping/>
-  </p:clrMapOvr>
-</p:sld>
-</file>
-
-<file path=ppt/slides/slide19.xml><?xml version="1.0" encoding="utf-8"?>
-<p:sld xmlns:a="http://schemas.openxmlformats.org/drawingml/2006/main" xmlns:r="http://schemas.openxmlformats.org/officeDocument/2006/relationships" xmlns:p="http://schemas.openxmlformats.org/presentationml/2006/main">
-  <p:cSld>
-    <p:spTree>
-      <p:nvGrpSpPr>
-        <p:cNvPr id="1" name=""/>
-        <p:cNvGrpSpPr/>
-        <p:nvPr/>
-      </p:nvGrpSpPr>
-      <p:grpSpPr>
-        <a:xfrm>
-          <a:off x="0" y="0"/>
-          <a:ext cx="0" cy="0"/>
-          <a:chOff x="0" y="0"/>
-          <a:chExt cx="0" cy="0"/>
-        </a:xfrm>
-      </p:grpSpPr>
-      <p:sp>
-        <p:nvSpPr>
-          <p:cNvPr id="2" name="제목 1"/>
-          <p:cNvSpPr>
-            <a:spLocks noGrp="1"/>
-          </p:cNvSpPr>
-          <p:nvPr>
-            <p:ph type="title"/>
-          </p:nvPr>
-        </p:nvSpPr>
-        <p:spPr/>
-        <p:txBody>
-          <a:bodyPr/>
-          <a:lstStyle/>
-          <a:p>
-            <a:r>
-              <a:rPr lang="en-US" altLang="ko-KR" b="1" dirty="0"/>
-              <a:t>5. pm2</a:t>
-            </a:r>
-            <a:r>
-              <a:rPr lang="ko-KR" altLang="en-US" b="1" dirty="0"/>
-              <a:t>를 이용하여 서버 </a:t>
-            </a:r>
-            <a:r>
-              <a:rPr lang="ko-KR" altLang="en-US" b="1" dirty="0" smtClean="0"/>
-              <a:t>자동실행하기</a:t>
-            </a:r>
-            <a:endParaRPr lang="ko-KR" altLang="en-US" dirty="0"/>
-          </a:p>
-        </p:txBody>
-      </p:sp>
-      <p:sp>
-        <p:nvSpPr>
-          <p:cNvPr id="3" name="내용 개체 틀 2"/>
-          <p:cNvSpPr>
-            <a:spLocks noGrp="1"/>
-          </p:cNvSpPr>
-          <p:nvPr>
-            <p:ph idx="1"/>
-          </p:nvPr>
-        </p:nvSpPr>
-        <p:spPr/>
-        <p:txBody>
-          <a:bodyPr>
-            <a:normAutofit/>
-          </a:bodyPr>
-          <a:lstStyle/>
-          <a:p>
-            <a:r>
-              <a:rPr lang="en-US" altLang="ko-KR" sz="2000" dirty="0"/>
-              <a:t>pm2 </a:t>
-            </a:r>
-            <a:r>
-              <a:rPr lang="ko-KR" altLang="en-US" sz="2000" dirty="0" smtClean="0"/>
-              <a:t>설치</a:t>
-            </a:r>
-            <a:endParaRPr lang="en-US" altLang="ko-KR" sz="2000" dirty="0" smtClean="0"/>
-          </a:p>
-          <a:p>
-            <a:r>
-              <a:rPr lang="en-US" altLang="ko-KR" sz="2000" dirty="0" err="1" smtClean="0"/>
-              <a:t>sudo</a:t>
-            </a:r>
-            <a:r>
-              <a:rPr lang="en-US" altLang="ko-KR" sz="2000" dirty="0" smtClean="0"/>
-              <a:t> </a:t>
-            </a:r>
-            <a:r>
-              <a:rPr lang="en-US" altLang="ko-KR" sz="2000" dirty="0" err="1"/>
-              <a:t>npm</a:t>
-            </a:r>
-            <a:r>
-              <a:rPr lang="en-US" altLang="ko-KR" sz="2000" dirty="0"/>
-              <a:t> install -g pm2</a:t>
-            </a:r>
-          </a:p>
-          <a:p>
-            <a:r>
-              <a:rPr lang="en-US" altLang="ko-KR" sz="2000" dirty="0" err="1" smtClean="0"/>
-              <a:t>npm</a:t>
-            </a:r>
-            <a:r>
-              <a:rPr lang="en-US" altLang="ko-KR" sz="2000" dirty="0" smtClean="0"/>
-              <a:t> </a:t>
-            </a:r>
-            <a:r>
-              <a:rPr lang="en-US" altLang="ko-KR" sz="2000" dirty="0"/>
-              <a:t>audit fix</a:t>
-            </a:r>
-            <a:r>
-              <a:rPr lang="ko-KR" altLang="en-US" sz="2000" dirty="0" smtClean="0"/>
-              <a:t> </a:t>
-            </a:r>
-            <a:r>
-              <a:rPr lang="ko-KR" altLang="en-US" sz="2000" dirty="0"/>
-              <a:t>터미널에서 </a:t>
-            </a:r>
-            <a:r>
-              <a:rPr lang="ko-KR" altLang="en-US" sz="2000" dirty="0" smtClean="0"/>
-              <a:t>실행</a:t>
-            </a:r>
-            <a:endParaRPr lang="en-US" altLang="ko-KR" sz="2000" dirty="0" smtClean="0"/>
-          </a:p>
-          <a:p>
-            <a:endParaRPr lang="en-US" altLang="ko-KR" sz="2000" dirty="0" smtClean="0"/>
-          </a:p>
-          <a:p>
-            <a:r>
-              <a:rPr lang="en-US" altLang="ko-KR" sz="2000" dirty="0" smtClean="0"/>
-              <a:t>※ </a:t>
-            </a:r>
-            <a:r>
-              <a:rPr lang="ko-KR" altLang="en-US" sz="2000" dirty="0" smtClean="0"/>
-              <a:t>만약 </a:t>
-            </a:r>
-            <a:r>
-              <a:rPr lang="ko-KR" altLang="en-US" sz="2000" dirty="0"/>
-              <a:t>오류가 출력된다면</a:t>
-            </a:r>
-          </a:p>
-          <a:p>
-            <a:r>
-              <a:rPr lang="en-US" altLang="ko-KR" sz="2000" dirty="0" smtClean="0"/>
-              <a:t>$</a:t>
-            </a:r>
-            <a:r>
-              <a:rPr lang="en-US" altLang="ko-KR" sz="2000" dirty="0"/>
-              <a:t>HOME/node-v18.17.1-linux-armv64/bin/</a:t>
-            </a:r>
-            <a:r>
-              <a:rPr lang="en-US" altLang="ko-KR" sz="2000" dirty="0" err="1"/>
-              <a:t>npm</a:t>
-            </a:r>
-            <a:r>
-              <a:rPr lang="en-US" altLang="ko-KR" sz="2000" dirty="0"/>
-              <a:t> install </a:t>
-            </a:r>
-            <a:r>
-              <a:rPr lang="en-US" altLang="ko-KR" sz="2000" dirty="0" smtClean="0"/>
-              <a:t>–g </a:t>
-            </a:r>
-            <a:r>
-              <a:rPr lang="en-US" altLang="ko-KR" sz="2000" dirty="0"/>
-              <a:t>pm2</a:t>
-            </a:r>
-          </a:p>
-          <a:p>
-            <a:r>
-              <a:rPr lang="ko-KR" altLang="en-US" sz="2000" dirty="0" smtClean="0"/>
-              <a:t>해당 </a:t>
-            </a:r>
-            <a:r>
-              <a:rPr lang="ko-KR" altLang="en-US" sz="2000" dirty="0"/>
-              <a:t>명령어로 </a:t>
-            </a:r>
-            <a:r>
-              <a:rPr lang="en-US" altLang="ko-KR" sz="2000" dirty="0"/>
-              <a:t>pm2</a:t>
-            </a:r>
-            <a:r>
-              <a:rPr lang="ko-KR" altLang="en-US" sz="2000" dirty="0"/>
-              <a:t>를 </a:t>
-            </a:r>
-            <a:r>
-              <a:rPr lang="ko-KR" altLang="en-US" sz="2000" dirty="0" smtClean="0"/>
-              <a:t>설치해보세요</a:t>
-            </a:r>
-            <a:r>
-              <a:rPr lang="en-US" altLang="ko-KR" sz="2000" dirty="0" smtClean="0"/>
-              <a:t>.</a:t>
-            </a:r>
-          </a:p>
-          <a:p>
-            <a:endParaRPr lang="ko-KR" altLang="en-US" sz="2000" dirty="0"/>
-          </a:p>
-        </p:txBody>
-      </p:sp>
-    </p:spTree>
-    <p:extLst>
-      <p:ext uri="{BB962C8B-B14F-4D97-AF65-F5344CB8AC3E}">
-        <p14:creationId xmlns:p14="http://schemas.microsoft.com/office/powerpoint/2010/main" val="2590645379"/>
       </p:ext>
     </p:extLst>
   </p:cSld>
@@ -6075,6 +6344,364 @@
             <p:ph type="title"/>
           </p:nvPr>
         </p:nvSpPr>
+        <p:spPr/>
+        <p:txBody>
+          <a:bodyPr anchor="t">
+            <a:noAutofit/>
+          </a:bodyPr>
+          <a:lstStyle/>
+          <a:p>
+            <a:r>
+              <a:rPr lang="ko-KR" altLang="en-US" sz="2400" dirty="0" smtClean="0"/>
+              <a:t>브라우저를 실행하여 </a:t>
+            </a:r>
+            <a:r>
+              <a:rPr lang="en-US" altLang="ko-KR" sz="2400" dirty="0" smtClean="0"/>
+              <a:t>localhost:8888</a:t>
+            </a:r>
+            <a:r>
+              <a:rPr lang="ko-KR" altLang="en-US" sz="2400" dirty="0" smtClean="0"/>
+              <a:t>으로 접속</a:t>
+            </a:r>
+            <a:endParaRPr lang="ko-KR" altLang="en-US" sz="2400" dirty="0"/>
+          </a:p>
+        </p:txBody>
+      </p:sp>
+      <p:sp>
+        <p:nvSpPr>
+          <p:cNvPr id="4" name="텍스트 개체 틀 3"/>
+          <p:cNvSpPr>
+            <a:spLocks noGrp="1"/>
+          </p:cNvSpPr>
+          <p:nvPr>
+            <p:ph type="body" sz="half" idx="2"/>
+          </p:nvPr>
+        </p:nvSpPr>
+        <p:spPr/>
+        <p:txBody>
+          <a:bodyPr>
+            <a:normAutofit/>
+          </a:bodyPr>
+          <a:lstStyle/>
+          <a:p>
+            <a:r>
+              <a:rPr lang="ko-KR" altLang="en-US" sz="2400" dirty="0" smtClean="0"/>
+              <a:t>해당 페이지의 접속이 확인되면 </a:t>
+            </a:r>
+            <a:r>
+              <a:rPr lang="ko-KR" altLang="en-US" sz="2400" dirty="0"/>
+              <a:t>이제 </a:t>
+            </a:r>
+            <a:r>
+              <a:rPr lang="en-US" altLang="ko-KR" sz="2400" dirty="0"/>
+              <a:t>PM2</a:t>
+            </a:r>
+            <a:r>
+              <a:rPr lang="ko-KR" altLang="en-US" sz="2400" dirty="0" smtClean="0"/>
+              <a:t>를 설치하여 </a:t>
+            </a:r>
+            <a:r>
+              <a:rPr lang="ko-KR" altLang="en-US" sz="2400" dirty="0"/>
+              <a:t>자동으로 서버를 </a:t>
+            </a:r>
+            <a:r>
+              <a:rPr lang="ko-KR" altLang="en-US" sz="2400" dirty="0" smtClean="0"/>
+              <a:t>실행합니다</a:t>
+            </a:r>
+            <a:r>
+              <a:rPr lang="en-US" altLang="ko-KR" sz="2400" dirty="0"/>
+              <a:t>.</a:t>
+            </a:r>
+            <a:endParaRPr lang="ko-KR" altLang="en-US" sz="2400" dirty="0"/>
+          </a:p>
+        </p:txBody>
+      </p:sp>
+      <p:pic>
+        <p:nvPicPr>
+          <p:cNvPr id="5" name="Picture 4" descr="image"/>
+          <p:cNvPicPr>
+            <a:picLocks noGrp="1" noChangeAspect="1" noChangeArrowheads="1"/>
+          </p:cNvPicPr>
+          <p:nvPr>
+            <p:ph type="pic" idx="1"/>
+          </p:nvPr>
+        </p:nvPicPr>
+        <p:blipFill>
+          <a:blip r:embed="rId2">
+            <a:extLst>
+              <a:ext uri="{28A0092B-C50C-407E-A947-70E740481C1C}">
+                <a14:useLocalDpi xmlns:a14="http://schemas.microsoft.com/office/drawing/2010/main" val="0"/>
+              </a:ext>
+            </a:extLst>
+          </a:blip>
+          <a:srcRect l="1482" r="1482"/>
+          <a:stretch>
+            <a:fillRect/>
+          </a:stretch>
+        </p:blipFill>
+        <p:spPr bwMode="auto">
+          <a:prstGeom prst="rect">
+            <a:avLst/>
+          </a:prstGeom>
+          <a:noFill/>
+          <a:extLst>
+            <a:ext uri="{909E8E84-426E-40DD-AFC4-6F175D3DCCD1}">
+              <a14:hiddenFill xmlns:a14="http://schemas.microsoft.com/office/drawing/2010/main">
+                <a:solidFill>
+                  <a:srgbClr val="FFFFFF"/>
+                </a:solidFill>
+              </a14:hiddenFill>
+            </a:ext>
+          </a:extLst>
+        </p:spPr>
+      </p:pic>
+    </p:spTree>
+    <p:extLst>
+      <p:ext uri="{BB962C8B-B14F-4D97-AF65-F5344CB8AC3E}">
+        <p14:creationId xmlns:p14="http://schemas.microsoft.com/office/powerpoint/2010/main" val="2245858954"/>
+      </p:ext>
+    </p:extLst>
+  </p:cSld>
+  <p:clrMapOvr>
+    <a:masterClrMapping/>
+  </p:clrMapOvr>
+</p:sld>
+</file>
+
+<file path=ppt/slides/slide21.xml><?xml version="1.0" encoding="utf-8"?>
+<p:sld xmlns:a="http://schemas.openxmlformats.org/drawingml/2006/main" xmlns:r="http://schemas.openxmlformats.org/officeDocument/2006/relationships" xmlns:p="http://schemas.openxmlformats.org/presentationml/2006/main">
+  <p:cSld>
+    <p:spTree>
+      <p:nvGrpSpPr>
+        <p:cNvPr id="1" name=""/>
+        <p:cNvGrpSpPr/>
+        <p:nvPr/>
+      </p:nvGrpSpPr>
+      <p:grpSpPr>
+        <a:xfrm>
+          <a:off x="0" y="0"/>
+          <a:ext cx="0" cy="0"/>
+          <a:chOff x="0" y="0"/>
+          <a:chExt cx="0" cy="0"/>
+        </a:xfrm>
+      </p:grpSpPr>
+      <p:sp>
+        <p:nvSpPr>
+          <p:cNvPr id="2" name="제목 1"/>
+          <p:cNvSpPr>
+            <a:spLocks noGrp="1"/>
+          </p:cNvSpPr>
+          <p:nvPr>
+            <p:ph type="title"/>
+          </p:nvPr>
+        </p:nvSpPr>
+        <p:spPr/>
+        <p:txBody>
+          <a:bodyPr/>
+          <a:lstStyle/>
+          <a:p>
+            <a:r>
+              <a:rPr lang="en-US" altLang="ko-KR" b="1" dirty="0"/>
+              <a:t>5. pm2</a:t>
+            </a:r>
+            <a:r>
+              <a:rPr lang="ko-KR" altLang="en-US" b="1" dirty="0"/>
+              <a:t>를 이용하여 서버 </a:t>
+            </a:r>
+            <a:r>
+              <a:rPr lang="ko-KR" altLang="en-US" b="1" dirty="0" smtClean="0"/>
+              <a:t>자동실행하기</a:t>
+            </a:r>
+            <a:endParaRPr lang="ko-KR" altLang="en-US" dirty="0"/>
+          </a:p>
+        </p:txBody>
+      </p:sp>
+      <p:sp>
+        <p:nvSpPr>
+          <p:cNvPr id="3" name="내용 개체 틀 2"/>
+          <p:cNvSpPr>
+            <a:spLocks noGrp="1"/>
+          </p:cNvSpPr>
+          <p:nvPr>
+            <p:ph idx="1"/>
+          </p:nvPr>
+        </p:nvSpPr>
+        <p:spPr/>
+        <p:txBody>
+          <a:bodyPr>
+            <a:normAutofit/>
+          </a:bodyPr>
+          <a:lstStyle/>
+          <a:p>
+            <a:r>
+              <a:rPr lang="en-US" altLang="ko-KR" sz="2000" dirty="0"/>
+              <a:t>pm2 </a:t>
+            </a:r>
+            <a:r>
+              <a:rPr lang="ko-KR" altLang="en-US" sz="2000" dirty="0" smtClean="0"/>
+              <a:t>설치</a:t>
+            </a:r>
+            <a:endParaRPr lang="en-US" altLang="ko-KR" sz="2000" dirty="0" smtClean="0"/>
+          </a:p>
+          <a:p>
+            <a:r>
+              <a:rPr lang="en-US" altLang="ko-KR" sz="2000" dirty="0" err="1" smtClean="0"/>
+              <a:t>sudo</a:t>
+            </a:r>
+            <a:r>
+              <a:rPr lang="en-US" altLang="ko-KR" sz="2000" dirty="0" smtClean="0"/>
+              <a:t> </a:t>
+            </a:r>
+            <a:r>
+              <a:rPr lang="en-US" altLang="ko-KR" sz="2000" dirty="0" err="1"/>
+              <a:t>npm</a:t>
+            </a:r>
+            <a:r>
+              <a:rPr lang="en-US" altLang="ko-KR" sz="2000" dirty="0"/>
+              <a:t> install -g pm2</a:t>
+            </a:r>
+          </a:p>
+          <a:p>
+            <a:r>
+              <a:rPr lang="en-US" altLang="ko-KR" sz="2000" dirty="0" err="1" smtClean="0"/>
+              <a:t>npm</a:t>
+            </a:r>
+            <a:r>
+              <a:rPr lang="en-US" altLang="ko-KR" sz="2000" dirty="0" smtClean="0"/>
+              <a:t> </a:t>
+            </a:r>
+            <a:r>
+              <a:rPr lang="en-US" altLang="ko-KR" sz="2000" dirty="0"/>
+              <a:t>audit fix</a:t>
+            </a:r>
+            <a:r>
+              <a:rPr lang="ko-KR" altLang="en-US" sz="2000" dirty="0" smtClean="0"/>
+              <a:t> </a:t>
+            </a:r>
+            <a:r>
+              <a:rPr lang="ko-KR" altLang="en-US" sz="2000" dirty="0"/>
+              <a:t>터미널에서 </a:t>
+            </a:r>
+            <a:r>
+              <a:rPr lang="ko-KR" altLang="en-US" sz="2000" dirty="0" smtClean="0"/>
+              <a:t>실행</a:t>
+            </a:r>
+            <a:endParaRPr lang="en-US" altLang="ko-KR" sz="2000" dirty="0" smtClean="0"/>
+          </a:p>
+          <a:p>
+            <a:endParaRPr lang="en-US" altLang="ko-KR" sz="2000" dirty="0" smtClean="0"/>
+          </a:p>
+          <a:p>
+            <a:r>
+              <a:rPr lang="en-US" altLang="ko-KR" sz="2000" dirty="0" smtClean="0"/>
+              <a:t>※ </a:t>
+            </a:r>
+            <a:r>
+              <a:rPr lang="ko-KR" altLang="en-US" sz="2000" dirty="0" smtClean="0"/>
+              <a:t>만약 </a:t>
+            </a:r>
+            <a:r>
+              <a:rPr lang="ko-KR" altLang="en-US" sz="2000" dirty="0"/>
+              <a:t>오류가 출력된다면</a:t>
+            </a:r>
+          </a:p>
+          <a:p>
+            <a:r>
+              <a:rPr lang="en-US" altLang="ko-KR" sz="2000" dirty="0" smtClean="0"/>
+              <a:t>$</a:t>
+            </a:r>
+            <a:r>
+              <a:rPr lang="en-US" altLang="ko-KR" sz="2000" dirty="0"/>
+              <a:t>HOME/node-v18.17.1-linux-armv64/bin/</a:t>
+            </a:r>
+            <a:r>
+              <a:rPr lang="en-US" altLang="ko-KR" sz="2000" dirty="0" err="1"/>
+              <a:t>npm</a:t>
+            </a:r>
+            <a:r>
+              <a:rPr lang="en-US" altLang="ko-KR" sz="2000" dirty="0"/>
+              <a:t> install </a:t>
+            </a:r>
+            <a:r>
+              <a:rPr lang="en-US" altLang="ko-KR" sz="2000" dirty="0" smtClean="0"/>
+              <a:t>–g </a:t>
+            </a:r>
+            <a:r>
+              <a:rPr lang="en-US" altLang="ko-KR" sz="2000" dirty="0"/>
+              <a:t>pm2</a:t>
+            </a:r>
+          </a:p>
+          <a:p>
+            <a:r>
+              <a:rPr lang="ko-KR" altLang="en-US" sz="2000" dirty="0" smtClean="0"/>
+              <a:t>해당 </a:t>
+            </a:r>
+            <a:r>
+              <a:rPr lang="ko-KR" altLang="en-US" sz="2000" dirty="0"/>
+              <a:t>명령어로 </a:t>
+            </a:r>
+            <a:r>
+              <a:rPr lang="en-US" altLang="ko-KR" sz="2000" dirty="0"/>
+              <a:t>pm2</a:t>
+            </a:r>
+            <a:r>
+              <a:rPr lang="ko-KR" altLang="en-US" sz="2000" dirty="0"/>
+              <a:t>를 </a:t>
+            </a:r>
+            <a:r>
+              <a:rPr lang="ko-KR" altLang="en-US" sz="2000" dirty="0" smtClean="0"/>
+              <a:t>설치해보세요</a:t>
+            </a:r>
+            <a:r>
+              <a:rPr lang="en-US" altLang="ko-KR" sz="2000" dirty="0" smtClean="0"/>
+              <a:t>.</a:t>
+            </a:r>
+          </a:p>
+          <a:p>
+            <a:endParaRPr lang="ko-KR" altLang="en-US" sz="2000" dirty="0"/>
+          </a:p>
+        </p:txBody>
+      </p:sp>
+    </p:spTree>
+    <p:extLst>
+      <p:ext uri="{BB962C8B-B14F-4D97-AF65-F5344CB8AC3E}">
+        <p14:creationId xmlns:p14="http://schemas.microsoft.com/office/powerpoint/2010/main" val="2590645379"/>
+      </p:ext>
+    </p:extLst>
+  </p:cSld>
+  <p:clrMapOvr>
+    <a:masterClrMapping/>
+  </p:clrMapOvr>
+</p:sld>
+</file>
+
+<file path=ppt/slides/slide22.xml><?xml version="1.0" encoding="utf-8"?>
+<p:sld xmlns:a="http://schemas.openxmlformats.org/drawingml/2006/main" xmlns:r="http://schemas.openxmlformats.org/officeDocument/2006/relationships" xmlns:p="http://schemas.openxmlformats.org/presentationml/2006/main">
+  <p:cSld>
+    <p:spTree>
+      <p:nvGrpSpPr>
+        <p:cNvPr id="1" name=""/>
+        <p:cNvGrpSpPr/>
+        <p:nvPr/>
+      </p:nvGrpSpPr>
+      <p:grpSpPr>
+        <a:xfrm>
+          <a:off x="0" y="0"/>
+          <a:ext cx="0" cy="0"/>
+          <a:chOff x="0" y="0"/>
+          <a:chExt cx="0" cy="0"/>
+        </a:xfrm>
+      </p:grpSpPr>
+      <p:sp>
+        <p:nvSpPr>
+          <p:cNvPr id="2" name="제목 1"/>
+          <p:cNvSpPr>
+            <a:spLocks noGrp="1"/>
+          </p:cNvSpPr>
+          <p:nvPr>
+            <p:ph type="title"/>
+          </p:nvPr>
+        </p:nvSpPr>
         <p:spPr>
           <a:xfrm>
             <a:off x="838200" y="365125"/>
@@ -6414,7 +7041,7 @@
 </p:sld>
 </file>
 
-<file path=ppt/slides/slide21.xml><?xml version="1.0" encoding="utf-8"?>
+<file path=ppt/slides/slide23.xml><?xml version="1.0" encoding="utf-8"?>
 <p:sld xmlns:a="http://schemas.openxmlformats.org/drawingml/2006/main" xmlns:r="http://schemas.openxmlformats.org/officeDocument/2006/relationships" xmlns:p="http://schemas.openxmlformats.org/presentationml/2006/main">
   <p:cSld>
     <p:spTree>
@@ -6673,7 +7300,7 @@
 </p:sld>
 </file>
 
-<file path=ppt/slides/slide22.xml><?xml version="1.0" encoding="utf-8"?>
+<file path=ppt/slides/slide24.xml><?xml version="1.0" encoding="utf-8"?>
 <p:sld xmlns:a="http://schemas.openxmlformats.org/drawingml/2006/main" xmlns:r="http://schemas.openxmlformats.org/officeDocument/2006/relationships" xmlns:p="http://schemas.openxmlformats.org/presentationml/2006/main">
   <p:cSld>
     <p:spTree>
@@ -7232,7 +7859,6 @@
               <a:rPr lang="en-US" altLang="ko-KR" dirty="0" smtClean="0"/>
               <a:t>)</a:t>
             </a:r>
-            <a:endParaRPr lang="en-US" altLang="ko-KR" dirty="0" smtClean="0"/>
           </a:p>
           <a:p>
             <a:endParaRPr lang="ko-KR" altLang="en-US" dirty="0"/>
@@ -7325,11 +7951,7 @@
             </a:r>
             <a:r>
               <a:rPr lang="ko-KR" altLang="en-US" dirty="0" smtClean="0"/>
-              <a:t>설치 후 </a:t>
-            </a:r>
-            <a:r>
-              <a:rPr lang="ko-KR" altLang="en-US" dirty="0" smtClean="0"/>
-              <a:t>설정된 </a:t>
+              <a:t>설치 후 설정된 </a:t>
             </a:r>
             <a:r>
               <a:rPr lang="en-US" altLang="ko-KR" dirty="0" smtClean="0"/>
@@ -7395,14 +8017,7 @@
                 <a:effectLst/>
                 <a:latin typeface="-apple-system"/>
               </a:rPr>
-              <a:t>username </a:t>
-            </a:r>
-            <a:r>
-              <a:rPr lang="en-US" altLang="ko-KR" sz="2000" b="0" i="0" dirty="0" smtClean="0">
-                <a:effectLst/>
-                <a:latin typeface="-apple-system"/>
-              </a:rPr>
-              <a:t>: nanonix</a:t>
+              <a:t>username : nanonix</a:t>
             </a:r>
           </a:p>
           <a:p>
@@ -7468,13 +8083,7 @@
               <a:rPr lang="ko-KR" altLang="en-US" sz="2000" dirty="0" smtClean="0">
                 <a:latin typeface="-apple-system"/>
               </a:rPr>
-              <a:t>사전 </a:t>
-            </a:r>
-            <a:r>
-              <a:rPr lang="ko-KR" altLang="en-US" sz="2000" dirty="0" smtClean="0">
-                <a:latin typeface="-apple-system"/>
-              </a:rPr>
-              <a:t>설정된 </a:t>
+              <a:t>사전 설정된 </a:t>
             </a:r>
             <a:r>
               <a:rPr lang="en-US" altLang="ko-KR" sz="2000" dirty="0" smtClean="0">
@@ -7509,13 +8118,7 @@
               <a:rPr lang="ko-KR" altLang="en-US" sz="2000" dirty="0" smtClean="0">
                 <a:latin typeface="-apple-system"/>
               </a:rPr>
-              <a:t>기본 </a:t>
-            </a:r>
-            <a:r>
-              <a:rPr lang="ko-KR" altLang="en-US" sz="2000" dirty="0" smtClean="0">
-                <a:latin typeface="-apple-system"/>
-              </a:rPr>
-              <a:t>설정된 </a:t>
+              <a:t>기본 설정된 </a:t>
             </a:r>
             <a:r>
               <a:rPr lang="en-US" altLang="ko-KR" sz="2000" dirty="0" smtClean="0">
@@ -7633,11 +8236,7 @@
           <a:p>
             <a:r>
               <a:rPr lang="ko-KR" altLang="en-US" dirty="0" smtClean="0"/>
-              <a:t>접속 확인 후 브라우저 </a:t>
-            </a:r>
-            <a:r>
-              <a:rPr lang="ko-KR" altLang="en-US" dirty="0" smtClean="0"/>
-              <a:t>설정 변경</a:t>
+              <a:t>접속 확인 후 브라우저 설정 변경</a:t>
             </a:r>
             <a:endParaRPr lang="ko-KR" altLang="en-US" dirty="0"/>
           </a:p>
@@ -7822,13 +8421,7 @@
               <a:rPr lang="ko-KR" altLang="en-US" sz="2000" dirty="0" smtClean="0">
                 <a:latin typeface="-apple-system"/>
               </a:rPr>
-              <a:t>접속한 페이지에서 </a:t>
-            </a:r>
-            <a:r>
-              <a:rPr lang="ko-KR" altLang="en-US" sz="2000" dirty="0" smtClean="0">
-                <a:latin typeface="-apple-system"/>
-              </a:rPr>
-              <a:t>설정 변경</a:t>
+              <a:t>접속한 페이지에서 설정 변경</a:t>
             </a:r>
             <a:r>
               <a:rPr lang="en-US" altLang="ko-KR" sz="2000" dirty="0" smtClean="0">
@@ -7854,19 +8447,7 @@
               <a:rPr lang="ko-KR" altLang="en-US" sz="2000" dirty="0" smtClean="0">
                 <a:latin typeface="-apple-system"/>
               </a:rPr>
-              <a:t>확인</a:t>
-            </a:r>
-            <a:r>
-              <a:rPr lang="ko-KR" altLang="en-US" sz="2000" dirty="0" smtClean="0">
-                <a:latin typeface="-apple-system"/>
-              </a:rPr>
-              <a:t>이 </a:t>
-            </a:r>
-            <a:r>
-              <a:rPr lang="ko-KR" altLang="en-US" sz="2000" dirty="0" smtClean="0">
-                <a:latin typeface="-apple-system"/>
-              </a:rPr>
-              <a:t>완료되면 </a:t>
+              <a:t>확인이 완료되면 </a:t>
             </a:r>
             <a:r>
               <a:rPr lang="ko-KR" altLang="en-US" sz="2000" dirty="0" err="1" smtClean="0">
@@ -8043,8 +8624,25 @@
             </a:r>
             <a:r>
               <a:rPr lang="en-US" altLang="ko-KR" sz="2000" dirty="0" smtClean="0"/>
+              <a:t>. </a:t>
+            </a:r>
+            <a:r>
+              <a:rPr lang="ko-KR" altLang="en-US" sz="2000" dirty="0" smtClean="0"/>
+              <a:t>기본 설정 값은 </a:t>
+            </a:r>
+            <a:r>
+              <a:rPr lang="en-US" altLang="ko-KR" sz="2000" dirty="0" smtClean="0"/>
+              <a:t>192.168.1.2</a:t>
+            </a:r>
+            <a:r>
+              <a:rPr lang="ko-KR" altLang="en-US" sz="2000" dirty="0" smtClean="0"/>
+              <a:t>로 설정해주세요</a:t>
+            </a:r>
+            <a:r>
+              <a:rPr lang="en-US" altLang="ko-KR" sz="2000" dirty="0" smtClean="0"/>
               <a:t>.</a:t>
             </a:r>
+            <a:endParaRPr lang="en-US" altLang="ko-KR" sz="2000" dirty="0" smtClean="0"/>
           </a:p>
           <a:p>
             <a:pPr marL="0" indent="0">
@@ -8088,62 +8686,79 @@
           <a:p>
             <a:r>
               <a:rPr lang="ko-KR" altLang="en-US" sz="2000" dirty="0" smtClean="0"/>
-              <a:t>들어가는 </a:t>
+              <a:t>출력 전압 </a:t>
+            </a:r>
+            <a:r>
+              <a:rPr lang="en-US" altLang="ko-KR" sz="2000" dirty="0" smtClean="0"/>
+              <a:t>/ </a:t>
+            </a:r>
+            <a:r>
+              <a:rPr lang="ko-KR" altLang="en-US" sz="2000" dirty="0" smtClean="0"/>
+              <a:t>입력 전압의 </a:t>
+            </a:r>
+            <a:r>
+              <a:rPr lang="en-US" altLang="ko-KR" sz="2000" dirty="0" smtClean="0"/>
+              <a:t>scale</a:t>
             </a:r>
             <a:r>
               <a:rPr lang="ko-KR" altLang="en-US" sz="2000" dirty="0"/>
-              <a:t>전압</a:t>
-            </a:r>
-            <a:r>
-              <a:rPr lang="en-US" altLang="ko-KR" sz="2000" dirty="0"/>
-              <a:t>/ </a:t>
+              <a:t>을 </a:t>
+            </a:r>
+            <a:r>
+              <a:rPr lang="ko-KR" altLang="en-US" sz="2000" dirty="0" smtClean="0"/>
+              <a:t>설정 하기 </a:t>
             </a:r>
             <a:r>
               <a:rPr lang="ko-KR" altLang="en-US" sz="2000" dirty="0"/>
-              <a:t>나오는 전압의 </a:t>
-            </a:r>
-            <a:r>
-              <a:rPr lang="en-US" altLang="ko-KR" sz="2000" dirty="0"/>
-              <a:t>scale</a:t>
+              <a:t>위한 </a:t>
+            </a:r>
+            <a:r>
+              <a:rPr lang="ko-KR" altLang="en-US" sz="2000" dirty="0" smtClean="0"/>
+              <a:t>값 </a:t>
             </a:r>
             <a:r>
               <a:rPr lang="ko-KR" altLang="en-US" sz="2000" dirty="0"/>
-              <a:t>을 설정</a:t>
-            </a:r>
-            <a:r>
-              <a:rPr lang="en-US" altLang="ko-KR" sz="2000" dirty="0"/>
-              <a:t>					                </a:t>
+              <a:t>입니다</a:t>
+            </a:r>
+            <a:r>
+              <a:rPr lang="en-US" altLang="ko-KR" sz="2000" dirty="0"/>
+              <a:t>.</a:t>
+            </a:r>
+          </a:p>
+          <a:p>
+            <a:r>
+              <a:rPr lang="ko-KR" altLang="en-US" sz="2000" dirty="0" smtClean="0"/>
+              <a:t>현재는 </a:t>
+            </a:r>
+            <a:r>
+              <a:rPr lang="en-US" altLang="ko-KR" sz="2000" dirty="0" smtClean="0"/>
+              <a:t>Output / Input</a:t>
+            </a:r>
+            <a:r>
+              <a:rPr lang="ko-KR" altLang="en-US" sz="2000" dirty="0" smtClean="0"/>
+              <a:t> </a:t>
             </a:r>
             <a:r>
               <a:rPr lang="ko-KR" altLang="en-US" sz="2000" dirty="0"/>
-              <a:t>하기 위한 설정 값 입니다</a:t>
-            </a:r>
-            <a:r>
-              <a:rPr lang="en-US" altLang="ko-KR" sz="2000" dirty="0"/>
+              <a:t>동일하게 </a:t>
+            </a:r>
+            <a:r>
+              <a:rPr lang="en-US" altLang="ko-KR" sz="2000" dirty="0" smtClean="0"/>
+              <a:t>3960/330</a:t>
+            </a:r>
+            <a:r>
+              <a:rPr lang="ko-KR" altLang="en-US" sz="2000" dirty="0" smtClean="0"/>
+              <a:t>으로 </a:t>
+            </a:r>
+            <a:r>
+              <a:rPr lang="ko-KR" altLang="en-US" sz="2000" dirty="0" smtClean="0"/>
+              <a:t>설정 후 저장을 눌러주세요</a:t>
+            </a:r>
+            <a:r>
+              <a:rPr lang="en-US" altLang="ko-KR" sz="2000" dirty="0" smtClean="0"/>
               <a:t>.</a:t>
             </a:r>
-          </a:p>
-          <a:p>
-            <a:r>
-              <a:rPr lang="ko-KR" altLang="en-US" sz="2000" dirty="0"/>
-              <a:t>현재는 둘을 동일하게 </a:t>
-            </a:r>
-            <a:r>
-              <a:rPr lang="en-US" altLang="ko-KR" sz="2000" dirty="0" smtClean="0"/>
-              <a:t>3960/330</a:t>
-            </a:r>
-            <a:r>
-              <a:rPr lang="ko-KR" altLang="en-US" sz="2000" dirty="0" smtClean="0"/>
-              <a:t>으로 </a:t>
-            </a:r>
-            <a:r>
-              <a:rPr lang="ko-KR" altLang="en-US" sz="2000" dirty="0"/>
-              <a:t>설정해주세요</a:t>
-            </a:r>
-            <a:r>
-              <a:rPr lang="en-US" altLang="ko-KR" sz="2000" dirty="0"/>
-              <a:t>.</a:t>
-            </a:r>
+            <a:endParaRPr lang="en-US" altLang="ko-KR" sz="2000" dirty="0"/>
           </a:p>
           <a:p>
             <a:pPr marL="0" indent="0">
@@ -8167,84 +8782,50 @@
       </p:sp>
       <p:pic>
         <p:nvPicPr>
-          <p:cNvPr id="1028" name="Picture 4" descr="image"/>
+          <p:cNvPr id="4" name="그림 3"/>
           <p:cNvPicPr>
-            <a:picLocks noChangeAspect="1" noChangeArrowheads="1"/>
+            <a:picLocks noChangeAspect="1"/>
           </p:cNvPicPr>
           <p:nvPr/>
         </p:nvPicPr>
         <p:blipFill>
-          <a:blip r:embed="rId2">
-            <a:extLst>
-              <a:ext uri="{28A0092B-C50C-407E-A947-70E740481C1C}">
-                <a14:useLocalDpi xmlns:a14="http://schemas.microsoft.com/office/drawing/2010/main" val="0"/>
-              </a:ext>
-            </a:extLst>
-          </a:blip>
-          <a:srcRect/>
+          <a:blip r:embed="rId2"/>
           <a:stretch>
             <a:fillRect/>
           </a:stretch>
         </p:blipFill>
-        <p:spPr bwMode="auto">
+        <p:spPr>
           <a:xfrm>
-            <a:off x="838201" y="1046717"/>
-            <a:ext cx="4428601" cy="1515328"/>
+            <a:off x="838199" y="3033836"/>
+            <a:ext cx="7864221" cy="2011178"/>
           </a:xfrm>
           <a:prstGeom prst="rect">
             <a:avLst/>
           </a:prstGeom>
-          <a:noFill/>
-          <a:extLst>
-            <a:ext uri="{909E8E84-426E-40DD-AFC4-6F175D3DCCD1}">
-              <a14:hiddenFill xmlns:a14="http://schemas.microsoft.com/office/drawing/2010/main">
-                <a:solidFill>
-                  <a:srgbClr val="FFFFFF"/>
-                </a:solidFill>
-              </a14:hiddenFill>
-            </a:ext>
-          </a:extLst>
         </p:spPr>
       </p:pic>
       <p:pic>
         <p:nvPicPr>
-          <p:cNvPr id="1032" name="Picture 8" descr="image"/>
+          <p:cNvPr id="11" name="그림 10"/>
           <p:cNvPicPr>
-            <a:picLocks noChangeAspect="1" noChangeArrowheads="1"/>
+            <a:picLocks noChangeAspect="1"/>
           </p:cNvPicPr>
           <p:nvPr/>
         </p:nvPicPr>
         <p:blipFill>
-          <a:blip r:embed="rId3">
-            <a:extLst>
-              <a:ext uri="{28A0092B-C50C-407E-A947-70E740481C1C}">
-                <a14:useLocalDpi xmlns:a14="http://schemas.microsoft.com/office/drawing/2010/main" val="0"/>
-              </a:ext>
-            </a:extLst>
-          </a:blip>
-          <a:srcRect/>
+          <a:blip r:embed="rId3"/>
           <a:stretch>
             <a:fillRect/>
           </a:stretch>
         </p:blipFill>
-        <p:spPr bwMode="auto">
+        <p:spPr>
           <a:xfrm>
-            <a:off x="838199" y="3183251"/>
-            <a:ext cx="7317604" cy="1880455"/>
+            <a:off x="797314" y="1036177"/>
+            <a:ext cx="10556486" cy="1552157"/>
           </a:xfrm>
           <a:prstGeom prst="rect">
             <a:avLst/>
           </a:prstGeom>
-          <a:noFill/>
-          <a:extLst>
-            <a:ext uri="{909E8E84-426E-40DD-AFC4-6F175D3DCCD1}">
-              <a14:hiddenFill xmlns:a14="http://schemas.microsoft.com/office/drawing/2010/main">
-                <a:solidFill>
-                  <a:srgbClr val="FFFFFF"/>
-                </a:solidFill>
-              </a14:hiddenFill>
-            </a:ext>
-          </a:extLst>
         </p:spPr>
       </p:pic>
     </p:spTree>
@@ -8618,8 +9199,8 @@
         </p:nvSpPr>
         <p:spPr>
           <a:xfrm>
-            <a:off x="838200" y="365126"/>
-            <a:ext cx="10515600" cy="825320"/>
+            <a:off x="838200" y="365125"/>
+            <a:ext cx="10515600" cy="764935"/>
           </a:xfrm>
         </p:spPr>
         <p:txBody>
@@ -8628,19 +9209,27 @@
           <a:p>
             <a:r>
               <a:rPr lang="en-US" altLang="ko-KR" dirty="0" smtClean="0"/>
-              <a:t>XG5000</a:t>
+              <a:t>PC</a:t>
             </a:r>
             <a:r>
               <a:rPr lang="ko-KR" altLang="en-US" dirty="0" smtClean="0"/>
-              <a:t>으로 </a:t>
+              <a:t>의 </a:t>
+            </a:r>
+            <a:r>
+              <a:rPr lang="ko-KR" altLang="en-US" dirty="0" err="1" smtClean="0"/>
+              <a:t>이더넷</a:t>
+            </a:r>
+            <a:r>
+              <a:rPr lang="ko-KR" altLang="en-US" dirty="0" smtClean="0"/>
+              <a:t> </a:t>
             </a:r>
             <a:r>
               <a:rPr lang="en-US" altLang="ko-KR" dirty="0" smtClean="0"/>
-              <a:t>PLC</a:t>
+              <a:t>IP </a:t>
             </a:r>
             <a:r>
               <a:rPr lang="ko-KR" altLang="en-US" dirty="0" smtClean="0"/>
-              <a:t>설정 변경 확인</a:t>
+              <a:t>설정</a:t>
             </a:r>
             <a:endParaRPr lang="ko-KR" altLang="en-US" dirty="0"/>
           </a:p>
@@ -8658,199 +9247,84 @@
         </p:nvSpPr>
         <p:spPr>
           <a:xfrm>
-            <a:off x="838200" y="1345720"/>
-            <a:ext cx="10515600" cy="5141343"/>
+            <a:off x="838200" y="1250830"/>
+            <a:ext cx="10515600" cy="4952012"/>
           </a:xfrm>
         </p:spPr>
         <p:txBody>
-          <a:bodyPr>
-            <a:noAutofit/>
-          </a:bodyPr>
+          <a:bodyPr/>
           <a:lstStyle/>
           <a:p>
             <a:r>
-              <a:rPr lang="en-US" altLang="ko-KR" sz="2000" dirty="0" smtClean="0"/>
-              <a:t>LS</a:t>
-            </a:r>
-            <a:r>
-              <a:rPr lang="ko-KR" altLang="en-US" sz="2000" dirty="0" smtClean="0"/>
-              <a:t>산전 홈페이지에서 </a:t>
-            </a:r>
-            <a:r>
-              <a:rPr lang="en-US" altLang="ko-KR" sz="2000" dirty="0" smtClean="0"/>
-              <a:t>XG5000</a:t>
-            </a:r>
-            <a:r>
-              <a:rPr lang="ko-KR" altLang="en-US" sz="2000" dirty="0" smtClean="0"/>
-              <a:t>을 설치하여 주세요</a:t>
-            </a:r>
-            <a:r>
-              <a:rPr lang="en-US" altLang="ko-KR" sz="2000" dirty="0" smtClean="0"/>
-              <a:t>.</a:t>
-            </a:r>
-          </a:p>
-          <a:p>
-            <a:r>
-              <a:rPr lang="en-US" altLang="ko-KR" sz="2000" dirty="0"/>
-              <a:t>(</a:t>
-            </a:r>
-            <a:r>
-              <a:rPr lang="en-US" altLang="ko-KR" sz="2000" dirty="0">
-                <a:hlinkClick r:id="rId2"/>
-              </a:rPr>
-              <a:t>https://sol.ls-electric.com/kr/ko/newSearch?searchInput=XG5000</a:t>
-            </a:r>
-            <a:r>
-              <a:rPr lang="en-US" altLang="ko-KR" sz="2000" dirty="0" smtClean="0"/>
-              <a:t>)</a:t>
-            </a:r>
-          </a:p>
-          <a:p>
-            <a:r>
-              <a:rPr lang="ko-KR" altLang="en-US" sz="2000" dirty="0" smtClean="0"/>
-              <a:t>해당 프로그램은 </a:t>
-            </a:r>
-            <a:r>
-              <a:rPr lang="ko-KR" altLang="en-US" sz="2000" b="1" dirty="0" smtClean="0"/>
-              <a:t>윈도우에서만 작동</a:t>
-            </a:r>
-            <a:r>
-              <a:rPr lang="ko-KR" altLang="en-US" sz="2000" dirty="0" smtClean="0"/>
-              <a:t>하기때문에 </a:t>
-            </a:r>
-            <a:r>
-              <a:rPr lang="en-US" altLang="ko-KR" sz="2000" dirty="0" smtClean="0"/>
-              <a:t>PC</a:t>
-            </a:r>
-            <a:r>
-              <a:rPr lang="ko-KR" altLang="en-US" sz="2000" dirty="0" smtClean="0"/>
-              <a:t>로 설치가 필요합니다</a:t>
-            </a:r>
-            <a:r>
-              <a:rPr lang="en-US" altLang="ko-KR" sz="2000" dirty="0" smtClean="0"/>
-              <a:t>.</a:t>
-            </a:r>
-          </a:p>
-          <a:p>
-            <a:r>
-              <a:rPr lang="ko-KR" altLang="en-US" sz="2000" dirty="0" smtClean="0"/>
-              <a:t>설치 후 좌측 상단 </a:t>
-            </a:r>
-            <a:r>
-              <a:rPr lang="en-US" altLang="ko-KR" sz="2000" dirty="0" smtClean="0"/>
+              <a:rPr lang="ko-KR" altLang="en-US" dirty="0" smtClean="0"/>
+              <a:t>먼저 제어판 </a:t>
+            </a:r>
+            <a:r>
+              <a:rPr lang="en-US" altLang="ko-KR" dirty="0" smtClean="0"/>
               <a:t>– </a:t>
             </a:r>
             <a:r>
-              <a:rPr lang="ko-KR" altLang="en-US" sz="2000" dirty="0" smtClean="0"/>
-              <a:t>프로젝트 </a:t>
-            </a:r>
-            <a:r>
-              <a:rPr lang="en-US" altLang="ko-KR" sz="2000" dirty="0" smtClean="0"/>
-              <a:t>– PLC</a:t>
-            </a:r>
-            <a:r>
-              <a:rPr lang="ko-KR" altLang="en-US" sz="2000" dirty="0" smtClean="0"/>
-              <a:t>로부터 열기 </a:t>
-            </a:r>
-            <a:r>
-              <a:rPr lang="en-US" altLang="ko-KR" sz="2000" dirty="0" smtClean="0"/>
-              <a:t>– </a:t>
-            </a:r>
-            <a:r>
-              <a:rPr lang="ko-KR" altLang="en-US" sz="2000" dirty="0" err="1" smtClean="0"/>
-              <a:t>이더넷</a:t>
-            </a:r>
-            <a:r>
-              <a:rPr lang="ko-KR" altLang="en-US" sz="2000" dirty="0" smtClean="0"/>
-              <a:t> 모듈</a:t>
-            </a:r>
-            <a:endParaRPr lang="en-US" altLang="ko-KR" sz="2000" dirty="0" smtClean="0"/>
-          </a:p>
-          <a:p>
-            <a:endParaRPr lang="en-US" altLang="ko-KR" sz="2000" dirty="0"/>
-          </a:p>
-          <a:p>
-            <a:endParaRPr lang="en-US" altLang="ko-KR" sz="2000" dirty="0" smtClean="0"/>
-          </a:p>
-          <a:p>
-            <a:endParaRPr lang="en-US" altLang="ko-KR" sz="2000" dirty="0"/>
-          </a:p>
-          <a:p>
-            <a:endParaRPr lang="en-US" altLang="ko-KR" sz="2000" dirty="0" smtClean="0"/>
-          </a:p>
-          <a:p>
-            <a:endParaRPr lang="en-US" altLang="ko-KR" sz="2000" dirty="0"/>
-          </a:p>
-          <a:p>
-            <a:endParaRPr lang="en-US" altLang="ko-KR" sz="2000" dirty="0" smtClean="0"/>
-          </a:p>
-          <a:p>
-            <a:pPr marL="0" indent="0">
-              <a:buNone/>
-            </a:pPr>
-            <a:endParaRPr lang="en-US" altLang="ko-KR" sz="2000" dirty="0" smtClean="0"/>
-          </a:p>
-          <a:p>
-            <a:pPr marL="0" indent="0">
-              <a:buNone/>
-            </a:pPr>
-            <a:r>
-              <a:rPr lang="en-US" altLang="ko-KR" sz="2000" dirty="0" smtClean="0"/>
-              <a:t>IP </a:t>
-            </a:r>
-            <a:r>
-              <a:rPr lang="ko-KR" altLang="en-US" sz="2000" dirty="0" smtClean="0"/>
-              <a:t>찾기를 눌러 </a:t>
-            </a:r>
-            <a:r>
-              <a:rPr lang="en-US" altLang="ko-KR" sz="2000" dirty="0" smtClean="0"/>
-              <a:t>IP</a:t>
-            </a:r>
-            <a:r>
-              <a:rPr lang="ko-KR" altLang="en-US" sz="2000" dirty="0" smtClean="0"/>
-              <a:t>를 찾은 뒤 확인 버튼을 누르고 접속 버튼을 눌러주세요</a:t>
-            </a:r>
-            <a:r>
-              <a:rPr lang="en-US" altLang="ko-KR" sz="2000" dirty="0" smtClean="0"/>
-              <a:t>.</a:t>
-            </a:r>
-          </a:p>
-          <a:p>
-            <a:endParaRPr lang="en-US" altLang="ko-KR" sz="2000" dirty="0"/>
-          </a:p>
-          <a:p>
-            <a:endParaRPr lang="en-US" altLang="ko-KR" sz="2000" dirty="0" smtClean="0"/>
-          </a:p>
-          <a:p>
-            <a:endParaRPr lang="en-US" altLang="ko-KR" sz="2000" dirty="0"/>
-          </a:p>
-          <a:p>
-            <a:endParaRPr lang="en-US" altLang="ko-KR" sz="2000" dirty="0" smtClean="0"/>
-          </a:p>
-          <a:p>
-            <a:endParaRPr lang="en-US" altLang="ko-KR" sz="2000" dirty="0"/>
-          </a:p>
-          <a:p>
-            <a:endParaRPr lang="en-US" altLang="ko-KR" sz="2000" dirty="0" smtClean="0"/>
-          </a:p>
-          <a:p>
-            <a:endParaRPr lang="en-US" altLang="ko-KR" sz="2000" dirty="0"/>
-          </a:p>
-          <a:p>
-            <a:r>
-              <a:rPr lang="en-US" altLang="ko-KR" sz="2000" dirty="0"/>
-              <a:t/>
-            </a:r>
-            <a:br>
-              <a:rPr lang="en-US" altLang="ko-KR" sz="2000" dirty="0"/>
-            </a:br>
-            <a:endParaRPr lang="ko-KR" altLang="en-US" sz="2000" dirty="0"/>
+              <a:rPr lang="ko-KR" altLang="en-US" dirty="0" smtClean="0"/>
+              <a:t>네트워크 연결 보기</a:t>
+            </a:r>
+            <a:endParaRPr lang="en-US" altLang="ko-KR" dirty="0" smtClean="0"/>
+          </a:p>
+          <a:p>
+            <a:endParaRPr lang="en-US" altLang="ko-KR" dirty="0"/>
+          </a:p>
+          <a:p>
+            <a:endParaRPr lang="en-US" altLang="ko-KR" dirty="0" smtClean="0"/>
+          </a:p>
+          <a:p>
+            <a:endParaRPr lang="en-US" altLang="ko-KR" dirty="0"/>
+          </a:p>
+          <a:p>
+            <a:endParaRPr lang="en-US" altLang="ko-KR" dirty="0" smtClean="0"/>
+          </a:p>
+          <a:p>
+            <a:endParaRPr lang="en-US" altLang="ko-KR" dirty="0"/>
+          </a:p>
+          <a:p>
+            <a:endParaRPr lang="en-US" altLang="ko-KR" dirty="0" smtClean="0"/>
+          </a:p>
+          <a:p>
+            <a:endParaRPr lang="en-US" altLang="ko-KR" dirty="0"/>
+          </a:p>
+          <a:p>
+            <a:endParaRPr lang="en-US" altLang="ko-KR" dirty="0" smtClean="0"/>
+          </a:p>
+          <a:p>
+            <a:endParaRPr lang="ko-KR" altLang="en-US" dirty="0"/>
           </a:p>
         </p:txBody>
       </p:sp>
       <p:pic>
         <p:nvPicPr>
-          <p:cNvPr id="5" name="그림 4"/>
+          <p:cNvPr id="4" name="그림 3"/>
+          <p:cNvPicPr>
+            <a:picLocks noChangeAspect="1"/>
+          </p:cNvPicPr>
+          <p:nvPr/>
+        </p:nvPicPr>
+        <p:blipFill>
+          <a:blip r:embed="rId2"/>
+          <a:stretch>
+            <a:fillRect/>
+          </a:stretch>
+        </p:blipFill>
+        <p:spPr>
+          <a:xfrm>
+            <a:off x="767350" y="1923878"/>
+            <a:ext cx="5955127" cy="1008641"/>
+          </a:xfrm>
+          <a:prstGeom prst="rect">
+            <a:avLst/>
+          </a:prstGeom>
+        </p:spPr>
+      </p:pic>
+      <p:pic>
+        <p:nvPicPr>
+          <p:cNvPr id="6" name="그림 5"/>
           <p:cNvPicPr>
             <a:picLocks noChangeAspect="1"/>
           </p:cNvPicPr>
@@ -8864,8 +9338,8 @@
         </p:blipFill>
         <p:spPr>
           <a:xfrm>
-            <a:off x="838201" y="2908853"/>
-            <a:ext cx="2180152" cy="2577547"/>
+            <a:off x="767350" y="3305966"/>
+            <a:ext cx="5577175" cy="1872433"/>
           </a:xfrm>
           <a:prstGeom prst="rect">
             <a:avLst/>
@@ -8888,32 +9362,8 @@
         </p:blipFill>
         <p:spPr>
           <a:xfrm>
-            <a:off x="3469347" y="2908853"/>
-            <a:ext cx="2141755" cy="2577547"/>
-          </a:xfrm>
-          <a:prstGeom prst="rect">
-            <a:avLst/>
-          </a:prstGeom>
-        </p:spPr>
-      </p:pic>
-      <p:pic>
-        <p:nvPicPr>
-          <p:cNvPr id="8" name="그림 7"/>
-          <p:cNvPicPr>
-            <a:picLocks noChangeAspect="1"/>
-          </p:cNvPicPr>
-          <p:nvPr/>
-        </p:nvPicPr>
-        <p:blipFill>
-          <a:blip r:embed="rId5"/>
-          <a:stretch>
-            <a:fillRect/>
-          </a:stretch>
-        </p:blipFill>
-        <p:spPr>
-          <a:xfrm>
-            <a:off x="6062097" y="2908853"/>
-            <a:ext cx="2210098" cy="2577547"/>
+            <a:off x="6722477" y="1158079"/>
+            <a:ext cx="4791075" cy="4295775"/>
           </a:xfrm>
           <a:prstGeom prst="rect">
             <a:avLst/>
@@ -8923,7 +9373,7 @@
     </p:spTree>
     <p:extLst>
       <p:ext uri="{BB962C8B-B14F-4D97-AF65-F5344CB8AC3E}">
-        <p14:creationId xmlns:p14="http://schemas.microsoft.com/office/powerpoint/2010/main" val="2971860384"/>
+        <p14:creationId xmlns:p14="http://schemas.microsoft.com/office/powerpoint/2010/main" val="3907943626"/>
       </p:ext>
     </p:extLst>
   </p:cSld>
@@ -8962,8 +9412,8 @@
         </p:nvSpPr>
         <p:spPr>
           <a:xfrm>
-            <a:off x="838201" y="365125"/>
-            <a:ext cx="10515599" cy="6104686"/>
+            <a:off x="838200" y="365125"/>
+            <a:ext cx="10515600" cy="6070181"/>
           </a:xfrm>
         </p:spPr>
         <p:txBody>
@@ -8973,193 +9423,41 @@
           <a:lstStyle/>
           <a:p>
             <a:r>
-              <a:rPr lang="en-US" altLang="ko-KR" sz="2000" dirty="0" smtClean="0"/>
+              <a:rPr lang="ko-KR" altLang="en-US" sz="2000" dirty="0" smtClean="0"/>
+              <a:t>우측과 같이 설정하고 확인을 눌러 저장해주세요</a:t>
+            </a:r>
+            <a:r>
+              <a:rPr lang="en-US" altLang="ko-KR" sz="2000" dirty="0" smtClean="0"/>
+              <a:t>.</a:t>
+            </a:r>
+            <a:br>
+              <a:rPr lang="en-US" altLang="ko-KR" sz="2000" dirty="0" smtClean="0"/>
+            </a:br>
+            <a:r>
+              <a:rPr lang="en-US" altLang="ko-KR" sz="2000" dirty="0"/>
               <a:t/>
             </a:r>
             <a:br>
-              <a:rPr lang="en-US" altLang="ko-KR" sz="2000" dirty="0" smtClean="0"/>
+              <a:rPr lang="en-US" altLang="ko-KR" sz="2000" dirty="0"/>
             </a:br>
             <a:r>
-              <a:rPr lang="en-US" altLang="ko-KR" sz="2000" dirty="0"/>
-              <a:t/>
+              <a:rPr lang="ko-KR" altLang="en-US" sz="2000" dirty="0" smtClean="0"/>
+              <a:t>저장했다면 다음페이지로 넘어갑니다</a:t>
+            </a:r>
+            <a:r>
+              <a:rPr lang="en-US" altLang="ko-KR" sz="2000" dirty="0" smtClean="0"/>
+              <a:t>.</a:t>
             </a:r>
             <a:br>
-              <a:rPr lang="en-US" altLang="ko-KR" sz="2000" dirty="0"/>
+              <a:rPr lang="en-US" altLang="ko-KR" sz="2000" dirty="0" smtClean="0"/>
             </a:br>
-            <a:r>
-              <a:rPr lang="en-US" altLang="ko-KR" sz="2000" dirty="0" smtClean="0"/>
-              <a:t/>
-            </a:r>
-            <a:br>
-              <a:rPr lang="en-US" altLang="ko-KR" sz="2000" dirty="0" smtClean="0"/>
-            </a:br>
-            <a:r>
-              <a:rPr lang="en-US" altLang="ko-KR" sz="2000" dirty="0"/>
-              <a:t/>
-            </a:r>
-            <a:br>
-              <a:rPr lang="en-US" altLang="ko-KR" sz="2000" dirty="0"/>
-            </a:br>
-            <a:r>
-              <a:rPr lang="en-US" altLang="ko-KR" sz="2000" dirty="0" smtClean="0"/>
-              <a:t/>
-            </a:r>
-            <a:br>
-              <a:rPr lang="en-US" altLang="ko-KR" sz="2000" dirty="0" smtClean="0"/>
-            </a:br>
-            <a:r>
-              <a:rPr lang="en-US" altLang="ko-KR" sz="2000" dirty="0"/>
-              <a:t/>
-            </a:r>
-            <a:br>
-              <a:rPr lang="en-US" altLang="ko-KR" sz="2000" dirty="0"/>
-            </a:br>
-            <a:r>
-              <a:rPr lang="ko-KR" altLang="en-US" sz="2000" dirty="0" smtClean="0"/>
-              <a:t>접속이 완료되면 좌측 탭에서 </a:t>
-            </a:r>
-            <a:r>
-              <a:rPr lang="en-US" altLang="ko-KR" sz="2000" dirty="0" err="1" smtClean="0"/>
-              <a:t>FEnet</a:t>
-            </a:r>
-            <a:r>
-              <a:rPr lang="ko-KR" altLang="en-US" sz="2000" dirty="0" smtClean="0"/>
-              <a:t>설정을 확인해주세요</a:t>
-            </a:r>
-            <a:r>
-              <a:rPr lang="en-US" altLang="ko-KR" sz="2000" dirty="0" smtClean="0"/>
-              <a:t>.</a:t>
-            </a:r>
-            <a:br>
-              <a:rPr lang="en-US" altLang="ko-KR" sz="2000" dirty="0" smtClean="0"/>
-            </a:br>
-            <a:r>
-              <a:rPr lang="en-US" altLang="ko-KR" sz="2000" dirty="0"/>
-              <a:t/>
-            </a:r>
-            <a:br>
-              <a:rPr lang="en-US" altLang="ko-KR" sz="2000" dirty="0"/>
-            </a:br>
-            <a:r>
-              <a:rPr lang="en-US" altLang="ko-KR" sz="2000" dirty="0" smtClean="0"/>
-              <a:t/>
-            </a:r>
-            <a:br>
-              <a:rPr lang="en-US" altLang="ko-KR" sz="2000" dirty="0" smtClean="0"/>
-            </a:br>
-            <a:r>
-              <a:rPr lang="en-US" altLang="ko-KR" sz="2000" dirty="0"/>
-              <a:t/>
-            </a:r>
-            <a:br>
-              <a:rPr lang="en-US" altLang="ko-KR" sz="2000" dirty="0"/>
-            </a:br>
-            <a:r>
-              <a:rPr lang="ko-KR" altLang="en-US" sz="2000" dirty="0" smtClean="0"/>
-              <a:t>우측에 보이는</a:t>
-            </a:r>
-            <a:r>
-              <a:rPr lang="en-US" altLang="ko-KR" sz="2000" dirty="0" smtClean="0"/>
-              <a:t/>
-            </a:r>
-            <a:br>
-              <a:rPr lang="en-US" altLang="ko-KR" sz="2000" dirty="0" smtClean="0"/>
-            </a:br>
-            <a:r>
-              <a:rPr lang="ko-KR" altLang="en-US" sz="2000" dirty="0" smtClean="0"/>
-              <a:t>기본 설정 </a:t>
-            </a:r>
-            <a:r>
-              <a:rPr lang="en-US" altLang="ko-KR" sz="2000" dirty="0" smtClean="0"/>
-              <a:t>– IP </a:t>
-            </a:r>
-            <a:r>
-              <a:rPr lang="ko-KR" altLang="en-US" sz="2000" dirty="0" smtClean="0"/>
-              <a:t>주소 </a:t>
-            </a:r>
-            <a:r>
-              <a:rPr lang="en-US" altLang="ko-KR" sz="2000" dirty="0" smtClean="0"/>
-              <a:t>:</a:t>
-            </a:r>
-            <a:r>
-              <a:rPr lang="ko-KR" altLang="en-US" sz="2000" dirty="0" smtClean="0"/>
-              <a:t> </a:t>
-            </a:r>
-            <a:r>
-              <a:rPr lang="en-US" altLang="ko-KR" sz="2000" dirty="0" smtClean="0"/>
-              <a:t>‘192.168.1.2’</a:t>
-            </a:r>
-            <a:r>
-              <a:rPr lang="ko-KR" altLang="en-US" sz="2000" dirty="0" smtClean="0"/>
-              <a:t>는</a:t>
-            </a:r>
-            <a:r>
-              <a:rPr lang="en-US" altLang="ko-KR" sz="2000" dirty="0" smtClean="0"/>
-              <a:t/>
-            </a:r>
-            <a:br>
-              <a:rPr lang="en-US" altLang="ko-KR" sz="2000" dirty="0" smtClean="0"/>
-            </a:br>
-            <a:r>
-              <a:rPr lang="en-US" altLang="ko-KR" sz="2000" dirty="0" smtClean="0"/>
-              <a:t/>
-            </a:r>
-            <a:br>
-              <a:rPr lang="en-US" altLang="ko-KR" sz="2000" dirty="0" smtClean="0"/>
-            </a:br>
-            <a:r>
-              <a:rPr lang="en-US" altLang="ko-KR" sz="2000" dirty="0" smtClean="0"/>
-              <a:t>localhost:8888</a:t>
-            </a:r>
-            <a:r>
-              <a:rPr lang="ko-KR" altLang="en-US" sz="2000" dirty="0" smtClean="0"/>
-              <a:t>에서 설정할 접속 </a:t>
-            </a:r>
-            <a:r>
-              <a:rPr lang="en-US" altLang="ko-KR" sz="2000" dirty="0" smtClean="0"/>
-              <a:t>IP</a:t>
-            </a:r>
-            <a:r>
-              <a:rPr lang="ko-KR" altLang="en-US" sz="2000" dirty="0" smtClean="0"/>
-              <a:t>입니다</a:t>
-            </a:r>
-            <a:r>
-              <a:rPr lang="en-US" altLang="ko-KR" sz="2000" dirty="0" smtClean="0"/>
-              <a:t>.</a:t>
-            </a:r>
-            <a:br>
-              <a:rPr lang="en-US" altLang="ko-KR" sz="2000" dirty="0" smtClean="0"/>
-            </a:br>
-            <a:r>
-              <a:rPr lang="en-US" altLang="ko-KR" sz="2000" dirty="0" smtClean="0"/>
-              <a:t/>
-            </a:r>
-            <a:br>
-              <a:rPr lang="en-US" altLang="ko-KR" sz="2000" dirty="0" smtClean="0"/>
-            </a:br>
-            <a:r>
-              <a:rPr lang="ko-KR" altLang="en-US" sz="2000" dirty="0" smtClean="0"/>
-              <a:t>워드 영역을 </a:t>
-            </a:r>
-            <a:r>
-              <a:rPr lang="en-US" altLang="ko-KR" sz="2000" dirty="0" smtClean="0"/>
-              <a:t>D00000</a:t>
-            </a:r>
-            <a:r>
-              <a:rPr lang="ko-KR" altLang="en-US" sz="2000" dirty="0" smtClean="0"/>
-              <a:t>로 설정하여 주세요</a:t>
-            </a:r>
-            <a:r>
-              <a:rPr lang="en-US" altLang="ko-KR" sz="2000" dirty="0" smtClean="0"/>
-              <a:t>.</a:t>
-            </a:r>
             <a:endParaRPr lang="ko-KR" altLang="en-US" sz="2000" dirty="0"/>
           </a:p>
         </p:txBody>
       </p:sp>
       <p:pic>
         <p:nvPicPr>
-          <p:cNvPr id="4" name="그림 3"/>
+          <p:cNvPr id="9" name="그림 8"/>
           <p:cNvPicPr>
             <a:picLocks noChangeAspect="1"/>
           </p:cNvPicPr>
@@ -9173,32 +9471,8 @@
         </p:blipFill>
         <p:spPr>
           <a:xfrm>
-            <a:off x="960174" y="365125"/>
-            <a:ext cx="3397370" cy="1476829"/>
-          </a:xfrm>
-          <a:prstGeom prst="rect">
-            <a:avLst/>
-          </a:prstGeom>
-        </p:spPr>
-      </p:pic>
-      <p:pic>
-        <p:nvPicPr>
-          <p:cNvPr id="8" name="그림 7"/>
-          <p:cNvPicPr>
-            <a:picLocks noChangeAspect="1"/>
-          </p:cNvPicPr>
-          <p:nvPr/>
-        </p:nvPicPr>
-        <p:blipFill>
-          <a:blip r:embed="rId3"/>
-          <a:stretch>
-            <a:fillRect/>
-          </a:stretch>
-        </p:blipFill>
-        <p:spPr>
-          <a:xfrm>
-            <a:off x="5779698" y="2423947"/>
-            <a:ext cx="6150998" cy="4140755"/>
+            <a:off x="6663007" y="430063"/>
+            <a:ext cx="4894168" cy="5625681"/>
           </a:xfrm>
           <a:prstGeom prst="rect">
             <a:avLst/>
@@ -9208,7 +9482,7 @@
     </p:spTree>
     <p:extLst>
       <p:ext uri="{BB962C8B-B14F-4D97-AF65-F5344CB8AC3E}">
-        <p14:creationId xmlns:p14="http://schemas.microsoft.com/office/powerpoint/2010/main" val="1680327238"/>
+        <p14:creationId xmlns:p14="http://schemas.microsoft.com/office/powerpoint/2010/main" val="379553754"/>
       </p:ext>
     </p:extLst>
   </p:cSld>
